--- a/Presentations/Trees Get Degrees_Full_Presentation.pptx
+++ b/Presentations/Trees Get Degrees_Full_Presentation.pptx
@@ -12,11 +12,12 @@
     <p:sldId id="262" r:id="rId6"/>
     <p:sldId id="267" r:id="rId7"/>
     <p:sldId id="270" r:id="rId8"/>
-    <p:sldId id="265" r:id="rId9"/>
-    <p:sldId id="269" r:id="rId10"/>
+    <p:sldId id="269" r:id="rId9"/>
+    <p:sldId id="265" r:id="rId10"/>
     <p:sldId id="268" r:id="rId11"/>
     <p:sldId id="263" r:id="rId12"/>
-    <p:sldId id="264" r:id="rId13"/>
+    <p:sldId id="271" r:id="rId13"/>
+    <p:sldId id="264" r:id="rId14"/>
   </p:sldIdLst>
   <p:sldSz cx="12192000" cy="6858000"/>
   <p:notesSz cx="6858000" cy="9144000"/>
@@ -10192,6 +10193,393 @@
 </file>
 
 <file path=ppt/slides/slide12.xml><?xml version="1.0" encoding="utf-8"?>
+<p:sld xmlns:a="http://schemas.openxmlformats.org/drawingml/2006/main" xmlns:r="http://schemas.openxmlformats.org/officeDocument/2006/relationships" xmlns:p="http://schemas.openxmlformats.org/presentationml/2006/main">
+  <p:cSld>
+    <p:spTree>
+      <p:nvGrpSpPr>
+        <p:cNvPr id="1" name=""/>
+        <p:cNvGrpSpPr/>
+        <p:nvPr/>
+      </p:nvGrpSpPr>
+      <p:grpSpPr>
+        <a:xfrm>
+          <a:off x="0" y="0"/>
+          <a:ext cx="0" cy="0"/>
+          <a:chOff x="0" y="0"/>
+          <a:chExt cx="0" cy="0"/>
+        </a:xfrm>
+      </p:grpSpPr>
+      <p:pic>
+        <p:nvPicPr>
+          <p:cNvPr id="4" name="Picture 3">
+            <a:extLst>
+              <a:ext uri="{FF2B5EF4-FFF2-40B4-BE49-F238E27FC236}">
+                <a16:creationId xmlns:a16="http://schemas.microsoft.com/office/drawing/2014/main" id="{B84DBDC7-61E6-4906-B603-1C27D18A3F7B}"/>
+              </a:ext>
+            </a:extLst>
+          </p:cNvPr>
+          <p:cNvPicPr>
+            <a:picLocks noChangeAspect="1"/>
+          </p:cNvPicPr>
+          <p:nvPr/>
+        </p:nvPicPr>
+        <p:blipFill rotWithShape="1">
+          <a:blip r:embed="rId2">
+            <a:alphaModFix amt="35000"/>
+          </a:blip>
+          <a:srcRect l="3348" r="3456" b="6689"/>
+          <a:stretch/>
+        </p:blipFill>
+        <p:spPr>
+          <a:xfrm>
+            <a:off x="-159027" y="3065325"/>
+            <a:ext cx="12510053" cy="3792675"/>
+          </a:xfrm>
+          <a:prstGeom prst="rect">
+            <a:avLst/>
+          </a:prstGeom>
+        </p:spPr>
+      </p:pic>
+      <p:sp>
+        <p:nvSpPr>
+          <p:cNvPr id="2" name="Title 1">
+            <a:extLst>
+              <a:ext uri="{FF2B5EF4-FFF2-40B4-BE49-F238E27FC236}">
+                <a16:creationId xmlns:a16="http://schemas.microsoft.com/office/drawing/2014/main" id="{7F086307-374B-4260-9C20-0314C272F6DF}"/>
+              </a:ext>
+            </a:extLst>
+          </p:cNvPr>
+          <p:cNvSpPr>
+            <a:spLocks noGrp="1"/>
+          </p:cNvSpPr>
+          <p:nvPr>
+            <p:ph type="title"/>
+          </p:nvPr>
+        </p:nvSpPr>
+        <p:spPr/>
+        <p:txBody>
+          <a:bodyPr/>
+          <a:lstStyle/>
+          <a:p>
+            <a:r>
+              <a:rPr lang="en-US" dirty="0"/>
+              <a:t>References</a:t>
+            </a:r>
+          </a:p>
+        </p:txBody>
+      </p:sp>
+      <p:sp>
+        <p:nvSpPr>
+          <p:cNvPr id="3" name="Content Placeholder 2">
+            <a:extLst>
+              <a:ext uri="{FF2B5EF4-FFF2-40B4-BE49-F238E27FC236}">
+                <a16:creationId xmlns:a16="http://schemas.microsoft.com/office/drawing/2014/main" id="{95525517-C50E-4AFF-B6FA-2C5CB0C42F43}"/>
+              </a:ext>
+            </a:extLst>
+          </p:cNvPr>
+          <p:cNvSpPr>
+            <a:spLocks noGrp="1"/>
+          </p:cNvSpPr>
+          <p:nvPr>
+            <p:ph idx="1"/>
+          </p:nvPr>
+        </p:nvSpPr>
+        <p:spPr/>
+        <p:txBody>
+          <a:bodyPr>
+            <a:normAutofit lnSpcReduction="10000"/>
+          </a:bodyPr>
+          <a:lstStyle/>
+          <a:p>
+            <a:pPr marL="514350" indent="-514350">
+              <a:buFont typeface="+mj-lt"/>
+              <a:buAutoNum type="arabicParenR"/>
+            </a:pPr>
+            <a:r>
+              <a:rPr lang="de-DE" dirty="0">
+                <a:effectLst/>
+              </a:rPr>
+              <a:t>Daziel, N. (2017, August 21). </a:t>
+            </a:r>
+            <a:r>
+              <a:rPr lang="de-DE" dirty="0">
+                <a:effectLst/>
+                <a:hlinkClick r:id="rId3"/>
+              </a:rPr>
+              <a:t>https://www.kaggle.com/ndalziel/massachusetts-public-schools-data</a:t>
+            </a:r>
+            <a:r>
+              <a:rPr lang="de-DE" dirty="0">
+                <a:effectLst/>
+              </a:rPr>
+              <a:t>. </a:t>
+            </a:r>
+          </a:p>
+          <a:p>
+            <a:pPr marL="514350" indent="-514350">
+              <a:buFont typeface="+mj-lt"/>
+              <a:buAutoNum type="arabicParenR"/>
+            </a:pPr>
+            <a:r>
+              <a:rPr lang="en-US" b="0" i="0" dirty="0" err="1">
+                <a:solidFill>
+                  <a:srgbClr val="333333"/>
+                </a:solidFill>
+                <a:effectLst/>
+                <a:latin typeface="-apple-system"/>
+              </a:rPr>
+              <a:t>Günlük</a:t>
+            </a:r>
+            <a:r>
+              <a:rPr lang="en-US" b="0" i="0" dirty="0">
+                <a:solidFill>
+                  <a:srgbClr val="333333"/>
+                </a:solidFill>
+                <a:effectLst/>
+                <a:latin typeface="-apple-system"/>
+              </a:rPr>
+              <a:t>, O., </a:t>
+            </a:r>
+            <a:r>
+              <a:rPr lang="en-US" b="0" i="0" dirty="0" err="1">
+                <a:solidFill>
+                  <a:srgbClr val="333333"/>
+                </a:solidFill>
+                <a:effectLst/>
+                <a:latin typeface="-apple-system"/>
+              </a:rPr>
+              <a:t>Kalagnanam</a:t>
+            </a:r>
+            <a:r>
+              <a:rPr lang="en-US" b="0" i="0" dirty="0">
+                <a:solidFill>
+                  <a:srgbClr val="333333"/>
+                </a:solidFill>
+                <a:effectLst/>
+                <a:latin typeface="-apple-system"/>
+              </a:rPr>
+              <a:t>, J., Li, M. </a:t>
+            </a:r>
+            <a:r>
+              <a:rPr lang="en-US" b="0" i="1" dirty="0">
+                <a:solidFill>
+                  <a:srgbClr val="333333"/>
+                </a:solidFill>
+                <a:effectLst/>
+                <a:latin typeface="-apple-system"/>
+              </a:rPr>
+              <a:t>et al.</a:t>
+            </a:r>
+            <a:r>
+              <a:rPr lang="en-US" b="0" i="0" dirty="0">
+                <a:solidFill>
+                  <a:srgbClr val="333333"/>
+                </a:solidFill>
+                <a:effectLst/>
+                <a:latin typeface="-apple-system"/>
+              </a:rPr>
+              <a:t> Optimal decision trees for categorical data via integer programming. </a:t>
+            </a:r>
+            <a:r>
+              <a:rPr lang="en-US" b="0" i="1" dirty="0">
+                <a:solidFill>
+                  <a:srgbClr val="333333"/>
+                </a:solidFill>
+                <a:effectLst/>
+                <a:latin typeface="-apple-system"/>
+              </a:rPr>
+              <a:t>J Glob </a:t>
+            </a:r>
+            <a:r>
+              <a:rPr lang="en-US" b="0" i="1" dirty="0" err="1">
+                <a:solidFill>
+                  <a:srgbClr val="333333"/>
+                </a:solidFill>
+                <a:effectLst/>
+                <a:latin typeface="-apple-system"/>
+              </a:rPr>
+              <a:t>Optim</a:t>
+            </a:r>
+            <a:r>
+              <a:rPr lang="en-US" b="0" i="0" dirty="0">
+                <a:solidFill>
+                  <a:srgbClr val="333333"/>
+                </a:solidFill>
+                <a:effectLst/>
+                <a:latin typeface="-apple-system"/>
+              </a:rPr>
+              <a:t> (2021). </a:t>
+            </a:r>
+            <a:r>
+              <a:rPr lang="en-US" b="0" i="0" dirty="0">
+                <a:solidFill>
+                  <a:srgbClr val="333333"/>
+                </a:solidFill>
+                <a:effectLst/>
+                <a:latin typeface="-apple-system"/>
+                <a:hlinkClick r:id="rId4"/>
+              </a:rPr>
+              <a:t>https://doi.org/10.1007/s10898-021-01009-y</a:t>
+            </a:r>
+            <a:r>
+              <a:rPr lang="en-US" b="0" i="0" dirty="0">
+                <a:solidFill>
+                  <a:srgbClr val="333333"/>
+                </a:solidFill>
+                <a:effectLst/>
+                <a:latin typeface="-apple-system"/>
+              </a:rPr>
+              <a:t> </a:t>
+            </a:r>
+            <a:endParaRPr lang="en-US" i="1" dirty="0"/>
+          </a:p>
+          <a:p>
+            <a:pPr marL="514350" indent="-514350">
+              <a:buFont typeface="+mj-lt"/>
+              <a:buAutoNum type="arabicParenR"/>
+            </a:pPr>
+            <a:r>
+              <a:rPr lang="en-US" i="1" dirty="0"/>
+              <a:t>ILOG AMPL CPLEX System Version 10.0 User’s Guide</a:t>
+            </a:r>
+            <a:r>
+              <a:rPr lang="en-US" dirty="0"/>
+              <a:t>. ILOG (2006). </a:t>
+            </a:r>
+            <a:r>
+              <a:rPr lang="en-US" dirty="0">
+                <a:hlinkClick r:id="rId5"/>
+              </a:rPr>
+              <a:t>https://www.ampl.com/BOOKLETS/amplcplex100userguide.pdf</a:t>
+            </a:r>
+            <a:r>
+              <a:rPr lang="en-US" dirty="0"/>
+              <a:t>.</a:t>
+            </a:r>
+          </a:p>
+          <a:p>
+            <a:pPr marL="514350" indent="-514350">
+              <a:buFont typeface="+mj-lt"/>
+              <a:buAutoNum type="arabicParenR"/>
+            </a:pPr>
+            <a:r>
+              <a:rPr lang="en-US" i="1" dirty="0">
+                <a:effectLst/>
+              </a:rPr>
+              <a:t>Progress reports: interpreting the node log</a:t>
+            </a:r>
+            <a:r>
+              <a:rPr lang="en-US" dirty="0">
+                <a:effectLst/>
+              </a:rPr>
+              <a:t>. IBM. (n.d.). </a:t>
+            </a:r>
+            <a:r>
+              <a:rPr lang="en-US" dirty="0">
+                <a:effectLst/>
+                <a:hlinkClick r:id="rId6"/>
+              </a:rPr>
+              <a:t>https://www.ibm.com/docs/en/icos/12.8.0.0?topic=mip-progress-reports-interpreting-node-log</a:t>
+            </a:r>
+            <a:r>
+              <a:rPr lang="en-US" dirty="0">
+                <a:effectLst/>
+              </a:rPr>
+              <a:t>. </a:t>
+            </a:r>
+          </a:p>
+          <a:p>
+            <a:pPr marL="514350" indent="-514350">
+              <a:buFont typeface="+mj-lt"/>
+              <a:buAutoNum type="arabicParenR"/>
+            </a:pPr>
+            <a:endParaRPr lang="en-US" dirty="0"/>
+          </a:p>
+        </p:txBody>
+      </p:sp>
+      <p:pic>
+        <p:nvPicPr>
+          <p:cNvPr id="1026" name="Picture 2">
+            <a:extLst>
+              <a:ext uri="{FF2B5EF4-FFF2-40B4-BE49-F238E27FC236}">
+                <a16:creationId xmlns:a16="http://schemas.microsoft.com/office/drawing/2014/main" id="{C0E8CA9C-4C82-49ED-8131-A195B0913B4E}"/>
+              </a:ext>
+            </a:extLst>
+          </p:cNvPr>
+          <p:cNvPicPr>
+            <a:picLocks noChangeAspect="1" noChangeArrowheads="1"/>
+          </p:cNvPicPr>
+          <p:nvPr/>
+        </p:nvPicPr>
+        <p:blipFill>
+          <a:blip r:embed="rId7">
+            <a:duotone>
+              <a:schemeClr val="accent6">
+                <a:shade val="45000"/>
+                <a:satMod val="135000"/>
+              </a:schemeClr>
+              <a:prstClr val="white"/>
+            </a:duotone>
+            <a:extLst>
+              <a:ext uri="{BEBA8EAE-BF5A-486C-A8C5-ECC9F3942E4B}">
+                <a14:imgProps xmlns:a14="http://schemas.microsoft.com/office/drawing/2010/main">
+                  <a14:imgLayer r:embed="rId8">
+                    <a14:imgEffect>
+                      <a14:backgroundRemoval t="9939" b="91131" l="10000" r="90000">
+                        <a14:foregroundMark x1="40000" y1="10092" x2="45795" y2="11162"/>
+                        <a14:foregroundMark x1="34773" y1="29205" x2="43864" y2="33180"/>
+                        <a14:foregroundMark x1="45682" y1="34709" x2="53409" y2="31193"/>
+                        <a14:foregroundMark x1="53409" y1="31193" x2="54773" y2="29817"/>
+                        <a14:foregroundMark x1="80000" y1="89755" x2="80795" y2="91131"/>
+                      </a14:backgroundRemoval>
+                    </a14:imgEffect>
+                  </a14:imgLayer>
+                </a14:imgProps>
+              </a:ext>
+              <a:ext uri="{28A0092B-C50C-407E-A947-70E740481C1C}">
+                <a14:useLocalDpi xmlns:a14="http://schemas.microsoft.com/office/drawing/2010/main" val="0"/>
+              </a:ext>
+            </a:extLst>
+          </a:blip>
+          <a:srcRect/>
+          <a:stretch>
+            <a:fillRect/>
+          </a:stretch>
+        </p:blipFill>
+        <p:spPr bwMode="auto">
+          <a:xfrm>
+            <a:off x="3316356" y="525773"/>
+            <a:ext cx="1351306" cy="1004266"/>
+          </a:xfrm>
+          <a:prstGeom prst="rect">
+            <a:avLst/>
+          </a:prstGeom>
+          <a:noFill/>
+          <a:extLst>
+            <a:ext uri="{909E8E84-426E-40DD-AFC4-6F175D3DCCD1}">
+              <a14:hiddenFill xmlns:a14="http://schemas.microsoft.com/office/drawing/2010/main">
+                <a:solidFill>
+                  <a:srgbClr val="FFFFFF"/>
+                </a:solidFill>
+              </a14:hiddenFill>
+            </a:ext>
+          </a:extLst>
+        </p:spPr>
+      </p:pic>
+    </p:spTree>
+    <p:extLst>
+      <p:ext uri="{BB962C8B-B14F-4D97-AF65-F5344CB8AC3E}">
+        <p14:creationId xmlns:p14="http://schemas.microsoft.com/office/powerpoint/2010/main" val="367034344"/>
+      </p:ext>
+    </p:extLst>
+  </p:cSld>
+  <p:clrMapOvr>
+    <a:masterClrMapping/>
+  </p:clrMapOvr>
+</p:sld>
+</file>
+
+<file path=ppt/slides/slide13.xml><?xml version="1.0" encoding="utf-8"?>
 <p:sld xmlns:a="http://schemas.openxmlformats.org/drawingml/2006/main" xmlns:r="http://schemas.openxmlformats.org/officeDocument/2006/relationships" xmlns:p="http://schemas.openxmlformats.org/presentationml/2006/main">
   <p:cSld>
     <p:spTree>
@@ -14780,6 +15168,11 @@
             <a:avLst/>
           </a:prstGeom>
           <a:noFill/>
+          <a:ln>
+            <a:solidFill>
+              <a:schemeClr val="accent1"/>
+            </a:solidFill>
+          </a:ln>
           <a:extLst>
             <a:ext uri="{909E8E84-426E-40DD-AFC4-6F175D3DCCD1}">
               <a14:hiddenFill xmlns:a14="http://schemas.microsoft.com/office/drawing/2010/main">
@@ -14864,1628 +15257,6 @@
           </a:p>
         </p:txBody>
       </p:sp>
-      <p:sp>
-        <p:nvSpPr>
-          <p:cNvPr id="12" name="Oval 11">
-            <a:extLst>
-              <a:ext uri="{FF2B5EF4-FFF2-40B4-BE49-F238E27FC236}">
-                <a16:creationId xmlns:a16="http://schemas.microsoft.com/office/drawing/2014/main" id="{05AC5434-87A7-44BB-A049-86B3B1FE7AFC}"/>
-              </a:ext>
-            </a:extLst>
-          </p:cNvPr>
-          <p:cNvSpPr/>
-          <p:nvPr/>
-        </p:nvSpPr>
-        <p:spPr>
-          <a:xfrm>
-            <a:off x="6019883" y="1690688"/>
-            <a:ext cx="222421" cy="222422"/>
-          </a:xfrm>
-          <a:prstGeom prst="ellipse">
-            <a:avLst/>
-          </a:prstGeom>
-          <a:ln>
-            <a:noFill/>
-          </a:ln>
-        </p:spPr>
-        <p:style>
-          <a:lnRef idx="2">
-            <a:schemeClr val="accent1">
-              <a:shade val="50000"/>
-            </a:schemeClr>
-          </a:lnRef>
-          <a:fillRef idx="1">
-            <a:schemeClr val="accent1"/>
-          </a:fillRef>
-          <a:effectRef idx="0">
-            <a:schemeClr val="accent1"/>
-          </a:effectRef>
-          <a:fontRef idx="minor">
-            <a:schemeClr val="lt1"/>
-          </a:fontRef>
-        </p:style>
-        <p:txBody>
-          <a:bodyPr rtlCol="0" anchor="ctr"/>
-          <a:lstStyle/>
-          <a:p>
-            <a:pPr algn="ctr"/>
-            <a:endParaRPr lang="en-US"/>
-          </a:p>
-        </p:txBody>
-      </p:sp>
-      <p:sp>
-        <p:nvSpPr>
-          <p:cNvPr id="13" name="Oval 12">
-            <a:extLst>
-              <a:ext uri="{FF2B5EF4-FFF2-40B4-BE49-F238E27FC236}">
-                <a16:creationId xmlns:a16="http://schemas.microsoft.com/office/drawing/2014/main" id="{DBC8824A-5CCF-4DC5-AA7F-1335EBA7CC35}"/>
-              </a:ext>
-            </a:extLst>
-          </p:cNvPr>
-          <p:cNvSpPr/>
-          <p:nvPr/>
-        </p:nvSpPr>
-        <p:spPr>
-          <a:xfrm>
-            <a:off x="6343219" y="2244682"/>
-            <a:ext cx="222421" cy="222422"/>
-          </a:xfrm>
-          <a:prstGeom prst="ellipse">
-            <a:avLst/>
-          </a:prstGeom>
-          <a:solidFill>
-            <a:srgbClr val="FF0000"/>
-          </a:solidFill>
-          <a:ln>
-            <a:noFill/>
-          </a:ln>
-        </p:spPr>
-        <p:style>
-          <a:lnRef idx="2">
-            <a:schemeClr val="accent1">
-              <a:shade val="50000"/>
-            </a:schemeClr>
-          </a:lnRef>
-          <a:fillRef idx="1">
-            <a:schemeClr val="accent1"/>
-          </a:fillRef>
-          <a:effectRef idx="0">
-            <a:schemeClr val="accent1"/>
-          </a:effectRef>
-          <a:fontRef idx="minor">
-            <a:schemeClr val="lt1"/>
-          </a:fontRef>
-        </p:style>
-        <p:txBody>
-          <a:bodyPr rtlCol="0" anchor="ctr"/>
-          <a:lstStyle/>
-          <a:p>
-            <a:pPr algn="ctr"/>
-            <a:endParaRPr lang="en-US"/>
-          </a:p>
-        </p:txBody>
-      </p:sp>
-      <p:sp>
-        <p:nvSpPr>
-          <p:cNvPr id="14" name="Oval 13">
-            <a:extLst>
-              <a:ext uri="{FF2B5EF4-FFF2-40B4-BE49-F238E27FC236}">
-                <a16:creationId xmlns:a16="http://schemas.microsoft.com/office/drawing/2014/main" id="{33F17472-FB6C-49AB-B046-EC28CEEA9D21}"/>
-              </a:ext>
-            </a:extLst>
-          </p:cNvPr>
-          <p:cNvSpPr/>
-          <p:nvPr/>
-        </p:nvSpPr>
-        <p:spPr>
-          <a:xfrm>
-            <a:off x="9375745" y="1736125"/>
-            <a:ext cx="222421" cy="222422"/>
-          </a:xfrm>
-          <a:prstGeom prst="ellipse">
-            <a:avLst/>
-          </a:prstGeom>
-          <a:ln>
-            <a:noFill/>
-          </a:ln>
-        </p:spPr>
-        <p:style>
-          <a:lnRef idx="2">
-            <a:schemeClr val="accent1">
-              <a:shade val="50000"/>
-            </a:schemeClr>
-          </a:lnRef>
-          <a:fillRef idx="1">
-            <a:schemeClr val="accent1"/>
-          </a:fillRef>
-          <a:effectRef idx="0">
-            <a:schemeClr val="accent1"/>
-          </a:effectRef>
-          <a:fontRef idx="minor">
-            <a:schemeClr val="lt1"/>
-          </a:fontRef>
-        </p:style>
-        <p:txBody>
-          <a:bodyPr rtlCol="0" anchor="ctr"/>
-          <a:lstStyle/>
-          <a:p>
-            <a:pPr algn="ctr"/>
-            <a:endParaRPr lang="en-US" dirty="0"/>
-          </a:p>
-        </p:txBody>
-      </p:sp>
-      <p:sp>
-        <p:nvSpPr>
-          <p:cNvPr id="15" name="Oval 14">
-            <a:extLst>
-              <a:ext uri="{FF2B5EF4-FFF2-40B4-BE49-F238E27FC236}">
-                <a16:creationId xmlns:a16="http://schemas.microsoft.com/office/drawing/2014/main" id="{5093F3DD-0F46-4DB5-A8F2-480C2B5F3F42}"/>
-              </a:ext>
-            </a:extLst>
-          </p:cNvPr>
-          <p:cNvSpPr/>
-          <p:nvPr/>
-        </p:nvSpPr>
-        <p:spPr>
-          <a:xfrm>
-            <a:off x="8729074" y="2290119"/>
-            <a:ext cx="222421" cy="222422"/>
-          </a:xfrm>
-          <a:prstGeom prst="ellipse">
-            <a:avLst/>
-          </a:prstGeom>
-          <a:ln>
-            <a:noFill/>
-          </a:ln>
-        </p:spPr>
-        <p:style>
-          <a:lnRef idx="2">
-            <a:schemeClr val="accent1">
-              <a:shade val="50000"/>
-            </a:schemeClr>
-          </a:lnRef>
-          <a:fillRef idx="1">
-            <a:schemeClr val="accent1"/>
-          </a:fillRef>
-          <a:effectRef idx="0">
-            <a:schemeClr val="accent1"/>
-          </a:effectRef>
-          <a:fontRef idx="minor">
-            <a:schemeClr val="lt1"/>
-          </a:fontRef>
-        </p:style>
-        <p:txBody>
-          <a:bodyPr rtlCol="0" anchor="ctr"/>
-          <a:lstStyle/>
-          <a:p>
-            <a:pPr algn="ctr"/>
-            <a:endParaRPr lang="en-US"/>
-          </a:p>
-        </p:txBody>
-      </p:sp>
-      <p:sp>
-        <p:nvSpPr>
-          <p:cNvPr id="16" name="Oval 15">
-            <a:extLst>
-              <a:ext uri="{FF2B5EF4-FFF2-40B4-BE49-F238E27FC236}">
-                <a16:creationId xmlns:a16="http://schemas.microsoft.com/office/drawing/2014/main" id="{D0F191AC-591B-4A09-9E41-20ADBA70F017}"/>
-              </a:ext>
-            </a:extLst>
-          </p:cNvPr>
-          <p:cNvSpPr/>
-          <p:nvPr/>
-        </p:nvSpPr>
-        <p:spPr>
-          <a:xfrm>
-            <a:off x="9972957" y="2290119"/>
-            <a:ext cx="222421" cy="222422"/>
-          </a:xfrm>
-          <a:prstGeom prst="ellipse">
-            <a:avLst/>
-          </a:prstGeom>
-          <a:ln>
-            <a:noFill/>
-          </a:ln>
-        </p:spPr>
-        <p:style>
-          <a:lnRef idx="2">
-            <a:schemeClr val="accent1">
-              <a:shade val="50000"/>
-            </a:schemeClr>
-          </a:lnRef>
-          <a:fillRef idx="1">
-            <a:schemeClr val="accent1"/>
-          </a:fillRef>
-          <a:effectRef idx="0">
-            <a:schemeClr val="accent1"/>
-          </a:effectRef>
-          <a:fontRef idx="minor">
-            <a:schemeClr val="lt1"/>
-          </a:fontRef>
-        </p:style>
-        <p:txBody>
-          <a:bodyPr rtlCol="0" anchor="ctr"/>
-          <a:lstStyle/>
-          <a:p>
-            <a:pPr algn="ctr"/>
-            <a:endParaRPr lang="en-US"/>
-          </a:p>
-        </p:txBody>
-      </p:sp>
-      <p:sp>
-        <p:nvSpPr>
-          <p:cNvPr id="17" name="Oval 16">
-            <a:extLst>
-              <a:ext uri="{FF2B5EF4-FFF2-40B4-BE49-F238E27FC236}">
-                <a16:creationId xmlns:a16="http://schemas.microsoft.com/office/drawing/2014/main" id="{D3EDFD3E-B9C8-4F03-AC3C-63C7DE6F247A}"/>
-              </a:ext>
-            </a:extLst>
-          </p:cNvPr>
-          <p:cNvSpPr/>
-          <p:nvPr/>
-        </p:nvSpPr>
-        <p:spPr>
-          <a:xfrm>
-            <a:off x="5696547" y="2248801"/>
-            <a:ext cx="222421" cy="222422"/>
-          </a:xfrm>
-          <a:prstGeom prst="ellipse">
-            <a:avLst/>
-          </a:prstGeom>
-          <a:ln>
-            <a:noFill/>
-          </a:ln>
-        </p:spPr>
-        <p:style>
-          <a:lnRef idx="2">
-            <a:schemeClr val="accent1">
-              <a:shade val="50000"/>
-            </a:schemeClr>
-          </a:lnRef>
-          <a:fillRef idx="1">
-            <a:schemeClr val="accent1"/>
-          </a:fillRef>
-          <a:effectRef idx="0">
-            <a:schemeClr val="accent1"/>
-          </a:effectRef>
-          <a:fontRef idx="minor">
-            <a:schemeClr val="lt1"/>
-          </a:fontRef>
-        </p:style>
-        <p:txBody>
-          <a:bodyPr rtlCol="0" anchor="ctr"/>
-          <a:lstStyle/>
-          <a:p>
-            <a:pPr algn="ctr"/>
-            <a:endParaRPr lang="en-US"/>
-          </a:p>
-        </p:txBody>
-      </p:sp>
-      <p:sp>
-        <p:nvSpPr>
-          <p:cNvPr id="18" name="Oval 17">
-            <a:extLst>
-              <a:ext uri="{FF2B5EF4-FFF2-40B4-BE49-F238E27FC236}">
-                <a16:creationId xmlns:a16="http://schemas.microsoft.com/office/drawing/2014/main" id="{4F805E12-75DC-4DB6-8F4E-FDCB664BD4EE}"/>
-              </a:ext>
-            </a:extLst>
-          </p:cNvPr>
-          <p:cNvSpPr/>
-          <p:nvPr/>
-        </p:nvSpPr>
-        <p:spPr>
-          <a:xfrm>
-            <a:off x="5373212" y="2802795"/>
-            <a:ext cx="222421" cy="222422"/>
-          </a:xfrm>
-          <a:prstGeom prst="ellipse">
-            <a:avLst/>
-          </a:prstGeom>
-          <a:solidFill>
-            <a:srgbClr val="7030A0"/>
-          </a:solidFill>
-          <a:ln>
-            <a:noFill/>
-          </a:ln>
-        </p:spPr>
-        <p:style>
-          <a:lnRef idx="2">
-            <a:schemeClr val="accent1">
-              <a:shade val="50000"/>
-            </a:schemeClr>
-          </a:lnRef>
-          <a:fillRef idx="1">
-            <a:schemeClr val="accent1"/>
-          </a:fillRef>
-          <a:effectRef idx="0">
-            <a:schemeClr val="accent1"/>
-          </a:effectRef>
-          <a:fontRef idx="minor">
-            <a:schemeClr val="lt1"/>
-          </a:fontRef>
-        </p:style>
-        <p:txBody>
-          <a:bodyPr rtlCol="0" anchor="ctr"/>
-          <a:lstStyle/>
-          <a:p>
-            <a:pPr algn="ctr"/>
-            <a:endParaRPr lang="en-US"/>
-          </a:p>
-        </p:txBody>
-      </p:sp>
-      <p:sp>
-        <p:nvSpPr>
-          <p:cNvPr id="19" name="Oval 18">
-            <a:extLst>
-              <a:ext uri="{FF2B5EF4-FFF2-40B4-BE49-F238E27FC236}">
-                <a16:creationId xmlns:a16="http://schemas.microsoft.com/office/drawing/2014/main" id="{C19C595D-A3A5-4622-984D-52D8D8DF87AD}"/>
-              </a:ext>
-            </a:extLst>
-          </p:cNvPr>
-          <p:cNvSpPr/>
-          <p:nvPr/>
-        </p:nvSpPr>
-        <p:spPr>
-          <a:xfrm>
-            <a:off x="6019883" y="2802795"/>
-            <a:ext cx="222421" cy="222422"/>
-          </a:xfrm>
-          <a:prstGeom prst="ellipse">
-            <a:avLst/>
-          </a:prstGeom>
-          <a:solidFill>
-            <a:srgbClr val="FF0000"/>
-          </a:solidFill>
-          <a:ln>
-            <a:noFill/>
-          </a:ln>
-        </p:spPr>
-        <p:style>
-          <a:lnRef idx="2">
-            <a:schemeClr val="accent1">
-              <a:shade val="50000"/>
-            </a:schemeClr>
-          </a:lnRef>
-          <a:fillRef idx="1">
-            <a:schemeClr val="accent1"/>
-          </a:fillRef>
-          <a:effectRef idx="0">
-            <a:schemeClr val="accent1"/>
-          </a:effectRef>
-          <a:fontRef idx="minor">
-            <a:schemeClr val="lt1"/>
-          </a:fontRef>
-        </p:style>
-        <p:txBody>
-          <a:bodyPr rtlCol="0" anchor="ctr"/>
-          <a:lstStyle/>
-          <a:p>
-            <a:pPr algn="ctr"/>
-            <a:endParaRPr lang="en-US"/>
-          </a:p>
-        </p:txBody>
-      </p:sp>
-      <p:sp>
-        <p:nvSpPr>
-          <p:cNvPr id="20" name="Oval 19">
-            <a:extLst>
-              <a:ext uri="{FF2B5EF4-FFF2-40B4-BE49-F238E27FC236}">
-                <a16:creationId xmlns:a16="http://schemas.microsoft.com/office/drawing/2014/main" id="{3A9BC505-6B40-482D-A70D-5CC86ACFA5FA}"/>
-              </a:ext>
-            </a:extLst>
-          </p:cNvPr>
-          <p:cNvSpPr/>
-          <p:nvPr/>
-        </p:nvSpPr>
-        <p:spPr>
-          <a:xfrm>
-            <a:off x="8404668" y="2844113"/>
-            <a:ext cx="222421" cy="222422"/>
-          </a:xfrm>
-          <a:prstGeom prst="ellipse">
-            <a:avLst/>
-          </a:prstGeom>
-          <a:solidFill>
-            <a:srgbClr val="7030A0"/>
-          </a:solidFill>
-          <a:ln>
-            <a:noFill/>
-          </a:ln>
-        </p:spPr>
-        <p:style>
-          <a:lnRef idx="2">
-            <a:schemeClr val="accent1">
-              <a:shade val="50000"/>
-            </a:schemeClr>
-          </a:lnRef>
-          <a:fillRef idx="1">
-            <a:schemeClr val="accent1"/>
-          </a:fillRef>
-          <a:effectRef idx="0">
-            <a:schemeClr val="accent1"/>
-          </a:effectRef>
-          <a:fontRef idx="minor">
-            <a:schemeClr val="lt1"/>
-          </a:fontRef>
-        </p:style>
-        <p:txBody>
-          <a:bodyPr rtlCol="0" anchor="ctr"/>
-          <a:lstStyle/>
-          <a:p>
-            <a:pPr algn="ctr"/>
-            <a:endParaRPr lang="en-US"/>
-          </a:p>
-        </p:txBody>
-      </p:sp>
-      <p:sp>
-        <p:nvSpPr>
-          <p:cNvPr id="21" name="Oval 20">
-            <a:extLst>
-              <a:ext uri="{FF2B5EF4-FFF2-40B4-BE49-F238E27FC236}">
-                <a16:creationId xmlns:a16="http://schemas.microsoft.com/office/drawing/2014/main" id="{FDA04A1E-3E87-420B-A99E-C7324D0928B1}"/>
-              </a:ext>
-            </a:extLst>
-          </p:cNvPr>
-          <p:cNvSpPr/>
-          <p:nvPr/>
-        </p:nvSpPr>
-        <p:spPr>
-          <a:xfrm>
-            <a:off x="9051339" y="2844113"/>
-            <a:ext cx="222421" cy="222422"/>
-          </a:xfrm>
-          <a:prstGeom prst="ellipse">
-            <a:avLst/>
-          </a:prstGeom>
-          <a:solidFill>
-            <a:srgbClr val="FF0000"/>
-          </a:solidFill>
-          <a:ln>
-            <a:noFill/>
-          </a:ln>
-        </p:spPr>
-        <p:style>
-          <a:lnRef idx="2">
-            <a:schemeClr val="accent1">
-              <a:shade val="50000"/>
-            </a:schemeClr>
-          </a:lnRef>
-          <a:fillRef idx="1">
-            <a:schemeClr val="accent1"/>
-          </a:fillRef>
-          <a:effectRef idx="0">
-            <a:schemeClr val="accent1"/>
-          </a:effectRef>
-          <a:fontRef idx="minor">
-            <a:schemeClr val="lt1"/>
-          </a:fontRef>
-        </p:style>
-        <p:txBody>
-          <a:bodyPr rtlCol="0" anchor="ctr"/>
-          <a:lstStyle/>
-          <a:p>
-            <a:pPr algn="ctr"/>
-            <a:endParaRPr lang="en-US"/>
-          </a:p>
-        </p:txBody>
-      </p:sp>
-      <p:sp>
-        <p:nvSpPr>
-          <p:cNvPr id="22" name="Oval 21">
-            <a:extLst>
-              <a:ext uri="{FF2B5EF4-FFF2-40B4-BE49-F238E27FC236}">
-                <a16:creationId xmlns:a16="http://schemas.microsoft.com/office/drawing/2014/main" id="{B6205F69-AB01-41E8-91A9-5D6CB8BCF0E9}"/>
-              </a:ext>
-            </a:extLst>
-          </p:cNvPr>
-          <p:cNvSpPr/>
-          <p:nvPr/>
-        </p:nvSpPr>
-        <p:spPr>
-          <a:xfrm>
-            <a:off x="9658863" y="2844113"/>
-            <a:ext cx="222421" cy="222422"/>
-          </a:xfrm>
-          <a:prstGeom prst="ellipse">
-            <a:avLst/>
-          </a:prstGeom>
-          <a:solidFill>
-            <a:srgbClr val="7030A0"/>
-          </a:solidFill>
-          <a:ln>
-            <a:noFill/>
-          </a:ln>
-        </p:spPr>
-        <p:style>
-          <a:lnRef idx="2">
-            <a:schemeClr val="accent1">
-              <a:shade val="50000"/>
-            </a:schemeClr>
-          </a:lnRef>
-          <a:fillRef idx="1">
-            <a:schemeClr val="accent1"/>
-          </a:fillRef>
-          <a:effectRef idx="0">
-            <a:schemeClr val="accent1"/>
-          </a:effectRef>
-          <a:fontRef idx="minor">
-            <a:schemeClr val="lt1"/>
-          </a:fontRef>
-        </p:style>
-        <p:txBody>
-          <a:bodyPr rtlCol="0" anchor="ctr"/>
-          <a:lstStyle/>
-          <a:p>
-            <a:pPr algn="ctr"/>
-            <a:endParaRPr lang="en-US"/>
-          </a:p>
-        </p:txBody>
-      </p:sp>
-      <p:sp>
-        <p:nvSpPr>
-          <p:cNvPr id="23" name="Oval 22">
-            <a:extLst>
-              <a:ext uri="{FF2B5EF4-FFF2-40B4-BE49-F238E27FC236}">
-                <a16:creationId xmlns:a16="http://schemas.microsoft.com/office/drawing/2014/main" id="{7ACA7F3F-9192-4428-BA15-06A3153149FC}"/>
-              </a:ext>
-            </a:extLst>
-          </p:cNvPr>
-          <p:cNvSpPr/>
-          <p:nvPr/>
-        </p:nvSpPr>
-        <p:spPr>
-          <a:xfrm>
-            <a:off x="10305534" y="2844113"/>
-            <a:ext cx="222421" cy="222422"/>
-          </a:xfrm>
-          <a:prstGeom prst="ellipse">
-            <a:avLst/>
-          </a:prstGeom>
-          <a:solidFill>
-            <a:srgbClr val="FF0000"/>
-          </a:solidFill>
-          <a:ln>
-            <a:noFill/>
-          </a:ln>
-        </p:spPr>
-        <p:style>
-          <a:lnRef idx="2">
-            <a:schemeClr val="accent1">
-              <a:shade val="50000"/>
-            </a:schemeClr>
-          </a:lnRef>
-          <a:fillRef idx="1">
-            <a:schemeClr val="accent1"/>
-          </a:fillRef>
-          <a:effectRef idx="0">
-            <a:schemeClr val="accent1"/>
-          </a:effectRef>
-          <a:fontRef idx="minor">
-            <a:schemeClr val="lt1"/>
-          </a:fontRef>
-        </p:style>
-        <p:txBody>
-          <a:bodyPr rtlCol="0" anchor="ctr"/>
-          <a:lstStyle/>
-          <a:p>
-            <a:pPr algn="ctr"/>
-            <a:endParaRPr lang="en-US"/>
-          </a:p>
-        </p:txBody>
-      </p:sp>
-      <p:sp>
-        <p:nvSpPr>
-          <p:cNvPr id="24" name="Oval 23">
-            <a:extLst>
-              <a:ext uri="{FF2B5EF4-FFF2-40B4-BE49-F238E27FC236}">
-                <a16:creationId xmlns:a16="http://schemas.microsoft.com/office/drawing/2014/main" id="{B5D096D2-22AA-4728-ACDD-AECDC21C985E}"/>
-              </a:ext>
-            </a:extLst>
-          </p:cNvPr>
-          <p:cNvSpPr/>
-          <p:nvPr/>
-        </p:nvSpPr>
-        <p:spPr>
-          <a:xfrm>
-            <a:off x="3761592" y="3725692"/>
-            <a:ext cx="222421" cy="222422"/>
-          </a:xfrm>
-          <a:prstGeom prst="ellipse">
-            <a:avLst/>
-          </a:prstGeom>
-          <a:ln>
-            <a:noFill/>
-          </a:ln>
-        </p:spPr>
-        <p:style>
-          <a:lnRef idx="2">
-            <a:schemeClr val="accent1">
-              <a:shade val="50000"/>
-            </a:schemeClr>
-          </a:lnRef>
-          <a:fillRef idx="1">
-            <a:schemeClr val="accent1"/>
-          </a:fillRef>
-          <a:effectRef idx="0">
-            <a:schemeClr val="accent1"/>
-          </a:effectRef>
-          <a:fontRef idx="minor">
-            <a:schemeClr val="lt1"/>
-          </a:fontRef>
-        </p:style>
-        <p:txBody>
-          <a:bodyPr rtlCol="0" anchor="ctr"/>
-          <a:lstStyle/>
-          <a:p>
-            <a:pPr algn="ctr"/>
-            <a:endParaRPr lang="en-US"/>
-          </a:p>
-        </p:txBody>
-      </p:sp>
-      <p:sp>
-        <p:nvSpPr>
-          <p:cNvPr id="25" name="Oval 24">
-            <a:extLst>
-              <a:ext uri="{FF2B5EF4-FFF2-40B4-BE49-F238E27FC236}">
-                <a16:creationId xmlns:a16="http://schemas.microsoft.com/office/drawing/2014/main" id="{5088F44D-5374-4260-AB5B-C9FCDD88090E}"/>
-              </a:ext>
-            </a:extLst>
-          </p:cNvPr>
-          <p:cNvSpPr/>
-          <p:nvPr/>
-        </p:nvSpPr>
-        <p:spPr>
-          <a:xfrm>
-            <a:off x="3114921" y="4279686"/>
-            <a:ext cx="222421" cy="222422"/>
-          </a:xfrm>
-          <a:prstGeom prst="ellipse">
-            <a:avLst/>
-          </a:prstGeom>
-          <a:ln>
-            <a:noFill/>
-          </a:ln>
-        </p:spPr>
-        <p:style>
-          <a:lnRef idx="2">
-            <a:schemeClr val="accent1">
-              <a:shade val="50000"/>
-            </a:schemeClr>
-          </a:lnRef>
-          <a:fillRef idx="1">
-            <a:schemeClr val="accent1"/>
-          </a:fillRef>
-          <a:effectRef idx="0">
-            <a:schemeClr val="accent1"/>
-          </a:effectRef>
-          <a:fontRef idx="minor">
-            <a:schemeClr val="lt1"/>
-          </a:fontRef>
-        </p:style>
-        <p:txBody>
-          <a:bodyPr rtlCol="0" anchor="ctr"/>
-          <a:lstStyle/>
-          <a:p>
-            <a:pPr algn="ctr"/>
-            <a:endParaRPr lang="en-US"/>
-          </a:p>
-        </p:txBody>
-      </p:sp>
-      <p:sp>
-        <p:nvSpPr>
-          <p:cNvPr id="26" name="Oval 25">
-            <a:extLst>
-              <a:ext uri="{FF2B5EF4-FFF2-40B4-BE49-F238E27FC236}">
-                <a16:creationId xmlns:a16="http://schemas.microsoft.com/office/drawing/2014/main" id="{A012DE5C-EB7C-446C-A9B7-3277F323B7D0}"/>
-              </a:ext>
-            </a:extLst>
-          </p:cNvPr>
-          <p:cNvSpPr/>
-          <p:nvPr/>
-        </p:nvSpPr>
-        <p:spPr>
-          <a:xfrm>
-            <a:off x="4358804" y="4279686"/>
-            <a:ext cx="222421" cy="222422"/>
-          </a:xfrm>
-          <a:prstGeom prst="ellipse">
-            <a:avLst/>
-          </a:prstGeom>
-          <a:ln>
-            <a:noFill/>
-          </a:ln>
-        </p:spPr>
-        <p:style>
-          <a:lnRef idx="2">
-            <a:schemeClr val="accent1">
-              <a:shade val="50000"/>
-            </a:schemeClr>
-          </a:lnRef>
-          <a:fillRef idx="1">
-            <a:schemeClr val="accent1"/>
-          </a:fillRef>
-          <a:effectRef idx="0">
-            <a:schemeClr val="accent1"/>
-          </a:effectRef>
-          <a:fontRef idx="minor">
-            <a:schemeClr val="lt1"/>
-          </a:fontRef>
-        </p:style>
-        <p:txBody>
-          <a:bodyPr rtlCol="0" anchor="ctr"/>
-          <a:lstStyle/>
-          <a:p>
-            <a:pPr algn="ctr"/>
-            <a:endParaRPr lang="en-US"/>
-          </a:p>
-        </p:txBody>
-      </p:sp>
-      <p:sp>
-        <p:nvSpPr>
-          <p:cNvPr id="27" name="Oval 26">
-            <a:extLst>
-              <a:ext uri="{FF2B5EF4-FFF2-40B4-BE49-F238E27FC236}">
-                <a16:creationId xmlns:a16="http://schemas.microsoft.com/office/drawing/2014/main" id="{0380F7A8-6747-4F5C-AD24-9DECA6241E57}"/>
-              </a:ext>
-            </a:extLst>
-          </p:cNvPr>
-          <p:cNvSpPr/>
-          <p:nvPr/>
-        </p:nvSpPr>
-        <p:spPr>
-          <a:xfrm>
-            <a:off x="2790515" y="4833680"/>
-            <a:ext cx="222421" cy="222422"/>
-          </a:xfrm>
-          <a:prstGeom prst="ellipse">
-            <a:avLst/>
-          </a:prstGeom>
-          <a:solidFill>
-            <a:srgbClr val="7030A0"/>
-          </a:solidFill>
-          <a:ln>
-            <a:noFill/>
-          </a:ln>
-        </p:spPr>
-        <p:style>
-          <a:lnRef idx="2">
-            <a:schemeClr val="accent1">
-              <a:shade val="50000"/>
-            </a:schemeClr>
-          </a:lnRef>
-          <a:fillRef idx="1">
-            <a:schemeClr val="accent1"/>
-          </a:fillRef>
-          <a:effectRef idx="0">
-            <a:schemeClr val="accent1"/>
-          </a:effectRef>
-          <a:fontRef idx="minor">
-            <a:schemeClr val="lt1"/>
-          </a:fontRef>
-        </p:style>
-        <p:txBody>
-          <a:bodyPr rtlCol="0" anchor="ctr"/>
-          <a:lstStyle/>
-          <a:p>
-            <a:pPr algn="ctr"/>
-            <a:endParaRPr lang="en-US"/>
-          </a:p>
-        </p:txBody>
-      </p:sp>
-      <p:sp>
-        <p:nvSpPr>
-          <p:cNvPr id="28" name="Oval 27">
-            <a:extLst>
-              <a:ext uri="{FF2B5EF4-FFF2-40B4-BE49-F238E27FC236}">
-                <a16:creationId xmlns:a16="http://schemas.microsoft.com/office/drawing/2014/main" id="{DEC9A378-01B0-4921-A480-6155667123F6}"/>
-              </a:ext>
-            </a:extLst>
-          </p:cNvPr>
-          <p:cNvSpPr/>
-          <p:nvPr/>
-        </p:nvSpPr>
-        <p:spPr>
-          <a:xfrm>
-            <a:off x="3437186" y="4833680"/>
-            <a:ext cx="222421" cy="222422"/>
-          </a:xfrm>
-          <a:prstGeom prst="ellipse">
-            <a:avLst/>
-          </a:prstGeom>
-          <a:solidFill>
-            <a:srgbClr val="FF0000"/>
-          </a:solidFill>
-          <a:ln>
-            <a:noFill/>
-          </a:ln>
-        </p:spPr>
-        <p:style>
-          <a:lnRef idx="2">
-            <a:schemeClr val="accent1">
-              <a:shade val="50000"/>
-            </a:schemeClr>
-          </a:lnRef>
-          <a:fillRef idx="1">
-            <a:schemeClr val="accent1"/>
-          </a:fillRef>
-          <a:effectRef idx="0">
-            <a:schemeClr val="accent1"/>
-          </a:effectRef>
-          <a:fontRef idx="minor">
-            <a:schemeClr val="lt1"/>
-          </a:fontRef>
-        </p:style>
-        <p:txBody>
-          <a:bodyPr rtlCol="0" anchor="ctr"/>
-          <a:lstStyle/>
-          <a:p>
-            <a:pPr algn="ctr"/>
-            <a:endParaRPr lang="en-US"/>
-          </a:p>
-        </p:txBody>
-      </p:sp>
-      <p:sp>
-        <p:nvSpPr>
-          <p:cNvPr id="29" name="Oval 28">
-            <a:extLst>
-              <a:ext uri="{FF2B5EF4-FFF2-40B4-BE49-F238E27FC236}">
-                <a16:creationId xmlns:a16="http://schemas.microsoft.com/office/drawing/2014/main" id="{E45DC142-D6B8-41B0-8ECF-E63B91B054A6}"/>
-              </a:ext>
-            </a:extLst>
-          </p:cNvPr>
-          <p:cNvSpPr/>
-          <p:nvPr/>
-        </p:nvSpPr>
-        <p:spPr>
-          <a:xfrm>
-            <a:off x="4044710" y="4833680"/>
-            <a:ext cx="222421" cy="222422"/>
-          </a:xfrm>
-          <a:prstGeom prst="ellipse">
-            <a:avLst/>
-          </a:prstGeom>
-          <a:solidFill>
-            <a:srgbClr val="7030A0"/>
-          </a:solidFill>
-          <a:ln>
-            <a:noFill/>
-          </a:ln>
-        </p:spPr>
-        <p:style>
-          <a:lnRef idx="2">
-            <a:schemeClr val="accent1">
-              <a:shade val="50000"/>
-            </a:schemeClr>
-          </a:lnRef>
-          <a:fillRef idx="1">
-            <a:schemeClr val="accent1"/>
-          </a:fillRef>
-          <a:effectRef idx="0">
-            <a:schemeClr val="accent1"/>
-          </a:effectRef>
-          <a:fontRef idx="minor">
-            <a:schemeClr val="lt1"/>
-          </a:fontRef>
-        </p:style>
-        <p:txBody>
-          <a:bodyPr rtlCol="0" anchor="ctr"/>
-          <a:lstStyle/>
-          <a:p>
-            <a:pPr algn="ctr"/>
-            <a:endParaRPr lang="en-US"/>
-          </a:p>
-        </p:txBody>
-      </p:sp>
-      <p:sp>
-        <p:nvSpPr>
-          <p:cNvPr id="30" name="Oval 29">
-            <a:extLst>
-              <a:ext uri="{FF2B5EF4-FFF2-40B4-BE49-F238E27FC236}">
-                <a16:creationId xmlns:a16="http://schemas.microsoft.com/office/drawing/2014/main" id="{008EBE92-46F8-40F3-938B-1F97C011C96E}"/>
-              </a:ext>
-            </a:extLst>
-          </p:cNvPr>
-          <p:cNvSpPr/>
-          <p:nvPr/>
-        </p:nvSpPr>
-        <p:spPr>
-          <a:xfrm>
-            <a:off x="4691381" y="4833680"/>
-            <a:ext cx="222421" cy="222422"/>
-          </a:xfrm>
-          <a:prstGeom prst="ellipse">
-            <a:avLst/>
-          </a:prstGeom>
-          <a:ln>
-            <a:noFill/>
-          </a:ln>
-        </p:spPr>
-        <p:style>
-          <a:lnRef idx="2">
-            <a:schemeClr val="accent1">
-              <a:shade val="50000"/>
-            </a:schemeClr>
-          </a:lnRef>
-          <a:fillRef idx="1">
-            <a:schemeClr val="accent1"/>
-          </a:fillRef>
-          <a:effectRef idx="0">
-            <a:schemeClr val="accent1"/>
-          </a:effectRef>
-          <a:fontRef idx="minor">
-            <a:schemeClr val="lt1"/>
-          </a:fontRef>
-        </p:style>
-        <p:txBody>
-          <a:bodyPr rtlCol="0" anchor="ctr"/>
-          <a:lstStyle/>
-          <a:p>
-            <a:pPr algn="ctr"/>
-            <a:endParaRPr lang="en-US"/>
-          </a:p>
-        </p:txBody>
-      </p:sp>
-      <p:sp>
-        <p:nvSpPr>
-          <p:cNvPr id="31" name="Oval 30">
-            <a:extLst>
-              <a:ext uri="{FF2B5EF4-FFF2-40B4-BE49-F238E27FC236}">
-                <a16:creationId xmlns:a16="http://schemas.microsoft.com/office/drawing/2014/main" id="{33E85809-4168-4052-B216-FCE27E4A1BF7}"/>
-              </a:ext>
-            </a:extLst>
-          </p:cNvPr>
-          <p:cNvSpPr/>
-          <p:nvPr/>
-        </p:nvSpPr>
-        <p:spPr>
-          <a:xfrm>
-            <a:off x="4361030" y="5404150"/>
-            <a:ext cx="222421" cy="222422"/>
-          </a:xfrm>
-          <a:prstGeom prst="ellipse">
-            <a:avLst/>
-          </a:prstGeom>
-          <a:solidFill>
-            <a:srgbClr val="7030A0"/>
-          </a:solidFill>
-          <a:ln>
-            <a:noFill/>
-          </a:ln>
-        </p:spPr>
-        <p:style>
-          <a:lnRef idx="2">
-            <a:schemeClr val="accent1">
-              <a:shade val="50000"/>
-            </a:schemeClr>
-          </a:lnRef>
-          <a:fillRef idx="1">
-            <a:schemeClr val="accent1"/>
-          </a:fillRef>
-          <a:effectRef idx="0">
-            <a:schemeClr val="accent1"/>
-          </a:effectRef>
-          <a:fontRef idx="minor">
-            <a:schemeClr val="lt1"/>
-          </a:fontRef>
-        </p:style>
-        <p:txBody>
-          <a:bodyPr rtlCol="0" anchor="ctr"/>
-          <a:lstStyle/>
-          <a:p>
-            <a:pPr algn="ctr"/>
-            <a:endParaRPr lang="en-US"/>
-          </a:p>
-        </p:txBody>
-      </p:sp>
-      <p:sp>
-        <p:nvSpPr>
-          <p:cNvPr id="32" name="Oval 31">
-            <a:extLst>
-              <a:ext uri="{FF2B5EF4-FFF2-40B4-BE49-F238E27FC236}">
-                <a16:creationId xmlns:a16="http://schemas.microsoft.com/office/drawing/2014/main" id="{D3134E96-3A74-412A-BBE5-ACBE97C50CDC}"/>
-              </a:ext>
-            </a:extLst>
-          </p:cNvPr>
-          <p:cNvSpPr/>
-          <p:nvPr/>
-        </p:nvSpPr>
-        <p:spPr>
-          <a:xfrm>
-            <a:off x="5007701" y="5404150"/>
-            <a:ext cx="222421" cy="222422"/>
-          </a:xfrm>
-          <a:prstGeom prst="ellipse">
-            <a:avLst/>
-          </a:prstGeom>
-          <a:solidFill>
-            <a:srgbClr val="FF0000"/>
-          </a:solidFill>
-          <a:ln>
-            <a:noFill/>
-          </a:ln>
-        </p:spPr>
-        <p:style>
-          <a:lnRef idx="2">
-            <a:schemeClr val="accent1">
-              <a:shade val="50000"/>
-            </a:schemeClr>
-          </a:lnRef>
-          <a:fillRef idx="1">
-            <a:schemeClr val="accent1"/>
-          </a:fillRef>
-          <a:effectRef idx="0">
-            <a:schemeClr val="accent1"/>
-          </a:effectRef>
-          <a:fontRef idx="minor">
-            <a:schemeClr val="lt1"/>
-          </a:fontRef>
-        </p:style>
-        <p:txBody>
-          <a:bodyPr rtlCol="0" anchor="ctr"/>
-          <a:lstStyle/>
-          <a:p>
-            <a:pPr algn="ctr"/>
-            <a:endParaRPr lang="en-US"/>
-          </a:p>
-        </p:txBody>
-      </p:sp>
-      <p:sp>
-        <p:nvSpPr>
-          <p:cNvPr id="33" name="Oval 32">
-            <a:extLst>
-              <a:ext uri="{FF2B5EF4-FFF2-40B4-BE49-F238E27FC236}">
-                <a16:creationId xmlns:a16="http://schemas.microsoft.com/office/drawing/2014/main" id="{50B7570E-57A2-4EDC-8752-A9010224EF1B}"/>
-              </a:ext>
-            </a:extLst>
-          </p:cNvPr>
-          <p:cNvSpPr/>
-          <p:nvPr/>
-        </p:nvSpPr>
-        <p:spPr>
-          <a:xfrm>
-            <a:off x="7694019" y="3699490"/>
-            <a:ext cx="222421" cy="222422"/>
-          </a:xfrm>
-          <a:prstGeom prst="ellipse">
-            <a:avLst/>
-          </a:prstGeom>
-          <a:ln>
-            <a:noFill/>
-          </a:ln>
-        </p:spPr>
-        <p:style>
-          <a:lnRef idx="2">
-            <a:schemeClr val="accent1">
-              <a:shade val="50000"/>
-            </a:schemeClr>
-          </a:lnRef>
-          <a:fillRef idx="1">
-            <a:schemeClr val="accent1"/>
-          </a:fillRef>
-          <a:effectRef idx="0">
-            <a:schemeClr val="accent1"/>
-          </a:effectRef>
-          <a:fontRef idx="minor">
-            <a:schemeClr val="lt1"/>
-          </a:fontRef>
-        </p:style>
-        <p:txBody>
-          <a:bodyPr rtlCol="0" anchor="ctr"/>
-          <a:lstStyle/>
-          <a:p>
-            <a:pPr algn="ctr"/>
-            <a:endParaRPr lang="en-US"/>
-          </a:p>
-        </p:txBody>
-      </p:sp>
-      <p:sp>
-        <p:nvSpPr>
-          <p:cNvPr id="34" name="Oval 33">
-            <a:extLst>
-              <a:ext uri="{FF2B5EF4-FFF2-40B4-BE49-F238E27FC236}">
-                <a16:creationId xmlns:a16="http://schemas.microsoft.com/office/drawing/2014/main" id="{B2A9F035-DF63-43F0-97C5-BD8E3CB9FE46}"/>
-              </a:ext>
-            </a:extLst>
-          </p:cNvPr>
-          <p:cNvSpPr/>
-          <p:nvPr/>
-        </p:nvSpPr>
-        <p:spPr>
-          <a:xfrm>
-            <a:off x="7047348" y="4253484"/>
-            <a:ext cx="222421" cy="222422"/>
-          </a:xfrm>
-          <a:prstGeom prst="ellipse">
-            <a:avLst/>
-          </a:prstGeom>
-          <a:ln>
-            <a:noFill/>
-          </a:ln>
-        </p:spPr>
-        <p:style>
-          <a:lnRef idx="2">
-            <a:schemeClr val="accent1">
-              <a:shade val="50000"/>
-            </a:schemeClr>
-          </a:lnRef>
-          <a:fillRef idx="1">
-            <a:schemeClr val="accent1"/>
-          </a:fillRef>
-          <a:effectRef idx="0">
-            <a:schemeClr val="accent1"/>
-          </a:effectRef>
-          <a:fontRef idx="minor">
-            <a:schemeClr val="lt1"/>
-          </a:fontRef>
-        </p:style>
-        <p:txBody>
-          <a:bodyPr rtlCol="0" anchor="ctr"/>
-          <a:lstStyle/>
-          <a:p>
-            <a:pPr algn="ctr"/>
-            <a:endParaRPr lang="en-US"/>
-          </a:p>
-        </p:txBody>
-      </p:sp>
-      <p:sp>
-        <p:nvSpPr>
-          <p:cNvPr id="35" name="Oval 34">
-            <a:extLst>
-              <a:ext uri="{FF2B5EF4-FFF2-40B4-BE49-F238E27FC236}">
-                <a16:creationId xmlns:a16="http://schemas.microsoft.com/office/drawing/2014/main" id="{B0CD7788-E52B-46C1-A130-4995EC1036F8}"/>
-              </a:ext>
-            </a:extLst>
-          </p:cNvPr>
-          <p:cNvSpPr/>
-          <p:nvPr/>
-        </p:nvSpPr>
-        <p:spPr>
-          <a:xfrm>
-            <a:off x="8291231" y="4253484"/>
-            <a:ext cx="222421" cy="222422"/>
-          </a:xfrm>
-          <a:prstGeom prst="ellipse">
-            <a:avLst/>
-          </a:prstGeom>
-          <a:ln>
-            <a:noFill/>
-          </a:ln>
-        </p:spPr>
-        <p:style>
-          <a:lnRef idx="2">
-            <a:schemeClr val="accent1">
-              <a:shade val="50000"/>
-            </a:schemeClr>
-          </a:lnRef>
-          <a:fillRef idx="1">
-            <a:schemeClr val="accent1"/>
-          </a:fillRef>
-          <a:effectRef idx="0">
-            <a:schemeClr val="accent1"/>
-          </a:effectRef>
-          <a:fontRef idx="minor">
-            <a:schemeClr val="lt1"/>
-          </a:fontRef>
-        </p:style>
-        <p:txBody>
-          <a:bodyPr rtlCol="0" anchor="ctr"/>
-          <a:lstStyle/>
-          <a:p>
-            <a:pPr algn="ctr"/>
-            <a:endParaRPr lang="en-US"/>
-          </a:p>
-        </p:txBody>
-      </p:sp>
-      <p:sp>
-        <p:nvSpPr>
-          <p:cNvPr id="36" name="Oval 35">
-            <a:extLst>
-              <a:ext uri="{FF2B5EF4-FFF2-40B4-BE49-F238E27FC236}">
-                <a16:creationId xmlns:a16="http://schemas.microsoft.com/office/drawing/2014/main" id="{30D1AF63-D340-4BBC-9BE6-D147EA5F353F}"/>
-              </a:ext>
-            </a:extLst>
-          </p:cNvPr>
-          <p:cNvSpPr/>
-          <p:nvPr/>
-        </p:nvSpPr>
-        <p:spPr>
-          <a:xfrm>
-            <a:off x="6722942" y="4807478"/>
-            <a:ext cx="222421" cy="222422"/>
-          </a:xfrm>
-          <a:prstGeom prst="ellipse">
-            <a:avLst/>
-          </a:prstGeom>
-          <a:solidFill>
-            <a:srgbClr val="7030A0"/>
-          </a:solidFill>
-          <a:ln>
-            <a:noFill/>
-          </a:ln>
-        </p:spPr>
-        <p:style>
-          <a:lnRef idx="2">
-            <a:schemeClr val="accent1">
-              <a:shade val="50000"/>
-            </a:schemeClr>
-          </a:lnRef>
-          <a:fillRef idx="1">
-            <a:schemeClr val="accent1"/>
-          </a:fillRef>
-          <a:effectRef idx="0">
-            <a:schemeClr val="accent1"/>
-          </a:effectRef>
-          <a:fontRef idx="minor">
-            <a:schemeClr val="lt1"/>
-          </a:fontRef>
-        </p:style>
-        <p:txBody>
-          <a:bodyPr rtlCol="0" anchor="ctr"/>
-          <a:lstStyle/>
-          <a:p>
-            <a:pPr algn="ctr"/>
-            <a:endParaRPr lang="en-US"/>
-          </a:p>
-        </p:txBody>
-      </p:sp>
-      <p:sp>
-        <p:nvSpPr>
-          <p:cNvPr id="37" name="Oval 36">
-            <a:extLst>
-              <a:ext uri="{FF2B5EF4-FFF2-40B4-BE49-F238E27FC236}">
-                <a16:creationId xmlns:a16="http://schemas.microsoft.com/office/drawing/2014/main" id="{331629B4-C0BB-4273-AD67-077537736086}"/>
-              </a:ext>
-            </a:extLst>
-          </p:cNvPr>
-          <p:cNvSpPr/>
-          <p:nvPr/>
-        </p:nvSpPr>
-        <p:spPr>
-          <a:xfrm>
-            <a:off x="7369613" y="4807478"/>
-            <a:ext cx="222421" cy="222422"/>
-          </a:xfrm>
-          <a:prstGeom prst="ellipse">
-            <a:avLst/>
-          </a:prstGeom>
-          <a:ln>
-            <a:noFill/>
-          </a:ln>
-        </p:spPr>
-        <p:style>
-          <a:lnRef idx="2">
-            <a:schemeClr val="accent1">
-              <a:shade val="50000"/>
-            </a:schemeClr>
-          </a:lnRef>
-          <a:fillRef idx="1">
-            <a:schemeClr val="accent1"/>
-          </a:fillRef>
-          <a:effectRef idx="0">
-            <a:schemeClr val="accent1"/>
-          </a:effectRef>
-          <a:fontRef idx="minor">
-            <a:schemeClr val="lt1"/>
-          </a:fontRef>
-        </p:style>
-        <p:txBody>
-          <a:bodyPr rtlCol="0" anchor="ctr"/>
-          <a:lstStyle/>
-          <a:p>
-            <a:pPr algn="ctr"/>
-            <a:endParaRPr lang="en-US"/>
-          </a:p>
-        </p:txBody>
-      </p:sp>
-      <p:sp>
-        <p:nvSpPr>
-          <p:cNvPr id="38" name="Oval 37">
-            <a:extLst>
-              <a:ext uri="{FF2B5EF4-FFF2-40B4-BE49-F238E27FC236}">
-                <a16:creationId xmlns:a16="http://schemas.microsoft.com/office/drawing/2014/main" id="{B037484C-38F4-4AE8-B337-A9D4C90CF8A6}"/>
-              </a:ext>
-            </a:extLst>
-          </p:cNvPr>
-          <p:cNvSpPr/>
-          <p:nvPr/>
-        </p:nvSpPr>
-        <p:spPr>
-          <a:xfrm>
-            <a:off x="7977137" y="4807478"/>
-            <a:ext cx="222421" cy="222422"/>
-          </a:xfrm>
-          <a:prstGeom prst="ellipse">
-            <a:avLst/>
-          </a:prstGeom>
-          <a:solidFill>
-            <a:srgbClr val="7030A0"/>
-          </a:solidFill>
-          <a:ln>
-            <a:noFill/>
-          </a:ln>
-        </p:spPr>
-        <p:style>
-          <a:lnRef idx="2">
-            <a:schemeClr val="accent1">
-              <a:shade val="50000"/>
-            </a:schemeClr>
-          </a:lnRef>
-          <a:fillRef idx="1">
-            <a:schemeClr val="accent1"/>
-          </a:fillRef>
-          <a:effectRef idx="0">
-            <a:schemeClr val="accent1"/>
-          </a:effectRef>
-          <a:fontRef idx="minor">
-            <a:schemeClr val="lt1"/>
-          </a:fontRef>
-        </p:style>
-        <p:txBody>
-          <a:bodyPr rtlCol="0" anchor="ctr"/>
-          <a:lstStyle/>
-          <a:p>
-            <a:pPr algn="ctr"/>
-            <a:endParaRPr lang="en-US"/>
-          </a:p>
-        </p:txBody>
-      </p:sp>
-      <p:sp>
-        <p:nvSpPr>
-          <p:cNvPr id="39" name="Oval 38">
-            <a:extLst>
-              <a:ext uri="{FF2B5EF4-FFF2-40B4-BE49-F238E27FC236}">
-                <a16:creationId xmlns:a16="http://schemas.microsoft.com/office/drawing/2014/main" id="{3E675526-D30C-4448-9787-0568E2650A54}"/>
-              </a:ext>
-            </a:extLst>
-          </p:cNvPr>
-          <p:cNvSpPr/>
-          <p:nvPr/>
-        </p:nvSpPr>
-        <p:spPr>
-          <a:xfrm>
-            <a:off x="8623808" y="4807478"/>
-            <a:ext cx="222421" cy="222422"/>
-          </a:xfrm>
-          <a:prstGeom prst="ellipse">
-            <a:avLst/>
-          </a:prstGeom>
-          <a:ln>
-            <a:noFill/>
-          </a:ln>
-        </p:spPr>
-        <p:style>
-          <a:lnRef idx="2">
-            <a:schemeClr val="accent1">
-              <a:shade val="50000"/>
-            </a:schemeClr>
-          </a:lnRef>
-          <a:fillRef idx="1">
-            <a:schemeClr val="accent1"/>
-          </a:fillRef>
-          <a:effectRef idx="0">
-            <a:schemeClr val="accent1"/>
-          </a:effectRef>
-          <a:fontRef idx="minor">
-            <a:schemeClr val="lt1"/>
-          </a:fontRef>
-        </p:style>
-        <p:txBody>
-          <a:bodyPr rtlCol="0" anchor="ctr"/>
-          <a:lstStyle/>
-          <a:p>
-            <a:pPr algn="ctr"/>
-            <a:endParaRPr lang="en-US"/>
-          </a:p>
-        </p:txBody>
-      </p:sp>
-      <p:sp>
-        <p:nvSpPr>
-          <p:cNvPr id="40" name="Oval 39">
-            <a:extLst>
-              <a:ext uri="{FF2B5EF4-FFF2-40B4-BE49-F238E27FC236}">
-                <a16:creationId xmlns:a16="http://schemas.microsoft.com/office/drawing/2014/main" id="{9BFB7740-C0C4-4629-86AC-F46ACF6F4994}"/>
-              </a:ext>
-            </a:extLst>
-          </p:cNvPr>
-          <p:cNvSpPr/>
-          <p:nvPr/>
-        </p:nvSpPr>
-        <p:spPr>
-          <a:xfrm>
-            <a:off x="8293457" y="5377948"/>
-            <a:ext cx="222421" cy="222422"/>
-          </a:xfrm>
-          <a:prstGeom prst="ellipse">
-            <a:avLst/>
-          </a:prstGeom>
-          <a:solidFill>
-            <a:srgbClr val="7030A0"/>
-          </a:solidFill>
-          <a:ln>
-            <a:noFill/>
-          </a:ln>
-        </p:spPr>
-        <p:style>
-          <a:lnRef idx="2">
-            <a:schemeClr val="accent1">
-              <a:shade val="50000"/>
-            </a:schemeClr>
-          </a:lnRef>
-          <a:fillRef idx="1">
-            <a:schemeClr val="accent1"/>
-          </a:fillRef>
-          <a:effectRef idx="0">
-            <a:schemeClr val="accent1"/>
-          </a:effectRef>
-          <a:fontRef idx="minor">
-            <a:schemeClr val="lt1"/>
-          </a:fontRef>
-        </p:style>
-        <p:txBody>
-          <a:bodyPr rtlCol="0" anchor="ctr"/>
-          <a:lstStyle/>
-          <a:p>
-            <a:pPr algn="ctr"/>
-            <a:endParaRPr lang="en-US"/>
-          </a:p>
-        </p:txBody>
-      </p:sp>
-      <p:sp>
-        <p:nvSpPr>
-          <p:cNvPr id="41" name="Oval 40">
-            <a:extLst>
-              <a:ext uri="{FF2B5EF4-FFF2-40B4-BE49-F238E27FC236}">
-                <a16:creationId xmlns:a16="http://schemas.microsoft.com/office/drawing/2014/main" id="{44A88672-B1CA-4C9B-850D-5E68B7C4CA85}"/>
-              </a:ext>
-            </a:extLst>
-          </p:cNvPr>
-          <p:cNvSpPr/>
-          <p:nvPr/>
-        </p:nvSpPr>
-        <p:spPr>
-          <a:xfrm>
-            <a:off x="8940128" y="5377948"/>
-            <a:ext cx="222421" cy="222422"/>
-          </a:xfrm>
-          <a:prstGeom prst="ellipse">
-            <a:avLst/>
-          </a:prstGeom>
-          <a:solidFill>
-            <a:srgbClr val="FF0000"/>
-          </a:solidFill>
-          <a:ln>
-            <a:noFill/>
-          </a:ln>
-        </p:spPr>
-        <p:style>
-          <a:lnRef idx="2">
-            <a:schemeClr val="accent1">
-              <a:shade val="50000"/>
-            </a:schemeClr>
-          </a:lnRef>
-          <a:fillRef idx="1">
-            <a:schemeClr val="accent1"/>
-          </a:fillRef>
-          <a:effectRef idx="0">
-            <a:schemeClr val="accent1"/>
-          </a:effectRef>
-          <a:fontRef idx="minor">
-            <a:schemeClr val="lt1"/>
-          </a:fontRef>
-        </p:style>
-        <p:txBody>
-          <a:bodyPr rtlCol="0" anchor="ctr"/>
-          <a:lstStyle/>
-          <a:p>
-            <a:pPr algn="ctr"/>
-            <a:endParaRPr lang="en-US"/>
-          </a:p>
-        </p:txBody>
-      </p:sp>
-      <p:sp>
-        <p:nvSpPr>
-          <p:cNvPr id="42" name="Oval 41">
-            <a:extLst>
-              <a:ext uri="{FF2B5EF4-FFF2-40B4-BE49-F238E27FC236}">
-                <a16:creationId xmlns:a16="http://schemas.microsoft.com/office/drawing/2014/main" id="{58D2A62A-F9DC-4F8B-B258-DAD6CD3E4017}"/>
-              </a:ext>
-            </a:extLst>
-          </p:cNvPr>
-          <p:cNvSpPr/>
-          <p:nvPr/>
-        </p:nvSpPr>
-        <p:spPr>
-          <a:xfrm>
-            <a:off x="7039262" y="5359137"/>
-            <a:ext cx="222421" cy="222422"/>
-          </a:xfrm>
-          <a:prstGeom prst="ellipse">
-            <a:avLst/>
-          </a:prstGeom>
-          <a:solidFill>
-            <a:srgbClr val="7030A0"/>
-          </a:solidFill>
-          <a:ln>
-            <a:noFill/>
-          </a:ln>
-        </p:spPr>
-        <p:style>
-          <a:lnRef idx="2">
-            <a:schemeClr val="accent1">
-              <a:shade val="50000"/>
-            </a:schemeClr>
-          </a:lnRef>
-          <a:fillRef idx="1">
-            <a:schemeClr val="accent1"/>
-          </a:fillRef>
-          <a:effectRef idx="0">
-            <a:schemeClr val="accent1"/>
-          </a:effectRef>
-          <a:fontRef idx="minor">
-            <a:schemeClr val="lt1"/>
-          </a:fontRef>
-        </p:style>
-        <p:txBody>
-          <a:bodyPr rtlCol="0" anchor="ctr"/>
-          <a:lstStyle/>
-          <a:p>
-            <a:pPr algn="ctr"/>
-            <a:endParaRPr lang="en-US"/>
-          </a:p>
-        </p:txBody>
-      </p:sp>
-      <p:sp>
-        <p:nvSpPr>
-          <p:cNvPr id="43" name="Oval 42">
-            <a:extLst>
-              <a:ext uri="{FF2B5EF4-FFF2-40B4-BE49-F238E27FC236}">
-                <a16:creationId xmlns:a16="http://schemas.microsoft.com/office/drawing/2014/main" id="{91605E37-2CB9-4E73-990B-BD80E7F790B0}"/>
-              </a:ext>
-            </a:extLst>
-          </p:cNvPr>
-          <p:cNvSpPr/>
-          <p:nvPr/>
-        </p:nvSpPr>
-        <p:spPr>
-          <a:xfrm>
-            <a:off x="7685933" y="5359137"/>
-            <a:ext cx="222421" cy="222422"/>
-          </a:xfrm>
-          <a:prstGeom prst="ellipse">
-            <a:avLst/>
-          </a:prstGeom>
-          <a:solidFill>
-            <a:srgbClr val="FF0000"/>
-          </a:solidFill>
-          <a:ln>
-            <a:noFill/>
-          </a:ln>
-        </p:spPr>
-        <p:style>
-          <a:lnRef idx="2">
-            <a:schemeClr val="accent1">
-              <a:shade val="50000"/>
-            </a:schemeClr>
-          </a:lnRef>
-          <a:fillRef idx="1">
-            <a:schemeClr val="accent1"/>
-          </a:fillRef>
-          <a:effectRef idx="0">
-            <a:schemeClr val="accent1"/>
-          </a:effectRef>
-          <a:fontRef idx="minor">
-            <a:schemeClr val="lt1"/>
-          </a:fontRef>
-        </p:style>
-        <p:txBody>
-          <a:bodyPr rtlCol="0" anchor="ctr"/>
-          <a:lstStyle/>
-          <a:p>
-            <a:pPr algn="ctr"/>
-            <a:endParaRPr lang="en-US"/>
-          </a:p>
-        </p:txBody>
-      </p:sp>
       <p:cxnSp>
         <p:nvCxnSpPr>
           <p:cNvPr id="44" name="Straight Connector 43">
@@ -16541,15 +15312,16 @@
             </a:extLst>
           </p:cNvPr>
           <p:cNvCxnSpPr>
-            <a:stCxn id="17" idx="0"/>
-            <a:endCxn id="12" idx="4"/>
+            <a:cxnSpLocks/>
+            <a:stCxn id="17" idx="3"/>
+            <a:endCxn id="12" idx="7"/>
           </p:cNvCxnSpPr>
           <p:nvPr/>
         </p:nvCxnSpPr>
         <p:spPr>
           <a:xfrm flipV="1">
-            <a:off x="5807758" y="1913110"/>
-            <a:ext cx="323336" cy="335691"/>
+            <a:off x="5729120" y="1723261"/>
+            <a:ext cx="480611" cy="715389"/>
           </a:xfrm>
           <a:prstGeom prst="line">
             <a:avLst/>
@@ -16585,15 +15357,16 @@
             </a:extLst>
           </p:cNvPr>
           <p:cNvCxnSpPr>
-            <a:stCxn id="18" idx="0"/>
-            <a:endCxn id="17" idx="4"/>
+            <a:cxnSpLocks/>
+            <a:stCxn id="18" idx="3"/>
+            <a:endCxn id="17" idx="7"/>
           </p:cNvCxnSpPr>
           <p:nvPr/>
         </p:nvCxnSpPr>
         <p:spPr>
           <a:xfrm flipV="1">
-            <a:off x="5484423" y="2471223"/>
-            <a:ext cx="323335" cy="331572"/>
+            <a:off x="5405785" y="2281374"/>
+            <a:ext cx="480610" cy="711270"/>
           </a:xfrm>
           <a:prstGeom prst="line">
             <a:avLst/>
@@ -16630,15 +15403,15 @@
           </p:cNvPr>
           <p:cNvCxnSpPr>
             <a:cxnSpLocks/>
-            <a:stCxn id="13" idx="0"/>
-            <a:endCxn id="12" idx="4"/>
+            <a:stCxn id="13" idx="5"/>
+            <a:endCxn id="12" idx="1"/>
           </p:cNvCxnSpPr>
           <p:nvPr/>
         </p:nvCxnSpPr>
         <p:spPr>
           <a:xfrm flipH="1" flipV="1">
-            <a:off x="6131094" y="1913110"/>
-            <a:ext cx="323336" cy="331572"/>
+            <a:off x="6052456" y="1723261"/>
+            <a:ext cx="480611" cy="711270"/>
           </a:xfrm>
           <a:prstGeom prst="line">
             <a:avLst/>
@@ -16675,15 +15448,15 @@
           </p:cNvPr>
           <p:cNvCxnSpPr>
             <a:cxnSpLocks/>
-            <a:stCxn id="17" idx="4"/>
-            <a:endCxn id="19" idx="0"/>
+            <a:stCxn id="17" idx="1"/>
+            <a:endCxn id="19" idx="5"/>
           </p:cNvCxnSpPr>
           <p:nvPr/>
         </p:nvCxnSpPr>
         <p:spPr>
           <a:xfrm>
-            <a:off x="5807758" y="2471223"/>
-            <a:ext cx="323336" cy="331572"/>
+            <a:off x="5729120" y="2281374"/>
+            <a:ext cx="480611" cy="711270"/>
           </a:xfrm>
           <a:prstGeom prst="line">
             <a:avLst/>
@@ -16720,15 +15493,15 @@
           </p:cNvPr>
           <p:cNvCxnSpPr>
             <a:cxnSpLocks/>
-            <a:stCxn id="14" idx="4"/>
-            <a:endCxn id="15" idx="0"/>
+            <a:stCxn id="14" idx="7"/>
+            <a:endCxn id="15" idx="3"/>
           </p:cNvCxnSpPr>
           <p:nvPr/>
         </p:nvCxnSpPr>
         <p:spPr>
           <a:xfrm flipH="1">
-            <a:off x="8840285" y="1958547"/>
-            <a:ext cx="646671" cy="331572"/>
+            <a:off x="8761647" y="1768698"/>
+            <a:ext cx="803946" cy="711270"/>
           </a:xfrm>
           <a:prstGeom prst="line">
             <a:avLst/>
@@ -16765,15 +15538,15 @@
           </p:cNvPr>
           <p:cNvCxnSpPr>
             <a:cxnSpLocks/>
-            <a:stCxn id="14" idx="4"/>
-            <a:endCxn id="16" idx="0"/>
+            <a:stCxn id="14" idx="1"/>
+            <a:endCxn id="16" idx="5"/>
           </p:cNvCxnSpPr>
           <p:nvPr/>
         </p:nvCxnSpPr>
         <p:spPr>
           <a:xfrm>
-            <a:off x="9486956" y="1958547"/>
-            <a:ext cx="597212" cy="331572"/>
+            <a:off x="9408318" y="1768698"/>
+            <a:ext cx="754487" cy="711270"/>
           </a:xfrm>
           <a:prstGeom prst="line">
             <a:avLst/>
@@ -16810,15 +15583,15 @@
           </p:cNvPr>
           <p:cNvCxnSpPr>
             <a:cxnSpLocks/>
-            <a:stCxn id="20" idx="0"/>
-            <a:endCxn id="15" idx="4"/>
+            <a:stCxn id="20" idx="3"/>
+            <a:endCxn id="15" idx="7"/>
           </p:cNvCxnSpPr>
           <p:nvPr/>
         </p:nvCxnSpPr>
         <p:spPr>
           <a:xfrm flipV="1">
-            <a:off x="8515879" y="2512541"/>
-            <a:ext cx="324406" cy="331572"/>
+            <a:off x="8437241" y="2322692"/>
+            <a:ext cx="481681" cy="711270"/>
           </a:xfrm>
           <a:prstGeom prst="line">
             <a:avLst/>
@@ -16855,15 +15628,15 @@
           </p:cNvPr>
           <p:cNvCxnSpPr>
             <a:cxnSpLocks/>
-            <a:stCxn id="21" idx="0"/>
-            <a:endCxn id="15" idx="4"/>
+            <a:stCxn id="21" idx="5"/>
+            <a:endCxn id="15" idx="1"/>
           </p:cNvCxnSpPr>
           <p:nvPr/>
         </p:nvCxnSpPr>
         <p:spPr>
           <a:xfrm flipH="1" flipV="1">
-            <a:off x="8840285" y="2512541"/>
-            <a:ext cx="322265" cy="331572"/>
+            <a:off x="8761647" y="2322692"/>
+            <a:ext cx="479540" cy="711270"/>
           </a:xfrm>
           <a:prstGeom prst="line">
             <a:avLst/>
@@ -16900,15 +15673,15 @@
           </p:cNvPr>
           <p:cNvCxnSpPr>
             <a:cxnSpLocks/>
-            <a:stCxn id="22" idx="0"/>
-            <a:endCxn id="16" idx="4"/>
+            <a:stCxn id="22" idx="3"/>
+            <a:endCxn id="16" idx="7"/>
           </p:cNvCxnSpPr>
           <p:nvPr/>
         </p:nvCxnSpPr>
         <p:spPr>
           <a:xfrm flipV="1">
-            <a:off x="9770074" y="2512541"/>
-            <a:ext cx="314094" cy="331572"/>
+            <a:off x="9691436" y="2322692"/>
+            <a:ext cx="471369" cy="711270"/>
           </a:xfrm>
           <a:prstGeom prst="line">
             <a:avLst/>
@@ -16945,15 +15718,15 @@
           </p:cNvPr>
           <p:cNvCxnSpPr>
             <a:cxnSpLocks/>
-            <a:stCxn id="23" idx="0"/>
-            <a:endCxn id="16" idx="4"/>
+            <a:stCxn id="23" idx="5"/>
+            <a:endCxn id="16" idx="1"/>
           </p:cNvCxnSpPr>
           <p:nvPr/>
         </p:nvCxnSpPr>
         <p:spPr>
           <a:xfrm flipH="1" flipV="1">
-            <a:off x="10084168" y="2512541"/>
-            <a:ext cx="332577" cy="331572"/>
+            <a:off x="10005530" y="2322692"/>
+            <a:ext cx="489852" cy="711270"/>
           </a:xfrm>
           <a:prstGeom prst="line">
             <a:avLst/>
@@ -16990,15 +15763,15 @@
           </p:cNvPr>
           <p:cNvCxnSpPr>
             <a:cxnSpLocks/>
-            <a:stCxn id="26" idx="0"/>
-            <a:endCxn id="24" idx="4"/>
+            <a:stCxn id="26" idx="5"/>
+            <a:endCxn id="24" idx="1"/>
           </p:cNvCxnSpPr>
           <p:nvPr/>
         </p:nvCxnSpPr>
         <p:spPr>
           <a:xfrm flipH="1" flipV="1">
-            <a:off x="3872803" y="3948114"/>
-            <a:ext cx="597212" cy="331572"/>
+            <a:off x="3794165" y="3758265"/>
+            <a:ext cx="754487" cy="711270"/>
           </a:xfrm>
           <a:prstGeom prst="line">
             <a:avLst/>
@@ -17035,15 +15808,15 @@
           </p:cNvPr>
           <p:cNvCxnSpPr>
             <a:cxnSpLocks/>
-            <a:stCxn id="25" idx="0"/>
-            <a:endCxn id="24" idx="4"/>
+            <a:stCxn id="25" idx="3"/>
+            <a:endCxn id="24" idx="7"/>
           </p:cNvCxnSpPr>
           <p:nvPr/>
         </p:nvCxnSpPr>
         <p:spPr>
           <a:xfrm flipV="1">
-            <a:off x="3226132" y="3948114"/>
-            <a:ext cx="646671" cy="331572"/>
+            <a:off x="3147494" y="3758265"/>
+            <a:ext cx="803946" cy="711270"/>
           </a:xfrm>
           <a:prstGeom prst="line">
             <a:avLst/>
@@ -17080,15 +15853,15 @@
           </p:cNvPr>
           <p:cNvCxnSpPr>
             <a:cxnSpLocks/>
-            <a:stCxn id="25" idx="4"/>
-            <a:endCxn id="27" idx="0"/>
+            <a:stCxn id="25" idx="7"/>
+            <a:endCxn id="27" idx="3"/>
           </p:cNvCxnSpPr>
           <p:nvPr/>
         </p:nvCxnSpPr>
         <p:spPr>
           <a:xfrm flipH="1">
-            <a:off x="2901726" y="4502108"/>
-            <a:ext cx="324406" cy="331572"/>
+            <a:off x="2823088" y="4312259"/>
+            <a:ext cx="481681" cy="711270"/>
           </a:xfrm>
           <a:prstGeom prst="line">
             <a:avLst/>
@@ -17125,15 +15898,15 @@
           </p:cNvPr>
           <p:cNvCxnSpPr>
             <a:cxnSpLocks/>
-            <a:stCxn id="25" idx="4"/>
-            <a:endCxn id="28" idx="0"/>
+            <a:stCxn id="25" idx="1"/>
+            <a:endCxn id="28" idx="5"/>
           </p:cNvCxnSpPr>
           <p:nvPr/>
         </p:nvCxnSpPr>
         <p:spPr>
           <a:xfrm>
-            <a:off x="3226132" y="4502108"/>
-            <a:ext cx="322265" cy="331572"/>
+            <a:off x="3147494" y="4312259"/>
+            <a:ext cx="479540" cy="711270"/>
           </a:xfrm>
           <a:prstGeom prst="line">
             <a:avLst/>
@@ -17170,15 +15943,15 @@
           </p:cNvPr>
           <p:cNvCxnSpPr>
             <a:cxnSpLocks/>
-            <a:stCxn id="26" idx="4"/>
-            <a:endCxn id="29" idx="0"/>
+            <a:stCxn id="26" idx="7"/>
+            <a:endCxn id="29" idx="3"/>
           </p:cNvCxnSpPr>
           <p:nvPr/>
         </p:nvCxnSpPr>
         <p:spPr>
           <a:xfrm flipH="1">
-            <a:off x="4155921" y="4502108"/>
-            <a:ext cx="314094" cy="331572"/>
+            <a:off x="4077283" y="4312259"/>
+            <a:ext cx="471369" cy="711270"/>
           </a:xfrm>
           <a:prstGeom prst="line">
             <a:avLst/>
@@ -17215,15 +15988,15 @@
           </p:cNvPr>
           <p:cNvCxnSpPr>
             <a:cxnSpLocks/>
-            <a:stCxn id="26" idx="4"/>
-            <a:endCxn id="30" idx="0"/>
+            <a:stCxn id="26" idx="1"/>
+            <a:endCxn id="30" idx="5"/>
           </p:cNvCxnSpPr>
           <p:nvPr/>
         </p:nvCxnSpPr>
         <p:spPr>
           <a:xfrm>
-            <a:off x="4470015" y="4502108"/>
-            <a:ext cx="332577" cy="331572"/>
+            <a:off x="4391377" y="4312259"/>
+            <a:ext cx="489852" cy="711270"/>
           </a:xfrm>
           <a:prstGeom prst="line">
             <a:avLst/>
@@ -17260,15 +16033,15 @@
           </p:cNvPr>
           <p:cNvCxnSpPr>
             <a:cxnSpLocks/>
-            <a:stCxn id="31" idx="0"/>
-            <a:endCxn id="30" idx="4"/>
+            <a:stCxn id="31" idx="3"/>
+            <a:endCxn id="30" idx="7"/>
           </p:cNvCxnSpPr>
           <p:nvPr/>
         </p:nvCxnSpPr>
         <p:spPr>
           <a:xfrm flipV="1">
-            <a:off x="4472241" y="5056102"/>
-            <a:ext cx="330351" cy="348048"/>
+            <a:off x="4393603" y="4866253"/>
+            <a:ext cx="487626" cy="727746"/>
           </a:xfrm>
           <a:prstGeom prst="line">
             <a:avLst/>
@@ -17305,15 +16078,15 @@
           </p:cNvPr>
           <p:cNvCxnSpPr>
             <a:cxnSpLocks/>
-            <a:stCxn id="30" idx="4"/>
-            <a:endCxn id="32" idx="0"/>
+            <a:stCxn id="30" idx="1"/>
+            <a:endCxn id="32" idx="5"/>
           </p:cNvCxnSpPr>
           <p:nvPr/>
         </p:nvCxnSpPr>
         <p:spPr>
           <a:xfrm>
-            <a:off x="4802592" y="5056102"/>
-            <a:ext cx="316320" cy="348048"/>
+            <a:off x="4723954" y="4866253"/>
+            <a:ext cx="473595" cy="727746"/>
           </a:xfrm>
           <a:prstGeom prst="line">
             <a:avLst/>
@@ -17350,15 +16123,15 @@
           </p:cNvPr>
           <p:cNvCxnSpPr>
             <a:cxnSpLocks/>
-            <a:stCxn id="33" idx="4"/>
-            <a:endCxn id="34" idx="0"/>
+            <a:stCxn id="33" idx="7"/>
+            <a:endCxn id="34" idx="3"/>
           </p:cNvCxnSpPr>
           <p:nvPr/>
         </p:nvCxnSpPr>
         <p:spPr>
           <a:xfrm flipH="1">
-            <a:off x="7158559" y="3921912"/>
-            <a:ext cx="646671" cy="331572"/>
+            <a:off x="7079921" y="3732063"/>
+            <a:ext cx="803946" cy="711270"/>
           </a:xfrm>
           <a:prstGeom prst="line">
             <a:avLst/>
@@ -17395,15 +16168,15 @@
           </p:cNvPr>
           <p:cNvCxnSpPr>
             <a:cxnSpLocks/>
-            <a:stCxn id="33" idx="4"/>
-            <a:endCxn id="35" idx="0"/>
+            <a:stCxn id="33" idx="1"/>
+            <a:endCxn id="35" idx="5"/>
           </p:cNvCxnSpPr>
           <p:nvPr/>
         </p:nvCxnSpPr>
         <p:spPr>
           <a:xfrm>
-            <a:off x="7805230" y="3921912"/>
-            <a:ext cx="597212" cy="331572"/>
+            <a:off x="7726592" y="3732063"/>
+            <a:ext cx="754487" cy="711270"/>
           </a:xfrm>
           <a:prstGeom prst="line">
             <a:avLst/>
@@ -17440,15 +16213,15 @@
           </p:cNvPr>
           <p:cNvCxnSpPr>
             <a:cxnSpLocks/>
-            <a:stCxn id="34" idx="4"/>
-            <a:endCxn id="36" idx="0"/>
+            <a:stCxn id="34" idx="7"/>
+            <a:endCxn id="36" idx="3"/>
           </p:cNvCxnSpPr>
           <p:nvPr/>
         </p:nvCxnSpPr>
         <p:spPr>
           <a:xfrm flipH="1">
-            <a:off x="6834153" y="4475906"/>
-            <a:ext cx="324406" cy="331572"/>
+            <a:off x="6755515" y="4286057"/>
+            <a:ext cx="481681" cy="711270"/>
           </a:xfrm>
           <a:prstGeom prst="line">
             <a:avLst/>
@@ -17485,15 +16258,15 @@
           </p:cNvPr>
           <p:cNvCxnSpPr>
             <a:cxnSpLocks/>
-            <a:stCxn id="34" idx="4"/>
-            <a:endCxn id="37" idx="0"/>
+            <a:stCxn id="34" idx="1"/>
+            <a:endCxn id="37" idx="5"/>
           </p:cNvCxnSpPr>
           <p:nvPr/>
         </p:nvCxnSpPr>
         <p:spPr>
           <a:xfrm>
-            <a:off x="7158559" y="4475906"/>
-            <a:ext cx="322265" cy="331572"/>
+            <a:off x="7079921" y="4286057"/>
+            <a:ext cx="479540" cy="711270"/>
           </a:xfrm>
           <a:prstGeom prst="line">
             <a:avLst/>
@@ -17530,15 +16303,15 @@
           </p:cNvPr>
           <p:cNvCxnSpPr>
             <a:cxnSpLocks/>
-            <a:stCxn id="35" idx="4"/>
-            <a:endCxn id="38" idx="0"/>
+            <a:stCxn id="35" idx="7"/>
+            <a:endCxn id="38" idx="3"/>
           </p:cNvCxnSpPr>
           <p:nvPr/>
         </p:nvCxnSpPr>
         <p:spPr>
           <a:xfrm flipH="1">
-            <a:off x="8088348" y="4475906"/>
-            <a:ext cx="314094" cy="331572"/>
+            <a:off x="8009710" y="4286057"/>
+            <a:ext cx="471369" cy="711270"/>
           </a:xfrm>
           <a:prstGeom prst="line">
             <a:avLst/>
@@ -17575,15 +16348,15 @@
           </p:cNvPr>
           <p:cNvCxnSpPr>
             <a:cxnSpLocks/>
-            <a:stCxn id="35" idx="4"/>
-            <a:endCxn id="39" idx="0"/>
+            <a:stCxn id="35" idx="1"/>
+            <a:endCxn id="39" idx="5"/>
           </p:cNvCxnSpPr>
           <p:nvPr/>
         </p:nvCxnSpPr>
         <p:spPr>
           <a:xfrm>
-            <a:off x="8402442" y="4475906"/>
-            <a:ext cx="332577" cy="331572"/>
+            <a:off x="8323804" y="4286057"/>
+            <a:ext cx="489852" cy="711270"/>
           </a:xfrm>
           <a:prstGeom prst="line">
             <a:avLst/>
@@ -17620,15 +16393,15 @@
           </p:cNvPr>
           <p:cNvCxnSpPr>
             <a:cxnSpLocks/>
-            <a:stCxn id="37" idx="4"/>
-            <a:endCxn id="43" idx="0"/>
+            <a:stCxn id="37" idx="1"/>
+            <a:endCxn id="43" idx="5"/>
           </p:cNvCxnSpPr>
           <p:nvPr/>
         </p:nvCxnSpPr>
         <p:spPr>
           <a:xfrm>
-            <a:off x="7480824" y="5029900"/>
-            <a:ext cx="316320" cy="329237"/>
+            <a:off x="7402186" y="4840051"/>
+            <a:ext cx="473595" cy="708935"/>
           </a:xfrm>
           <a:prstGeom prst="line">
             <a:avLst/>
@@ -17665,15 +16438,15 @@
           </p:cNvPr>
           <p:cNvCxnSpPr>
             <a:cxnSpLocks/>
-            <a:stCxn id="37" idx="4"/>
-            <a:endCxn id="42" idx="0"/>
+            <a:stCxn id="37" idx="7"/>
+            <a:endCxn id="42" idx="3"/>
           </p:cNvCxnSpPr>
           <p:nvPr/>
         </p:nvCxnSpPr>
         <p:spPr>
           <a:xfrm flipH="1">
-            <a:off x="7150473" y="5029900"/>
-            <a:ext cx="330351" cy="329237"/>
+            <a:off x="7071835" y="4840051"/>
+            <a:ext cx="487626" cy="708935"/>
           </a:xfrm>
           <a:prstGeom prst="line">
             <a:avLst/>
@@ -17710,15 +16483,15 @@
           </p:cNvPr>
           <p:cNvCxnSpPr>
             <a:cxnSpLocks/>
-            <a:stCxn id="39" idx="4"/>
-            <a:endCxn id="40" idx="0"/>
+            <a:stCxn id="39" idx="7"/>
+            <a:endCxn id="40" idx="3"/>
           </p:cNvCxnSpPr>
           <p:nvPr/>
         </p:nvCxnSpPr>
         <p:spPr>
           <a:xfrm flipH="1">
-            <a:off x="8404668" y="5029900"/>
-            <a:ext cx="330351" cy="348048"/>
+            <a:off x="8326030" y="4840051"/>
+            <a:ext cx="487626" cy="727746"/>
           </a:xfrm>
           <a:prstGeom prst="line">
             <a:avLst/>
@@ -17755,15 +16528,15 @@
           </p:cNvPr>
           <p:cNvCxnSpPr>
             <a:cxnSpLocks/>
-            <a:stCxn id="39" idx="4"/>
-            <a:endCxn id="41" idx="0"/>
+            <a:stCxn id="39" idx="1"/>
+            <a:endCxn id="41" idx="5"/>
           </p:cNvCxnSpPr>
           <p:nvPr/>
         </p:nvCxnSpPr>
         <p:spPr>
           <a:xfrm>
-            <a:off x="8735019" y="5029900"/>
-            <a:ext cx="316320" cy="348048"/>
+            <a:off x="8656381" y="4840051"/>
+            <a:ext cx="473595" cy="727746"/>
           </a:xfrm>
           <a:prstGeom prst="line">
             <a:avLst/>
@@ -18283,6 +17056,1692 @@
           </a:p>
         </p:txBody>
       </p:sp>
+      <p:sp>
+        <p:nvSpPr>
+          <p:cNvPr id="17" name="Oval 16">
+            <a:extLst>
+              <a:ext uri="{FF2B5EF4-FFF2-40B4-BE49-F238E27FC236}">
+                <a16:creationId xmlns:a16="http://schemas.microsoft.com/office/drawing/2014/main" id="{D3EDFD3E-B9C8-4F03-AC3C-63C7DE6F247A}"/>
+              </a:ext>
+            </a:extLst>
+          </p:cNvPr>
+          <p:cNvSpPr/>
+          <p:nvPr/>
+        </p:nvSpPr>
+        <p:spPr>
+          <a:xfrm>
+            <a:off x="5696547" y="2248801"/>
+            <a:ext cx="222421" cy="222422"/>
+          </a:xfrm>
+          <a:prstGeom prst="ellipse">
+            <a:avLst/>
+          </a:prstGeom>
+          <a:ln>
+            <a:solidFill>
+              <a:schemeClr val="accent1"/>
+            </a:solidFill>
+          </a:ln>
+        </p:spPr>
+        <p:style>
+          <a:lnRef idx="2">
+            <a:schemeClr val="accent1">
+              <a:shade val="50000"/>
+            </a:schemeClr>
+          </a:lnRef>
+          <a:fillRef idx="1">
+            <a:schemeClr val="accent1"/>
+          </a:fillRef>
+          <a:effectRef idx="0">
+            <a:schemeClr val="accent1"/>
+          </a:effectRef>
+          <a:fontRef idx="minor">
+            <a:schemeClr val="lt1"/>
+          </a:fontRef>
+        </p:style>
+        <p:txBody>
+          <a:bodyPr rtlCol="0" anchor="ctr"/>
+          <a:lstStyle/>
+          <a:p>
+            <a:pPr algn="ctr"/>
+            <a:endParaRPr lang="en-US"/>
+          </a:p>
+        </p:txBody>
+      </p:sp>
+      <p:sp>
+        <p:nvSpPr>
+          <p:cNvPr id="12" name="Oval 11">
+            <a:extLst>
+              <a:ext uri="{FF2B5EF4-FFF2-40B4-BE49-F238E27FC236}">
+                <a16:creationId xmlns:a16="http://schemas.microsoft.com/office/drawing/2014/main" id="{05AC5434-87A7-44BB-A049-86B3B1FE7AFC}"/>
+              </a:ext>
+            </a:extLst>
+          </p:cNvPr>
+          <p:cNvSpPr/>
+          <p:nvPr/>
+        </p:nvSpPr>
+        <p:spPr>
+          <a:xfrm>
+            <a:off x="6019883" y="1690688"/>
+            <a:ext cx="222421" cy="222422"/>
+          </a:xfrm>
+          <a:prstGeom prst="ellipse">
+            <a:avLst/>
+          </a:prstGeom>
+          <a:ln>
+            <a:solidFill>
+              <a:schemeClr val="accent1"/>
+            </a:solidFill>
+          </a:ln>
+        </p:spPr>
+        <p:style>
+          <a:lnRef idx="2">
+            <a:schemeClr val="accent1">
+              <a:shade val="50000"/>
+            </a:schemeClr>
+          </a:lnRef>
+          <a:fillRef idx="1">
+            <a:schemeClr val="accent1"/>
+          </a:fillRef>
+          <a:effectRef idx="0">
+            <a:schemeClr val="accent1"/>
+          </a:effectRef>
+          <a:fontRef idx="minor">
+            <a:schemeClr val="lt1"/>
+          </a:fontRef>
+        </p:style>
+        <p:txBody>
+          <a:bodyPr rtlCol="0" anchor="ctr"/>
+          <a:lstStyle/>
+          <a:p>
+            <a:pPr algn="ctr"/>
+            <a:endParaRPr lang="en-US"/>
+          </a:p>
+        </p:txBody>
+      </p:sp>
+      <p:sp>
+        <p:nvSpPr>
+          <p:cNvPr id="13" name="Oval 12">
+            <a:extLst>
+              <a:ext uri="{FF2B5EF4-FFF2-40B4-BE49-F238E27FC236}">
+                <a16:creationId xmlns:a16="http://schemas.microsoft.com/office/drawing/2014/main" id="{DBC8824A-5CCF-4DC5-AA7F-1335EBA7CC35}"/>
+              </a:ext>
+            </a:extLst>
+          </p:cNvPr>
+          <p:cNvSpPr/>
+          <p:nvPr/>
+        </p:nvSpPr>
+        <p:spPr>
+          <a:xfrm>
+            <a:off x="6343219" y="2244682"/>
+            <a:ext cx="222421" cy="222422"/>
+          </a:xfrm>
+          <a:prstGeom prst="ellipse">
+            <a:avLst/>
+          </a:prstGeom>
+          <a:solidFill>
+            <a:srgbClr val="FF0000"/>
+          </a:solidFill>
+          <a:ln>
+            <a:solidFill>
+              <a:srgbClr val="FF0000"/>
+            </a:solidFill>
+          </a:ln>
+        </p:spPr>
+        <p:style>
+          <a:lnRef idx="2">
+            <a:schemeClr val="accent1">
+              <a:shade val="50000"/>
+            </a:schemeClr>
+          </a:lnRef>
+          <a:fillRef idx="1">
+            <a:schemeClr val="accent1"/>
+          </a:fillRef>
+          <a:effectRef idx="0">
+            <a:schemeClr val="accent1"/>
+          </a:effectRef>
+          <a:fontRef idx="minor">
+            <a:schemeClr val="lt1"/>
+          </a:fontRef>
+        </p:style>
+        <p:txBody>
+          <a:bodyPr rtlCol="0" anchor="ctr"/>
+          <a:lstStyle/>
+          <a:p>
+            <a:pPr algn="ctr"/>
+            <a:endParaRPr lang="en-US"/>
+          </a:p>
+        </p:txBody>
+      </p:sp>
+      <p:sp>
+        <p:nvSpPr>
+          <p:cNvPr id="19" name="Oval 18">
+            <a:extLst>
+              <a:ext uri="{FF2B5EF4-FFF2-40B4-BE49-F238E27FC236}">
+                <a16:creationId xmlns:a16="http://schemas.microsoft.com/office/drawing/2014/main" id="{C19C595D-A3A5-4622-984D-52D8D8DF87AD}"/>
+              </a:ext>
+            </a:extLst>
+          </p:cNvPr>
+          <p:cNvSpPr/>
+          <p:nvPr/>
+        </p:nvSpPr>
+        <p:spPr>
+          <a:xfrm>
+            <a:off x="6019883" y="2802795"/>
+            <a:ext cx="222421" cy="222422"/>
+          </a:xfrm>
+          <a:prstGeom prst="ellipse">
+            <a:avLst/>
+          </a:prstGeom>
+          <a:solidFill>
+            <a:srgbClr val="FF0000"/>
+          </a:solidFill>
+          <a:ln>
+            <a:solidFill>
+              <a:srgbClr val="FF0000"/>
+            </a:solidFill>
+          </a:ln>
+        </p:spPr>
+        <p:style>
+          <a:lnRef idx="2">
+            <a:schemeClr val="accent1">
+              <a:shade val="50000"/>
+            </a:schemeClr>
+          </a:lnRef>
+          <a:fillRef idx="1">
+            <a:schemeClr val="accent1"/>
+          </a:fillRef>
+          <a:effectRef idx="0">
+            <a:schemeClr val="accent1"/>
+          </a:effectRef>
+          <a:fontRef idx="minor">
+            <a:schemeClr val="lt1"/>
+          </a:fontRef>
+        </p:style>
+        <p:txBody>
+          <a:bodyPr rtlCol="0" anchor="ctr"/>
+          <a:lstStyle/>
+          <a:p>
+            <a:pPr algn="ctr"/>
+            <a:endParaRPr lang="en-US"/>
+          </a:p>
+        </p:txBody>
+      </p:sp>
+      <p:sp>
+        <p:nvSpPr>
+          <p:cNvPr id="14" name="Oval 13">
+            <a:extLst>
+              <a:ext uri="{FF2B5EF4-FFF2-40B4-BE49-F238E27FC236}">
+                <a16:creationId xmlns:a16="http://schemas.microsoft.com/office/drawing/2014/main" id="{33F17472-FB6C-49AB-B046-EC28CEEA9D21}"/>
+              </a:ext>
+            </a:extLst>
+          </p:cNvPr>
+          <p:cNvSpPr/>
+          <p:nvPr/>
+        </p:nvSpPr>
+        <p:spPr>
+          <a:xfrm>
+            <a:off x="9375745" y="1736125"/>
+            <a:ext cx="222421" cy="222422"/>
+          </a:xfrm>
+          <a:prstGeom prst="ellipse">
+            <a:avLst/>
+          </a:prstGeom>
+          <a:ln>
+            <a:solidFill>
+              <a:schemeClr val="accent1"/>
+            </a:solidFill>
+          </a:ln>
+        </p:spPr>
+        <p:style>
+          <a:lnRef idx="2">
+            <a:schemeClr val="accent1">
+              <a:shade val="50000"/>
+            </a:schemeClr>
+          </a:lnRef>
+          <a:fillRef idx="1">
+            <a:schemeClr val="accent1"/>
+          </a:fillRef>
+          <a:effectRef idx="0">
+            <a:schemeClr val="accent1"/>
+          </a:effectRef>
+          <a:fontRef idx="minor">
+            <a:schemeClr val="lt1"/>
+          </a:fontRef>
+        </p:style>
+        <p:txBody>
+          <a:bodyPr rtlCol="0" anchor="ctr"/>
+          <a:lstStyle/>
+          <a:p>
+            <a:pPr algn="ctr"/>
+            <a:endParaRPr lang="en-US" dirty="0"/>
+          </a:p>
+        </p:txBody>
+      </p:sp>
+      <p:sp>
+        <p:nvSpPr>
+          <p:cNvPr id="15" name="Oval 14">
+            <a:extLst>
+              <a:ext uri="{FF2B5EF4-FFF2-40B4-BE49-F238E27FC236}">
+                <a16:creationId xmlns:a16="http://schemas.microsoft.com/office/drawing/2014/main" id="{5093F3DD-0F46-4DB5-A8F2-480C2B5F3F42}"/>
+              </a:ext>
+            </a:extLst>
+          </p:cNvPr>
+          <p:cNvSpPr/>
+          <p:nvPr/>
+        </p:nvSpPr>
+        <p:spPr>
+          <a:xfrm>
+            <a:off x="8729074" y="2290119"/>
+            <a:ext cx="222421" cy="222422"/>
+          </a:xfrm>
+          <a:prstGeom prst="ellipse">
+            <a:avLst/>
+          </a:prstGeom>
+          <a:ln>
+            <a:solidFill>
+              <a:schemeClr val="accent1"/>
+            </a:solidFill>
+          </a:ln>
+        </p:spPr>
+        <p:style>
+          <a:lnRef idx="2">
+            <a:schemeClr val="accent1">
+              <a:shade val="50000"/>
+            </a:schemeClr>
+          </a:lnRef>
+          <a:fillRef idx="1">
+            <a:schemeClr val="accent1"/>
+          </a:fillRef>
+          <a:effectRef idx="0">
+            <a:schemeClr val="accent1"/>
+          </a:effectRef>
+          <a:fontRef idx="minor">
+            <a:schemeClr val="lt1"/>
+          </a:fontRef>
+        </p:style>
+        <p:txBody>
+          <a:bodyPr rtlCol="0" anchor="ctr"/>
+          <a:lstStyle/>
+          <a:p>
+            <a:pPr algn="ctr"/>
+            <a:endParaRPr lang="en-US"/>
+          </a:p>
+        </p:txBody>
+      </p:sp>
+      <p:sp>
+        <p:nvSpPr>
+          <p:cNvPr id="16" name="Oval 15">
+            <a:extLst>
+              <a:ext uri="{FF2B5EF4-FFF2-40B4-BE49-F238E27FC236}">
+                <a16:creationId xmlns:a16="http://schemas.microsoft.com/office/drawing/2014/main" id="{D0F191AC-591B-4A09-9E41-20ADBA70F017}"/>
+              </a:ext>
+            </a:extLst>
+          </p:cNvPr>
+          <p:cNvSpPr/>
+          <p:nvPr/>
+        </p:nvSpPr>
+        <p:spPr>
+          <a:xfrm>
+            <a:off x="9972957" y="2290119"/>
+            <a:ext cx="222421" cy="222422"/>
+          </a:xfrm>
+          <a:prstGeom prst="ellipse">
+            <a:avLst/>
+          </a:prstGeom>
+          <a:ln>
+            <a:solidFill>
+              <a:schemeClr val="accent1"/>
+            </a:solidFill>
+          </a:ln>
+        </p:spPr>
+        <p:style>
+          <a:lnRef idx="2">
+            <a:schemeClr val="accent1">
+              <a:shade val="50000"/>
+            </a:schemeClr>
+          </a:lnRef>
+          <a:fillRef idx="1">
+            <a:schemeClr val="accent1"/>
+          </a:fillRef>
+          <a:effectRef idx="0">
+            <a:schemeClr val="accent1"/>
+          </a:effectRef>
+          <a:fontRef idx="minor">
+            <a:schemeClr val="lt1"/>
+          </a:fontRef>
+        </p:style>
+        <p:txBody>
+          <a:bodyPr rtlCol="0" anchor="ctr"/>
+          <a:lstStyle/>
+          <a:p>
+            <a:pPr algn="ctr"/>
+            <a:endParaRPr lang="en-US"/>
+          </a:p>
+        </p:txBody>
+      </p:sp>
+      <p:sp>
+        <p:nvSpPr>
+          <p:cNvPr id="18" name="Oval 17">
+            <a:extLst>
+              <a:ext uri="{FF2B5EF4-FFF2-40B4-BE49-F238E27FC236}">
+                <a16:creationId xmlns:a16="http://schemas.microsoft.com/office/drawing/2014/main" id="{4F805E12-75DC-4DB6-8F4E-FDCB664BD4EE}"/>
+              </a:ext>
+            </a:extLst>
+          </p:cNvPr>
+          <p:cNvSpPr/>
+          <p:nvPr/>
+        </p:nvSpPr>
+        <p:spPr>
+          <a:xfrm>
+            <a:off x="5373212" y="2802795"/>
+            <a:ext cx="222421" cy="222422"/>
+          </a:xfrm>
+          <a:prstGeom prst="ellipse">
+            <a:avLst/>
+          </a:prstGeom>
+          <a:solidFill>
+            <a:srgbClr val="7030A0"/>
+          </a:solidFill>
+          <a:ln>
+            <a:solidFill>
+              <a:srgbClr val="7030A0"/>
+            </a:solidFill>
+          </a:ln>
+        </p:spPr>
+        <p:style>
+          <a:lnRef idx="2">
+            <a:schemeClr val="accent1">
+              <a:shade val="50000"/>
+            </a:schemeClr>
+          </a:lnRef>
+          <a:fillRef idx="1">
+            <a:schemeClr val="accent1"/>
+          </a:fillRef>
+          <a:effectRef idx="0">
+            <a:schemeClr val="accent1"/>
+          </a:effectRef>
+          <a:fontRef idx="minor">
+            <a:schemeClr val="lt1"/>
+          </a:fontRef>
+        </p:style>
+        <p:txBody>
+          <a:bodyPr rtlCol="0" anchor="ctr"/>
+          <a:lstStyle/>
+          <a:p>
+            <a:pPr algn="ctr"/>
+            <a:endParaRPr lang="en-US"/>
+          </a:p>
+        </p:txBody>
+      </p:sp>
+      <p:sp>
+        <p:nvSpPr>
+          <p:cNvPr id="20" name="Oval 19">
+            <a:extLst>
+              <a:ext uri="{FF2B5EF4-FFF2-40B4-BE49-F238E27FC236}">
+                <a16:creationId xmlns:a16="http://schemas.microsoft.com/office/drawing/2014/main" id="{3A9BC505-6B40-482D-A70D-5CC86ACFA5FA}"/>
+              </a:ext>
+            </a:extLst>
+          </p:cNvPr>
+          <p:cNvSpPr/>
+          <p:nvPr/>
+        </p:nvSpPr>
+        <p:spPr>
+          <a:xfrm>
+            <a:off x="8404668" y="2844113"/>
+            <a:ext cx="222421" cy="222422"/>
+          </a:xfrm>
+          <a:prstGeom prst="ellipse">
+            <a:avLst/>
+          </a:prstGeom>
+          <a:solidFill>
+            <a:srgbClr val="7030A0"/>
+          </a:solidFill>
+          <a:ln>
+            <a:solidFill>
+              <a:srgbClr val="7030A0"/>
+            </a:solidFill>
+          </a:ln>
+        </p:spPr>
+        <p:style>
+          <a:lnRef idx="2">
+            <a:schemeClr val="accent1">
+              <a:shade val="50000"/>
+            </a:schemeClr>
+          </a:lnRef>
+          <a:fillRef idx="1">
+            <a:schemeClr val="accent1"/>
+          </a:fillRef>
+          <a:effectRef idx="0">
+            <a:schemeClr val="accent1"/>
+          </a:effectRef>
+          <a:fontRef idx="minor">
+            <a:schemeClr val="lt1"/>
+          </a:fontRef>
+        </p:style>
+        <p:txBody>
+          <a:bodyPr rtlCol="0" anchor="ctr"/>
+          <a:lstStyle/>
+          <a:p>
+            <a:pPr algn="ctr"/>
+            <a:endParaRPr lang="en-US"/>
+          </a:p>
+        </p:txBody>
+      </p:sp>
+      <p:sp>
+        <p:nvSpPr>
+          <p:cNvPr id="21" name="Oval 20">
+            <a:extLst>
+              <a:ext uri="{FF2B5EF4-FFF2-40B4-BE49-F238E27FC236}">
+                <a16:creationId xmlns:a16="http://schemas.microsoft.com/office/drawing/2014/main" id="{FDA04A1E-3E87-420B-A99E-C7324D0928B1}"/>
+              </a:ext>
+            </a:extLst>
+          </p:cNvPr>
+          <p:cNvSpPr/>
+          <p:nvPr/>
+        </p:nvSpPr>
+        <p:spPr>
+          <a:xfrm>
+            <a:off x="9051339" y="2844113"/>
+            <a:ext cx="222421" cy="222422"/>
+          </a:xfrm>
+          <a:prstGeom prst="ellipse">
+            <a:avLst/>
+          </a:prstGeom>
+          <a:solidFill>
+            <a:srgbClr val="FF0000"/>
+          </a:solidFill>
+          <a:ln>
+            <a:solidFill>
+              <a:srgbClr val="FF0000"/>
+            </a:solidFill>
+          </a:ln>
+        </p:spPr>
+        <p:style>
+          <a:lnRef idx="2">
+            <a:schemeClr val="accent1">
+              <a:shade val="50000"/>
+            </a:schemeClr>
+          </a:lnRef>
+          <a:fillRef idx="1">
+            <a:schemeClr val="accent1"/>
+          </a:fillRef>
+          <a:effectRef idx="0">
+            <a:schemeClr val="accent1"/>
+          </a:effectRef>
+          <a:fontRef idx="minor">
+            <a:schemeClr val="lt1"/>
+          </a:fontRef>
+        </p:style>
+        <p:txBody>
+          <a:bodyPr rtlCol="0" anchor="ctr"/>
+          <a:lstStyle/>
+          <a:p>
+            <a:pPr algn="ctr"/>
+            <a:endParaRPr lang="en-US"/>
+          </a:p>
+        </p:txBody>
+      </p:sp>
+      <p:sp>
+        <p:nvSpPr>
+          <p:cNvPr id="22" name="Oval 21">
+            <a:extLst>
+              <a:ext uri="{FF2B5EF4-FFF2-40B4-BE49-F238E27FC236}">
+                <a16:creationId xmlns:a16="http://schemas.microsoft.com/office/drawing/2014/main" id="{B6205F69-AB01-41E8-91A9-5D6CB8BCF0E9}"/>
+              </a:ext>
+            </a:extLst>
+          </p:cNvPr>
+          <p:cNvSpPr/>
+          <p:nvPr/>
+        </p:nvSpPr>
+        <p:spPr>
+          <a:xfrm>
+            <a:off x="9658863" y="2844113"/>
+            <a:ext cx="222421" cy="222422"/>
+          </a:xfrm>
+          <a:prstGeom prst="ellipse">
+            <a:avLst/>
+          </a:prstGeom>
+          <a:solidFill>
+            <a:srgbClr val="7030A0"/>
+          </a:solidFill>
+          <a:ln>
+            <a:solidFill>
+              <a:srgbClr val="7030A0"/>
+            </a:solidFill>
+          </a:ln>
+        </p:spPr>
+        <p:style>
+          <a:lnRef idx="2">
+            <a:schemeClr val="accent1">
+              <a:shade val="50000"/>
+            </a:schemeClr>
+          </a:lnRef>
+          <a:fillRef idx="1">
+            <a:schemeClr val="accent1"/>
+          </a:fillRef>
+          <a:effectRef idx="0">
+            <a:schemeClr val="accent1"/>
+          </a:effectRef>
+          <a:fontRef idx="minor">
+            <a:schemeClr val="lt1"/>
+          </a:fontRef>
+        </p:style>
+        <p:txBody>
+          <a:bodyPr rtlCol="0" anchor="ctr"/>
+          <a:lstStyle/>
+          <a:p>
+            <a:pPr algn="ctr"/>
+            <a:endParaRPr lang="en-US"/>
+          </a:p>
+        </p:txBody>
+      </p:sp>
+      <p:sp>
+        <p:nvSpPr>
+          <p:cNvPr id="23" name="Oval 22">
+            <a:extLst>
+              <a:ext uri="{FF2B5EF4-FFF2-40B4-BE49-F238E27FC236}">
+                <a16:creationId xmlns:a16="http://schemas.microsoft.com/office/drawing/2014/main" id="{7ACA7F3F-9192-4428-BA15-06A3153149FC}"/>
+              </a:ext>
+            </a:extLst>
+          </p:cNvPr>
+          <p:cNvSpPr/>
+          <p:nvPr/>
+        </p:nvSpPr>
+        <p:spPr>
+          <a:xfrm>
+            <a:off x="10305534" y="2844113"/>
+            <a:ext cx="222421" cy="222422"/>
+          </a:xfrm>
+          <a:prstGeom prst="ellipse">
+            <a:avLst/>
+          </a:prstGeom>
+          <a:solidFill>
+            <a:srgbClr val="FF0000"/>
+          </a:solidFill>
+          <a:ln>
+            <a:solidFill>
+              <a:srgbClr val="FF0000"/>
+            </a:solidFill>
+          </a:ln>
+        </p:spPr>
+        <p:style>
+          <a:lnRef idx="2">
+            <a:schemeClr val="accent1">
+              <a:shade val="50000"/>
+            </a:schemeClr>
+          </a:lnRef>
+          <a:fillRef idx="1">
+            <a:schemeClr val="accent1"/>
+          </a:fillRef>
+          <a:effectRef idx="0">
+            <a:schemeClr val="accent1"/>
+          </a:effectRef>
+          <a:fontRef idx="minor">
+            <a:schemeClr val="lt1"/>
+          </a:fontRef>
+        </p:style>
+        <p:txBody>
+          <a:bodyPr rtlCol="0" anchor="ctr"/>
+          <a:lstStyle/>
+          <a:p>
+            <a:pPr algn="ctr"/>
+            <a:endParaRPr lang="en-US"/>
+          </a:p>
+        </p:txBody>
+      </p:sp>
+      <p:sp>
+        <p:nvSpPr>
+          <p:cNvPr id="24" name="Oval 23">
+            <a:extLst>
+              <a:ext uri="{FF2B5EF4-FFF2-40B4-BE49-F238E27FC236}">
+                <a16:creationId xmlns:a16="http://schemas.microsoft.com/office/drawing/2014/main" id="{B5D096D2-22AA-4728-ACDD-AECDC21C985E}"/>
+              </a:ext>
+            </a:extLst>
+          </p:cNvPr>
+          <p:cNvSpPr/>
+          <p:nvPr/>
+        </p:nvSpPr>
+        <p:spPr>
+          <a:xfrm>
+            <a:off x="3761592" y="3725692"/>
+            <a:ext cx="222421" cy="222422"/>
+          </a:xfrm>
+          <a:prstGeom prst="ellipse">
+            <a:avLst/>
+          </a:prstGeom>
+          <a:ln>
+            <a:solidFill>
+              <a:schemeClr val="accent1"/>
+            </a:solidFill>
+          </a:ln>
+        </p:spPr>
+        <p:style>
+          <a:lnRef idx="2">
+            <a:schemeClr val="accent1">
+              <a:shade val="50000"/>
+            </a:schemeClr>
+          </a:lnRef>
+          <a:fillRef idx="1">
+            <a:schemeClr val="accent1"/>
+          </a:fillRef>
+          <a:effectRef idx="0">
+            <a:schemeClr val="accent1"/>
+          </a:effectRef>
+          <a:fontRef idx="minor">
+            <a:schemeClr val="lt1"/>
+          </a:fontRef>
+        </p:style>
+        <p:txBody>
+          <a:bodyPr rtlCol="0" anchor="ctr"/>
+          <a:lstStyle/>
+          <a:p>
+            <a:pPr algn="ctr"/>
+            <a:endParaRPr lang="en-US"/>
+          </a:p>
+        </p:txBody>
+      </p:sp>
+      <p:sp>
+        <p:nvSpPr>
+          <p:cNvPr id="25" name="Oval 24">
+            <a:extLst>
+              <a:ext uri="{FF2B5EF4-FFF2-40B4-BE49-F238E27FC236}">
+                <a16:creationId xmlns:a16="http://schemas.microsoft.com/office/drawing/2014/main" id="{5088F44D-5374-4260-AB5B-C9FCDD88090E}"/>
+              </a:ext>
+            </a:extLst>
+          </p:cNvPr>
+          <p:cNvSpPr/>
+          <p:nvPr/>
+        </p:nvSpPr>
+        <p:spPr>
+          <a:xfrm>
+            <a:off x="3114921" y="4279686"/>
+            <a:ext cx="222421" cy="222422"/>
+          </a:xfrm>
+          <a:prstGeom prst="ellipse">
+            <a:avLst/>
+          </a:prstGeom>
+          <a:ln>
+            <a:solidFill>
+              <a:schemeClr val="accent1"/>
+            </a:solidFill>
+          </a:ln>
+        </p:spPr>
+        <p:style>
+          <a:lnRef idx="2">
+            <a:schemeClr val="accent1">
+              <a:shade val="50000"/>
+            </a:schemeClr>
+          </a:lnRef>
+          <a:fillRef idx="1">
+            <a:schemeClr val="accent1"/>
+          </a:fillRef>
+          <a:effectRef idx="0">
+            <a:schemeClr val="accent1"/>
+          </a:effectRef>
+          <a:fontRef idx="minor">
+            <a:schemeClr val="lt1"/>
+          </a:fontRef>
+        </p:style>
+        <p:txBody>
+          <a:bodyPr rtlCol="0" anchor="ctr"/>
+          <a:lstStyle/>
+          <a:p>
+            <a:pPr algn="ctr"/>
+            <a:endParaRPr lang="en-US"/>
+          </a:p>
+        </p:txBody>
+      </p:sp>
+      <p:sp>
+        <p:nvSpPr>
+          <p:cNvPr id="26" name="Oval 25">
+            <a:extLst>
+              <a:ext uri="{FF2B5EF4-FFF2-40B4-BE49-F238E27FC236}">
+                <a16:creationId xmlns:a16="http://schemas.microsoft.com/office/drawing/2014/main" id="{A012DE5C-EB7C-446C-A9B7-3277F323B7D0}"/>
+              </a:ext>
+            </a:extLst>
+          </p:cNvPr>
+          <p:cNvSpPr/>
+          <p:nvPr/>
+        </p:nvSpPr>
+        <p:spPr>
+          <a:xfrm>
+            <a:off x="4358804" y="4279686"/>
+            <a:ext cx="222421" cy="222422"/>
+          </a:xfrm>
+          <a:prstGeom prst="ellipse">
+            <a:avLst/>
+          </a:prstGeom>
+          <a:ln>
+            <a:solidFill>
+              <a:schemeClr val="accent1"/>
+            </a:solidFill>
+          </a:ln>
+        </p:spPr>
+        <p:style>
+          <a:lnRef idx="2">
+            <a:schemeClr val="accent1">
+              <a:shade val="50000"/>
+            </a:schemeClr>
+          </a:lnRef>
+          <a:fillRef idx="1">
+            <a:schemeClr val="accent1"/>
+          </a:fillRef>
+          <a:effectRef idx="0">
+            <a:schemeClr val="accent1"/>
+          </a:effectRef>
+          <a:fontRef idx="minor">
+            <a:schemeClr val="lt1"/>
+          </a:fontRef>
+        </p:style>
+        <p:txBody>
+          <a:bodyPr rtlCol="0" anchor="ctr"/>
+          <a:lstStyle/>
+          <a:p>
+            <a:pPr algn="ctr"/>
+            <a:endParaRPr lang="en-US"/>
+          </a:p>
+        </p:txBody>
+      </p:sp>
+      <p:sp>
+        <p:nvSpPr>
+          <p:cNvPr id="27" name="Oval 26">
+            <a:extLst>
+              <a:ext uri="{FF2B5EF4-FFF2-40B4-BE49-F238E27FC236}">
+                <a16:creationId xmlns:a16="http://schemas.microsoft.com/office/drawing/2014/main" id="{0380F7A8-6747-4F5C-AD24-9DECA6241E57}"/>
+              </a:ext>
+            </a:extLst>
+          </p:cNvPr>
+          <p:cNvSpPr/>
+          <p:nvPr/>
+        </p:nvSpPr>
+        <p:spPr>
+          <a:xfrm>
+            <a:off x="2790515" y="4833680"/>
+            <a:ext cx="222421" cy="222422"/>
+          </a:xfrm>
+          <a:prstGeom prst="ellipse">
+            <a:avLst/>
+          </a:prstGeom>
+          <a:solidFill>
+            <a:srgbClr val="7030A0"/>
+          </a:solidFill>
+          <a:ln>
+            <a:solidFill>
+              <a:srgbClr val="7030A0"/>
+            </a:solidFill>
+          </a:ln>
+        </p:spPr>
+        <p:style>
+          <a:lnRef idx="2">
+            <a:schemeClr val="accent1">
+              <a:shade val="50000"/>
+            </a:schemeClr>
+          </a:lnRef>
+          <a:fillRef idx="1">
+            <a:schemeClr val="accent1"/>
+          </a:fillRef>
+          <a:effectRef idx="0">
+            <a:schemeClr val="accent1"/>
+          </a:effectRef>
+          <a:fontRef idx="minor">
+            <a:schemeClr val="lt1"/>
+          </a:fontRef>
+        </p:style>
+        <p:txBody>
+          <a:bodyPr rtlCol="0" anchor="ctr"/>
+          <a:lstStyle/>
+          <a:p>
+            <a:pPr algn="ctr"/>
+            <a:endParaRPr lang="en-US"/>
+          </a:p>
+        </p:txBody>
+      </p:sp>
+      <p:sp>
+        <p:nvSpPr>
+          <p:cNvPr id="28" name="Oval 27">
+            <a:extLst>
+              <a:ext uri="{FF2B5EF4-FFF2-40B4-BE49-F238E27FC236}">
+                <a16:creationId xmlns:a16="http://schemas.microsoft.com/office/drawing/2014/main" id="{DEC9A378-01B0-4921-A480-6155667123F6}"/>
+              </a:ext>
+            </a:extLst>
+          </p:cNvPr>
+          <p:cNvSpPr/>
+          <p:nvPr/>
+        </p:nvSpPr>
+        <p:spPr>
+          <a:xfrm>
+            <a:off x="3437186" y="4833680"/>
+            <a:ext cx="222421" cy="222422"/>
+          </a:xfrm>
+          <a:prstGeom prst="ellipse">
+            <a:avLst/>
+          </a:prstGeom>
+          <a:solidFill>
+            <a:srgbClr val="FF0000"/>
+          </a:solidFill>
+          <a:ln>
+            <a:solidFill>
+              <a:srgbClr val="FF0000"/>
+            </a:solidFill>
+          </a:ln>
+        </p:spPr>
+        <p:style>
+          <a:lnRef idx="2">
+            <a:schemeClr val="accent1">
+              <a:shade val="50000"/>
+            </a:schemeClr>
+          </a:lnRef>
+          <a:fillRef idx="1">
+            <a:schemeClr val="accent1"/>
+          </a:fillRef>
+          <a:effectRef idx="0">
+            <a:schemeClr val="accent1"/>
+          </a:effectRef>
+          <a:fontRef idx="minor">
+            <a:schemeClr val="lt1"/>
+          </a:fontRef>
+        </p:style>
+        <p:txBody>
+          <a:bodyPr rtlCol="0" anchor="ctr"/>
+          <a:lstStyle/>
+          <a:p>
+            <a:pPr algn="ctr"/>
+            <a:endParaRPr lang="en-US"/>
+          </a:p>
+        </p:txBody>
+      </p:sp>
+      <p:sp>
+        <p:nvSpPr>
+          <p:cNvPr id="29" name="Oval 28">
+            <a:extLst>
+              <a:ext uri="{FF2B5EF4-FFF2-40B4-BE49-F238E27FC236}">
+                <a16:creationId xmlns:a16="http://schemas.microsoft.com/office/drawing/2014/main" id="{E45DC142-D6B8-41B0-8ECF-E63B91B054A6}"/>
+              </a:ext>
+            </a:extLst>
+          </p:cNvPr>
+          <p:cNvSpPr/>
+          <p:nvPr/>
+        </p:nvSpPr>
+        <p:spPr>
+          <a:xfrm>
+            <a:off x="4044710" y="4833680"/>
+            <a:ext cx="222421" cy="222422"/>
+          </a:xfrm>
+          <a:prstGeom prst="ellipse">
+            <a:avLst/>
+          </a:prstGeom>
+          <a:solidFill>
+            <a:srgbClr val="7030A0"/>
+          </a:solidFill>
+          <a:ln>
+            <a:solidFill>
+              <a:srgbClr val="7030A0"/>
+            </a:solidFill>
+          </a:ln>
+        </p:spPr>
+        <p:style>
+          <a:lnRef idx="2">
+            <a:schemeClr val="accent1">
+              <a:shade val="50000"/>
+            </a:schemeClr>
+          </a:lnRef>
+          <a:fillRef idx="1">
+            <a:schemeClr val="accent1"/>
+          </a:fillRef>
+          <a:effectRef idx="0">
+            <a:schemeClr val="accent1"/>
+          </a:effectRef>
+          <a:fontRef idx="minor">
+            <a:schemeClr val="lt1"/>
+          </a:fontRef>
+        </p:style>
+        <p:txBody>
+          <a:bodyPr rtlCol="0" anchor="ctr"/>
+          <a:lstStyle/>
+          <a:p>
+            <a:pPr algn="ctr"/>
+            <a:endParaRPr lang="en-US"/>
+          </a:p>
+        </p:txBody>
+      </p:sp>
+      <p:sp>
+        <p:nvSpPr>
+          <p:cNvPr id="30" name="Oval 29">
+            <a:extLst>
+              <a:ext uri="{FF2B5EF4-FFF2-40B4-BE49-F238E27FC236}">
+                <a16:creationId xmlns:a16="http://schemas.microsoft.com/office/drawing/2014/main" id="{008EBE92-46F8-40F3-938B-1F97C011C96E}"/>
+              </a:ext>
+            </a:extLst>
+          </p:cNvPr>
+          <p:cNvSpPr/>
+          <p:nvPr/>
+        </p:nvSpPr>
+        <p:spPr>
+          <a:xfrm>
+            <a:off x="4691381" y="4833680"/>
+            <a:ext cx="222421" cy="222422"/>
+          </a:xfrm>
+          <a:prstGeom prst="ellipse">
+            <a:avLst/>
+          </a:prstGeom>
+          <a:ln>
+            <a:solidFill>
+              <a:schemeClr val="accent1"/>
+            </a:solidFill>
+          </a:ln>
+        </p:spPr>
+        <p:style>
+          <a:lnRef idx="2">
+            <a:schemeClr val="accent1">
+              <a:shade val="50000"/>
+            </a:schemeClr>
+          </a:lnRef>
+          <a:fillRef idx="1">
+            <a:schemeClr val="accent1"/>
+          </a:fillRef>
+          <a:effectRef idx="0">
+            <a:schemeClr val="accent1"/>
+          </a:effectRef>
+          <a:fontRef idx="minor">
+            <a:schemeClr val="lt1"/>
+          </a:fontRef>
+        </p:style>
+        <p:txBody>
+          <a:bodyPr rtlCol="0" anchor="ctr"/>
+          <a:lstStyle/>
+          <a:p>
+            <a:pPr algn="ctr"/>
+            <a:endParaRPr lang="en-US"/>
+          </a:p>
+        </p:txBody>
+      </p:sp>
+      <p:sp>
+        <p:nvSpPr>
+          <p:cNvPr id="31" name="Oval 30">
+            <a:extLst>
+              <a:ext uri="{FF2B5EF4-FFF2-40B4-BE49-F238E27FC236}">
+                <a16:creationId xmlns:a16="http://schemas.microsoft.com/office/drawing/2014/main" id="{33E85809-4168-4052-B216-FCE27E4A1BF7}"/>
+              </a:ext>
+            </a:extLst>
+          </p:cNvPr>
+          <p:cNvSpPr/>
+          <p:nvPr/>
+        </p:nvSpPr>
+        <p:spPr>
+          <a:xfrm>
+            <a:off x="4361030" y="5404150"/>
+            <a:ext cx="222421" cy="222422"/>
+          </a:xfrm>
+          <a:prstGeom prst="ellipse">
+            <a:avLst/>
+          </a:prstGeom>
+          <a:solidFill>
+            <a:srgbClr val="7030A0"/>
+          </a:solidFill>
+          <a:ln>
+            <a:solidFill>
+              <a:srgbClr val="7030A0"/>
+            </a:solidFill>
+          </a:ln>
+        </p:spPr>
+        <p:style>
+          <a:lnRef idx="2">
+            <a:schemeClr val="accent1">
+              <a:shade val="50000"/>
+            </a:schemeClr>
+          </a:lnRef>
+          <a:fillRef idx="1">
+            <a:schemeClr val="accent1"/>
+          </a:fillRef>
+          <a:effectRef idx="0">
+            <a:schemeClr val="accent1"/>
+          </a:effectRef>
+          <a:fontRef idx="minor">
+            <a:schemeClr val="lt1"/>
+          </a:fontRef>
+        </p:style>
+        <p:txBody>
+          <a:bodyPr rtlCol="0" anchor="ctr"/>
+          <a:lstStyle/>
+          <a:p>
+            <a:pPr algn="ctr"/>
+            <a:endParaRPr lang="en-US"/>
+          </a:p>
+        </p:txBody>
+      </p:sp>
+      <p:sp>
+        <p:nvSpPr>
+          <p:cNvPr id="32" name="Oval 31">
+            <a:extLst>
+              <a:ext uri="{FF2B5EF4-FFF2-40B4-BE49-F238E27FC236}">
+                <a16:creationId xmlns:a16="http://schemas.microsoft.com/office/drawing/2014/main" id="{D3134E96-3A74-412A-BBE5-ACBE97C50CDC}"/>
+              </a:ext>
+            </a:extLst>
+          </p:cNvPr>
+          <p:cNvSpPr/>
+          <p:nvPr/>
+        </p:nvSpPr>
+        <p:spPr>
+          <a:xfrm>
+            <a:off x="5007701" y="5404150"/>
+            <a:ext cx="222421" cy="222422"/>
+          </a:xfrm>
+          <a:prstGeom prst="ellipse">
+            <a:avLst/>
+          </a:prstGeom>
+          <a:solidFill>
+            <a:srgbClr val="FF0000"/>
+          </a:solidFill>
+          <a:ln>
+            <a:solidFill>
+              <a:srgbClr val="FF0000"/>
+            </a:solidFill>
+          </a:ln>
+        </p:spPr>
+        <p:style>
+          <a:lnRef idx="2">
+            <a:schemeClr val="accent1">
+              <a:shade val="50000"/>
+            </a:schemeClr>
+          </a:lnRef>
+          <a:fillRef idx="1">
+            <a:schemeClr val="accent1"/>
+          </a:fillRef>
+          <a:effectRef idx="0">
+            <a:schemeClr val="accent1"/>
+          </a:effectRef>
+          <a:fontRef idx="minor">
+            <a:schemeClr val="lt1"/>
+          </a:fontRef>
+        </p:style>
+        <p:txBody>
+          <a:bodyPr rtlCol="0" anchor="ctr"/>
+          <a:lstStyle/>
+          <a:p>
+            <a:pPr algn="ctr"/>
+            <a:endParaRPr lang="en-US"/>
+          </a:p>
+        </p:txBody>
+      </p:sp>
+      <p:sp>
+        <p:nvSpPr>
+          <p:cNvPr id="33" name="Oval 32">
+            <a:extLst>
+              <a:ext uri="{FF2B5EF4-FFF2-40B4-BE49-F238E27FC236}">
+                <a16:creationId xmlns:a16="http://schemas.microsoft.com/office/drawing/2014/main" id="{50B7570E-57A2-4EDC-8752-A9010224EF1B}"/>
+              </a:ext>
+            </a:extLst>
+          </p:cNvPr>
+          <p:cNvSpPr/>
+          <p:nvPr/>
+        </p:nvSpPr>
+        <p:spPr>
+          <a:xfrm>
+            <a:off x="7694019" y="3699490"/>
+            <a:ext cx="222421" cy="222422"/>
+          </a:xfrm>
+          <a:prstGeom prst="ellipse">
+            <a:avLst/>
+          </a:prstGeom>
+          <a:ln>
+            <a:solidFill>
+              <a:schemeClr val="accent1"/>
+            </a:solidFill>
+          </a:ln>
+        </p:spPr>
+        <p:style>
+          <a:lnRef idx="2">
+            <a:schemeClr val="accent1">
+              <a:shade val="50000"/>
+            </a:schemeClr>
+          </a:lnRef>
+          <a:fillRef idx="1">
+            <a:schemeClr val="accent1"/>
+          </a:fillRef>
+          <a:effectRef idx="0">
+            <a:schemeClr val="accent1"/>
+          </a:effectRef>
+          <a:fontRef idx="minor">
+            <a:schemeClr val="lt1"/>
+          </a:fontRef>
+        </p:style>
+        <p:txBody>
+          <a:bodyPr rtlCol="0" anchor="ctr"/>
+          <a:lstStyle/>
+          <a:p>
+            <a:pPr algn="ctr"/>
+            <a:endParaRPr lang="en-US"/>
+          </a:p>
+        </p:txBody>
+      </p:sp>
+      <p:sp>
+        <p:nvSpPr>
+          <p:cNvPr id="34" name="Oval 33">
+            <a:extLst>
+              <a:ext uri="{FF2B5EF4-FFF2-40B4-BE49-F238E27FC236}">
+                <a16:creationId xmlns:a16="http://schemas.microsoft.com/office/drawing/2014/main" id="{B2A9F035-DF63-43F0-97C5-BD8E3CB9FE46}"/>
+              </a:ext>
+            </a:extLst>
+          </p:cNvPr>
+          <p:cNvSpPr/>
+          <p:nvPr/>
+        </p:nvSpPr>
+        <p:spPr>
+          <a:xfrm>
+            <a:off x="7047348" y="4253484"/>
+            <a:ext cx="222421" cy="222422"/>
+          </a:xfrm>
+          <a:prstGeom prst="ellipse">
+            <a:avLst/>
+          </a:prstGeom>
+          <a:ln>
+            <a:solidFill>
+              <a:schemeClr val="accent1"/>
+            </a:solidFill>
+          </a:ln>
+        </p:spPr>
+        <p:style>
+          <a:lnRef idx="2">
+            <a:schemeClr val="accent1">
+              <a:shade val="50000"/>
+            </a:schemeClr>
+          </a:lnRef>
+          <a:fillRef idx="1">
+            <a:schemeClr val="accent1"/>
+          </a:fillRef>
+          <a:effectRef idx="0">
+            <a:schemeClr val="accent1"/>
+          </a:effectRef>
+          <a:fontRef idx="minor">
+            <a:schemeClr val="lt1"/>
+          </a:fontRef>
+        </p:style>
+        <p:txBody>
+          <a:bodyPr rtlCol="0" anchor="ctr"/>
+          <a:lstStyle/>
+          <a:p>
+            <a:pPr algn="ctr"/>
+            <a:endParaRPr lang="en-US"/>
+          </a:p>
+        </p:txBody>
+      </p:sp>
+      <p:sp>
+        <p:nvSpPr>
+          <p:cNvPr id="35" name="Oval 34">
+            <a:extLst>
+              <a:ext uri="{FF2B5EF4-FFF2-40B4-BE49-F238E27FC236}">
+                <a16:creationId xmlns:a16="http://schemas.microsoft.com/office/drawing/2014/main" id="{B0CD7788-E52B-46C1-A130-4995EC1036F8}"/>
+              </a:ext>
+            </a:extLst>
+          </p:cNvPr>
+          <p:cNvSpPr/>
+          <p:nvPr/>
+        </p:nvSpPr>
+        <p:spPr>
+          <a:xfrm>
+            <a:off x="8291231" y="4253484"/>
+            <a:ext cx="222421" cy="222422"/>
+          </a:xfrm>
+          <a:prstGeom prst="ellipse">
+            <a:avLst/>
+          </a:prstGeom>
+          <a:ln>
+            <a:solidFill>
+              <a:schemeClr val="accent1"/>
+            </a:solidFill>
+          </a:ln>
+        </p:spPr>
+        <p:style>
+          <a:lnRef idx="2">
+            <a:schemeClr val="accent1">
+              <a:shade val="50000"/>
+            </a:schemeClr>
+          </a:lnRef>
+          <a:fillRef idx="1">
+            <a:schemeClr val="accent1"/>
+          </a:fillRef>
+          <a:effectRef idx="0">
+            <a:schemeClr val="accent1"/>
+          </a:effectRef>
+          <a:fontRef idx="minor">
+            <a:schemeClr val="lt1"/>
+          </a:fontRef>
+        </p:style>
+        <p:txBody>
+          <a:bodyPr rtlCol="0" anchor="ctr"/>
+          <a:lstStyle/>
+          <a:p>
+            <a:pPr algn="ctr"/>
+            <a:endParaRPr lang="en-US"/>
+          </a:p>
+        </p:txBody>
+      </p:sp>
+      <p:sp>
+        <p:nvSpPr>
+          <p:cNvPr id="36" name="Oval 35">
+            <a:extLst>
+              <a:ext uri="{FF2B5EF4-FFF2-40B4-BE49-F238E27FC236}">
+                <a16:creationId xmlns:a16="http://schemas.microsoft.com/office/drawing/2014/main" id="{30D1AF63-D340-4BBC-9BE6-D147EA5F353F}"/>
+              </a:ext>
+            </a:extLst>
+          </p:cNvPr>
+          <p:cNvSpPr/>
+          <p:nvPr/>
+        </p:nvSpPr>
+        <p:spPr>
+          <a:xfrm>
+            <a:off x="6722942" y="4807478"/>
+            <a:ext cx="222421" cy="222422"/>
+          </a:xfrm>
+          <a:prstGeom prst="ellipse">
+            <a:avLst/>
+          </a:prstGeom>
+          <a:solidFill>
+            <a:srgbClr val="7030A0"/>
+          </a:solidFill>
+          <a:ln>
+            <a:solidFill>
+              <a:srgbClr val="7030A0"/>
+            </a:solidFill>
+          </a:ln>
+        </p:spPr>
+        <p:style>
+          <a:lnRef idx="2">
+            <a:schemeClr val="accent1">
+              <a:shade val="50000"/>
+            </a:schemeClr>
+          </a:lnRef>
+          <a:fillRef idx="1">
+            <a:schemeClr val="accent1"/>
+          </a:fillRef>
+          <a:effectRef idx="0">
+            <a:schemeClr val="accent1"/>
+          </a:effectRef>
+          <a:fontRef idx="minor">
+            <a:schemeClr val="lt1"/>
+          </a:fontRef>
+        </p:style>
+        <p:txBody>
+          <a:bodyPr rtlCol="0" anchor="ctr"/>
+          <a:lstStyle/>
+          <a:p>
+            <a:pPr algn="ctr"/>
+            <a:endParaRPr lang="en-US"/>
+          </a:p>
+        </p:txBody>
+      </p:sp>
+      <p:sp>
+        <p:nvSpPr>
+          <p:cNvPr id="37" name="Oval 36">
+            <a:extLst>
+              <a:ext uri="{FF2B5EF4-FFF2-40B4-BE49-F238E27FC236}">
+                <a16:creationId xmlns:a16="http://schemas.microsoft.com/office/drawing/2014/main" id="{331629B4-C0BB-4273-AD67-077537736086}"/>
+              </a:ext>
+            </a:extLst>
+          </p:cNvPr>
+          <p:cNvSpPr/>
+          <p:nvPr/>
+        </p:nvSpPr>
+        <p:spPr>
+          <a:xfrm>
+            <a:off x="7369613" y="4807478"/>
+            <a:ext cx="222421" cy="222422"/>
+          </a:xfrm>
+          <a:prstGeom prst="ellipse">
+            <a:avLst/>
+          </a:prstGeom>
+          <a:ln>
+            <a:solidFill>
+              <a:schemeClr val="accent1"/>
+            </a:solidFill>
+          </a:ln>
+        </p:spPr>
+        <p:style>
+          <a:lnRef idx="2">
+            <a:schemeClr val="accent1">
+              <a:shade val="50000"/>
+            </a:schemeClr>
+          </a:lnRef>
+          <a:fillRef idx="1">
+            <a:schemeClr val="accent1"/>
+          </a:fillRef>
+          <a:effectRef idx="0">
+            <a:schemeClr val="accent1"/>
+          </a:effectRef>
+          <a:fontRef idx="minor">
+            <a:schemeClr val="lt1"/>
+          </a:fontRef>
+        </p:style>
+        <p:txBody>
+          <a:bodyPr rtlCol="0" anchor="ctr"/>
+          <a:lstStyle/>
+          <a:p>
+            <a:pPr algn="ctr"/>
+            <a:endParaRPr lang="en-US"/>
+          </a:p>
+        </p:txBody>
+      </p:sp>
+      <p:sp>
+        <p:nvSpPr>
+          <p:cNvPr id="38" name="Oval 37">
+            <a:extLst>
+              <a:ext uri="{FF2B5EF4-FFF2-40B4-BE49-F238E27FC236}">
+                <a16:creationId xmlns:a16="http://schemas.microsoft.com/office/drawing/2014/main" id="{B037484C-38F4-4AE8-B337-A9D4C90CF8A6}"/>
+              </a:ext>
+            </a:extLst>
+          </p:cNvPr>
+          <p:cNvSpPr/>
+          <p:nvPr/>
+        </p:nvSpPr>
+        <p:spPr>
+          <a:xfrm>
+            <a:off x="7977137" y="4807478"/>
+            <a:ext cx="222421" cy="222422"/>
+          </a:xfrm>
+          <a:prstGeom prst="ellipse">
+            <a:avLst/>
+          </a:prstGeom>
+          <a:solidFill>
+            <a:srgbClr val="7030A0"/>
+          </a:solidFill>
+          <a:ln>
+            <a:solidFill>
+              <a:srgbClr val="7030A0"/>
+            </a:solidFill>
+          </a:ln>
+        </p:spPr>
+        <p:style>
+          <a:lnRef idx="2">
+            <a:schemeClr val="accent1">
+              <a:shade val="50000"/>
+            </a:schemeClr>
+          </a:lnRef>
+          <a:fillRef idx="1">
+            <a:schemeClr val="accent1"/>
+          </a:fillRef>
+          <a:effectRef idx="0">
+            <a:schemeClr val="accent1"/>
+          </a:effectRef>
+          <a:fontRef idx="minor">
+            <a:schemeClr val="lt1"/>
+          </a:fontRef>
+        </p:style>
+        <p:txBody>
+          <a:bodyPr rtlCol="0" anchor="ctr"/>
+          <a:lstStyle/>
+          <a:p>
+            <a:pPr algn="ctr"/>
+            <a:endParaRPr lang="en-US"/>
+          </a:p>
+        </p:txBody>
+      </p:sp>
+      <p:sp>
+        <p:nvSpPr>
+          <p:cNvPr id="39" name="Oval 38">
+            <a:extLst>
+              <a:ext uri="{FF2B5EF4-FFF2-40B4-BE49-F238E27FC236}">
+                <a16:creationId xmlns:a16="http://schemas.microsoft.com/office/drawing/2014/main" id="{3E675526-D30C-4448-9787-0568E2650A54}"/>
+              </a:ext>
+            </a:extLst>
+          </p:cNvPr>
+          <p:cNvSpPr/>
+          <p:nvPr/>
+        </p:nvSpPr>
+        <p:spPr>
+          <a:xfrm>
+            <a:off x="8623808" y="4807478"/>
+            <a:ext cx="222421" cy="222422"/>
+          </a:xfrm>
+          <a:prstGeom prst="ellipse">
+            <a:avLst/>
+          </a:prstGeom>
+          <a:ln>
+            <a:solidFill>
+              <a:schemeClr val="accent1"/>
+            </a:solidFill>
+          </a:ln>
+        </p:spPr>
+        <p:style>
+          <a:lnRef idx="2">
+            <a:schemeClr val="accent1">
+              <a:shade val="50000"/>
+            </a:schemeClr>
+          </a:lnRef>
+          <a:fillRef idx="1">
+            <a:schemeClr val="accent1"/>
+          </a:fillRef>
+          <a:effectRef idx="0">
+            <a:schemeClr val="accent1"/>
+          </a:effectRef>
+          <a:fontRef idx="minor">
+            <a:schemeClr val="lt1"/>
+          </a:fontRef>
+        </p:style>
+        <p:txBody>
+          <a:bodyPr rtlCol="0" anchor="ctr"/>
+          <a:lstStyle/>
+          <a:p>
+            <a:pPr algn="ctr"/>
+            <a:endParaRPr lang="en-US"/>
+          </a:p>
+        </p:txBody>
+      </p:sp>
+      <p:sp>
+        <p:nvSpPr>
+          <p:cNvPr id="40" name="Oval 39">
+            <a:extLst>
+              <a:ext uri="{FF2B5EF4-FFF2-40B4-BE49-F238E27FC236}">
+                <a16:creationId xmlns:a16="http://schemas.microsoft.com/office/drawing/2014/main" id="{9BFB7740-C0C4-4629-86AC-F46ACF6F4994}"/>
+              </a:ext>
+            </a:extLst>
+          </p:cNvPr>
+          <p:cNvSpPr/>
+          <p:nvPr/>
+        </p:nvSpPr>
+        <p:spPr>
+          <a:xfrm>
+            <a:off x="8293457" y="5377948"/>
+            <a:ext cx="222421" cy="222422"/>
+          </a:xfrm>
+          <a:prstGeom prst="ellipse">
+            <a:avLst/>
+          </a:prstGeom>
+          <a:solidFill>
+            <a:srgbClr val="7030A0"/>
+          </a:solidFill>
+          <a:ln>
+            <a:solidFill>
+              <a:srgbClr val="7030A0"/>
+            </a:solidFill>
+          </a:ln>
+        </p:spPr>
+        <p:style>
+          <a:lnRef idx="2">
+            <a:schemeClr val="accent1">
+              <a:shade val="50000"/>
+            </a:schemeClr>
+          </a:lnRef>
+          <a:fillRef idx="1">
+            <a:schemeClr val="accent1"/>
+          </a:fillRef>
+          <a:effectRef idx="0">
+            <a:schemeClr val="accent1"/>
+          </a:effectRef>
+          <a:fontRef idx="minor">
+            <a:schemeClr val="lt1"/>
+          </a:fontRef>
+        </p:style>
+        <p:txBody>
+          <a:bodyPr rtlCol="0" anchor="ctr"/>
+          <a:lstStyle/>
+          <a:p>
+            <a:pPr algn="ctr"/>
+            <a:endParaRPr lang="en-US"/>
+          </a:p>
+        </p:txBody>
+      </p:sp>
+      <p:sp>
+        <p:nvSpPr>
+          <p:cNvPr id="41" name="Oval 40">
+            <a:extLst>
+              <a:ext uri="{FF2B5EF4-FFF2-40B4-BE49-F238E27FC236}">
+                <a16:creationId xmlns:a16="http://schemas.microsoft.com/office/drawing/2014/main" id="{44A88672-B1CA-4C9B-850D-5E68B7C4CA85}"/>
+              </a:ext>
+            </a:extLst>
+          </p:cNvPr>
+          <p:cNvSpPr/>
+          <p:nvPr/>
+        </p:nvSpPr>
+        <p:spPr>
+          <a:xfrm>
+            <a:off x="8940128" y="5377948"/>
+            <a:ext cx="222421" cy="222422"/>
+          </a:xfrm>
+          <a:prstGeom prst="ellipse">
+            <a:avLst/>
+          </a:prstGeom>
+          <a:solidFill>
+            <a:srgbClr val="FF0000"/>
+          </a:solidFill>
+          <a:ln>
+            <a:solidFill>
+              <a:srgbClr val="FF0000"/>
+            </a:solidFill>
+          </a:ln>
+        </p:spPr>
+        <p:style>
+          <a:lnRef idx="2">
+            <a:schemeClr val="accent1">
+              <a:shade val="50000"/>
+            </a:schemeClr>
+          </a:lnRef>
+          <a:fillRef idx="1">
+            <a:schemeClr val="accent1"/>
+          </a:fillRef>
+          <a:effectRef idx="0">
+            <a:schemeClr val="accent1"/>
+          </a:effectRef>
+          <a:fontRef idx="minor">
+            <a:schemeClr val="lt1"/>
+          </a:fontRef>
+        </p:style>
+        <p:txBody>
+          <a:bodyPr rtlCol="0" anchor="ctr"/>
+          <a:lstStyle/>
+          <a:p>
+            <a:pPr algn="ctr"/>
+            <a:endParaRPr lang="en-US"/>
+          </a:p>
+        </p:txBody>
+      </p:sp>
+      <p:sp>
+        <p:nvSpPr>
+          <p:cNvPr id="42" name="Oval 41">
+            <a:extLst>
+              <a:ext uri="{FF2B5EF4-FFF2-40B4-BE49-F238E27FC236}">
+                <a16:creationId xmlns:a16="http://schemas.microsoft.com/office/drawing/2014/main" id="{58D2A62A-F9DC-4F8B-B258-DAD6CD3E4017}"/>
+              </a:ext>
+            </a:extLst>
+          </p:cNvPr>
+          <p:cNvSpPr/>
+          <p:nvPr/>
+        </p:nvSpPr>
+        <p:spPr>
+          <a:xfrm>
+            <a:off x="7039262" y="5359137"/>
+            <a:ext cx="222421" cy="222422"/>
+          </a:xfrm>
+          <a:prstGeom prst="ellipse">
+            <a:avLst/>
+          </a:prstGeom>
+          <a:solidFill>
+            <a:srgbClr val="7030A0"/>
+          </a:solidFill>
+          <a:ln>
+            <a:solidFill>
+              <a:srgbClr val="7030A0"/>
+            </a:solidFill>
+          </a:ln>
+        </p:spPr>
+        <p:style>
+          <a:lnRef idx="2">
+            <a:schemeClr val="accent1">
+              <a:shade val="50000"/>
+            </a:schemeClr>
+          </a:lnRef>
+          <a:fillRef idx="1">
+            <a:schemeClr val="accent1"/>
+          </a:fillRef>
+          <a:effectRef idx="0">
+            <a:schemeClr val="accent1"/>
+          </a:effectRef>
+          <a:fontRef idx="minor">
+            <a:schemeClr val="lt1"/>
+          </a:fontRef>
+        </p:style>
+        <p:txBody>
+          <a:bodyPr rtlCol="0" anchor="ctr"/>
+          <a:lstStyle/>
+          <a:p>
+            <a:pPr algn="ctr"/>
+            <a:endParaRPr lang="en-US"/>
+          </a:p>
+        </p:txBody>
+      </p:sp>
+      <p:sp>
+        <p:nvSpPr>
+          <p:cNvPr id="43" name="Oval 42">
+            <a:extLst>
+              <a:ext uri="{FF2B5EF4-FFF2-40B4-BE49-F238E27FC236}">
+                <a16:creationId xmlns:a16="http://schemas.microsoft.com/office/drawing/2014/main" id="{91605E37-2CB9-4E73-990B-BD80E7F790B0}"/>
+              </a:ext>
+            </a:extLst>
+          </p:cNvPr>
+          <p:cNvSpPr/>
+          <p:nvPr/>
+        </p:nvSpPr>
+        <p:spPr>
+          <a:xfrm>
+            <a:off x="7685933" y="5359137"/>
+            <a:ext cx="222421" cy="222422"/>
+          </a:xfrm>
+          <a:prstGeom prst="ellipse">
+            <a:avLst/>
+          </a:prstGeom>
+          <a:solidFill>
+            <a:srgbClr val="FF0000"/>
+          </a:solidFill>
+          <a:ln>
+            <a:solidFill>
+              <a:srgbClr val="FF0000"/>
+            </a:solidFill>
+          </a:ln>
+        </p:spPr>
+        <p:style>
+          <a:lnRef idx="2">
+            <a:schemeClr val="accent1">
+              <a:shade val="50000"/>
+            </a:schemeClr>
+          </a:lnRef>
+          <a:fillRef idx="1">
+            <a:schemeClr val="accent1"/>
+          </a:fillRef>
+          <a:effectRef idx="0">
+            <a:schemeClr val="accent1"/>
+          </a:effectRef>
+          <a:fontRef idx="minor">
+            <a:schemeClr val="lt1"/>
+          </a:fontRef>
+        </p:style>
+        <p:txBody>
+          <a:bodyPr rtlCol="0" anchor="ctr"/>
+          <a:lstStyle/>
+          <a:p>
+            <a:pPr algn="ctr"/>
+            <a:endParaRPr lang="en-US"/>
+          </a:p>
+        </p:txBody>
+      </p:sp>
     </p:spTree>
     <p:extLst>
       <p:ext uri="{BB962C8B-B14F-4D97-AF65-F5344CB8AC3E}">
@@ -18318,7 +18777,7 @@
           <p:cNvPr id="2" name="Title 1">
             <a:extLst>
               <a:ext uri="{FF2B5EF4-FFF2-40B4-BE49-F238E27FC236}">
-                <a16:creationId xmlns:a16="http://schemas.microsoft.com/office/drawing/2014/main" id="{B468A54F-6B42-4042-B664-3A17402D4844}"/>
+                <a16:creationId xmlns:a16="http://schemas.microsoft.com/office/drawing/2014/main" id="{19916712-8F3B-4328-B908-EA5326DA17F2}"/>
               </a:ext>
             </a:extLst>
           </p:cNvPr>
@@ -18336,7 +18795,122 @@
           <a:p>
             <a:r>
               <a:rPr lang="en-US" dirty="0"/>
-              <a:t>Branch and Bound Method</a:t>
+              <a:t>Cutting Planes Stuff</a:t>
+            </a:r>
+          </a:p>
+        </p:txBody>
+      </p:sp>
+      <p:sp>
+        <p:nvSpPr>
+          <p:cNvPr id="3" name="Content Placeholder 2">
+            <a:extLst>
+              <a:ext uri="{FF2B5EF4-FFF2-40B4-BE49-F238E27FC236}">
+                <a16:creationId xmlns:a16="http://schemas.microsoft.com/office/drawing/2014/main" id="{7151F270-45F6-4591-AD1C-6D99EE48D832}"/>
+              </a:ext>
+            </a:extLst>
+          </p:cNvPr>
+          <p:cNvSpPr>
+            <a:spLocks noGrp="1"/>
+          </p:cNvSpPr>
+          <p:nvPr>
+            <p:ph idx="1"/>
+          </p:nvPr>
+        </p:nvSpPr>
+        <p:spPr/>
+        <p:txBody>
+          <a:bodyPr/>
+          <a:lstStyle/>
+          <a:p>
+            <a:endParaRPr lang="en-US"/>
+          </a:p>
+        </p:txBody>
+      </p:sp>
+    </p:spTree>
+    <p:extLst>
+      <p:ext uri="{BB962C8B-B14F-4D97-AF65-F5344CB8AC3E}">
+        <p14:creationId xmlns:p14="http://schemas.microsoft.com/office/powerpoint/2010/main" val="1338636709"/>
+      </p:ext>
+    </p:extLst>
+  </p:cSld>
+  <p:clrMapOvr>
+    <a:masterClrMapping/>
+  </p:clrMapOvr>
+</p:sld>
+</file>
+
+<file path=ppt/slides/slide9.xml><?xml version="1.0" encoding="utf-8"?>
+<p:sld xmlns:a="http://schemas.openxmlformats.org/drawingml/2006/main" xmlns:r="http://schemas.openxmlformats.org/officeDocument/2006/relationships" xmlns:p="http://schemas.openxmlformats.org/presentationml/2006/main">
+  <p:cSld>
+    <p:spTree>
+      <p:nvGrpSpPr>
+        <p:cNvPr id="1" name=""/>
+        <p:cNvGrpSpPr/>
+        <p:nvPr/>
+      </p:nvGrpSpPr>
+      <p:grpSpPr>
+        <a:xfrm>
+          <a:off x="0" y="0"/>
+          <a:ext cx="0" cy="0"/>
+          <a:chOff x="0" y="0"/>
+          <a:chExt cx="0" cy="0"/>
+        </a:xfrm>
+      </p:grpSpPr>
+      <p:pic>
+        <p:nvPicPr>
+          <p:cNvPr id="34" name="Picture 33">
+            <a:extLst>
+              <a:ext uri="{FF2B5EF4-FFF2-40B4-BE49-F238E27FC236}">
+                <a16:creationId xmlns:a16="http://schemas.microsoft.com/office/drawing/2014/main" id="{8664EE04-BA3C-4317-917E-33056745480A}"/>
+              </a:ext>
+            </a:extLst>
+          </p:cNvPr>
+          <p:cNvPicPr>
+            <a:picLocks noChangeAspect="1"/>
+          </p:cNvPicPr>
+          <p:nvPr/>
+        </p:nvPicPr>
+        <p:blipFill>
+          <a:blip r:embed="rId2">
+            <a:alphaModFix amt="20000"/>
+          </a:blip>
+          <a:stretch>
+            <a:fillRect/>
+          </a:stretch>
+        </p:blipFill>
+        <p:spPr>
+          <a:xfrm>
+            <a:off x="-14082" y="-7264"/>
+            <a:ext cx="12206082" cy="6865264"/>
+          </a:xfrm>
+          <a:prstGeom prst="rect">
+            <a:avLst/>
+          </a:prstGeom>
+        </p:spPr>
+      </p:pic>
+      <p:sp>
+        <p:nvSpPr>
+          <p:cNvPr id="2" name="Title 1">
+            <a:extLst>
+              <a:ext uri="{FF2B5EF4-FFF2-40B4-BE49-F238E27FC236}">
+                <a16:creationId xmlns:a16="http://schemas.microsoft.com/office/drawing/2014/main" id="{B468A54F-6B42-4042-B664-3A17402D4844}"/>
+              </a:ext>
+            </a:extLst>
+          </p:cNvPr>
+          <p:cNvSpPr>
+            <a:spLocks noGrp="1"/>
+          </p:cNvSpPr>
+          <p:nvPr>
+            <p:ph type="title"/>
+          </p:nvPr>
+        </p:nvSpPr>
+        <p:spPr/>
+        <p:txBody>
+          <a:bodyPr/>
+          <a:lstStyle/>
+          <a:p>
+            <a:r>
+              <a:rPr lang="en-US" dirty="0"/>
+              <a:t>Branch and Cut Method</a:t>
             </a:r>
           </a:p>
         </p:txBody>
@@ -18356,9 +18930,9 @@
           <p:nvPr/>
         </p:nvPicPr>
         <p:blipFill>
-          <a:blip r:embed="rId2">
+          <a:blip r:embed="rId3">
             <a:duotone>
-              <a:schemeClr val="accent6">
+              <a:schemeClr val="accent2">
                 <a:shade val="45000"/>
                 <a:satMod val="135000"/>
               </a:schemeClr>
@@ -18367,7 +18941,7 @@
             <a:extLst>
               <a:ext uri="{BEBA8EAE-BF5A-486C-A8C5-ECC9F3942E4B}">
                 <a14:imgProps xmlns:a14="http://schemas.microsoft.com/office/drawing/2010/main">
-                  <a14:imgLayer r:embed="rId3">
+                  <a14:imgLayer r:embed="rId4">
                     <a14:imgEffect>
                       <a14:backgroundRemoval t="5732" b="93756" l="4405" r="96310">
                         <a14:foregroundMark x1="25714" y1="7062" x2="25714" y2="7062"/>
@@ -18406,7 +18980,7 @@
         </p:blipFill>
         <p:spPr bwMode="auto">
           <a:xfrm rot="1707716">
-            <a:off x="7256045" y="666070"/>
+            <a:off x="6543637" y="587420"/>
             <a:ext cx="622158" cy="723673"/>
           </a:xfrm>
           <a:prstGeom prst="rect">
@@ -18442,48 +19016,37 @@
         </p:nvSpPr>
         <p:spPr>
           <a:xfrm>
-            <a:off x="838200" y="1494262"/>
-            <a:ext cx="10515600" cy="4351338"/>
-          </a:xfrm>
-        </p:spPr>
-        <p:txBody>
-          <a:bodyPr/>
+            <a:off x="706465" y="1408123"/>
+            <a:ext cx="5257800" cy="2350099"/>
+          </a:xfrm>
+        </p:spPr>
+        <p:txBody>
+          <a:bodyPr>
+            <a:normAutofit/>
+          </a:bodyPr>
           <a:lstStyle/>
           <a:p>
             <a:r>
-              <a:rPr lang="en-US" dirty="0"/>
+              <a:rPr lang="en-US" sz="2000" dirty="0"/>
               <a:t>Settings in AMPL:</a:t>
             </a:r>
           </a:p>
           <a:p>
             <a:pPr lvl="1"/>
             <a:r>
-              <a:rPr lang="en-US" dirty="0"/>
-              <a:t>Branch: controls whether you want to branch “up” or “down” </a:t>
+              <a:rPr lang="en-US" sz="2000" dirty="0"/>
+              <a:t>branch: controls whether you want to branch “up” or “down” </a:t>
             </a:r>
           </a:p>
           <a:p>
             <a:pPr lvl="1"/>
             <a:r>
-              <a:rPr lang="en-US" dirty="0" err="1"/>
-              <a:t>Varsel</a:t>
+              <a:rPr lang="en-US" sz="2000" dirty="0" err="1"/>
+              <a:t>varsel</a:t>
             </a:r>
             <a:r>
-              <a:rPr lang="en-US" dirty="0"/>
-              <a:t> : controls whether you branch on variable with the smallest or largest integer of feasibility or if you want to use strong branching. </a:t>
-            </a:r>
-          </a:p>
-          <a:p>
-            <a:pPr marL="457200" lvl="1" indent="0">
-              <a:buNone/>
-            </a:pPr>
-            <a:endParaRPr lang="en-US" dirty="0"/>
-          </a:p>
-          <a:p>
-            <a:pPr lvl="1"/>
-            <a:r>
-              <a:rPr lang="en-US" dirty="0"/>
-              <a:t>Testing Options for :</a:t>
+              <a:rPr lang="en-US" sz="2000" dirty="0"/>
+              <a:t> : controls whether you branch on variable with the smallest or largest integer of feasibility or if you want to use strong branching.</a:t>
             </a:r>
           </a:p>
         </p:txBody>
@@ -18503,14 +19066,14 @@
           <p:nvPr>
             <p:extLst>
               <p:ext uri="{D42A27DB-BD31-4B8C-83A1-F6EECF244321}">
-                <p14:modId xmlns:p14="http://schemas.microsoft.com/office/powerpoint/2010/main" val="1335505659"/>
+                <p14:modId xmlns:p14="http://schemas.microsoft.com/office/powerpoint/2010/main" val="1716887536"/>
               </p:ext>
             </p:extLst>
           </p:nvPr>
         </p:nvGraphicFramePr>
         <p:xfrm>
-          <a:off x="443948" y="4001294"/>
-          <a:ext cx="11423372" cy="2595880"/>
+          <a:off x="6218007" y="1655102"/>
+          <a:ext cx="5894480" cy="2103120"/>
         </p:xfrm>
         <a:graphic>
           <a:graphicData uri="http://schemas.openxmlformats.org/drawingml/2006/table">
@@ -18519,36 +19082,36 @@
                 <a:tableStyleId>{5C22544A-7EE6-4342-B048-85BDC9FD1C3A}</a:tableStyleId>
               </a:tblPr>
               <a:tblGrid>
-                <a:gridCol w="968200">
+                <a:gridCol w="632792">
                   <a:extLst>
                     <a:ext uri="{9D8B030D-6E8A-4147-A177-3AD203B41FA5}">
                       <a16:colId xmlns:a16="http://schemas.microsoft.com/office/drawing/2014/main" val="2240620499"/>
                     </a:ext>
                   </a:extLst>
                 </a:gridCol>
-                <a:gridCol w="5251966">
+                <a:gridCol w="2683565">
                   <a:extLst>
                     <a:ext uri="{9D8B030D-6E8A-4147-A177-3AD203B41FA5}">
                       <a16:colId xmlns:a16="http://schemas.microsoft.com/office/drawing/2014/main" val="2569040333"/>
                     </a:ext>
                   </a:extLst>
                 </a:gridCol>
-                <a:gridCol w="1999090">
+                <a:gridCol w="1119809">
                   <a:extLst>
                     <a:ext uri="{9D8B030D-6E8A-4147-A177-3AD203B41FA5}">
                       <a16:colId xmlns:a16="http://schemas.microsoft.com/office/drawing/2014/main" val="3070401306"/>
                     </a:ext>
                   </a:extLst>
                 </a:gridCol>
-                <a:gridCol w="3204116">
+                <a:gridCol w="1458314">
                   <a:extLst>
                     <a:ext uri="{9D8B030D-6E8A-4147-A177-3AD203B41FA5}">
-                      <a16:colId xmlns:a16="http://schemas.microsoft.com/office/drawing/2014/main" val="1497863960"/>
+                      <a16:colId xmlns:a16="http://schemas.microsoft.com/office/drawing/2014/main" val="1183633846"/>
                     </a:ext>
                   </a:extLst>
                 </a:gridCol>
               </a:tblGrid>
-              <a:tr h="370840">
+              <a:tr h="255561">
                 <a:tc>
                   <a:txBody>
                     <a:bodyPr/>
@@ -18556,7 +19119,7 @@
                     <a:p>
                       <a:pPr algn="ctr"/>
                       <a:r>
-                        <a:rPr lang="en-US" dirty="0"/>
+                        <a:rPr lang="en-US" sz="1200" dirty="0"/>
                         <a:t>Branch</a:t>
                       </a:r>
                     </a:p>
@@ -18570,10 +19133,10 @@
                     <a:p>
                       <a:pPr algn="ctr"/>
                       <a:r>
-                        <a:rPr lang="en-US" dirty="0" err="1"/>
+                        <a:rPr lang="en-US" sz="1200" dirty="0" err="1"/>
                         <a:t>Varsel</a:t>
                       </a:r>
-                      <a:endParaRPr lang="en-US" dirty="0"/>
+                      <a:endParaRPr lang="en-US" sz="1200" dirty="0"/>
                     </a:p>
                   </a:txBody>
                   <a:tcPr/>
@@ -18585,7 +19148,7 @@
                     <a:p>
                       <a:pPr algn="ctr"/>
                       <a:r>
-                        <a:rPr lang="en-US" dirty="0"/>
+                        <a:rPr lang="en-US" sz="1200" dirty="0"/>
                         <a:t>Number of Nodes</a:t>
                       </a:r>
                     </a:p>
@@ -18599,8 +19162,8 @@
                     <a:p>
                       <a:pPr algn="ctr"/>
                       <a:r>
-                        <a:rPr lang="en-US" dirty="0"/>
-                        <a:t>Feature(s) chosen</a:t>
+                        <a:rPr lang="en-US" sz="1200" dirty="0"/>
+                        <a:t>With Cutting Plane Constraints</a:t>
                       </a:r>
                     </a:p>
                   </a:txBody>
@@ -18612,14 +19175,14 @@
                   </a:ext>
                 </a:extLst>
               </a:tr>
-              <a:tr h="370840">
+              <a:tr h="255561">
                 <a:tc>
                   <a:txBody>
                     <a:bodyPr/>
                     <a:lstStyle/>
                     <a:p>
                       <a:r>
-                        <a:rPr lang="en-US" dirty="0"/>
+                        <a:rPr lang="en-US" sz="1200" dirty="0"/>
                         <a:t>Up</a:t>
                       </a:r>
                     </a:p>
@@ -18632,7 +19195,7 @@
                     <a:lstStyle/>
                     <a:p>
                       <a:r>
-                        <a:rPr lang="en-US" dirty="0"/>
+                        <a:rPr lang="en-US" sz="1200" dirty="0"/>
                         <a:t>Variable with Smallest Integer Feasibility</a:t>
                       </a:r>
                     </a:p>
@@ -18644,7 +19207,10 @@
                     <a:bodyPr/>
                     <a:lstStyle/>
                     <a:p>
-                      <a:endParaRPr lang="en-US" dirty="0"/>
+                      <a:r>
+                        <a:rPr lang="en-US" sz="1200" dirty="0"/>
+                        <a:t>38,468</a:t>
+                      </a:r>
                     </a:p>
                   </a:txBody>
                   <a:tcPr/>
@@ -18654,7 +19220,7 @@
                     <a:bodyPr/>
                     <a:lstStyle/>
                     <a:p>
-                      <a:endParaRPr lang="en-US" dirty="0"/>
+                      <a:endParaRPr lang="en-US" sz="1200" dirty="0"/>
                     </a:p>
                   </a:txBody>
                   <a:tcPr/>
@@ -18665,14 +19231,14 @@
                   </a:ext>
                 </a:extLst>
               </a:tr>
-              <a:tr h="370840">
+              <a:tr h="255561">
                 <a:tc>
                   <a:txBody>
                     <a:bodyPr/>
                     <a:lstStyle/>
                     <a:p>
                       <a:r>
-                        <a:rPr lang="en-US" dirty="0"/>
+                        <a:rPr lang="en-US" sz="1200" dirty="0"/>
                         <a:t>Up</a:t>
                       </a:r>
                     </a:p>
@@ -18702,7 +19268,7 @@
                         <a:defRPr/>
                       </a:pPr>
                       <a:r>
-                        <a:rPr lang="en-US" dirty="0"/>
+                        <a:rPr lang="en-US" sz="1200" dirty="0"/>
                         <a:t>Variable with Largest Integer Feasibility</a:t>
                       </a:r>
                     </a:p>
@@ -18714,7 +19280,10 @@
                     <a:bodyPr/>
                     <a:lstStyle/>
                     <a:p>
-                      <a:endParaRPr lang="en-US"/>
+                      <a:r>
+                        <a:rPr lang="en-US" sz="1200" dirty="0"/>
+                        <a:t>7,128</a:t>
+                      </a:r>
                     </a:p>
                   </a:txBody>
                   <a:tcPr/>
@@ -18724,7 +19293,7 @@
                     <a:bodyPr/>
                     <a:lstStyle/>
                     <a:p>
-                      <a:endParaRPr lang="en-US"/>
+                      <a:endParaRPr lang="en-US" sz="1200" dirty="0"/>
                     </a:p>
                   </a:txBody>
                   <a:tcPr/>
@@ -18735,14 +19304,14 @@
                   </a:ext>
                 </a:extLst>
               </a:tr>
-              <a:tr h="370840">
+              <a:tr h="255561">
                 <a:tc>
                   <a:txBody>
                     <a:bodyPr/>
                     <a:lstStyle/>
                     <a:p>
                       <a:r>
-                        <a:rPr lang="en-US" dirty="0"/>
+                        <a:rPr lang="en-US" sz="1200" dirty="0"/>
                         <a:t>Up</a:t>
                       </a:r>
                     </a:p>
@@ -18755,7 +19324,7 @@
                     <a:lstStyle/>
                     <a:p>
                       <a:r>
-                        <a:rPr lang="en-US" dirty="0"/>
+                        <a:rPr lang="en-US" sz="1200" dirty="0"/>
                         <a:t>Strong Branching</a:t>
                       </a:r>
                     </a:p>
@@ -18767,7 +19336,10 @@
                     <a:bodyPr/>
                     <a:lstStyle/>
                     <a:p>
-                      <a:endParaRPr lang="en-US"/>
+                      <a:r>
+                        <a:rPr lang="en-US" sz="1200" dirty="0"/>
+                        <a:t>3,194</a:t>
+                      </a:r>
                     </a:p>
                   </a:txBody>
                   <a:tcPr/>
@@ -18777,7 +19349,7 @@
                     <a:bodyPr/>
                     <a:lstStyle/>
                     <a:p>
-                      <a:endParaRPr lang="en-US"/>
+                      <a:endParaRPr lang="en-US" sz="1200" dirty="0"/>
                     </a:p>
                   </a:txBody>
                   <a:tcPr/>
@@ -18788,14 +19360,14 @@
                   </a:ext>
                 </a:extLst>
               </a:tr>
-              <a:tr h="370840">
+              <a:tr h="255561">
                 <a:tc>
                   <a:txBody>
                     <a:bodyPr/>
                     <a:lstStyle/>
                     <a:p>
                       <a:r>
-                        <a:rPr lang="en-US" dirty="0"/>
+                        <a:rPr lang="en-US" sz="1200" dirty="0"/>
                         <a:t>Down</a:t>
                       </a:r>
                     </a:p>
@@ -18825,7 +19397,7 @@
                         <a:defRPr/>
                       </a:pPr>
                       <a:r>
-                        <a:rPr lang="en-US" dirty="0"/>
+                        <a:rPr lang="en-US" sz="1200" dirty="0"/>
                         <a:t>Variable with Smallest Integer Feasibility</a:t>
                       </a:r>
                     </a:p>
@@ -18837,7 +19409,10 @@
                     <a:bodyPr/>
                     <a:lstStyle/>
                     <a:p>
-                      <a:endParaRPr lang="en-US"/>
+                      <a:r>
+                        <a:rPr lang="en-US" sz="1200" dirty="0"/>
+                        <a:t>115,641</a:t>
+                      </a:r>
                     </a:p>
                   </a:txBody>
                   <a:tcPr/>
@@ -18847,7 +19422,7 @@
                     <a:bodyPr/>
                     <a:lstStyle/>
                     <a:p>
-                      <a:endParaRPr lang="en-US"/>
+                      <a:endParaRPr lang="en-US" sz="1200" dirty="0"/>
                     </a:p>
                   </a:txBody>
                   <a:tcPr/>
@@ -18858,14 +19433,14 @@
                   </a:ext>
                 </a:extLst>
               </a:tr>
-              <a:tr h="370840">
+              <a:tr h="255561">
                 <a:tc>
                   <a:txBody>
                     <a:bodyPr/>
                     <a:lstStyle/>
                     <a:p>
                       <a:r>
-                        <a:rPr lang="en-US" dirty="0"/>
+                        <a:rPr lang="en-US" sz="1200" dirty="0"/>
                         <a:t>Down</a:t>
                       </a:r>
                     </a:p>
@@ -18895,7 +19470,7 @@
                         <a:defRPr/>
                       </a:pPr>
                       <a:r>
-                        <a:rPr lang="en-US" dirty="0"/>
+                        <a:rPr lang="en-US" sz="1200" dirty="0"/>
                         <a:t>Variable with Largest Integer Feasibility</a:t>
                       </a:r>
                     </a:p>
@@ -18907,7 +19482,10 @@
                     <a:bodyPr/>
                     <a:lstStyle/>
                     <a:p>
-                      <a:endParaRPr lang="en-US" dirty="0"/>
+                      <a:r>
+                        <a:rPr lang="en-US" sz="1200" dirty="0"/>
+                        <a:t>12,407</a:t>
+                      </a:r>
                     </a:p>
                   </a:txBody>
                   <a:tcPr/>
@@ -18917,7 +19495,7 @@
                     <a:bodyPr/>
                     <a:lstStyle/>
                     <a:p>
-                      <a:endParaRPr lang="en-US" dirty="0"/>
+                      <a:endParaRPr lang="en-US" sz="1200" dirty="0"/>
                     </a:p>
                   </a:txBody>
                   <a:tcPr/>
@@ -18928,14 +19506,14 @@
                   </a:ext>
                 </a:extLst>
               </a:tr>
-              <a:tr h="370840">
+              <a:tr h="237904">
                 <a:tc>
                   <a:txBody>
                     <a:bodyPr/>
                     <a:lstStyle/>
                     <a:p>
                       <a:r>
-                        <a:rPr lang="en-US" dirty="0"/>
+                        <a:rPr lang="en-US" sz="1200" dirty="0"/>
                         <a:t>Down</a:t>
                       </a:r>
                     </a:p>
@@ -18948,7 +19526,7 @@
                     <a:lstStyle/>
                     <a:p>
                       <a:r>
-                        <a:rPr lang="en-US" dirty="0"/>
+                        <a:rPr lang="en-US" sz="1200" dirty="0"/>
                         <a:t>Strong Branching</a:t>
                       </a:r>
                     </a:p>
@@ -18960,7 +19538,10 @@
                     <a:bodyPr/>
                     <a:lstStyle/>
                     <a:p>
-                      <a:endParaRPr lang="en-US" dirty="0"/>
+                      <a:r>
+                        <a:rPr lang="en-US" sz="1200" dirty="0"/>
+                        <a:t>778</a:t>
+                      </a:r>
                     </a:p>
                   </a:txBody>
                   <a:tcPr/>
@@ -18970,7 +19551,7 @@
                     <a:bodyPr/>
                     <a:lstStyle/>
                     <a:p>
-                      <a:endParaRPr lang="en-US" dirty="0"/>
+                      <a:endParaRPr lang="en-US" sz="1200" dirty="0"/>
                     </a:p>
                   </a:txBody>
                   <a:tcPr/>
@@ -18985,93 +19566,554 @@
           </a:graphicData>
         </a:graphic>
       </p:graphicFrame>
+      <p:pic>
+        <p:nvPicPr>
+          <p:cNvPr id="9" name="Picture 8">
+            <a:extLst>
+              <a:ext uri="{FF2B5EF4-FFF2-40B4-BE49-F238E27FC236}">
+                <a16:creationId xmlns:a16="http://schemas.microsoft.com/office/drawing/2014/main" id="{2D50E243-6FC7-4BB4-B403-DF2A460153CE}"/>
+              </a:ext>
+            </a:extLst>
+          </p:cNvPr>
+          <p:cNvPicPr>
+            <a:picLocks noChangeAspect="1"/>
+          </p:cNvPicPr>
+          <p:nvPr/>
+        </p:nvPicPr>
+        <p:blipFill>
+          <a:blip r:embed="rId5"/>
+          <a:stretch>
+            <a:fillRect/>
+          </a:stretch>
+        </p:blipFill>
+        <p:spPr>
+          <a:xfrm>
+            <a:off x="3461554" y="4380500"/>
+            <a:ext cx="5894480" cy="2108168"/>
+          </a:xfrm>
+          <a:prstGeom prst="rect">
+            <a:avLst/>
+          </a:prstGeom>
+        </p:spPr>
+      </p:pic>
+      <p:sp>
+        <p:nvSpPr>
+          <p:cNvPr id="10" name="TextBox 9">
+            <a:extLst>
+              <a:ext uri="{FF2B5EF4-FFF2-40B4-BE49-F238E27FC236}">
+                <a16:creationId xmlns:a16="http://schemas.microsoft.com/office/drawing/2014/main" id="{6A366E22-2821-448D-99C3-6B77F944CAD9}"/>
+              </a:ext>
+            </a:extLst>
+          </p:cNvPr>
+          <p:cNvSpPr txBox="1"/>
+          <p:nvPr/>
+        </p:nvSpPr>
+        <p:spPr>
+          <a:xfrm>
+            <a:off x="7939707" y="1285770"/>
+            <a:ext cx="2832653" cy="369332"/>
+          </a:xfrm>
+          <a:prstGeom prst="rect">
+            <a:avLst/>
+          </a:prstGeom>
+          <a:noFill/>
+        </p:spPr>
+        <p:txBody>
+          <a:bodyPr wrap="square" rtlCol="0">
+            <a:spAutoFit/>
+          </a:bodyPr>
+          <a:lstStyle/>
+          <a:p>
+            <a:pPr algn="ctr"/>
+            <a:r>
+              <a:rPr lang="en-US" dirty="0"/>
+              <a:t>Table of Results (for Tree 3)</a:t>
+            </a:r>
+          </a:p>
+        </p:txBody>
+      </p:sp>
+      <p:sp>
+        <p:nvSpPr>
+          <p:cNvPr id="12" name="TextBox 11">
+            <a:extLst>
+              <a:ext uri="{FF2B5EF4-FFF2-40B4-BE49-F238E27FC236}">
+                <a16:creationId xmlns:a16="http://schemas.microsoft.com/office/drawing/2014/main" id="{DE1F863C-17CA-41A1-9B43-83696B91F6D8}"/>
+              </a:ext>
+            </a:extLst>
+          </p:cNvPr>
+          <p:cNvSpPr txBox="1"/>
+          <p:nvPr/>
+        </p:nvSpPr>
+        <p:spPr>
+          <a:xfrm>
+            <a:off x="5303291" y="6448034"/>
+            <a:ext cx="2211005" cy="369332"/>
+          </a:xfrm>
+          <a:prstGeom prst="rect">
+            <a:avLst/>
+          </a:prstGeom>
+          <a:noFill/>
+        </p:spPr>
+        <p:txBody>
+          <a:bodyPr wrap="square" rtlCol="0">
+            <a:spAutoFit/>
+          </a:bodyPr>
+          <a:lstStyle/>
+          <a:p>
+            <a:pPr algn="ctr"/>
+            <a:r>
+              <a:rPr lang="en-US" dirty="0"/>
+              <a:t>Sample AMPL Output</a:t>
+            </a:r>
+          </a:p>
+        </p:txBody>
+      </p:sp>
+      <p:sp>
+        <p:nvSpPr>
+          <p:cNvPr id="13" name="TextBox 12">
+            <a:extLst>
+              <a:ext uri="{FF2B5EF4-FFF2-40B4-BE49-F238E27FC236}">
+                <a16:creationId xmlns:a16="http://schemas.microsoft.com/office/drawing/2014/main" id="{235995B1-EA3C-4CB0-9EA9-EBD2480A18BE}"/>
+              </a:ext>
+            </a:extLst>
+          </p:cNvPr>
+          <p:cNvSpPr txBox="1"/>
+          <p:nvPr/>
+        </p:nvSpPr>
+        <p:spPr>
+          <a:xfrm>
+            <a:off x="966737" y="6085773"/>
+            <a:ext cx="2161447" cy="276999"/>
+          </a:xfrm>
+          <a:prstGeom prst="rect">
+            <a:avLst/>
+          </a:prstGeom>
+          <a:noFill/>
+        </p:spPr>
+        <p:txBody>
+          <a:bodyPr wrap="square" rtlCol="0">
+            <a:spAutoFit/>
+          </a:bodyPr>
+          <a:lstStyle/>
+          <a:p>
+            <a:pPr algn="ctr"/>
+            <a:r>
+              <a:rPr lang="en-US" sz="1200" dirty="0"/>
+              <a:t>Found Feasible Integer Solution</a:t>
+            </a:r>
+          </a:p>
+        </p:txBody>
+      </p:sp>
+      <p:sp>
+        <p:nvSpPr>
+          <p:cNvPr id="14" name="TextBox 13">
+            <a:extLst>
+              <a:ext uri="{FF2B5EF4-FFF2-40B4-BE49-F238E27FC236}">
+                <a16:creationId xmlns:a16="http://schemas.microsoft.com/office/drawing/2014/main" id="{F1199C2C-643F-4E45-9C45-B80754AF09DD}"/>
+              </a:ext>
+            </a:extLst>
+          </p:cNvPr>
+          <p:cNvSpPr txBox="1"/>
+          <p:nvPr/>
+        </p:nvSpPr>
+        <p:spPr>
+          <a:xfrm>
+            <a:off x="1918923" y="4524221"/>
+            <a:ext cx="1209261" cy="276999"/>
+          </a:xfrm>
+          <a:prstGeom prst="rect">
+            <a:avLst/>
+          </a:prstGeom>
+          <a:noFill/>
+        </p:spPr>
+        <p:txBody>
+          <a:bodyPr wrap="square" rtlCol="0">
+            <a:spAutoFit/>
+          </a:bodyPr>
+          <a:lstStyle/>
+          <a:p>
+            <a:pPr algn="ctr"/>
+            <a:r>
+              <a:rPr lang="en-US" sz="1200" dirty="0"/>
+              <a:t>Node Number</a:t>
+            </a:r>
+          </a:p>
+        </p:txBody>
+      </p:sp>
+      <p:sp>
+        <p:nvSpPr>
+          <p:cNvPr id="15" name="TextBox 14">
+            <a:extLst>
+              <a:ext uri="{FF2B5EF4-FFF2-40B4-BE49-F238E27FC236}">
+                <a16:creationId xmlns:a16="http://schemas.microsoft.com/office/drawing/2014/main" id="{A3CE0B69-83E5-4291-AC95-21A910B19709}"/>
+              </a:ext>
+            </a:extLst>
+          </p:cNvPr>
+          <p:cNvSpPr txBox="1"/>
+          <p:nvPr/>
+        </p:nvSpPr>
+        <p:spPr>
+          <a:xfrm>
+            <a:off x="2978427" y="3855872"/>
+            <a:ext cx="1729407" cy="276999"/>
+          </a:xfrm>
+          <a:prstGeom prst="rect">
+            <a:avLst/>
+          </a:prstGeom>
+          <a:noFill/>
+        </p:spPr>
+        <p:txBody>
+          <a:bodyPr wrap="square" rtlCol="0">
+            <a:spAutoFit/>
+          </a:bodyPr>
+          <a:lstStyle/>
+          <a:p>
+            <a:pPr algn="ctr"/>
+            <a:r>
+              <a:rPr lang="en-US" sz="1200" dirty="0"/>
+              <a:t>Nodes Left in Search Set</a:t>
+            </a:r>
+          </a:p>
+        </p:txBody>
+      </p:sp>
+      <p:sp>
+        <p:nvSpPr>
+          <p:cNvPr id="16" name="TextBox 15">
+            <a:extLst>
+              <a:ext uri="{FF2B5EF4-FFF2-40B4-BE49-F238E27FC236}">
+                <a16:creationId xmlns:a16="http://schemas.microsoft.com/office/drawing/2014/main" id="{D9481294-F557-4CC3-93BA-F17A4E1DC682}"/>
+              </a:ext>
+            </a:extLst>
+          </p:cNvPr>
+          <p:cNvSpPr txBox="1"/>
+          <p:nvPr/>
+        </p:nvSpPr>
+        <p:spPr>
+          <a:xfrm>
+            <a:off x="4823138" y="3862508"/>
+            <a:ext cx="2031578" cy="461665"/>
+          </a:xfrm>
+          <a:prstGeom prst="rect">
+            <a:avLst/>
+          </a:prstGeom>
+          <a:noFill/>
+        </p:spPr>
+        <p:txBody>
+          <a:bodyPr wrap="square" rtlCol="0">
+            <a:spAutoFit/>
+          </a:bodyPr>
+          <a:lstStyle/>
+          <a:p>
+            <a:pPr algn="ctr"/>
+            <a:r>
+              <a:rPr lang="en-US" sz="1200" dirty="0"/>
+              <a:t>Number of Integer Infeasible Variables in Solution</a:t>
+            </a:r>
+          </a:p>
+        </p:txBody>
+      </p:sp>
+      <p:sp>
+        <p:nvSpPr>
+          <p:cNvPr id="17" name="TextBox 16">
+            <a:extLst>
+              <a:ext uri="{FF2B5EF4-FFF2-40B4-BE49-F238E27FC236}">
+                <a16:creationId xmlns:a16="http://schemas.microsoft.com/office/drawing/2014/main" id="{B7B7698A-3948-46B9-B1D3-2CD6E0CB0409}"/>
+              </a:ext>
+            </a:extLst>
+          </p:cNvPr>
+          <p:cNvSpPr txBox="1"/>
+          <p:nvPr/>
+        </p:nvSpPr>
+        <p:spPr>
+          <a:xfrm>
+            <a:off x="6707255" y="3862509"/>
+            <a:ext cx="2193235" cy="461665"/>
+          </a:xfrm>
+          <a:prstGeom prst="rect">
+            <a:avLst/>
+          </a:prstGeom>
+          <a:noFill/>
+        </p:spPr>
+        <p:txBody>
+          <a:bodyPr wrap="square" rtlCol="0">
+            <a:spAutoFit/>
+          </a:bodyPr>
+          <a:lstStyle/>
+          <a:p>
+            <a:pPr algn="ctr"/>
+            <a:r>
+              <a:rPr lang="en-US" sz="1200" dirty="0"/>
+              <a:t>“Best” Achievable Objective Function</a:t>
+            </a:r>
+          </a:p>
+        </p:txBody>
+      </p:sp>
+      <p:cxnSp>
+        <p:nvCxnSpPr>
+          <p:cNvPr id="18" name="Straight Arrow Connector 17">
+            <a:extLst>
+              <a:ext uri="{FF2B5EF4-FFF2-40B4-BE49-F238E27FC236}">
+                <a16:creationId xmlns:a16="http://schemas.microsoft.com/office/drawing/2014/main" id="{86865676-6D4B-4F4E-B764-09715B30615A}"/>
+              </a:ext>
+            </a:extLst>
+          </p:cNvPr>
+          <p:cNvCxnSpPr>
+            <a:cxnSpLocks/>
+            <a:stCxn id="14" idx="3"/>
+          </p:cNvCxnSpPr>
+          <p:nvPr/>
+        </p:nvCxnSpPr>
+        <p:spPr>
+          <a:xfrm>
+            <a:off x="3128184" y="4662721"/>
+            <a:ext cx="440750" cy="0"/>
+          </a:xfrm>
+          <a:prstGeom prst="straightConnector1">
+            <a:avLst/>
+          </a:prstGeom>
+          <a:ln w="12700">
+            <a:tailEnd type="triangle"/>
+          </a:ln>
+        </p:spPr>
+        <p:style>
+          <a:lnRef idx="1">
+            <a:schemeClr val="accent1"/>
+          </a:lnRef>
+          <a:fillRef idx="0">
+            <a:schemeClr val="accent1"/>
+          </a:fillRef>
+          <a:effectRef idx="0">
+            <a:schemeClr val="accent1"/>
+          </a:effectRef>
+          <a:fontRef idx="minor">
+            <a:schemeClr val="tx1"/>
+          </a:fontRef>
+        </p:style>
+      </p:cxnSp>
+      <p:cxnSp>
+        <p:nvCxnSpPr>
+          <p:cNvPr id="20" name="Straight Arrow Connector 19">
+            <a:extLst>
+              <a:ext uri="{FF2B5EF4-FFF2-40B4-BE49-F238E27FC236}">
+                <a16:creationId xmlns:a16="http://schemas.microsoft.com/office/drawing/2014/main" id="{12F3D1CA-46E2-4834-9972-8EF90DD4750D}"/>
+              </a:ext>
+            </a:extLst>
+          </p:cNvPr>
+          <p:cNvCxnSpPr>
+            <a:cxnSpLocks/>
+            <a:stCxn id="15" idx="2"/>
+          </p:cNvCxnSpPr>
+          <p:nvPr/>
+        </p:nvCxnSpPr>
+        <p:spPr>
+          <a:xfrm>
+            <a:off x="3843131" y="4132871"/>
+            <a:ext cx="284921" cy="247629"/>
+          </a:xfrm>
+          <a:prstGeom prst="straightConnector1">
+            <a:avLst/>
+          </a:prstGeom>
+          <a:ln w="12700">
+            <a:tailEnd type="triangle"/>
+          </a:ln>
+        </p:spPr>
+        <p:style>
+          <a:lnRef idx="1">
+            <a:schemeClr val="accent1"/>
+          </a:lnRef>
+          <a:fillRef idx="0">
+            <a:schemeClr val="accent1"/>
+          </a:fillRef>
+          <a:effectRef idx="0">
+            <a:schemeClr val="accent1"/>
+          </a:effectRef>
+          <a:fontRef idx="minor">
+            <a:schemeClr val="tx1"/>
+          </a:fontRef>
+        </p:style>
+      </p:cxnSp>
+      <p:cxnSp>
+        <p:nvCxnSpPr>
+          <p:cNvPr id="24" name="Straight Arrow Connector 23">
+            <a:extLst>
+              <a:ext uri="{FF2B5EF4-FFF2-40B4-BE49-F238E27FC236}">
+                <a16:creationId xmlns:a16="http://schemas.microsoft.com/office/drawing/2014/main" id="{4F3BAC68-5677-4F12-88D6-0A613A1E2DC3}"/>
+              </a:ext>
+            </a:extLst>
+          </p:cNvPr>
+          <p:cNvCxnSpPr>
+            <a:cxnSpLocks/>
+            <a:stCxn id="13" idx="3"/>
+          </p:cNvCxnSpPr>
+          <p:nvPr/>
+        </p:nvCxnSpPr>
+        <p:spPr>
+          <a:xfrm>
+            <a:off x="3128184" y="6224273"/>
+            <a:ext cx="333370" cy="0"/>
+          </a:xfrm>
+          <a:prstGeom prst="straightConnector1">
+            <a:avLst/>
+          </a:prstGeom>
+          <a:ln w="12700">
+            <a:tailEnd type="triangle"/>
+          </a:ln>
+        </p:spPr>
+        <p:style>
+          <a:lnRef idx="1">
+            <a:schemeClr val="accent1"/>
+          </a:lnRef>
+          <a:fillRef idx="0">
+            <a:schemeClr val="accent1"/>
+          </a:fillRef>
+          <a:effectRef idx="0">
+            <a:schemeClr val="accent1"/>
+          </a:effectRef>
+          <a:fontRef idx="minor">
+            <a:schemeClr val="tx1"/>
+          </a:fontRef>
+        </p:style>
+      </p:cxnSp>
+      <p:cxnSp>
+        <p:nvCxnSpPr>
+          <p:cNvPr id="28" name="Straight Arrow Connector 27">
+            <a:extLst>
+              <a:ext uri="{FF2B5EF4-FFF2-40B4-BE49-F238E27FC236}">
+                <a16:creationId xmlns:a16="http://schemas.microsoft.com/office/drawing/2014/main" id="{7E4582A7-243A-444B-8D82-83AB15C33384}"/>
+              </a:ext>
+            </a:extLst>
+          </p:cNvPr>
+          <p:cNvCxnSpPr>
+            <a:cxnSpLocks/>
+            <a:stCxn id="16" idx="2"/>
+          </p:cNvCxnSpPr>
+          <p:nvPr/>
+        </p:nvCxnSpPr>
+        <p:spPr>
+          <a:xfrm flipH="1">
+            <a:off x="5791200" y="4324173"/>
+            <a:ext cx="47727" cy="254453"/>
+          </a:xfrm>
+          <a:prstGeom prst="straightConnector1">
+            <a:avLst/>
+          </a:prstGeom>
+          <a:ln w="12700">
+            <a:tailEnd type="triangle"/>
+          </a:ln>
+        </p:spPr>
+        <p:style>
+          <a:lnRef idx="1">
+            <a:schemeClr val="accent1"/>
+          </a:lnRef>
+          <a:fillRef idx="0">
+            <a:schemeClr val="accent1"/>
+          </a:fillRef>
+          <a:effectRef idx="0">
+            <a:schemeClr val="accent1"/>
+          </a:effectRef>
+          <a:fontRef idx="minor">
+            <a:schemeClr val="tx1"/>
+          </a:fontRef>
+        </p:style>
+      </p:cxnSp>
+      <p:cxnSp>
+        <p:nvCxnSpPr>
+          <p:cNvPr id="31" name="Straight Arrow Connector 30">
+            <a:extLst>
+              <a:ext uri="{FF2B5EF4-FFF2-40B4-BE49-F238E27FC236}">
+                <a16:creationId xmlns:a16="http://schemas.microsoft.com/office/drawing/2014/main" id="{176DBAEA-0CDD-46FF-BB81-841763DBC1EC}"/>
+              </a:ext>
+            </a:extLst>
+          </p:cNvPr>
+          <p:cNvCxnSpPr>
+            <a:cxnSpLocks/>
+            <a:stCxn id="17" idx="2"/>
+          </p:cNvCxnSpPr>
+          <p:nvPr/>
+        </p:nvCxnSpPr>
+        <p:spPr>
+          <a:xfrm flipH="1">
+            <a:off x="7803872" y="4324174"/>
+            <a:ext cx="1" cy="127225"/>
+          </a:xfrm>
+          <a:prstGeom prst="straightConnector1">
+            <a:avLst/>
+          </a:prstGeom>
+          <a:ln w="12700">
+            <a:tailEnd type="triangle"/>
+          </a:ln>
+        </p:spPr>
+        <p:style>
+          <a:lnRef idx="1">
+            <a:schemeClr val="accent1"/>
+          </a:lnRef>
+          <a:fillRef idx="0">
+            <a:schemeClr val="accent1"/>
+          </a:fillRef>
+          <a:effectRef idx="0">
+            <a:schemeClr val="accent1"/>
+          </a:effectRef>
+          <a:fontRef idx="minor">
+            <a:schemeClr val="tx1"/>
+          </a:fontRef>
+        </p:style>
+      </p:cxnSp>
+      <p:sp>
+        <p:nvSpPr>
+          <p:cNvPr id="33" name="Rectangle 32">
+            <a:extLst>
+              <a:ext uri="{FF2B5EF4-FFF2-40B4-BE49-F238E27FC236}">
+                <a16:creationId xmlns:a16="http://schemas.microsoft.com/office/drawing/2014/main" id="{AD68440F-3667-422E-A7A0-AF4B1959DEB7}"/>
+              </a:ext>
+            </a:extLst>
+          </p:cNvPr>
+          <p:cNvSpPr/>
+          <p:nvPr/>
+        </p:nvSpPr>
+        <p:spPr>
+          <a:xfrm>
+            <a:off x="8203096" y="4524221"/>
+            <a:ext cx="1205947" cy="1838545"/>
+          </a:xfrm>
+          <a:prstGeom prst="rect">
+            <a:avLst/>
+          </a:prstGeom>
+          <a:noFill/>
+          <a:ln>
+            <a:solidFill>
+              <a:srgbClr val="FF0000"/>
+            </a:solidFill>
+          </a:ln>
+        </p:spPr>
+        <p:style>
+          <a:lnRef idx="2">
+            <a:schemeClr val="accent1">
+              <a:shade val="50000"/>
+            </a:schemeClr>
+          </a:lnRef>
+          <a:fillRef idx="1">
+            <a:schemeClr val="accent1"/>
+          </a:fillRef>
+          <a:effectRef idx="0">
+            <a:schemeClr val="accent1"/>
+          </a:effectRef>
+          <a:fontRef idx="minor">
+            <a:schemeClr val="lt1"/>
+          </a:fontRef>
+        </p:style>
+        <p:txBody>
+          <a:bodyPr rtlCol="0" anchor="ctr"/>
+          <a:lstStyle/>
+          <a:p>
+            <a:pPr algn="ctr"/>
+            <a:endParaRPr lang="en-US"/>
+          </a:p>
+        </p:txBody>
+      </p:sp>
     </p:spTree>
     <p:extLst>
       <p:ext uri="{BB962C8B-B14F-4D97-AF65-F5344CB8AC3E}">
         <p14:creationId xmlns:p14="http://schemas.microsoft.com/office/powerpoint/2010/main" val="2163741397"/>
-      </p:ext>
-    </p:extLst>
-  </p:cSld>
-  <p:clrMapOvr>
-    <a:masterClrMapping/>
-  </p:clrMapOvr>
-</p:sld>
-</file>
-
-<file path=ppt/slides/slide9.xml><?xml version="1.0" encoding="utf-8"?>
-<p:sld xmlns:a="http://schemas.openxmlformats.org/drawingml/2006/main" xmlns:r="http://schemas.openxmlformats.org/officeDocument/2006/relationships" xmlns:p="http://schemas.openxmlformats.org/presentationml/2006/main">
-  <p:cSld>
-    <p:spTree>
-      <p:nvGrpSpPr>
-        <p:cNvPr id="1" name=""/>
-        <p:cNvGrpSpPr/>
-        <p:nvPr/>
-      </p:nvGrpSpPr>
-      <p:grpSpPr>
-        <a:xfrm>
-          <a:off x="0" y="0"/>
-          <a:ext cx="0" cy="0"/>
-          <a:chOff x="0" y="0"/>
-          <a:chExt cx="0" cy="0"/>
-        </a:xfrm>
-      </p:grpSpPr>
-      <p:sp>
-        <p:nvSpPr>
-          <p:cNvPr id="2" name="Title 1">
-            <a:extLst>
-              <a:ext uri="{FF2B5EF4-FFF2-40B4-BE49-F238E27FC236}">
-                <a16:creationId xmlns:a16="http://schemas.microsoft.com/office/drawing/2014/main" id="{19916712-8F3B-4328-B908-EA5326DA17F2}"/>
-              </a:ext>
-            </a:extLst>
-          </p:cNvPr>
-          <p:cNvSpPr>
-            <a:spLocks noGrp="1"/>
-          </p:cNvSpPr>
-          <p:nvPr>
-            <p:ph type="title"/>
-          </p:nvPr>
-        </p:nvSpPr>
-        <p:spPr/>
-        <p:txBody>
-          <a:bodyPr/>
-          <a:lstStyle/>
-          <a:p>
-            <a:r>
-              <a:rPr lang="en-US" dirty="0"/>
-              <a:t>Cutting Planes Stuff</a:t>
-            </a:r>
-          </a:p>
-        </p:txBody>
-      </p:sp>
-      <p:sp>
-        <p:nvSpPr>
-          <p:cNvPr id="3" name="Content Placeholder 2">
-            <a:extLst>
-              <a:ext uri="{FF2B5EF4-FFF2-40B4-BE49-F238E27FC236}">
-                <a16:creationId xmlns:a16="http://schemas.microsoft.com/office/drawing/2014/main" id="{7151F270-45F6-4591-AD1C-6D99EE48D832}"/>
-              </a:ext>
-            </a:extLst>
-          </p:cNvPr>
-          <p:cNvSpPr>
-            <a:spLocks noGrp="1"/>
-          </p:cNvSpPr>
-          <p:nvPr>
-            <p:ph idx="1"/>
-          </p:nvPr>
-        </p:nvSpPr>
-        <p:spPr/>
-        <p:txBody>
-          <a:bodyPr/>
-          <a:lstStyle/>
-          <a:p>
-            <a:endParaRPr lang="en-US"/>
-          </a:p>
-        </p:txBody>
-      </p:sp>
-    </p:spTree>
-    <p:extLst>
-      <p:ext uri="{BB962C8B-B14F-4D97-AF65-F5344CB8AC3E}">
-        <p14:creationId xmlns:p14="http://schemas.microsoft.com/office/powerpoint/2010/main" val="1338636709"/>
       </p:ext>
     </p:extLst>
   </p:cSld>

--- a/Presentations/Trees Get Degrees_Full_Presentation.pptx
+++ b/Presentations/Trees Get Degrees_Full_Presentation.pptx
@@ -4752,869 +4752,6 @@
           </a:p>
         </p:txBody>
       </p:sp>
-      <p:sp>
-        <p:nvSpPr>
-          <p:cNvPr id="14" name="Oval 13">
-            <a:extLst>
-              <a:ext uri="{FF2B5EF4-FFF2-40B4-BE49-F238E27FC236}">
-                <a16:creationId xmlns:a16="http://schemas.microsoft.com/office/drawing/2014/main" id="{FFDD243F-8CFB-4F2B-AF3E-B42E02424DFC}"/>
-              </a:ext>
-            </a:extLst>
-          </p:cNvPr>
-          <p:cNvSpPr/>
-          <p:nvPr/>
-        </p:nvSpPr>
-        <p:spPr>
-          <a:xfrm>
-            <a:off x="1406958" y="2245968"/>
-            <a:ext cx="222421" cy="222422"/>
-          </a:xfrm>
-          <a:prstGeom prst="ellipse">
-            <a:avLst/>
-          </a:prstGeom>
-          <a:ln>
-            <a:noFill/>
-          </a:ln>
-        </p:spPr>
-        <p:style>
-          <a:lnRef idx="2">
-            <a:schemeClr val="accent1">
-              <a:shade val="50000"/>
-            </a:schemeClr>
-          </a:lnRef>
-          <a:fillRef idx="1">
-            <a:schemeClr val="accent1"/>
-          </a:fillRef>
-          <a:effectRef idx="0">
-            <a:schemeClr val="accent1"/>
-          </a:effectRef>
-          <a:fontRef idx="minor">
-            <a:schemeClr val="lt1"/>
-          </a:fontRef>
-        </p:style>
-        <p:txBody>
-          <a:bodyPr rtlCol="0" anchor="ctr"/>
-          <a:lstStyle/>
-          <a:p>
-            <a:pPr algn="ctr"/>
-            <a:endParaRPr lang="en-US"/>
-          </a:p>
-        </p:txBody>
-      </p:sp>
-      <p:sp>
-        <p:nvSpPr>
-          <p:cNvPr id="15" name="Oval 14">
-            <a:extLst>
-              <a:ext uri="{FF2B5EF4-FFF2-40B4-BE49-F238E27FC236}">
-                <a16:creationId xmlns:a16="http://schemas.microsoft.com/office/drawing/2014/main" id="{A65959C0-DE2B-4A3D-8CFA-DCEC8011DB14}"/>
-              </a:ext>
-            </a:extLst>
-          </p:cNvPr>
-          <p:cNvSpPr/>
-          <p:nvPr/>
-        </p:nvSpPr>
-        <p:spPr>
-          <a:xfrm>
-            <a:off x="1083623" y="2799962"/>
-            <a:ext cx="222421" cy="222422"/>
-          </a:xfrm>
-          <a:prstGeom prst="ellipse">
-            <a:avLst/>
-          </a:prstGeom>
-          <a:solidFill>
-            <a:srgbClr val="7030A0"/>
-          </a:solidFill>
-          <a:ln>
-            <a:noFill/>
-          </a:ln>
-        </p:spPr>
-        <p:style>
-          <a:lnRef idx="2">
-            <a:schemeClr val="accent1">
-              <a:shade val="50000"/>
-            </a:schemeClr>
-          </a:lnRef>
-          <a:fillRef idx="1">
-            <a:schemeClr val="accent1"/>
-          </a:fillRef>
-          <a:effectRef idx="0">
-            <a:schemeClr val="accent1"/>
-          </a:effectRef>
-          <a:fontRef idx="minor">
-            <a:schemeClr val="lt1"/>
-          </a:fontRef>
-        </p:style>
-        <p:txBody>
-          <a:bodyPr rtlCol="0" anchor="ctr"/>
-          <a:lstStyle/>
-          <a:p>
-            <a:pPr algn="ctr"/>
-            <a:endParaRPr lang="en-US"/>
-          </a:p>
-        </p:txBody>
-      </p:sp>
-      <p:sp>
-        <p:nvSpPr>
-          <p:cNvPr id="16" name="Oval 15">
-            <a:extLst>
-              <a:ext uri="{FF2B5EF4-FFF2-40B4-BE49-F238E27FC236}">
-                <a16:creationId xmlns:a16="http://schemas.microsoft.com/office/drawing/2014/main" id="{DA54FF7F-D4A5-4B7F-8822-4886AAF65B6A}"/>
-              </a:ext>
-            </a:extLst>
-          </p:cNvPr>
-          <p:cNvSpPr/>
-          <p:nvPr/>
-        </p:nvSpPr>
-        <p:spPr>
-          <a:xfrm>
-            <a:off x="1730294" y="2799962"/>
-            <a:ext cx="222421" cy="222422"/>
-          </a:xfrm>
-          <a:prstGeom prst="ellipse">
-            <a:avLst/>
-          </a:prstGeom>
-          <a:solidFill>
-            <a:srgbClr val="FF0000"/>
-          </a:solidFill>
-          <a:ln>
-            <a:noFill/>
-          </a:ln>
-        </p:spPr>
-        <p:style>
-          <a:lnRef idx="2">
-            <a:schemeClr val="accent1">
-              <a:shade val="50000"/>
-            </a:schemeClr>
-          </a:lnRef>
-          <a:fillRef idx="1">
-            <a:schemeClr val="accent1"/>
-          </a:fillRef>
-          <a:effectRef idx="0">
-            <a:schemeClr val="accent1"/>
-          </a:effectRef>
-          <a:fontRef idx="minor">
-            <a:schemeClr val="lt1"/>
-          </a:fontRef>
-        </p:style>
-        <p:txBody>
-          <a:bodyPr rtlCol="0" anchor="ctr"/>
-          <a:lstStyle/>
-          <a:p>
-            <a:pPr algn="ctr"/>
-            <a:endParaRPr lang="en-US"/>
-          </a:p>
-        </p:txBody>
-      </p:sp>
-      <p:sp>
-        <p:nvSpPr>
-          <p:cNvPr id="17" name="Oval 16">
-            <a:extLst>
-              <a:ext uri="{FF2B5EF4-FFF2-40B4-BE49-F238E27FC236}">
-                <a16:creationId xmlns:a16="http://schemas.microsoft.com/office/drawing/2014/main" id="{08129062-ABE4-4EBF-AD26-5281362747AB}"/>
-              </a:ext>
-            </a:extLst>
-          </p:cNvPr>
-          <p:cNvSpPr/>
-          <p:nvPr/>
-        </p:nvSpPr>
-        <p:spPr>
-          <a:xfrm>
-            <a:off x="5873579" y="2278541"/>
-            <a:ext cx="222421" cy="222422"/>
-          </a:xfrm>
-          <a:prstGeom prst="ellipse">
-            <a:avLst/>
-          </a:prstGeom>
-          <a:ln>
-            <a:noFill/>
-          </a:ln>
-        </p:spPr>
-        <p:style>
-          <a:lnRef idx="2">
-            <a:schemeClr val="accent1">
-              <a:shade val="50000"/>
-            </a:schemeClr>
-          </a:lnRef>
-          <a:fillRef idx="1">
-            <a:schemeClr val="accent1"/>
-          </a:fillRef>
-          <a:effectRef idx="0">
-            <a:schemeClr val="accent1"/>
-          </a:effectRef>
-          <a:fontRef idx="minor">
-            <a:schemeClr val="lt1"/>
-          </a:fontRef>
-        </p:style>
-        <p:txBody>
-          <a:bodyPr rtlCol="0" anchor="ctr"/>
-          <a:lstStyle/>
-          <a:p>
-            <a:pPr algn="ctr"/>
-            <a:endParaRPr lang="en-US"/>
-          </a:p>
-        </p:txBody>
-      </p:sp>
-      <p:sp>
-        <p:nvSpPr>
-          <p:cNvPr id="18" name="Oval 17">
-            <a:extLst>
-              <a:ext uri="{FF2B5EF4-FFF2-40B4-BE49-F238E27FC236}">
-                <a16:creationId xmlns:a16="http://schemas.microsoft.com/office/drawing/2014/main" id="{426BF3B4-2102-412E-97AA-D2E51455CE1A}"/>
-              </a:ext>
-            </a:extLst>
-          </p:cNvPr>
-          <p:cNvSpPr/>
-          <p:nvPr/>
-        </p:nvSpPr>
-        <p:spPr>
-          <a:xfrm>
-            <a:off x="6196915" y="2832535"/>
-            <a:ext cx="222421" cy="222422"/>
-          </a:xfrm>
-          <a:prstGeom prst="ellipse">
-            <a:avLst/>
-          </a:prstGeom>
-          <a:solidFill>
-            <a:srgbClr val="FF0000"/>
-          </a:solidFill>
-          <a:ln>
-            <a:noFill/>
-          </a:ln>
-        </p:spPr>
-        <p:style>
-          <a:lnRef idx="2">
-            <a:schemeClr val="accent1">
-              <a:shade val="50000"/>
-            </a:schemeClr>
-          </a:lnRef>
-          <a:fillRef idx="1">
-            <a:schemeClr val="accent1"/>
-          </a:fillRef>
-          <a:effectRef idx="0">
-            <a:schemeClr val="accent1"/>
-          </a:effectRef>
-          <a:fontRef idx="minor">
-            <a:schemeClr val="lt1"/>
-          </a:fontRef>
-        </p:style>
-        <p:txBody>
-          <a:bodyPr rtlCol="0" anchor="ctr"/>
-          <a:lstStyle/>
-          <a:p>
-            <a:pPr algn="ctr"/>
-            <a:endParaRPr lang="en-US"/>
-          </a:p>
-        </p:txBody>
-      </p:sp>
-      <p:sp>
-        <p:nvSpPr>
-          <p:cNvPr id="19" name="Oval 18">
-            <a:extLst>
-              <a:ext uri="{FF2B5EF4-FFF2-40B4-BE49-F238E27FC236}">
-                <a16:creationId xmlns:a16="http://schemas.microsoft.com/office/drawing/2014/main" id="{F68849E1-BE30-4238-8256-C27CAFBF6060}"/>
-              </a:ext>
-            </a:extLst>
-          </p:cNvPr>
-          <p:cNvSpPr/>
-          <p:nvPr/>
-        </p:nvSpPr>
-        <p:spPr>
-          <a:xfrm>
-            <a:off x="5550243" y="2836654"/>
-            <a:ext cx="222421" cy="222422"/>
-          </a:xfrm>
-          <a:prstGeom prst="ellipse">
-            <a:avLst/>
-          </a:prstGeom>
-          <a:ln>
-            <a:noFill/>
-          </a:ln>
-        </p:spPr>
-        <p:style>
-          <a:lnRef idx="2">
-            <a:schemeClr val="accent1">
-              <a:shade val="50000"/>
-            </a:schemeClr>
-          </a:lnRef>
-          <a:fillRef idx="1">
-            <a:schemeClr val="accent1"/>
-          </a:fillRef>
-          <a:effectRef idx="0">
-            <a:schemeClr val="accent1"/>
-          </a:effectRef>
-          <a:fontRef idx="minor">
-            <a:schemeClr val="lt1"/>
-          </a:fontRef>
-        </p:style>
-        <p:txBody>
-          <a:bodyPr rtlCol="0" anchor="ctr"/>
-          <a:lstStyle/>
-          <a:p>
-            <a:pPr algn="ctr"/>
-            <a:endParaRPr lang="en-US"/>
-          </a:p>
-        </p:txBody>
-      </p:sp>
-      <p:sp>
-        <p:nvSpPr>
-          <p:cNvPr id="20" name="Oval 19">
-            <a:extLst>
-              <a:ext uri="{FF2B5EF4-FFF2-40B4-BE49-F238E27FC236}">
-                <a16:creationId xmlns:a16="http://schemas.microsoft.com/office/drawing/2014/main" id="{3E3B3F8F-B097-4214-BD66-54F635401061}"/>
-              </a:ext>
-            </a:extLst>
-          </p:cNvPr>
-          <p:cNvSpPr/>
-          <p:nvPr/>
-        </p:nvSpPr>
-        <p:spPr>
-          <a:xfrm>
-            <a:off x="5226908" y="3390648"/>
-            <a:ext cx="222421" cy="222422"/>
-          </a:xfrm>
-          <a:prstGeom prst="ellipse">
-            <a:avLst/>
-          </a:prstGeom>
-          <a:solidFill>
-            <a:srgbClr val="7030A0"/>
-          </a:solidFill>
-          <a:ln>
-            <a:noFill/>
-          </a:ln>
-        </p:spPr>
-        <p:style>
-          <a:lnRef idx="2">
-            <a:schemeClr val="accent1">
-              <a:shade val="50000"/>
-            </a:schemeClr>
-          </a:lnRef>
-          <a:fillRef idx="1">
-            <a:schemeClr val="accent1"/>
-          </a:fillRef>
-          <a:effectRef idx="0">
-            <a:schemeClr val="accent1"/>
-          </a:effectRef>
-          <a:fontRef idx="minor">
-            <a:schemeClr val="lt1"/>
-          </a:fontRef>
-        </p:style>
-        <p:txBody>
-          <a:bodyPr rtlCol="0" anchor="ctr"/>
-          <a:lstStyle/>
-          <a:p>
-            <a:pPr algn="ctr"/>
-            <a:endParaRPr lang="en-US"/>
-          </a:p>
-        </p:txBody>
-      </p:sp>
-      <p:sp>
-        <p:nvSpPr>
-          <p:cNvPr id="21" name="Oval 20">
-            <a:extLst>
-              <a:ext uri="{FF2B5EF4-FFF2-40B4-BE49-F238E27FC236}">
-                <a16:creationId xmlns:a16="http://schemas.microsoft.com/office/drawing/2014/main" id="{3B554C40-773C-4351-A91A-059F994F8C17}"/>
-              </a:ext>
-            </a:extLst>
-          </p:cNvPr>
-          <p:cNvSpPr/>
-          <p:nvPr/>
-        </p:nvSpPr>
-        <p:spPr>
-          <a:xfrm>
-            <a:off x="5873579" y="3390648"/>
-            <a:ext cx="222421" cy="222422"/>
-          </a:xfrm>
-          <a:prstGeom prst="ellipse">
-            <a:avLst/>
-          </a:prstGeom>
-          <a:solidFill>
-            <a:srgbClr val="FF0000"/>
-          </a:solidFill>
-          <a:ln>
-            <a:noFill/>
-          </a:ln>
-        </p:spPr>
-        <p:style>
-          <a:lnRef idx="2">
-            <a:schemeClr val="accent1">
-              <a:shade val="50000"/>
-            </a:schemeClr>
-          </a:lnRef>
-          <a:fillRef idx="1">
-            <a:schemeClr val="accent1"/>
-          </a:fillRef>
-          <a:effectRef idx="0">
-            <a:schemeClr val="accent1"/>
-          </a:effectRef>
-          <a:fontRef idx="minor">
-            <a:schemeClr val="lt1"/>
-          </a:fontRef>
-        </p:style>
-        <p:txBody>
-          <a:bodyPr rtlCol="0" anchor="ctr"/>
-          <a:lstStyle/>
-          <a:p>
-            <a:pPr algn="ctr"/>
-            <a:endParaRPr lang="en-US"/>
-          </a:p>
-        </p:txBody>
-      </p:sp>
-      <p:sp>
-        <p:nvSpPr>
-          <p:cNvPr id="22" name="Oval 21">
-            <a:extLst>
-              <a:ext uri="{FF2B5EF4-FFF2-40B4-BE49-F238E27FC236}">
-                <a16:creationId xmlns:a16="http://schemas.microsoft.com/office/drawing/2014/main" id="{B80F6D59-DDC9-4681-A94A-5B1F8D21ADEA}"/>
-              </a:ext>
-            </a:extLst>
-          </p:cNvPr>
-          <p:cNvSpPr/>
-          <p:nvPr/>
-        </p:nvSpPr>
-        <p:spPr>
-          <a:xfrm>
-            <a:off x="2862276" y="4829469"/>
-            <a:ext cx="222421" cy="222422"/>
-          </a:xfrm>
-          <a:prstGeom prst="ellipse">
-            <a:avLst/>
-          </a:prstGeom>
-          <a:ln>
-            <a:noFill/>
-          </a:ln>
-        </p:spPr>
-        <p:style>
-          <a:lnRef idx="2">
-            <a:schemeClr val="accent1">
-              <a:shade val="50000"/>
-            </a:schemeClr>
-          </a:lnRef>
-          <a:fillRef idx="1">
-            <a:schemeClr val="accent1"/>
-          </a:fillRef>
-          <a:effectRef idx="0">
-            <a:schemeClr val="accent1"/>
-          </a:effectRef>
-          <a:fontRef idx="minor">
-            <a:schemeClr val="lt1"/>
-          </a:fontRef>
-        </p:style>
-        <p:txBody>
-          <a:bodyPr rtlCol="0" anchor="ctr"/>
-          <a:lstStyle/>
-          <a:p>
-            <a:pPr algn="ctr"/>
-            <a:endParaRPr lang="en-US"/>
-          </a:p>
-        </p:txBody>
-      </p:sp>
-      <p:sp>
-        <p:nvSpPr>
-          <p:cNvPr id="23" name="Oval 22">
-            <a:extLst>
-              <a:ext uri="{FF2B5EF4-FFF2-40B4-BE49-F238E27FC236}">
-                <a16:creationId xmlns:a16="http://schemas.microsoft.com/office/drawing/2014/main" id="{0438535B-BD0A-44C4-8CAB-F52CFAB99847}"/>
-              </a:ext>
-            </a:extLst>
-          </p:cNvPr>
-          <p:cNvSpPr/>
-          <p:nvPr/>
-        </p:nvSpPr>
-        <p:spPr>
-          <a:xfrm>
-            <a:off x="2215605" y="5383463"/>
-            <a:ext cx="222421" cy="222422"/>
-          </a:xfrm>
-          <a:prstGeom prst="ellipse">
-            <a:avLst/>
-          </a:prstGeom>
-          <a:ln>
-            <a:noFill/>
-          </a:ln>
-        </p:spPr>
-        <p:style>
-          <a:lnRef idx="2">
-            <a:schemeClr val="accent1">
-              <a:shade val="50000"/>
-            </a:schemeClr>
-          </a:lnRef>
-          <a:fillRef idx="1">
-            <a:schemeClr val="accent1"/>
-          </a:fillRef>
-          <a:effectRef idx="0">
-            <a:schemeClr val="accent1"/>
-          </a:effectRef>
-          <a:fontRef idx="minor">
-            <a:schemeClr val="lt1"/>
-          </a:fontRef>
-        </p:style>
-        <p:txBody>
-          <a:bodyPr rtlCol="0" anchor="ctr"/>
-          <a:lstStyle/>
-          <a:p>
-            <a:pPr algn="ctr"/>
-            <a:endParaRPr lang="en-US"/>
-          </a:p>
-        </p:txBody>
-      </p:sp>
-      <p:sp>
-        <p:nvSpPr>
-          <p:cNvPr id="24" name="Oval 23">
-            <a:extLst>
-              <a:ext uri="{FF2B5EF4-FFF2-40B4-BE49-F238E27FC236}">
-                <a16:creationId xmlns:a16="http://schemas.microsoft.com/office/drawing/2014/main" id="{88B81340-2222-41DB-99BE-09D158E822D0}"/>
-              </a:ext>
-            </a:extLst>
-          </p:cNvPr>
-          <p:cNvSpPr/>
-          <p:nvPr/>
-        </p:nvSpPr>
-        <p:spPr>
-          <a:xfrm>
-            <a:off x="3459488" y="5383463"/>
-            <a:ext cx="222421" cy="222422"/>
-          </a:xfrm>
-          <a:prstGeom prst="ellipse">
-            <a:avLst/>
-          </a:prstGeom>
-          <a:ln>
-            <a:noFill/>
-          </a:ln>
-        </p:spPr>
-        <p:style>
-          <a:lnRef idx="2">
-            <a:schemeClr val="accent1">
-              <a:shade val="50000"/>
-            </a:schemeClr>
-          </a:lnRef>
-          <a:fillRef idx="1">
-            <a:schemeClr val="accent1"/>
-          </a:fillRef>
-          <a:effectRef idx="0">
-            <a:schemeClr val="accent1"/>
-          </a:effectRef>
-          <a:fontRef idx="minor">
-            <a:schemeClr val="lt1"/>
-          </a:fontRef>
-        </p:style>
-        <p:txBody>
-          <a:bodyPr rtlCol="0" anchor="ctr"/>
-          <a:lstStyle/>
-          <a:p>
-            <a:pPr algn="ctr"/>
-            <a:endParaRPr lang="en-US"/>
-          </a:p>
-        </p:txBody>
-      </p:sp>
-      <p:sp>
-        <p:nvSpPr>
-          <p:cNvPr id="25" name="Oval 24">
-            <a:extLst>
-              <a:ext uri="{FF2B5EF4-FFF2-40B4-BE49-F238E27FC236}">
-                <a16:creationId xmlns:a16="http://schemas.microsoft.com/office/drawing/2014/main" id="{6699A9A6-9E57-4D80-9746-22D262BCB2E0}"/>
-              </a:ext>
-            </a:extLst>
-          </p:cNvPr>
-          <p:cNvSpPr/>
-          <p:nvPr/>
-        </p:nvSpPr>
-        <p:spPr>
-          <a:xfrm>
-            <a:off x="1891199" y="5937457"/>
-            <a:ext cx="222421" cy="222422"/>
-          </a:xfrm>
-          <a:prstGeom prst="ellipse">
-            <a:avLst/>
-          </a:prstGeom>
-          <a:solidFill>
-            <a:srgbClr val="7030A0"/>
-          </a:solidFill>
-          <a:ln>
-            <a:noFill/>
-          </a:ln>
-        </p:spPr>
-        <p:style>
-          <a:lnRef idx="2">
-            <a:schemeClr val="accent1">
-              <a:shade val="50000"/>
-            </a:schemeClr>
-          </a:lnRef>
-          <a:fillRef idx="1">
-            <a:schemeClr val="accent1"/>
-          </a:fillRef>
-          <a:effectRef idx="0">
-            <a:schemeClr val="accent1"/>
-          </a:effectRef>
-          <a:fontRef idx="minor">
-            <a:schemeClr val="lt1"/>
-          </a:fontRef>
-        </p:style>
-        <p:txBody>
-          <a:bodyPr rtlCol="0" anchor="ctr"/>
-          <a:lstStyle/>
-          <a:p>
-            <a:pPr algn="ctr"/>
-            <a:endParaRPr lang="en-US"/>
-          </a:p>
-        </p:txBody>
-      </p:sp>
-      <p:sp>
-        <p:nvSpPr>
-          <p:cNvPr id="26" name="Oval 25">
-            <a:extLst>
-              <a:ext uri="{FF2B5EF4-FFF2-40B4-BE49-F238E27FC236}">
-                <a16:creationId xmlns:a16="http://schemas.microsoft.com/office/drawing/2014/main" id="{ED75E22D-EB13-4634-82E9-6CE638BA54CC}"/>
-              </a:ext>
-            </a:extLst>
-          </p:cNvPr>
-          <p:cNvSpPr/>
-          <p:nvPr/>
-        </p:nvSpPr>
-        <p:spPr>
-          <a:xfrm>
-            <a:off x="2537870" y="5937457"/>
-            <a:ext cx="222421" cy="222422"/>
-          </a:xfrm>
-          <a:prstGeom prst="ellipse">
-            <a:avLst/>
-          </a:prstGeom>
-          <a:solidFill>
-            <a:srgbClr val="FF0000"/>
-          </a:solidFill>
-          <a:ln>
-            <a:noFill/>
-          </a:ln>
-        </p:spPr>
-        <p:style>
-          <a:lnRef idx="2">
-            <a:schemeClr val="accent1">
-              <a:shade val="50000"/>
-            </a:schemeClr>
-          </a:lnRef>
-          <a:fillRef idx="1">
-            <a:schemeClr val="accent1"/>
-          </a:fillRef>
-          <a:effectRef idx="0">
-            <a:schemeClr val="accent1"/>
-          </a:effectRef>
-          <a:fontRef idx="minor">
-            <a:schemeClr val="lt1"/>
-          </a:fontRef>
-        </p:style>
-        <p:txBody>
-          <a:bodyPr rtlCol="0" anchor="ctr"/>
-          <a:lstStyle/>
-          <a:p>
-            <a:pPr algn="ctr"/>
-            <a:endParaRPr lang="en-US"/>
-          </a:p>
-        </p:txBody>
-      </p:sp>
-      <p:sp>
-        <p:nvSpPr>
-          <p:cNvPr id="27" name="Oval 26">
-            <a:extLst>
-              <a:ext uri="{FF2B5EF4-FFF2-40B4-BE49-F238E27FC236}">
-                <a16:creationId xmlns:a16="http://schemas.microsoft.com/office/drawing/2014/main" id="{38688414-7CBD-473A-BBC0-21B3FE7B390F}"/>
-              </a:ext>
-            </a:extLst>
-          </p:cNvPr>
-          <p:cNvSpPr/>
-          <p:nvPr/>
-        </p:nvSpPr>
-        <p:spPr>
-          <a:xfrm>
-            <a:off x="3145394" y="5937457"/>
-            <a:ext cx="222421" cy="222422"/>
-          </a:xfrm>
-          <a:prstGeom prst="ellipse">
-            <a:avLst/>
-          </a:prstGeom>
-          <a:solidFill>
-            <a:srgbClr val="7030A0"/>
-          </a:solidFill>
-          <a:ln>
-            <a:noFill/>
-          </a:ln>
-        </p:spPr>
-        <p:style>
-          <a:lnRef idx="2">
-            <a:schemeClr val="accent1">
-              <a:shade val="50000"/>
-            </a:schemeClr>
-          </a:lnRef>
-          <a:fillRef idx="1">
-            <a:schemeClr val="accent1"/>
-          </a:fillRef>
-          <a:effectRef idx="0">
-            <a:schemeClr val="accent1"/>
-          </a:effectRef>
-          <a:fontRef idx="minor">
-            <a:schemeClr val="lt1"/>
-          </a:fontRef>
-        </p:style>
-        <p:txBody>
-          <a:bodyPr rtlCol="0" anchor="ctr"/>
-          <a:lstStyle/>
-          <a:p>
-            <a:pPr algn="ctr"/>
-            <a:endParaRPr lang="en-US"/>
-          </a:p>
-        </p:txBody>
-      </p:sp>
-      <p:sp>
-        <p:nvSpPr>
-          <p:cNvPr id="28" name="Oval 27">
-            <a:extLst>
-              <a:ext uri="{FF2B5EF4-FFF2-40B4-BE49-F238E27FC236}">
-                <a16:creationId xmlns:a16="http://schemas.microsoft.com/office/drawing/2014/main" id="{B5352842-068B-4B19-A5B3-A279BCDFF463}"/>
-              </a:ext>
-            </a:extLst>
-          </p:cNvPr>
-          <p:cNvSpPr/>
-          <p:nvPr/>
-        </p:nvSpPr>
-        <p:spPr>
-          <a:xfrm>
-            <a:off x="3792065" y="5937457"/>
-            <a:ext cx="222421" cy="222422"/>
-          </a:xfrm>
-          <a:prstGeom prst="ellipse">
-            <a:avLst/>
-          </a:prstGeom>
-          <a:ln>
-            <a:noFill/>
-          </a:ln>
-        </p:spPr>
-        <p:style>
-          <a:lnRef idx="2">
-            <a:schemeClr val="accent1">
-              <a:shade val="50000"/>
-            </a:schemeClr>
-          </a:lnRef>
-          <a:fillRef idx="1">
-            <a:schemeClr val="accent1"/>
-          </a:fillRef>
-          <a:effectRef idx="0">
-            <a:schemeClr val="accent1"/>
-          </a:effectRef>
-          <a:fontRef idx="minor">
-            <a:schemeClr val="lt1"/>
-          </a:fontRef>
-        </p:style>
-        <p:txBody>
-          <a:bodyPr rtlCol="0" anchor="ctr"/>
-          <a:lstStyle/>
-          <a:p>
-            <a:pPr algn="ctr"/>
-            <a:endParaRPr lang="en-US"/>
-          </a:p>
-        </p:txBody>
-      </p:sp>
-      <p:sp>
-        <p:nvSpPr>
-          <p:cNvPr id="29" name="Oval 28">
-            <a:extLst>
-              <a:ext uri="{FF2B5EF4-FFF2-40B4-BE49-F238E27FC236}">
-                <a16:creationId xmlns:a16="http://schemas.microsoft.com/office/drawing/2014/main" id="{6761EBEB-635A-45F4-898A-0A6DD265D93E}"/>
-              </a:ext>
-            </a:extLst>
-          </p:cNvPr>
-          <p:cNvSpPr/>
-          <p:nvPr/>
-        </p:nvSpPr>
-        <p:spPr>
-          <a:xfrm>
-            <a:off x="3461714" y="6507927"/>
-            <a:ext cx="222421" cy="222422"/>
-          </a:xfrm>
-          <a:prstGeom prst="ellipse">
-            <a:avLst/>
-          </a:prstGeom>
-          <a:solidFill>
-            <a:srgbClr val="7030A0"/>
-          </a:solidFill>
-          <a:ln>
-            <a:noFill/>
-          </a:ln>
-        </p:spPr>
-        <p:style>
-          <a:lnRef idx="2">
-            <a:schemeClr val="accent1">
-              <a:shade val="50000"/>
-            </a:schemeClr>
-          </a:lnRef>
-          <a:fillRef idx="1">
-            <a:schemeClr val="accent1"/>
-          </a:fillRef>
-          <a:effectRef idx="0">
-            <a:schemeClr val="accent1"/>
-          </a:effectRef>
-          <a:fontRef idx="minor">
-            <a:schemeClr val="lt1"/>
-          </a:fontRef>
-        </p:style>
-        <p:txBody>
-          <a:bodyPr rtlCol="0" anchor="ctr"/>
-          <a:lstStyle/>
-          <a:p>
-            <a:pPr algn="ctr"/>
-            <a:endParaRPr lang="en-US"/>
-          </a:p>
-        </p:txBody>
-      </p:sp>
-      <p:sp>
-        <p:nvSpPr>
-          <p:cNvPr id="30" name="Oval 29">
-            <a:extLst>
-              <a:ext uri="{FF2B5EF4-FFF2-40B4-BE49-F238E27FC236}">
-                <a16:creationId xmlns:a16="http://schemas.microsoft.com/office/drawing/2014/main" id="{44EB6B61-2CC5-4817-B54B-D84D2F20DB2E}"/>
-              </a:ext>
-            </a:extLst>
-          </p:cNvPr>
-          <p:cNvSpPr/>
-          <p:nvPr/>
-        </p:nvSpPr>
-        <p:spPr>
-          <a:xfrm>
-            <a:off x="4108385" y="6507927"/>
-            <a:ext cx="222421" cy="222422"/>
-          </a:xfrm>
-          <a:prstGeom prst="ellipse">
-            <a:avLst/>
-          </a:prstGeom>
-          <a:solidFill>
-            <a:srgbClr val="FF0000"/>
-          </a:solidFill>
-          <a:ln>
-            <a:noFill/>
-          </a:ln>
-        </p:spPr>
-        <p:style>
-          <a:lnRef idx="2">
-            <a:schemeClr val="accent1">
-              <a:shade val="50000"/>
-            </a:schemeClr>
-          </a:lnRef>
-          <a:fillRef idx="1">
-            <a:schemeClr val="accent1"/>
-          </a:fillRef>
-          <a:effectRef idx="0">
-            <a:schemeClr val="accent1"/>
-          </a:effectRef>
-          <a:fontRef idx="minor">
-            <a:schemeClr val="lt1"/>
-          </a:fontRef>
-        </p:style>
-        <p:txBody>
-          <a:bodyPr rtlCol="0" anchor="ctr"/>
-          <a:lstStyle/>
-          <a:p>
-            <a:pPr algn="ctr"/>
-            <a:endParaRPr lang="en-US"/>
-          </a:p>
-        </p:txBody>
-      </p:sp>
       <p:cxnSp>
         <p:nvCxnSpPr>
           <p:cNvPr id="31" name="Straight Connector 30">
@@ -5626,15 +4763,15 @@
           </p:cNvPr>
           <p:cNvCxnSpPr>
             <a:cxnSpLocks/>
-            <a:stCxn id="15" idx="0"/>
-            <a:endCxn id="14" idx="4"/>
+            <a:stCxn id="15" idx="3"/>
+            <a:endCxn id="14" idx="7"/>
           </p:cNvCxnSpPr>
           <p:nvPr/>
         </p:nvCxnSpPr>
         <p:spPr>
           <a:xfrm flipV="1">
-            <a:off x="1194834" y="2468390"/>
-            <a:ext cx="323335" cy="331572"/>
+            <a:off x="1116196" y="2278541"/>
+            <a:ext cx="480610" cy="711270"/>
           </a:xfrm>
           <a:prstGeom prst="line">
             <a:avLst/>
@@ -5670,15 +4807,16 @@
             </a:extLst>
           </p:cNvPr>
           <p:cNvCxnSpPr>
-            <a:stCxn id="14" idx="4"/>
-            <a:endCxn id="16" idx="0"/>
+            <a:cxnSpLocks/>
+            <a:stCxn id="14" idx="1"/>
+            <a:endCxn id="16" idx="5"/>
           </p:cNvCxnSpPr>
           <p:nvPr/>
         </p:nvCxnSpPr>
         <p:spPr>
           <a:xfrm>
-            <a:off x="1518169" y="2468390"/>
-            <a:ext cx="323336" cy="331572"/>
+            <a:off x="1439531" y="2278541"/>
+            <a:ext cx="480611" cy="711270"/>
           </a:xfrm>
           <a:prstGeom prst="line">
             <a:avLst/>
@@ -5714,14 +4852,16 @@
             </a:extLst>
           </p:cNvPr>
           <p:cNvCxnSpPr>
-            <a:stCxn id="19" idx="0"/>
+            <a:cxnSpLocks/>
+            <a:stCxn id="19" idx="3"/>
+            <a:endCxn id="17" idx="7"/>
           </p:cNvCxnSpPr>
           <p:nvPr/>
         </p:nvCxnSpPr>
         <p:spPr>
           <a:xfrm flipV="1">
-            <a:off x="5661454" y="2500963"/>
-            <a:ext cx="323336" cy="335691"/>
+            <a:off x="5582816" y="2311114"/>
+            <a:ext cx="480611" cy="715389"/>
           </a:xfrm>
           <a:prstGeom prst="line">
             <a:avLst/>
@@ -5757,15 +4897,16 @@
             </a:extLst>
           </p:cNvPr>
           <p:cNvCxnSpPr>
-            <a:stCxn id="20" idx="0"/>
-            <a:endCxn id="19" idx="4"/>
+            <a:cxnSpLocks/>
+            <a:stCxn id="20" idx="3"/>
+            <a:endCxn id="19" idx="7"/>
           </p:cNvCxnSpPr>
           <p:nvPr/>
         </p:nvCxnSpPr>
         <p:spPr>
           <a:xfrm flipV="1">
-            <a:off x="5338119" y="3059076"/>
-            <a:ext cx="323335" cy="331572"/>
+            <a:off x="5259481" y="2869227"/>
+            <a:ext cx="480610" cy="711270"/>
           </a:xfrm>
           <a:prstGeom prst="line">
             <a:avLst/>
@@ -5802,14 +4943,15 @@
           </p:cNvPr>
           <p:cNvCxnSpPr>
             <a:cxnSpLocks/>
-            <a:stCxn id="18" idx="0"/>
+            <a:stCxn id="18" idx="5"/>
+            <a:endCxn id="17" idx="1"/>
           </p:cNvCxnSpPr>
           <p:nvPr/>
         </p:nvCxnSpPr>
         <p:spPr>
           <a:xfrm flipH="1" flipV="1">
-            <a:off x="5984790" y="2500963"/>
-            <a:ext cx="323336" cy="331572"/>
+            <a:off x="5906152" y="2311114"/>
+            <a:ext cx="480611" cy="711270"/>
           </a:xfrm>
           <a:prstGeom prst="line">
             <a:avLst/>
@@ -5846,15 +4988,15 @@
           </p:cNvPr>
           <p:cNvCxnSpPr>
             <a:cxnSpLocks/>
-            <a:stCxn id="19" idx="4"/>
-            <a:endCxn id="21" idx="0"/>
+            <a:stCxn id="19" idx="1"/>
+            <a:endCxn id="21" idx="5"/>
           </p:cNvCxnSpPr>
           <p:nvPr/>
         </p:nvCxnSpPr>
         <p:spPr>
           <a:xfrm>
-            <a:off x="5661454" y="3059076"/>
-            <a:ext cx="323336" cy="331572"/>
+            <a:off x="5582816" y="2869227"/>
+            <a:ext cx="480611" cy="711270"/>
           </a:xfrm>
           <a:prstGeom prst="line">
             <a:avLst/>
@@ -5891,15 +5033,15 @@
           </p:cNvPr>
           <p:cNvCxnSpPr>
             <a:cxnSpLocks/>
-            <a:stCxn id="24" idx="0"/>
-            <a:endCxn id="22" idx="4"/>
+            <a:stCxn id="24" idx="5"/>
+            <a:endCxn id="22" idx="1"/>
           </p:cNvCxnSpPr>
           <p:nvPr/>
         </p:nvCxnSpPr>
         <p:spPr>
           <a:xfrm flipH="1" flipV="1">
-            <a:off x="2973487" y="5051891"/>
-            <a:ext cx="597212" cy="331572"/>
+            <a:off x="2894849" y="4862042"/>
+            <a:ext cx="754487" cy="711270"/>
           </a:xfrm>
           <a:prstGeom prst="line">
             <a:avLst/>
@@ -5936,15 +5078,15 @@
           </p:cNvPr>
           <p:cNvCxnSpPr>
             <a:cxnSpLocks/>
-            <a:stCxn id="23" idx="0"/>
-            <a:endCxn id="22" idx="4"/>
+            <a:stCxn id="23" idx="3"/>
+            <a:endCxn id="22" idx="7"/>
           </p:cNvCxnSpPr>
           <p:nvPr/>
         </p:nvCxnSpPr>
         <p:spPr>
           <a:xfrm flipV="1">
-            <a:off x="2326816" y="5051891"/>
-            <a:ext cx="646671" cy="331572"/>
+            <a:off x="2248178" y="4862042"/>
+            <a:ext cx="803946" cy="711270"/>
           </a:xfrm>
           <a:prstGeom prst="line">
             <a:avLst/>
@@ -5981,15 +5123,15 @@
           </p:cNvPr>
           <p:cNvCxnSpPr>
             <a:cxnSpLocks/>
-            <a:stCxn id="23" idx="4"/>
-            <a:endCxn id="25" idx="0"/>
+            <a:stCxn id="23" idx="7"/>
+            <a:endCxn id="25" idx="3"/>
           </p:cNvCxnSpPr>
           <p:nvPr/>
         </p:nvCxnSpPr>
         <p:spPr>
           <a:xfrm flipH="1">
-            <a:off x="2002410" y="5605885"/>
-            <a:ext cx="324406" cy="331572"/>
+            <a:off x="1923772" y="5416036"/>
+            <a:ext cx="481681" cy="711270"/>
           </a:xfrm>
           <a:prstGeom prst="line">
             <a:avLst/>
@@ -6026,15 +5168,15 @@
           </p:cNvPr>
           <p:cNvCxnSpPr>
             <a:cxnSpLocks/>
-            <a:stCxn id="23" idx="4"/>
-            <a:endCxn id="26" idx="0"/>
+            <a:stCxn id="23" idx="1"/>
+            <a:endCxn id="26" idx="5"/>
           </p:cNvCxnSpPr>
           <p:nvPr/>
         </p:nvCxnSpPr>
         <p:spPr>
           <a:xfrm>
-            <a:off x="2326816" y="5605885"/>
-            <a:ext cx="322265" cy="331572"/>
+            <a:off x="2248178" y="5416036"/>
+            <a:ext cx="479540" cy="711270"/>
           </a:xfrm>
           <a:prstGeom prst="line">
             <a:avLst/>
@@ -6071,15 +5213,15 @@
           </p:cNvPr>
           <p:cNvCxnSpPr>
             <a:cxnSpLocks/>
-            <a:stCxn id="24" idx="4"/>
-            <a:endCxn id="27" idx="0"/>
+            <a:stCxn id="24" idx="7"/>
+            <a:endCxn id="27" idx="3"/>
           </p:cNvCxnSpPr>
           <p:nvPr/>
         </p:nvCxnSpPr>
         <p:spPr>
           <a:xfrm flipH="1">
-            <a:off x="3256605" y="5605885"/>
-            <a:ext cx="314094" cy="331572"/>
+            <a:off x="3177967" y="5416036"/>
+            <a:ext cx="471369" cy="711270"/>
           </a:xfrm>
           <a:prstGeom prst="line">
             <a:avLst/>
@@ -6116,15 +5258,15 @@
           </p:cNvPr>
           <p:cNvCxnSpPr>
             <a:cxnSpLocks/>
-            <a:stCxn id="24" idx="4"/>
-            <a:endCxn id="28" idx="0"/>
+            <a:stCxn id="24" idx="1"/>
+            <a:endCxn id="28" idx="5"/>
           </p:cNvCxnSpPr>
           <p:nvPr/>
         </p:nvCxnSpPr>
         <p:spPr>
           <a:xfrm>
-            <a:off x="3570699" y="5605885"/>
-            <a:ext cx="332577" cy="331572"/>
+            <a:off x="3492061" y="5416036"/>
+            <a:ext cx="489852" cy="711270"/>
           </a:xfrm>
           <a:prstGeom prst="line">
             <a:avLst/>
@@ -6161,15 +5303,15 @@
           </p:cNvPr>
           <p:cNvCxnSpPr>
             <a:cxnSpLocks/>
-            <a:stCxn id="29" idx="0"/>
-            <a:endCxn id="28" idx="4"/>
+            <a:stCxn id="29" idx="3"/>
+            <a:endCxn id="28" idx="7"/>
           </p:cNvCxnSpPr>
           <p:nvPr/>
         </p:nvCxnSpPr>
         <p:spPr>
           <a:xfrm flipV="1">
-            <a:off x="3572925" y="6159879"/>
-            <a:ext cx="330351" cy="348048"/>
+            <a:off x="3494287" y="5970030"/>
+            <a:ext cx="487626" cy="727746"/>
           </a:xfrm>
           <a:prstGeom prst="line">
             <a:avLst/>
@@ -6206,15 +5348,15 @@
           </p:cNvPr>
           <p:cNvCxnSpPr>
             <a:cxnSpLocks/>
-            <a:stCxn id="28" idx="4"/>
-            <a:endCxn id="30" idx="0"/>
+            <a:stCxn id="28" idx="1"/>
+            <a:endCxn id="30" idx="5"/>
           </p:cNvCxnSpPr>
           <p:nvPr/>
         </p:nvCxnSpPr>
         <p:spPr>
           <a:xfrm>
-            <a:off x="3903276" y="6159879"/>
-            <a:ext cx="316320" cy="348048"/>
+            <a:off x="3824638" y="5970030"/>
+            <a:ext cx="473595" cy="727746"/>
           </a:xfrm>
           <a:prstGeom prst="line">
             <a:avLst/>
@@ -6947,361 +6089,6 @@
           </a:fontRef>
         </p:style>
       </p:cxnSp>
-      <p:sp>
-        <p:nvSpPr>
-          <p:cNvPr id="55" name="Oval 54">
-            <a:extLst>
-              <a:ext uri="{FF2B5EF4-FFF2-40B4-BE49-F238E27FC236}">
-                <a16:creationId xmlns:a16="http://schemas.microsoft.com/office/drawing/2014/main" id="{02AA57D3-A26A-420D-A0D9-DE80F42F2E03}"/>
-              </a:ext>
-            </a:extLst>
-          </p:cNvPr>
-          <p:cNvSpPr/>
-          <p:nvPr/>
-        </p:nvSpPr>
-        <p:spPr>
-          <a:xfrm>
-            <a:off x="9216299" y="2332216"/>
-            <a:ext cx="222421" cy="222422"/>
-          </a:xfrm>
-          <a:prstGeom prst="ellipse">
-            <a:avLst/>
-          </a:prstGeom>
-          <a:ln>
-            <a:noFill/>
-          </a:ln>
-        </p:spPr>
-        <p:style>
-          <a:lnRef idx="2">
-            <a:schemeClr val="accent1">
-              <a:shade val="50000"/>
-            </a:schemeClr>
-          </a:lnRef>
-          <a:fillRef idx="1">
-            <a:schemeClr val="accent1"/>
-          </a:fillRef>
-          <a:effectRef idx="0">
-            <a:schemeClr val="accent1"/>
-          </a:effectRef>
-          <a:fontRef idx="minor">
-            <a:schemeClr val="lt1"/>
-          </a:fontRef>
-        </p:style>
-        <p:txBody>
-          <a:bodyPr rtlCol="0" anchor="ctr"/>
-          <a:lstStyle/>
-          <a:p>
-            <a:pPr algn="ctr"/>
-            <a:endParaRPr lang="en-US" dirty="0"/>
-          </a:p>
-        </p:txBody>
-      </p:sp>
-      <p:sp>
-        <p:nvSpPr>
-          <p:cNvPr id="61" name="Oval 60">
-            <a:extLst>
-              <a:ext uri="{FF2B5EF4-FFF2-40B4-BE49-F238E27FC236}">
-                <a16:creationId xmlns:a16="http://schemas.microsoft.com/office/drawing/2014/main" id="{D89AE305-3CA7-4BF3-8290-DF6A43A764EE}"/>
-              </a:ext>
-            </a:extLst>
-          </p:cNvPr>
-          <p:cNvSpPr/>
-          <p:nvPr/>
-        </p:nvSpPr>
-        <p:spPr>
-          <a:xfrm>
-            <a:off x="8569628" y="2886210"/>
-            <a:ext cx="222421" cy="222422"/>
-          </a:xfrm>
-          <a:prstGeom prst="ellipse">
-            <a:avLst/>
-          </a:prstGeom>
-          <a:ln>
-            <a:noFill/>
-          </a:ln>
-        </p:spPr>
-        <p:style>
-          <a:lnRef idx="2">
-            <a:schemeClr val="accent1">
-              <a:shade val="50000"/>
-            </a:schemeClr>
-          </a:lnRef>
-          <a:fillRef idx="1">
-            <a:schemeClr val="accent1"/>
-          </a:fillRef>
-          <a:effectRef idx="0">
-            <a:schemeClr val="accent1"/>
-          </a:effectRef>
-          <a:fontRef idx="minor">
-            <a:schemeClr val="lt1"/>
-          </a:fontRef>
-        </p:style>
-        <p:txBody>
-          <a:bodyPr rtlCol="0" anchor="ctr"/>
-          <a:lstStyle/>
-          <a:p>
-            <a:pPr algn="ctr"/>
-            <a:endParaRPr lang="en-US"/>
-          </a:p>
-        </p:txBody>
-      </p:sp>
-      <p:sp>
-        <p:nvSpPr>
-          <p:cNvPr id="62" name="Oval 61">
-            <a:extLst>
-              <a:ext uri="{FF2B5EF4-FFF2-40B4-BE49-F238E27FC236}">
-                <a16:creationId xmlns:a16="http://schemas.microsoft.com/office/drawing/2014/main" id="{2A1F312B-0D24-46EF-81C5-6959AED58A5C}"/>
-              </a:ext>
-            </a:extLst>
-          </p:cNvPr>
-          <p:cNvSpPr/>
-          <p:nvPr/>
-        </p:nvSpPr>
-        <p:spPr>
-          <a:xfrm>
-            <a:off x="9813511" y="2886210"/>
-            <a:ext cx="222421" cy="222422"/>
-          </a:xfrm>
-          <a:prstGeom prst="ellipse">
-            <a:avLst/>
-          </a:prstGeom>
-          <a:ln>
-            <a:noFill/>
-          </a:ln>
-        </p:spPr>
-        <p:style>
-          <a:lnRef idx="2">
-            <a:schemeClr val="accent1">
-              <a:shade val="50000"/>
-            </a:schemeClr>
-          </a:lnRef>
-          <a:fillRef idx="1">
-            <a:schemeClr val="accent1"/>
-          </a:fillRef>
-          <a:effectRef idx="0">
-            <a:schemeClr val="accent1"/>
-          </a:effectRef>
-          <a:fontRef idx="minor">
-            <a:schemeClr val="lt1"/>
-          </a:fontRef>
-        </p:style>
-        <p:txBody>
-          <a:bodyPr rtlCol="0" anchor="ctr"/>
-          <a:lstStyle/>
-          <a:p>
-            <a:pPr algn="ctr"/>
-            <a:endParaRPr lang="en-US"/>
-          </a:p>
-        </p:txBody>
-      </p:sp>
-      <p:sp>
-        <p:nvSpPr>
-          <p:cNvPr id="64" name="Oval 63">
-            <a:extLst>
-              <a:ext uri="{FF2B5EF4-FFF2-40B4-BE49-F238E27FC236}">
-                <a16:creationId xmlns:a16="http://schemas.microsoft.com/office/drawing/2014/main" id="{72146E82-1359-450C-8713-8F03D84719D3}"/>
-              </a:ext>
-            </a:extLst>
-          </p:cNvPr>
-          <p:cNvSpPr/>
-          <p:nvPr/>
-        </p:nvSpPr>
-        <p:spPr>
-          <a:xfrm>
-            <a:off x="8245222" y="3440204"/>
-            <a:ext cx="222421" cy="222422"/>
-          </a:xfrm>
-          <a:prstGeom prst="ellipse">
-            <a:avLst/>
-          </a:prstGeom>
-          <a:solidFill>
-            <a:srgbClr val="7030A0"/>
-          </a:solidFill>
-          <a:ln>
-            <a:noFill/>
-          </a:ln>
-        </p:spPr>
-        <p:style>
-          <a:lnRef idx="2">
-            <a:schemeClr val="accent1">
-              <a:shade val="50000"/>
-            </a:schemeClr>
-          </a:lnRef>
-          <a:fillRef idx="1">
-            <a:schemeClr val="accent1"/>
-          </a:fillRef>
-          <a:effectRef idx="0">
-            <a:schemeClr val="accent1"/>
-          </a:effectRef>
-          <a:fontRef idx="minor">
-            <a:schemeClr val="lt1"/>
-          </a:fontRef>
-        </p:style>
-        <p:txBody>
-          <a:bodyPr rtlCol="0" anchor="ctr"/>
-          <a:lstStyle/>
-          <a:p>
-            <a:pPr algn="ctr"/>
-            <a:endParaRPr lang="en-US"/>
-          </a:p>
-        </p:txBody>
-      </p:sp>
-      <p:sp>
-        <p:nvSpPr>
-          <p:cNvPr id="65" name="Oval 64">
-            <a:extLst>
-              <a:ext uri="{FF2B5EF4-FFF2-40B4-BE49-F238E27FC236}">
-                <a16:creationId xmlns:a16="http://schemas.microsoft.com/office/drawing/2014/main" id="{B00D2C81-67EF-4A4A-A4B6-9976F5AB41DE}"/>
-              </a:ext>
-            </a:extLst>
-          </p:cNvPr>
-          <p:cNvSpPr/>
-          <p:nvPr/>
-        </p:nvSpPr>
-        <p:spPr>
-          <a:xfrm>
-            <a:off x="8891893" y="3440204"/>
-            <a:ext cx="222421" cy="222422"/>
-          </a:xfrm>
-          <a:prstGeom prst="ellipse">
-            <a:avLst/>
-          </a:prstGeom>
-          <a:solidFill>
-            <a:srgbClr val="FF0000"/>
-          </a:solidFill>
-          <a:ln>
-            <a:noFill/>
-          </a:ln>
-        </p:spPr>
-        <p:style>
-          <a:lnRef idx="2">
-            <a:schemeClr val="accent1">
-              <a:shade val="50000"/>
-            </a:schemeClr>
-          </a:lnRef>
-          <a:fillRef idx="1">
-            <a:schemeClr val="accent1"/>
-          </a:fillRef>
-          <a:effectRef idx="0">
-            <a:schemeClr val="accent1"/>
-          </a:effectRef>
-          <a:fontRef idx="minor">
-            <a:schemeClr val="lt1"/>
-          </a:fontRef>
-        </p:style>
-        <p:txBody>
-          <a:bodyPr rtlCol="0" anchor="ctr"/>
-          <a:lstStyle/>
-          <a:p>
-            <a:pPr algn="ctr"/>
-            <a:endParaRPr lang="en-US"/>
-          </a:p>
-        </p:txBody>
-      </p:sp>
-      <p:sp>
-        <p:nvSpPr>
-          <p:cNvPr id="66" name="Oval 65">
-            <a:extLst>
-              <a:ext uri="{FF2B5EF4-FFF2-40B4-BE49-F238E27FC236}">
-                <a16:creationId xmlns:a16="http://schemas.microsoft.com/office/drawing/2014/main" id="{B6462B10-BDF7-4245-96D3-D22911CE7BCC}"/>
-              </a:ext>
-            </a:extLst>
-          </p:cNvPr>
-          <p:cNvSpPr/>
-          <p:nvPr/>
-        </p:nvSpPr>
-        <p:spPr>
-          <a:xfrm>
-            <a:off x="9499417" y="3440204"/>
-            <a:ext cx="222421" cy="222422"/>
-          </a:xfrm>
-          <a:prstGeom prst="ellipse">
-            <a:avLst/>
-          </a:prstGeom>
-          <a:solidFill>
-            <a:srgbClr val="7030A0"/>
-          </a:solidFill>
-          <a:ln>
-            <a:noFill/>
-          </a:ln>
-        </p:spPr>
-        <p:style>
-          <a:lnRef idx="2">
-            <a:schemeClr val="accent1">
-              <a:shade val="50000"/>
-            </a:schemeClr>
-          </a:lnRef>
-          <a:fillRef idx="1">
-            <a:schemeClr val="accent1"/>
-          </a:fillRef>
-          <a:effectRef idx="0">
-            <a:schemeClr val="accent1"/>
-          </a:effectRef>
-          <a:fontRef idx="minor">
-            <a:schemeClr val="lt1"/>
-          </a:fontRef>
-        </p:style>
-        <p:txBody>
-          <a:bodyPr rtlCol="0" anchor="ctr"/>
-          <a:lstStyle/>
-          <a:p>
-            <a:pPr algn="ctr"/>
-            <a:endParaRPr lang="en-US"/>
-          </a:p>
-        </p:txBody>
-      </p:sp>
-      <p:sp>
-        <p:nvSpPr>
-          <p:cNvPr id="68" name="Oval 67">
-            <a:extLst>
-              <a:ext uri="{FF2B5EF4-FFF2-40B4-BE49-F238E27FC236}">
-                <a16:creationId xmlns:a16="http://schemas.microsoft.com/office/drawing/2014/main" id="{EE993BA7-D0FD-46AB-9BAF-9FBE00D40624}"/>
-              </a:ext>
-            </a:extLst>
-          </p:cNvPr>
-          <p:cNvSpPr/>
-          <p:nvPr/>
-        </p:nvSpPr>
-        <p:spPr>
-          <a:xfrm>
-            <a:off x="10146088" y="3440204"/>
-            <a:ext cx="222421" cy="222422"/>
-          </a:xfrm>
-          <a:prstGeom prst="ellipse">
-            <a:avLst/>
-          </a:prstGeom>
-          <a:solidFill>
-            <a:srgbClr val="FF0000"/>
-          </a:solidFill>
-          <a:ln>
-            <a:noFill/>
-          </a:ln>
-        </p:spPr>
-        <p:style>
-          <a:lnRef idx="2">
-            <a:schemeClr val="accent1">
-              <a:shade val="50000"/>
-            </a:schemeClr>
-          </a:lnRef>
-          <a:fillRef idx="1">
-            <a:schemeClr val="accent1"/>
-          </a:fillRef>
-          <a:effectRef idx="0">
-            <a:schemeClr val="accent1"/>
-          </a:effectRef>
-          <a:fontRef idx="minor">
-            <a:schemeClr val="lt1"/>
-          </a:fontRef>
-        </p:style>
-        <p:txBody>
-          <a:bodyPr rtlCol="0" anchor="ctr"/>
-          <a:lstStyle/>
-          <a:p>
-            <a:pPr algn="ctr"/>
-            <a:endParaRPr lang="en-US"/>
-          </a:p>
-        </p:txBody>
-      </p:sp>
       <p:cxnSp>
         <p:nvCxnSpPr>
           <p:cNvPr id="69" name="Straight Connector 68">
@@ -7313,15 +6100,15 @@
           </p:cNvPr>
           <p:cNvCxnSpPr>
             <a:cxnSpLocks/>
-            <a:stCxn id="55" idx="4"/>
-            <a:endCxn id="61" idx="0"/>
+            <a:stCxn id="55" idx="7"/>
+            <a:endCxn id="61" idx="3"/>
           </p:cNvCxnSpPr>
           <p:nvPr/>
         </p:nvCxnSpPr>
         <p:spPr>
           <a:xfrm flipH="1">
-            <a:off x="8680839" y="2554638"/>
-            <a:ext cx="646671" cy="331572"/>
+            <a:off x="8602201" y="2364789"/>
+            <a:ext cx="803946" cy="711270"/>
           </a:xfrm>
           <a:prstGeom prst="line">
             <a:avLst/>
@@ -7358,15 +6145,15 @@
           </p:cNvPr>
           <p:cNvCxnSpPr>
             <a:cxnSpLocks/>
-            <a:stCxn id="55" idx="4"/>
-            <a:endCxn id="62" idx="0"/>
+            <a:stCxn id="55" idx="1"/>
+            <a:endCxn id="62" idx="5"/>
           </p:cNvCxnSpPr>
           <p:nvPr/>
         </p:nvCxnSpPr>
         <p:spPr>
           <a:xfrm>
-            <a:off x="9327510" y="2554638"/>
-            <a:ext cx="597212" cy="331572"/>
+            <a:off x="9248872" y="2364789"/>
+            <a:ext cx="754487" cy="711270"/>
           </a:xfrm>
           <a:prstGeom prst="line">
             <a:avLst/>
@@ -7403,15 +6190,15 @@
           </p:cNvPr>
           <p:cNvCxnSpPr>
             <a:cxnSpLocks/>
-            <a:stCxn id="64" idx="0"/>
-            <a:endCxn id="61" idx="4"/>
+            <a:stCxn id="64" idx="3"/>
+            <a:endCxn id="61" idx="7"/>
           </p:cNvCxnSpPr>
           <p:nvPr/>
         </p:nvCxnSpPr>
         <p:spPr>
           <a:xfrm flipV="1">
-            <a:off x="8356433" y="3108632"/>
-            <a:ext cx="324406" cy="331572"/>
+            <a:off x="8277795" y="2918783"/>
+            <a:ext cx="481681" cy="711270"/>
           </a:xfrm>
           <a:prstGeom prst="line">
             <a:avLst/>
@@ -7448,15 +6235,15 @@
           </p:cNvPr>
           <p:cNvCxnSpPr>
             <a:cxnSpLocks/>
-            <a:stCxn id="65" idx="0"/>
-            <a:endCxn id="61" idx="4"/>
+            <a:stCxn id="65" idx="5"/>
+            <a:endCxn id="61" idx="1"/>
           </p:cNvCxnSpPr>
           <p:nvPr/>
         </p:nvCxnSpPr>
         <p:spPr>
           <a:xfrm flipH="1" flipV="1">
-            <a:off x="8680839" y="3108632"/>
-            <a:ext cx="322265" cy="331572"/>
+            <a:off x="8602201" y="2918783"/>
+            <a:ext cx="479540" cy="711270"/>
           </a:xfrm>
           <a:prstGeom prst="line">
             <a:avLst/>
@@ -7493,15 +6280,15 @@
           </p:cNvPr>
           <p:cNvCxnSpPr>
             <a:cxnSpLocks/>
-            <a:stCxn id="66" idx="0"/>
-            <a:endCxn id="62" idx="4"/>
+            <a:stCxn id="66" idx="3"/>
+            <a:endCxn id="62" idx="7"/>
           </p:cNvCxnSpPr>
           <p:nvPr/>
         </p:nvCxnSpPr>
         <p:spPr>
           <a:xfrm flipV="1">
-            <a:off x="9610628" y="3108632"/>
-            <a:ext cx="314094" cy="331572"/>
+            <a:off x="9531990" y="2918783"/>
+            <a:ext cx="471369" cy="711270"/>
           </a:xfrm>
           <a:prstGeom prst="line">
             <a:avLst/>
@@ -7538,15 +6325,15 @@
           </p:cNvPr>
           <p:cNvCxnSpPr>
             <a:cxnSpLocks/>
-            <a:stCxn id="68" idx="0"/>
-            <a:endCxn id="62" idx="4"/>
+            <a:stCxn id="68" idx="5"/>
+            <a:endCxn id="62" idx="1"/>
           </p:cNvCxnSpPr>
           <p:nvPr/>
         </p:nvCxnSpPr>
         <p:spPr>
           <a:xfrm flipH="1" flipV="1">
-            <a:off x="9924722" y="3108632"/>
-            <a:ext cx="332577" cy="331572"/>
+            <a:off x="9846084" y="2918783"/>
+            <a:ext cx="489852" cy="711270"/>
           </a:xfrm>
           <a:prstGeom prst="line">
             <a:avLst/>
@@ -8256,563 +7043,6 @@
           </a:p>
         </p:txBody>
       </p:sp>
-      <p:sp>
-        <p:nvSpPr>
-          <p:cNvPr id="134" name="Oval 133">
-            <a:extLst>
-              <a:ext uri="{FF2B5EF4-FFF2-40B4-BE49-F238E27FC236}">
-                <a16:creationId xmlns:a16="http://schemas.microsoft.com/office/drawing/2014/main" id="{41C99EFE-8433-439F-8352-C2225C71F104}"/>
-              </a:ext>
-            </a:extLst>
-          </p:cNvPr>
-          <p:cNvSpPr/>
-          <p:nvPr/>
-        </p:nvSpPr>
-        <p:spPr>
-          <a:xfrm>
-            <a:off x="9138509" y="4835307"/>
-            <a:ext cx="222421" cy="222422"/>
-          </a:xfrm>
-          <a:prstGeom prst="ellipse">
-            <a:avLst/>
-          </a:prstGeom>
-          <a:ln>
-            <a:noFill/>
-          </a:ln>
-        </p:spPr>
-        <p:style>
-          <a:lnRef idx="2">
-            <a:schemeClr val="accent1">
-              <a:shade val="50000"/>
-            </a:schemeClr>
-          </a:lnRef>
-          <a:fillRef idx="1">
-            <a:schemeClr val="accent1"/>
-          </a:fillRef>
-          <a:effectRef idx="0">
-            <a:schemeClr val="accent1"/>
-          </a:effectRef>
-          <a:fontRef idx="minor">
-            <a:schemeClr val="lt1"/>
-          </a:fontRef>
-        </p:style>
-        <p:txBody>
-          <a:bodyPr rtlCol="0" anchor="ctr"/>
-          <a:lstStyle/>
-          <a:p>
-            <a:pPr algn="ctr"/>
-            <a:endParaRPr lang="en-US"/>
-          </a:p>
-        </p:txBody>
-      </p:sp>
-      <p:sp>
-        <p:nvSpPr>
-          <p:cNvPr id="135" name="Oval 134">
-            <a:extLst>
-              <a:ext uri="{FF2B5EF4-FFF2-40B4-BE49-F238E27FC236}">
-                <a16:creationId xmlns:a16="http://schemas.microsoft.com/office/drawing/2014/main" id="{C994938F-CD69-482A-A9CC-E14D75AC6420}"/>
-              </a:ext>
-            </a:extLst>
-          </p:cNvPr>
-          <p:cNvSpPr/>
-          <p:nvPr/>
-        </p:nvSpPr>
-        <p:spPr>
-          <a:xfrm>
-            <a:off x="8491838" y="5389301"/>
-            <a:ext cx="222421" cy="222422"/>
-          </a:xfrm>
-          <a:prstGeom prst="ellipse">
-            <a:avLst/>
-          </a:prstGeom>
-          <a:ln>
-            <a:noFill/>
-          </a:ln>
-        </p:spPr>
-        <p:style>
-          <a:lnRef idx="2">
-            <a:schemeClr val="accent1">
-              <a:shade val="50000"/>
-            </a:schemeClr>
-          </a:lnRef>
-          <a:fillRef idx="1">
-            <a:schemeClr val="accent1"/>
-          </a:fillRef>
-          <a:effectRef idx="0">
-            <a:schemeClr val="accent1"/>
-          </a:effectRef>
-          <a:fontRef idx="minor">
-            <a:schemeClr val="lt1"/>
-          </a:fontRef>
-        </p:style>
-        <p:txBody>
-          <a:bodyPr rtlCol="0" anchor="ctr"/>
-          <a:lstStyle/>
-          <a:p>
-            <a:pPr algn="ctr"/>
-            <a:endParaRPr lang="en-US"/>
-          </a:p>
-        </p:txBody>
-      </p:sp>
-      <p:sp>
-        <p:nvSpPr>
-          <p:cNvPr id="136" name="Oval 135">
-            <a:extLst>
-              <a:ext uri="{FF2B5EF4-FFF2-40B4-BE49-F238E27FC236}">
-                <a16:creationId xmlns:a16="http://schemas.microsoft.com/office/drawing/2014/main" id="{39EAD3CB-4A8E-4D8F-BB3C-17528DFBA8B2}"/>
-              </a:ext>
-            </a:extLst>
-          </p:cNvPr>
-          <p:cNvSpPr/>
-          <p:nvPr/>
-        </p:nvSpPr>
-        <p:spPr>
-          <a:xfrm>
-            <a:off x="9735721" y="5389301"/>
-            <a:ext cx="222421" cy="222422"/>
-          </a:xfrm>
-          <a:prstGeom prst="ellipse">
-            <a:avLst/>
-          </a:prstGeom>
-          <a:ln>
-            <a:noFill/>
-          </a:ln>
-        </p:spPr>
-        <p:style>
-          <a:lnRef idx="2">
-            <a:schemeClr val="accent1">
-              <a:shade val="50000"/>
-            </a:schemeClr>
-          </a:lnRef>
-          <a:fillRef idx="1">
-            <a:schemeClr val="accent1"/>
-          </a:fillRef>
-          <a:effectRef idx="0">
-            <a:schemeClr val="accent1"/>
-          </a:effectRef>
-          <a:fontRef idx="minor">
-            <a:schemeClr val="lt1"/>
-          </a:fontRef>
-        </p:style>
-        <p:txBody>
-          <a:bodyPr rtlCol="0" anchor="ctr"/>
-          <a:lstStyle/>
-          <a:p>
-            <a:pPr algn="ctr"/>
-            <a:endParaRPr lang="en-US"/>
-          </a:p>
-        </p:txBody>
-      </p:sp>
-      <p:sp>
-        <p:nvSpPr>
-          <p:cNvPr id="137" name="Oval 136">
-            <a:extLst>
-              <a:ext uri="{FF2B5EF4-FFF2-40B4-BE49-F238E27FC236}">
-                <a16:creationId xmlns:a16="http://schemas.microsoft.com/office/drawing/2014/main" id="{0A501DF6-40B3-4CCD-848C-EF0BEA78606F}"/>
-              </a:ext>
-            </a:extLst>
-          </p:cNvPr>
-          <p:cNvSpPr/>
-          <p:nvPr/>
-        </p:nvSpPr>
-        <p:spPr>
-          <a:xfrm>
-            <a:off x="8167432" y="5943295"/>
-            <a:ext cx="222421" cy="222422"/>
-          </a:xfrm>
-          <a:prstGeom prst="ellipse">
-            <a:avLst/>
-          </a:prstGeom>
-          <a:solidFill>
-            <a:srgbClr val="7030A0"/>
-          </a:solidFill>
-          <a:ln>
-            <a:noFill/>
-          </a:ln>
-        </p:spPr>
-        <p:style>
-          <a:lnRef idx="2">
-            <a:schemeClr val="accent1">
-              <a:shade val="50000"/>
-            </a:schemeClr>
-          </a:lnRef>
-          <a:fillRef idx="1">
-            <a:schemeClr val="accent1"/>
-          </a:fillRef>
-          <a:effectRef idx="0">
-            <a:schemeClr val="accent1"/>
-          </a:effectRef>
-          <a:fontRef idx="minor">
-            <a:schemeClr val="lt1"/>
-          </a:fontRef>
-        </p:style>
-        <p:txBody>
-          <a:bodyPr rtlCol="0" anchor="ctr"/>
-          <a:lstStyle/>
-          <a:p>
-            <a:pPr algn="ctr"/>
-            <a:endParaRPr lang="en-US"/>
-          </a:p>
-        </p:txBody>
-      </p:sp>
-      <p:sp>
-        <p:nvSpPr>
-          <p:cNvPr id="138" name="Oval 137">
-            <a:extLst>
-              <a:ext uri="{FF2B5EF4-FFF2-40B4-BE49-F238E27FC236}">
-                <a16:creationId xmlns:a16="http://schemas.microsoft.com/office/drawing/2014/main" id="{CB10C243-EF59-4F77-8549-D66CA5463621}"/>
-              </a:ext>
-            </a:extLst>
-          </p:cNvPr>
-          <p:cNvSpPr/>
-          <p:nvPr/>
-        </p:nvSpPr>
-        <p:spPr>
-          <a:xfrm>
-            <a:off x="8814103" y="5943295"/>
-            <a:ext cx="222421" cy="222422"/>
-          </a:xfrm>
-          <a:prstGeom prst="ellipse">
-            <a:avLst/>
-          </a:prstGeom>
-          <a:ln>
-            <a:noFill/>
-          </a:ln>
-        </p:spPr>
-        <p:style>
-          <a:lnRef idx="2">
-            <a:schemeClr val="accent1">
-              <a:shade val="50000"/>
-            </a:schemeClr>
-          </a:lnRef>
-          <a:fillRef idx="1">
-            <a:schemeClr val="accent1"/>
-          </a:fillRef>
-          <a:effectRef idx="0">
-            <a:schemeClr val="accent1"/>
-          </a:effectRef>
-          <a:fontRef idx="minor">
-            <a:schemeClr val="lt1"/>
-          </a:fontRef>
-        </p:style>
-        <p:txBody>
-          <a:bodyPr rtlCol="0" anchor="ctr"/>
-          <a:lstStyle/>
-          <a:p>
-            <a:pPr algn="ctr"/>
-            <a:endParaRPr lang="en-US"/>
-          </a:p>
-        </p:txBody>
-      </p:sp>
-      <p:sp>
-        <p:nvSpPr>
-          <p:cNvPr id="139" name="Oval 138">
-            <a:extLst>
-              <a:ext uri="{FF2B5EF4-FFF2-40B4-BE49-F238E27FC236}">
-                <a16:creationId xmlns:a16="http://schemas.microsoft.com/office/drawing/2014/main" id="{846647DC-7BE6-4494-B488-9AC4675E8678}"/>
-              </a:ext>
-            </a:extLst>
-          </p:cNvPr>
-          <p:cNvSpPr/>
-          <p:nvPr/>
-        </p:nvSpPr>
-        <p:spPr>
-          <a:xfrm>
-            <a:off x="9421627" y="5943295"/>
-            <a:ext cx="222421" cy="222422"/>
-          </a:xfrm>
-          <a:prstGeom prst="ellipse">
-            <a:avLst/>
-          </a:prstGeom>
-          <a:solidFill>
-            <a:srgbClr val="7030A0"/>
-          </a:solidFill>
-          <a:ln>
-            <a:noFill/>
-          </a:ln>
-        </p:spPr>
-        <p:style>
-          <a:lnRef idx="2">
-            <a:schemeClr val="accent1">
-              <a:shade val="50000"/>
-            </a:schemeClr>
-          </a:lnRef>
-          <a:fillRef idx="1">
-            <a:schemeClr val="accent1"/>
-          </a:fillRef>
-          <a:effectRef idx="0">
-            <a:schemeClr val="accent1"/>
-          </a:effectRef>
-          <a:fontRef idx="minor">
-            <a:schemeClr val="lt1"/>
-          </a:fontRef>
-        </p:style>
-        <p:txBody>
-          <a:bodyPr rtlCol="0" anchor="ctr"/>
-          <a:lstStyle/>
-          <a:p>
-            <a:pPr algn="ctr"/>
-            <a:endParaRPr lang="en-US"/>
-          </a:p>
-        </p:txBody>
-      </p:sp>
-      <p:sp>
-        <p:nvSpPr>
-          <p:cNvPr id="140" name="Oval 139">
-            <a:extLst>
-              <a:ext uri="{FF2B5EF4-FFF2-40B4-BE49-F238E27FC236}">
-                <a16:creationId xmlns:a16="http://schemas.microsoft.com/office/drawing/2014/main" id="{1700CB08-4745-482C-AAE5-872046011243}"/>
-              </a:ext>
-            </a:extLst>
-          </p:cNvPr>
-          <p:cNvSpPr/>
-          <p:nvPr/>
-        </p:nvSpPr>
-        <p:spPr>
-          <a:xfrm>
-            <a:off x="10068298" y="5943295"/>
-            <a:ext cx="222421" cy="222422"/>
-          </a:xfrm>
-          <a:prstGeom prst="ellipse">
-            <a:avLst/>
-          </a:prstGeom>
-          <a:ln>
-            <a:noFill/>
-          </a:ln>
-        </p:spPr>
-        <p:style>
-          <a:lnRef idx="2">
-            <a:schemeClr val="accent1">
-              <a:shade val="50000"/>
-            </a:schemeClr>
-          </a:lnRef>
-          <a:fillRef idx="1">
-            <a:schemeClr val="accent1"/>
-          </a:fillRef>
-          <a:effectRef idx="0">
-            <a:schemeClr val="accent1"/>
-          </a:effectRef>
-          <a:fontRef idx="minor">
-            <a:schemeClr val="lt1"/>
-          </a:fontRef>
-        </p:style>
-        <p:txBody>
-          <a:bodyPr rtlCol="0" anchor="ctr"/>
-          <a:lstStyle/>
-          <a:p>
-            <a:pPr algn="ctr"/>
-            <a:endParaRPr lang="en-US"/>
-          </a:p>
-        </p:txBody>
-      </p:sp>
-      <p:sp>
-        <p:nvSpPr>
-          <p:cNvPr id="141" name="Oval 140">
-            <a:extLst>
-              <a:ext uri="{FF2B5EF4-FFF2-40B4-BE49-F238E27FC236}">
-                <a16:creationId xmlns:a16="http://schemas.microsoft.com/office/drawing/2014/main" id="{4BC91EF7-C3E7-4D26-8753-D751EBB30262}"/>
-              </a:ext>
-            </a:extLst>
-          </p:cNvPr>
-          <p:cNvSpPr/>
-          <p:nvPr/>
-        </p:nvSpPr>
-        <p:spPr>
-          <a:xfrm>
-            <a:off x="9737947" y="6513765"/>
-            <a:ext cx="222421" cy="222422"/>
-          </a:xfrm>
-          <a:prstGeom prst="ellipse">
-            <a:avLst/>
-          </a:prstGeom>
-          <a:solidFill>
-            <a:srgbClr val="7030A0"/>
-          </a:solidFill>
-          <a:ln>
-            <a:noFill/>
-          </a:ln>
-        </p:spPr>
-        <p:style>
-          <a:lnRef idx="2">
-            <a:schemeClr val="accent1">
-              <a:shade val="50000"/>
-            </a:schemeClr>
-          </a:lnRef>
-          <a:fillRef idx="1">
-            <a:schemeClr val="accent1"/>
-          </a:fillRef>
-          <a:effectRef idx="0">
-            <a:schemeClr val="accent1"/>
-          </a:effectRef>
-          <a:fontRef idx="minor">
-            <a:schemeClr val="lt1"/>
-          </a:fontRef>
-        </p:style>
-        <p:txBody>
-          <a:bodyPr rtlCol="0" anchor="ctr"/>
-          <a:lstStyle/>
-          <a:p>
-            <a:pPr algn="ctr"/>
-            <a:endParaRPr lang="en-US"/>
-          </a:p>
-        </p:txBody>
-      </p:sp>
-      <p:sp>
-        <p:nvSpPr>
-          <p:cNvPr id="142" name="Oval 141">
-            <a:extLst>
-              <a:ext uri="{FF2B5EF4-FFF2-40B4-BE49-F238E27FC236}">
-                <a16:creationId xmlns:a16="http://schemas.microsoft.com/office/drawing/2014/main" id="{05D3A5E1-48C9-4980-9F40-4C235F49482E}"/>
-              </a:ext>
-            </a:extLst>
-          </p:cNvPr>
-          <p:cNvSpPr/>
-          <p:nvPr/>
-        </p:nvSpPr>
-        <p:spPr>
-          <a:xfrm>
-            <a:off x="10384618" y="6513765"/>
-            <a:ext cx="222421" cy="222422"/>
-          </a:xfrm>
-          <a:prstGeom prst="ellipse">
-            <a:avLst/>
-          </a:prstGeom>
-          <a:solidFill>
-            <a:srgbClr val="FF0000"/>
-          </a:solidFill>
-          <a:ln>
-            <a:noFill/>
-          </a:ln>
-        </p:spPr>
-        <p:style>
-          <a:lnRef idx="2">
-            <a:schemeClr val="accent1">
-              <a:shade val="50000"/>
-            </a:schemeClr>
-          </a:lnRef>
-          <a:fillRef idx="1">
-            <a:schemeClr val="accent1"/>
-          </a:fillRef>
-          <a:effectRef idx="0">
-            <a:schemeClr val="accent1"/>
-          </a:effectRef>
-          <a:fontRef idx="minor">
-            <a:schemeClr val="lt1"/>
-          </a:fontRef>
-        </p:style>
-        <p:txBody>
-          <a:bodyPr rtlCol="0" anchor="ctr"/>
-          <a:lstStyle/>
-          <a:p>
-            <a:pPr algn="ctr"/>
-            <a:endParaRPr lang="en-US"/>
-          </a:p>
-        </p:txBody>
-      </p:sp>
-      <p:sp>
-        <p:nvSpPr>
-          <p:cNvPr id="143" name="Oval 142">
-            <a:extLst>
-              <a:ext uri="{FF2B5EF4-FFF2-40B4-BE49-F238E27FC236}">
-                <a16:creationId xmlns:a16="http://schemas.microsoft.com/office/drawing/2014/main" id="{349F74E7-8A59-4774-835A-1251382EA162}"/>
-              </a:ext>
-            </a:extLst>
-          </p:cNvPr>
-          <p:cNvSpPr/>
-          <p:nvPr/>
-        </p:nvSpPr>
-        <p:spPr>
-          <a:xfrm>
-            <a:off x="8483752" y="6494954"/>
-            <a:ext cx="222421" cy="222422"/>
-          </a:xfrm>
-          <a:prstGeom prst="ellipse">
-            <a:avLst/>
-          </a:prstGeom>
-          <a:solidFill>
-            <a:srgbClr val="7030A0"/>
-          </a:solidFill>
-          <a:ln>
-            <a:noFill/>
-          </a:ln>
-        </p:spPr>
-        <p:style>
-          <a:lnRef idx="2">
-            <a:schemeClr val="accent1">
-              <a:shade val="50000"/>
-            </a:schemeClr>
-          </a:lnRef>
-          <a:fillRef idx="1">
-            <a:schemeClr val="accent1"/>
-          </a:fillRef>
-          <a:effectRef idx="0">
-            <a:schemeClr val="accent1"/>
-          </a:effectRef>
-          <a:fontRef idx="minor">
-            <a:schemeClr val="lt1"/>
-          </a:fontRef>
-        </p:style>
-        <p:txBody>
-          <a:bodyPr rtlCol="0" anchor="ctr"/>
-          <a:lstStyle/>
-          <a:p>
-            <a:pPr algn="ctr"/>
-            <a:endParaRPr lang="en-US"/>
-          </a:p>
-        </p:txBody>
-      </p:sp>
-      <p:sp>
-        <p:nvSpPr>
-          <p:cNvPr id="144" name="Oval 143">
-            <a:extLst>
-              <a:ext uri="{FF2B5EF4-FFF2-40B4-BE49-F238E27FC236}">
-                <a16:creationId xmlns:a16="http://schemas.microsoft.com/office/drawing/2014/main" id="{5AD79881-38EF-48B8-A84A-193A99FCABF3}"/>
-              </a:ext>
-            </a:extLst>
-          </p:cNvPr>
-          <p:cNvSpPr/>
-          <p:nvPr/>
-        </p:nvSpPr>
-        <p:spPr>
-          <a:xfrm>
-            <a:off x="9130423" y="6494954"/>
-            <a:ext cx="222421" cy="222422"/>
-          </a:xfrm>
-          <a:prstGeom prst="ellipse">
-            <a:avLst/>
-          </a:prstGeom>
-          <a:solidFill>
-            <a:srgbClr val="FF0000"/>
-          </a:solidFill>
-          <a:ln>
-            <a:noFill/>
-          </a:ln>
-        </p:spPr>
-        <p:style>
-          <a:lnRef idx="2">
-            <a:schemeClr val="accent1">
-              <a:shade val="50000"/>
-            </a:schemeClr>
-          </a:lnRef>
-          <a:fillRef idx="1">
-            <a:schemeClr val="accent1"/>
-          </a:fillRef>
-          <a:effectRef idx="0">
-            <a:schemeClr val="accent1"/>
-          </a:effectRef>
-          <a:fontRef idx="minor">
-            <a:schemeClr val="lt1"/>
-          </a:fontRef>
-        </p:style>
-        <p:txBody>
-          <a:bodyPr rtlCol="0" anchor="ctr"/>
-          <a:lstStyle/>
-          <a:p>
-            <a:pPr algn="ctr"/>
-            <a:endParaRPr lang="en-US"/>
-          </a:p>
-        </p:txBody>
-      </p:sp>
       <p:cxnSp>
         <p:nvCxnSpPr>
           <p:cNvPr id="145" name="Straight Connector 144">
@@ -8824,15 +7054,15 @@
           </p:cNvPr>
           <p:cNvCxnSpPr>
             <a:cxnSpLocks/>
-            <a:stCxn id="134" idx="4"/>
-            <a:endCxn id="135" idx="0"/>
+            <a:stCxn id="134" idx="7"/>
+            <a:endCxn id="135" idx="3"/>
           </p:cNvCxnSpPr>
           <p:nvPr/>
         </p:nvCxnSpPr>
         <p:spPr>
           <a:xfrm flipH="1">
-            <a:off x="8603049" y="5057729"/>
-            <a:ext cx="646671" cy="331572"/>
+            <a:off x="8524411" y="4867880"/>
+            <a:ext cx="803946" cy="711270"/>
           </a:xfrm>
           <a:prstGeom prst="line">
             <a:avLst/>
@@ -8869,15 +7099,15 @@
           </p:cNvPr>
           <p:cNvCxnSpPr>
             <a:cxnSpLocks/>
-            <a:stCxn id="134" idx="4"/>
-            <a:endCxn id="136" idx="0"/>
+            <a:stCxn id="134" idx="1"/>
+            <a:endCxn id="136" idx="5"/>
           </p:cNvCxnSpPr>
           <p:nvPr/>
         </p:nvCxnSpPr>
         <p:spPr>
           <a:xfrm>
-            <a:off x="9249720" y="5057729"/>
-            <a:ext cx="597212" cy="331572"/>
+            <a:off x="9171082" y="4867880"/>
+            <a:ext cx="754487" cy="711270"/>
           </a:xfrm>
           <a:prstGeom prst="line">
             <a:avLst/>
@@ -8914,15 +7144,15 @@
           </p:cNvPr>
           <p:cNvCxnSpPr>
             <a:cxnSpLocks/>
-            <a:stCxn id="135" idx="4"/>
-            <a:endCxn id="137" idx="0"/>
+            <a:stCxn id="135" idx="7"/>
+            <a:endCxn id="137" idx="3"/>
           </p:cNvCxnSpPr>
           <p:nvPr/>
         </p:nvCxnSpPr>
         <p:spPr>
           <a:xfrm flipH="1">
-            <a:off x="8278643" y="5611723"/>
-            <a:ext cx="324406" cy="331572"/>
+            <a:off x="8200005" y="5421874"/>
+            <a:ext cx="481681" cy="711270"/>
           </a:xfrm>
           <a:prstGeom prst="line">
             <a:avLst/>
@@ -8959,15 +7189,15 @@
           </p:cNvPr>
           <p:cNvCxnSpPr>
             <a:cxnSpLocks/>
-            <a:stCxn id="135" idx="4"/>
-            <a:endCxn id="138" idx="0"/>
+            <a:stCxn id="135" idx="1"/>
+            <a:endCxn id="138" idx="5"/>
           </p:cNvCxnSpPr>
           <p:nvPr/>
         </p:nvCxnSpPr>
         <p:spPr>
           <a:xfrm>
-            <a:off x="8603049" y="5611723"/>
-            <a:ext cx="322265" cy="331572"/>
+            <a:off x="8524411" y="5421874"/>
+            <a:ext cx="479540" cy="711270"/>
           </a:xfrm>
           <a:prstGeom prst="line">
             <a:avLst/>
@@ -9004,15 +7234,15 @@
           </p:cNvPr>
           <p:cNvCxnSpPr>
             <a:cxnSpLocks/>
-            <a:stCxn id="136" idx="4"/>
-            <a:endCxn id="139" idx="0"/>
+            <a:stCxn id="136" idx="7"/>
+            <a:endCxn id="139" idx="3"/>
           </p:cNvCxnSpPr>
           <p:nvPr/>
         </p:nvCxnSpPr>
         <p:spPr>
           <a:xfrm flipH="1">
-            <a:off x="9532838" y="5611723"/>
-            <a:ext cx="314094" cy="331572"/>
+            <a:off x="9454200" y="5421874"/>
+            <a:ext cx="471369" cy="711270"/>
           </a:xfrm>
           <a:prstGeom prst="line">
             <a:avLst/>
@@ -9049,15 +7279,15 @@
           </p:cNvPr>
           <p:cNvCxnSpPr>
             <a:cxnSpLocks/>
-            <a:stCxn id="136" idx="4"/>
-            <a:endCxn id="140" idx="0"/>
+            <a:stCxn id="136" idx="1"/>
+            <a:endCxn id="140" idx="5"/>
           </p:cNvCxnSpPr>
           <p:nvPr/>
         </p:nvCxnSpPr>
         <p:spPr>
           <a:xfrm>
-            <a:off x="9846932" y="5611723"/>
-            <a:ext cx="332577" cy="331572"/>
+            <a:off x="9768294" y="5421874"/>
+            <a:ext cx="489852" cy="711270"/>
           </a:xfrm>
           <a:prstGeom prst="line">
             <a:avLst/>
@@ -9094,15 +7324,15 @@
           </p:cNvPr>
           <p:cNvCxnSpPr>
             <a:cxnSpLocks/>
-            <a:stCxn id="138" idx="4"/>
-            <a:endCxn id="144" idx="0"/>
+            <a:stCxn id="138" idx="1"/>
+            <a:endCxn id="144" idx="5"/>
           </p:cNvCxnSpPr>
           <p:nvPr/>
         </p:nvCxnSpPr>
         <p:spPr>
           <a:xfrm>
-            <a:off x="8925314" y="6165717"/>
-            <a:ext cx="316320" cy="329237"/>
+            <a:off x="8846676" y="5975868"/>
+            <a:ext cx="473595" cy="708935"/>
           </a:xfrm>
           <a:prstGeom prst="line">
             <a:avLst/>
@@ -9139,15 +7369,15 @@
           </p:cNvPr>
           <p:cNvCxnSpPr>
             <a:cxnSpLocks/>
-            <a:stCxn id="138" idx="4"/>
-            <a:endCxn id="143" idx="0"/>
+            <a:stCxn id="138" idx="7"/>
+            <a:endCxn id="143" idx="3"/>
           </p:cNvCxnSpPr>
           <p:nvPr/>
         </p:nvCxnSpPr>
         <p:spPr>
           <a:xfrm flipH="1">
-            <a:off x="8594963" y="6165717"/>
-            <a:ext cx="330351" cy="329237"/>
+            <a:off x="8516325" y="5975868"/>
+            <a:ext cx="487626" cy="708935"/>
           </a:xfrm>
           <a:prstGeom prst="line">
             <a:avLst/>
@@ -9184,15 +7414,15 @@
           </p:cNvPr>
           <p:cNvCxnSpPr>
             <a:cxnSpLocks/>
-            <a:stCxn id="140" idx="4"/>
-            <a:endCxn id="141" idx="0"/>
+            <a:stCxn id="140" idx="7"/>
+            <a:endCxn id="141" idx="3"/>
           </p:cNvCxnSpPr>
           <p:nvPr/>
         </p:nvCxnSpPr>
         <p:spPr>
           <a:xfrm flipH="1">
-            <a:off x="9849158" y="6165717"/>
-            <a:ext cx="330351" cy="348048"/>
+            <a:off x="9770520" y="5975868"/>
+            <a:ext cx="487626" cy="727746"/>
           </a:xfrm>
           <a:prstGeom prst="line">
             <a:avLst/>
@@ -9229,15 +7459,15 @@
           </p:cNvPr>
           <p:cNvCxnSpPr>
             <a:cxnSpLocks/>
-            <a:stCxn id="140" idx="4"/>
-            <a:endCxn id="142" idx="0"/>
+            <a:stCxn id="140" idx="1"/>
+            <a:endCxn id="142" idx="5"/>
           </p:cNvCxnSpPr>
           <p:nvPr/>
         </p:nvCxnSpPr>
         <p:spPr>
           <a:xfrm>
-            <a:off x="10179509" y="6165717"/>
-            <a:ext cx="316320" cy="348048"/>
+            <a:off x="10100871" y="5975868"/>
+            <a:ext cx="473595" cy="727746"/>
           </a:xfrm>
           <a:prstGeom prst="line">
             <a:avLst/>
@@ -9544,6 +7774,1851 @@
           </a:fontRef>
         </p:style>
       </p:cxnSp>
+      <p:sp>
+        <p:nvSpPr>
+          <p:cNvPr id="14" name="Oval 13">
+            <a:extLst>
+              <a:ext uri="{FF2B5EF4-FFF2-40B4-BE49-F238E27FC236}">
+                <a16:creationId xmlns:a16="http://schemas.microsoft.com/office/drawing/2014/main" id="{FFDD243F-8CFB-4F2B-AF3E-B42E02424DFC}"/>
+              </a:ext>
+            </a:extLst>
+          </p:cNvPr>
+          <p:cNvSpPr/>
+          <p:nvPr/>
+        </p:nvSpPr>
+        <p:spPr>
+          <a:xfrm>
+            <a:off x="1406958" y="2245968"/>
+            <a:ext cx="222421" cy="222422"/>
+          </a:xfrm>
+          <a:prstGeom prst="ellipse">
+            <a:avLst/>
+          </a:prstGeom>
+          <a:ln>
+            <a:solidFill>
+              <a:schemeClr val="accent1"/>
+            </a:solidFill>
+          </a:ln>
+        </p:spPr>
+        <p:style>
+          <a:lnRef idx="2">
+            <a:schemeClr val="accent1">
+              <a:shade val="50000"/>
+            </a:schemeClr>
+          </a:lnRef>
+          <a:fillRef idx="1">
+            <a:schemeClr val="accent1"/>
+          </a:fillRef>
+          <a:effectRef idx="0">
+            <a:schemeClr val="accent1"/>
+          </a:effectRef>
+          <a:fontRef idx="minor">
+            <a:schemeClr val="lt1"/>
+          </a:fontRef>
+        </p:style>
+        <p:txBody>
+          <a:bodyPr rtlCol="0" anchor="ctr"/>
+          <a:lstStyle/>
+          <a:p>
+            <a:pPr algn="ctr"/>
+            <a:endParaRPr lang="en-US"/>
+          </a:p>
+        </p:txBody>
+      </p:sp>
+      <p:sp>
+        <p:nvSpPr>
+          <p:cNvPr id="15" name="Oval 14">
+            <a:extLst>
+              <a:ext uri="{FF2B5EF4-FFF2-40B4-BE49-F238E27FC236}">
+                <a16:creationId xmlns:a16="http://schemas.microsoft.com/office/drawing/2014/main" id="{A65959C0-DE2B-4A3D-8CFA-DCEC8011DB14}"/>
+              </a:ext>
+            </a:extLst>
+          </p:cNvPr>
+          <p:cNvSpPr/>
+          <p:nvPr/>
+        </p:nvSpPr>
+        <p:spPr>
+          <a:xfrm>
+            <a:off x="1083623" y="2799962"/>
+            <a:ext cx="222421" cy="222422"/>
+          </a:xfrm>
+          <a:prstGeom prst="ellipse">
+            <a:avLst/>
+          </a:prstGeom>
+          <a:solidFill>
+            <a:srgbClr val="7030A0"/>
+          </a:solidFill>
+          <a:ln>
+            <a:solidFill>
+              <a:srgbClr val="7030A0"/>
+            </a:solidFill>
+          </a:ln>
+        </p:spPr>
+        <p:style>
+          <a:lnRef idx="2">
+            <a:schemeClr val="accent1">
+              <a:shade val="50000"/>
+            </a:schemeClr>
+          </a:lnRef>
+          <a:fillRef idx="1">
+            <a:schemeClr val="accent1"/>
+          </a:fillRef>
+          <a:effectRef idx="0">
+            <a:schemeClr val="accent1"/>
+          </a:effectRef>
+          <a:fontRef idx="minor">
+            <a:schemeClr val="lt1"/>
+          </a:fontRef>
+        </p:style>
+        <p:txBody>
+          <a:bodyPr rtlCol="0" anchor="ctr"/>
+          <a:lstStyle/>
+          <a:p>
+            <a:pPr algn="ctr"/>
+            <a:endParaRPr lang="en-US"/>
+          </a:p>
+        </p:txBody>
+      </p:sp>
+      <p:sp>
+        <p:nvSpPr>
+          <p:cNvPr id="16" name="Oval 15">
+            <a:extLst>
+              <a:ext uri="{FF2B5EF4-FFF2-40B4-BE49-F238E27FC236}">
+                <a16:creationId xmlns:a16="http://schemas.microsoft.com/office/drawing/2014/main" id="{DA54FF7F-D4A5-4B7F-8822-4886AAF65B6A}"/>
+              </a:ext>
+            </a:extLst>
+          </p:cNvPr>
+          <p:cNvSpPr/>
+          <p:nvPr/>
+        </p:nvSpPr>
+        <p:spPr>
+          <a:xfrm>
+            <a:off x="1730294" y="2799962"/>
+            <a:ext cx="222421" cy="222422"/>
+          </a:xfrm>
+          <a:prstGeom prst="ellipse">
+            <a:avLst/>
+          </a:prstGeom>
+          <a:solidFill>
+            <a:srgbClr val="FF0000"/>
+          </a:solidFill>
+          <a:ln>
+            <a:solidFill>
+              <a:srgbClr val="FF0000"/>
+            </a:solidFill>
+          </a:ln>
+        </p:spPr>
+        <p:style>
+          <a:lnRef idx="2">
+            <a:schemeClr val="accent1">
+              <a:shade val="50000"/>
+            </a:schemeClr>
+          </a:lnRef>
+          <a:fillRef idx="1">
+            <a:schemeClr val="accent1"/>
+          </a:fillRef>
+          <a:effectRef idx="0">
+            <a:schemeClr val="accent1"/>
+          </a:effectRef>
+          <a:fontRef idx="minor">
+            <a:schemeClr val="lt1"/>
+          </a:fontRef>
+        </p:style>
+        <p:txBody>
+          <a:bodyPr rtlCol="0" anchor="ctr"/>
+          <a:lstStyle/>
+          <a:p>
+            <a:pPr algn="ctr"/>
+            <a:endParaRPr lang="en-US"/>
+          </a:p>
+        </p:txBody>
+      </p:sp>
+      <p:sp>
+        <p:nvSpPr>
+          <p:cNvPr id="17" name="Oval 16">
+            <a:extLst>
+              <a:ext uri="{FF2B5EF4-FFF2-40B4-BE49-F238E27FC236}">
+                <a16:creationId xmlns:a16="http://schemas.microsoft.com/office/drawing/2014/main" id="{08129062-ABE4-4EBF-AD26-5281362747AB}"/>
+              </a:ext>
+            </a:extLst>
+          </p:cNvPr>
+          <p:cNvSpPr/>
+          <p:nvPr/>
+        </p:nvSpPr>
+        <p:spPr>
+          <a:xfrm>
+            <a:off x="5873579" y="2278541"/>
+            <a:ext cx="222421" cy="222422"/>
+          </a:xfrm>
+          <a:prstGeom prst="ellipse">
+            <a:avLst/>
+          </a:prstGeom>
+          <a:ln>
+            <a:solidFill>
+              <a:schemeClr val="accent1"/>
+            </a:solidFill>
+          </a:ln>
+        </p:spPr>
+        <p:style>
+          <a:lnRef idx="2">
+            <a:schemeClr val="accent1">
+              <a:shade val="50000"/>
+            </a:schemeClr>
+          </a:lnRef>
+          <a:fillRef idx="1">
+            <a:schemeClr val="accent1"/>
+          </a:fillRef>
+          <a:effectRef idx="0">
+            <a:schemeClr val="accent1"/>
+          </a:effectRef>
+          <a:fontRef idx="minor">
+            <a:schemeClr val="lt1"/>
+          </a:fontRef>
+        </p:style>
+        <p:txBody>
+          <a:bodyPr rtlCol="0" anchor="ctr"/>
+          <a:lstStyle/>
+          <a:p>
+            <a:pPr algn="ctr"/>
+            <a:endParaRPr lang="en-US"/>
+          </a:p>
+        </p:txBody>
+      </p:sp>
+      <p:sp>
+        <p:nvSpPr>
+          <p:cNvPr id="18" name="Oval 17">
+            <a:extLst>
+              <a:ext uri="{FF2B5EF4-FFF2-40B4-BE49-F238E27FC236}">
+                <a16:creationId xmlns:a16="http://schemas.microsoft.com/office/drawing/2014/main" id="{426BF3B4-2102-412E-97AA-D2E51455CE1A}"/>
+              </a:ext>
+            </a:extLst>
+          </p:cNvPr>
+          <p:cNvSpPr/>
+          <p:nvPr/>
+        </p:nvSpPr>
+        <p:spPr>
+          <a:xfrm>
+            <a:off x="6196915" y="2832535"/>
+            <a:ext cx="222421" cy="222422"/>
+          </a:xfrm>
+          <a:prstGeom prst="ellipse">
+            <a:avLst/>
+          </a:prstGeom>
+          <a:solidFill>
+            <a:srgbClr val="FF0000"/>
+          </a:solidFill>
+          <a:ln>
+            <a:solidFill>
+              <a:srgbClr val="FF0000"/>
+            </a:solidFill>
+          </a:ln>
+        </p:spPr>
+        <p:style>
+          <a:lnRef idx="2">
+            <a:schemeClr val="accent1">
+              <a:shade val="50000"/>
+            </a:schemeClr>
+          </a:lnRef>
+          <a:fillRef idx="1">
+            <a:schemeClr val="accent1"/>
+          </a:fillRef>
+          <a:effectRef idx="0">
+            <a:schemeClr val="accent1"/>
+          </a:effectRef>
+          <a:fontRef idx="minor">
+            <a:schemeClr val="lt1"/>
+          </a:fontRef>
+        </p:style>
+        <p:txBody>
+          <a:bodyPr rtlCol="0" anchor="ctr"/>
+          <a:lstStyle/>
+          <a:p>
+            <a:pPr algn="ctr"/>
+            <a:endParaRPr lang="en-US"/>
+          </a:p>
+        </p:txBody>
+      </p:sp>
+      <p:sp>
+        <p:nvSpPr>
+          <p:cNvPr id="19" name="Oval 18">
+            <a:extLst>
+              <a:ext uri="{FF2B5EF4-FFF2-40B4-BE49-F238E27FC236}">
+                <a16:creationId xmlns:a16="http://schemas.microsoft.com/office/drawing/2014/main" id="{F68849E1-BE30-4238-8256-C27CAFBF6060}"/>
+              </a:ext>
+            </a:extLst>
+          </p:cNvPr>
+          <p:cNvSpPr/>
+          <p:nvPr/>
+        </p:nvSpPr>
+        <p:spPr>
+          <a:xfrm>
+            <a:off x="5550243" y="2836654"/>
+            <a:ext cx="222421" cy="222422"/>
+          </a:xfrm>
+          <a:prstGeom prst="ellipse">
+            <a:avLst/>
+          </a:prstGeom>
+          <a:ln>
+            <a:solidFill>
+              <a:schemeClr val="accent1"/>
+            </a:solidFill>
+          </a:ln>
+        </p:spPr>
+        <p:style>
+          <a:lnRef idx="2">
+            <a:schemeClr val="accent1">
+              <a:shade val="50000"/>
+            </a:schemeClr>
+          </a:lnRef>
+          <a:fillRef idx="1">
+            <a:schemeClr val="accent1"/>
+          </a:fillRef>
+          <a:effectRef idx="0">
+            <a:schemeClr val="accent1"/>
+          </a:effectRef>
+          <a:fontRef idx="minor">
+            <a:schemeClr val="lt1"/>
+          </a:fontRef>
+        </p:style>
+        <p:txBody>
+          <a:bodyPr rtlCol="0" anchor="ctr"/>
+          <a:lstStyle/>
+          <a:p>
+            <a:pPr algn="ctr"/>
+            <a:endParaRPr lang="en-US"/>
+          </a:p>
+        </p:txBody>
+      </p:sp>
+      <p:sp>
+        <p:nvSpPr>
+          <p:cNvPr id="20" name="Oval 19">
+            <a:extLst>
+              <a:ext uri="{FF2B5EF4-FFF2-40B4-BE49-F238E27FC236}">
+                <a16:creationId xmlns:a16="http://schemas.microsoft.com/office/drawing/2014/main" id="{3E3B3F8F-B097-4214-BD66-54F635401061}"/>
+              </a:ext>
+            </a:extLst>
+          </p:cNvPr>
+          <p:cNvSpPr/>
+          <p:nvPr/>
+        </p:nvSpPr>
+        <p:spPr>
+          <a:xfrm>
+            <a:off x="5226908" y="3390648"/>
+            <a:ext cx="222421" cy="222422"/>
+          </a:xfrm>
+          <a:prstGeom prst="ellipse">
+            <a:avLst/>
+          </a:prstGeom>
+          <a:solidFill>
+            <a:srgbClr val="7030A0"/>
+          </a:solidFill>
+          <a:ln>
+            <a:solidFill>
+              <a:srgbClr val="7030A0"/>
+            </a:solidFill>
+          </a:ln>
+        </p:spPr>
+        <p:style>
+          <a:lnRef idx="2">
+            <a:schemeClr val="accent1">
+              <a:shade val="50000"/>
+            </a:schemeClr>
+          </a:lnRef>
+          <a:fillRef idx="1">
+            <a:schemeClr val="accent1"/>
+          </a:fillRef>
+          <a:effectRef idx="0">
+            <a:schemeClr val="accent1"/>
+          </a:effectRef>
+          <a:fontRef idx="minor">
+            <a:schemeClr val="lt1"/>
+          </a:fontRef>
+        </p:style>
+        <p:txBody>
+          <a:bodyPr rtlCol="0" anchor="ctr"/>
+          <a:lstStyle/>
+          <a:p>
+            <a:pPr algn="ctr"/>
+            <a:endParaRPr lang="en-US"/>
+          </a:p>
+        </p:txBody>
+      </p:sp>
+      <p:sp>
+        <p:nvSpPr>
+          <p:cNvPr id="21" name="Oval 20">
+            <a:extLst>
+              <a:ext uri="{FF2B5EF4-FFF2-40B4-BE49-F238E27FC236}">
+                <a16:creationId xmlns:a16="http://schemas.microsoft.com/office/drawing/2014/main" id="{3B554C40-773C-4351-A91A-059F994F8C17}"/>
+              </a:ext>
+            </a:extLst>
+          </p:cNvPr>
+          <p:cNvSpPr/>
+          <p:nvPr/>
+        </p:nvSpPr>
+        <p:spPr>
+          <a:xfrm>
+            <a:off x="5873579" y="3390648"/>
+            <a:ext cx="222421" cy="222422"/>
+          </a:xfrm>
+          <a:prstGeom prst="ellipse">
+            <a:avLst/>
+          </a:prstGeom>
+          <a:solidFill>
+            <a:srgbClr val="FF0000"/>
+          </a:solidFill>
+          <a:ln>
+            <a:solidFill>
+              <a:srgbClr val="FF0000"/>
+            </a:solidFill>
+          </a:ln>
+        </p:spPr>
+        <p:style>
+          <a:lnRef idx="2">
+            <a:schemeClr val="accent1">
+              <a:shade val="50000"/>
+            </a:schemeClr>
+          </a:lnRef>
+          <a:fillRef idx="1">
+            <a:schemeClr val="accent1"/>
+          </a:fillRef>
+          <a:effectRef idx="0">
+            <a:schemeClr val="accent1"/>
+          </a:effectRef>
+          <a:fontRef idx="minor">
+            <a:schemeClr val="lt1"/>
+          </a:fontRef>
+        </p:style>
+        <p:txBody>
+          <a:bodyPr rtlCol="0" anchor="ctr"/>
+          <a:lstStyle/>
+          <a:p>
+            <a:pPr algn="ctr"/>
+            <a:endParaRPr lang="en-US"/>
+          </a:p>
+        </p:txBody>
+      </p:sp>
+      <p:sp>
+        <p:nvSpPr>
+          <p:cNvPr id="22" name="Oval 21">
+            <a:extLst>
+              <a:ext uri="{FF2B5EF4-FFF2-40B4-BE49-F238E27FC236}">
+                <a16:creationId xmlns:a16="http://schemas.microsoft.com/office/drawing/2014/main" id="{B80F6D59-DDC9-4681-A94A-5B1F8D21ADEA}"/>
+              </a:ext>
+            </a:extLst>
+          </p:cNvPr>
+          <p:cNvSpPr/>
+          <p:nvPr/>
+        </p:nvSpPr>
+        <p:spPr>
+          <a:xfrm>
+            <a:off x="2862276" y="4829469"/>
+            <a:ext cx="222421" cy="222422"/>
+          </a:xfrm>
+          <a:prstGeom prst="ellipse">
+            <a:avLst/>
+          </a:prstGeom>
+          <a:ln>
+            <a:solidFill>
+              <a:schemeClr val="accent1"/>
+            </a:solidFill>
+          </a:ln>
+        </p:spPr>
+        <p:style>
+          <a:lnRef idx="2">
+            <a:schemeClr val="accent1">
+              <a:shade val="50000"/>
+            </a:schemeClr>
+          </a:lnRef>
+          <a:fillRef idx="1">
+            <a:schemeClr val="accent1"/>
+          </a:fillRef>
+          <a:effectRef idx="0">
+            <a:schemeClr val="accent1"/>
+          </a:effectRef>
+          <a:fontRef idx="minor">
+            <a:schemeClr val="lt1"/>
+          </a:fontRef>
+        </p:style>
+        <p:txBody>
+          <a:bodyPr rtlCol="0" anchor="ctr"/>
+          <a:lstStyle/>
+          <a:p>
+            <a:pPr algn="ctr"/>
+            <a:endParaRPr lang="en-US"/>
+          </a:p>
+        </p:txBody>
+      </p:sp>
+      <p:sp>
+        <p:nvSpPr>
+          <p:cNvPr id="23" name="Oval 22">
+            <a:extLst>
+              <a:ext uri="{FF2B5EF4-FFF2-40B4-BE49-F238E27FC236}">
+                <a16:creationId xmlns:a16="http://schemas.microsoft.com/office/drawing/2014/main" id="{0438535B-BD0A-44C4-8CAB-F52CFAB99847}"/>
+              </a:ext>
+            </a:extLst>
+          </p:cNvPr>
+          <p:cNvSpPr/>
+          <p:nvPr/>
+        </p:nvSpPr>
+        <p:spPr>
+          <a:xfrm>
+            <a:off x="2215605" y="5383463"/>
+            <a:ext cx="222421" cy="222422"/>
+          </a:xfrm>
+          <a:prstGeom prst="ellipse">
+            <a:avLst/>
+          </a:prstGeom>
+          <a:ln>
+            <a:solidFill>
+              <a:schemeClr val="accent1"/>
+            </a:solidFill>
+          </a:ln>
+        </p:spPr>
+        <p:style>
+          <a:lnRef idx="2">
+            <a:schemeClr val="accent1">
+              <a:shade val="50000"/>
+            </a:schemeClr>
+          </a:lnRef>
+          <a:fillRef idx="1">
+            <a:schemeClr val="accent1"/>
+          </a:fillRef>
+          <a:effectRef idx="0">
+            <a:schemeClr val="accent1"/>
+          </a:effectRef>
+          <a:fontRef idx="minor">
+            <a:schemeClr val="lt1"/>
+          </a:fontRef>
+        </p:style>
+        <p:txBody>
+          <a:bodyPr rtlCol="0" anchor="ctr"/>
+          <a:lstStyle/>
+          <a:p>
+            <a:pPr algn="ctr"/>
+            <a:endParaRPr lang="en-US"/>
+          </a:p>
+        </p:txBody>
+      </p:sp>
+      <p:sp>
+        <p:nvSpPr>
+          <p:cNvPr id="24" name="Oval 23">
+            <a:extLst>
+              <a:ext uri="{FF2B5EF4-FFF2-40B4-BE49-F238E27FC236}">
+                <a16:creationId xmlns:a16="http://schemas.microsoft.com/office/drawing/2014/main" id="{88B81340-2222-41DB-99BE-09D158E822D0}"/>
+              </a:ext>
+            </a:extLst>
+          </p:cNvPr>
+          <p:cNvSpPr/>
+          <p:nvPr/>
+        </p:nvSpPr>
+        <p:spPr>
+          <a:xfrm>
+            <a:off x="3459488" y="5383463"/>
+            <a:ext cx="222421" cy="222422"/>
+          </a:xfrm>
+          <a:prstGeom prst="ellipse">
+            <a:avLst/>
+          </a:prstGeom>
+          <a:ln>
+            <a:solidFill>
+              <a:schemeClr val="accent1"/>
+            </a:solidFill>
+          </a:ln>
+        </p:spPr>
+        <p:style>
+          <a:lnRef idx="2">
+            <a:schemeClr val="accent1">
+              <a:shade val="50000"/>
+            </a:schemeClr>
+          </a:lnRef>
+          <a:fillRef idx="1">
+            <a:schemeClr val="accent1"/>
+          </a:fillRef>
+          <a:effectRef idx="0">
+            <a:schemeClr val="accent1"/>
+          </a:effectRef>
+          <a:fontRef idx="minor">
+            <a:schemeClr val="lt1"/>
+          </a:fontRef>
+        </p:style>
+        <p:txBody>
+          <a:bodyPr rtlCol="0" anchor="ctr"/>
+          <a:lstStyle/>
+          <a:p>
+            <a:pPr algn="ctr"/>
+            <a:endParaRPr lang="en-US"/>
+          </a:p>
+        </p:txBody>
+      </p:sp>
+      <p:sp>
+        <p:nvSpPr>
+          <p:cNvPr id="25" name="Oval 24">
+            <a:extLst>
+              <a:ext uri="{FF2B5EF4-FFF2-40B4-BE49-F238E27FC236}">
+                <a16:creationId xmlns:a16="http://schemas.microsoft.com/office/drawing/2014/main" id="{6699A9A6-9E57-4D80-9746-22D262BCB2E0}"/>
+              </a:ext>
+            </a:extLst>
+          </p:cNvPr>
+          <p:cNvSpPr/>
+          <p:nvPr/>
+        </p:nvSpPr>
+        <p:spPr>
+          <a:xfrm>
+            <a:off x="1891199" y="5937457"/>
+            <a:ext cx="222421" cy="222422"/>
+          </a:xfrm>
+          <a:prstGeom prst="ellipse">
+            <a:avLst/>
+          </a:prstGeom>
+          <a:solidFill>
+            <a:srgbClr val="7030A0"/>
+          </a:solidFill>
+          <a:ln>
+            <a:solidFill>
+              <a:srgbClr val="7030A0"/>
+            </a:solidFill>
+          </a:ln>
+        </p:spPr>
+        <p:style>
+          <a:lnRef idx="2">
+            <a:schemeClr val="accent1">
+              <a:shade val="50000"/>
+            </a:schemeClr>
+          </a:lnRef>
+          <a:fillRef idx="1">
+            <a:schemeClr val="accent1"/>
+          </a:fillRef>
+          <a:effectRef idx="0">
+            <a:schemeClr val="accent1"/>
+          </a:effectRef>
+          <a:fontRef idx="minor">
+            <a:schemeClr val="lt1"/>
+          </a:fontRef>
+        </p:style>
+        <p:txBody>
+          <a:bodyPr rtlCol="0" anchor="ctr"/>
+          <a:lstStyle/>
+          <a:p>
+            <a:pPr algn="ctr"/>
+            <a:endParaRPr lang="en-US"/>
+          </a:p>
+        </p:txBody>
+      </p:sp>
+      <p:sp>
+        <p:nvSpPr>
+          <p:cNvPr id="26" name="Oval 25">
+            <a:extLst>
+              <a:ext uri="{FF2B5EF4-FFF2-40B4-BE49-F238E27FC236}">
+                <a16:creationId xmlns:a16="http://schemas.microsoft.com/office/drawing/2014/main" id="{ED75E22D-EB13-4634-82E9-6CE638BA54CC}"/>
+              </a:ext>
+            </a:extLst>
+          </p:cNvPr>
+          <p:cNvSpPr/>
+          <p:nvPr/>
+        </p:nvSpPr>
+        <p:spPr>
+          <a:xfrm>
+            <a:off x="2537870" y="5937457"/>
+            <a:ext cx="222421" cy="222422"/>
+          </a:xfrm>
+          <a:prstGeom prst="ellipse">
+            <a:avLst/>
+          </a:prstGeom>
+          <a:solidFill>
+            <a:srgbClr val="FF0000"/>
+          </a:solidFill>
+          <a:ln>
+            <a:solidFill>
+              <a:srgbClr val="FF0000"/>
+            </a:solidFill>
+          </a:ln>
+        </p:spPr>
+        <p:style>
+          <a:lnRef idx="2">
+            <a:schemeClr val="accent1">
+              <a:shade val="50000"/>
+            </a:schemeClr>
+          </a:lnRef>
+          <a:fillRef idx="1">
+            <a:schemeClr val="accent1"/>
+          </a:fillRef>
+          <a:effectRef idx="0">
+            <a:schemeClr val="accent1"/>
+          </a:effectRef>
+          <a:fontRef idx="minor">
+            <a:schemeClr val="lt1"/>
+          </a:fontRef>
+        </p:style>
+        <p:txBody>
+          <a:bodyPr rtlCol="0" anchor="ctr"/>
+          <a:lstStyle/>
+          <a:p>
+            <a:pPr algn="ctr"/>
+            <a:endParaRPr lang="en-US"/>
+          </a:p>
+        </p:txBody>
+      </p:sp>
+      <p:sp>
+        <p:nvSpPr>
+          <p:cNvPr id="27" name="Oval 26">
+            <a:extLst>
+              <a:ext uri="{FF2B5EF4-FFF2-40B4-BE49-F238E27FC236}">
+                <a16:creationId xmlns:a16="http://schemas.microsoft.com/office/drawing/2014/main" id="{38688414-7CBD-473A-BBC0-21B3FE7B390F}"/>
+              </a:ext>
+            </a:extLst>
+          </p:cNvPr>
+          <p:cNvSpPr/>
+          <p:nvPr/>
+        </p:nvSpPr>
+        <p:spPr>
+          <a:xfrm>
+            <a:off x="3145394" y="5937457"/>
+            <a:ext cx="222421" cy="222422"/>
+          </a:xfrm>
+          <a:prstGeom prst="ellipse">
+            <a:avLst/>
+          </a:prstGeom>
+          <a:solidFill>
+            <a:srgbClr val="7030A0"/>
+          </a:solidFill>
+          <a:ln>
+            <a:solidFill>
+              <a:srgbClr val="7030A0"/>
+            </a:solidFill>
+          </a:ln>
+        </p:spPr>
+        <p:style>
+          <a:lnRef idx="2">
+            <a:schemeClr val="accent1">
+              <a:shade val="50000"/>
+            </a:schemeClr>
+          </a:lnRef>
+          <a:fillRef idx="1">
+            <a:schemeClr val="accent1"/>
+          </a:fillRef>
+          <a:effectRef idx="0">
+            <a:schemeClr val="accent1"/>
+          </a:effectRef>
+          <a:fontRef idx="minor">
+            <a:schemeClr val="lt1"/>
+          </a:fontRef>
+        </p:style>
+        <p:txBody>
+          <a:bodyPr rtlCol="0" anchor="ctr"/>
+          <a:lstStyle/>
+          <a:p>
+            <a:pPr algn="ctr"/>
+            <a:endParaRPr lang="en-US"/>
+          </a:p>
+        </p:txBody>
+      </p:sp>
+      <p:sp>
+        <p:nvSpPr>
+          <p:cNvPr id="28" name="Oval 27">
+            <a:extLst>
+              <a:ext uri="{FF2B5EF4-FFF2-40B4-BE49-F238E27FC236}">
+                <a16:creationId xmlns:a16="http://schemas.microsoft.com/office/drawing/2014/main" id="{B5352842-068B-4B19-A5B3-A279BCDFF463}"/>
+              </a:ext>
+            </a:extLst>
+          </p:cNvPr>
+          <p:cNvSpPr/>
+          <p:nvPr/>
+        </p:nvSpPr>
+        <p:spPr>
+          <a:xfrm>
+            <a:off x="3792065" y="5937457"/>
+            <a:ext cx="222421" cy="222422"/>
+          </a:xfrm>
+          <a:prstGeom prst="ellipse">
+            <a:avLst/>
+          </a:prstGeom>
+          <a:ln>
+            <a:solidFill>
+              <a:schemeClr val="accent1"/>
+            </a:solidFill>
+          </a:ln>
+        </p:spPr>
+        <p:style>
+          <a:lnRef idx="2">
+            <a:schemeClr val="accent1">
+              <a:shade val="50000"/>
+            </a:schemeClr>
+          </a:lnRef>
+          <a:fillRef idx="1">
+            <a:schemeClr val="accent1"/>
+          </a:fillRef>
+          <a:effectRef idx="0">
+            <a:schemeClr val="accent1"/>
+          </a:effectRef>
+          <a:fontRef idx="minor">
+            <a:schemeClr val="lt1"/>
+          </a:fontRef>
+        </p:style>
+        <p:txBody>
+          <a:bodyPr rtlCol="0" anchor="ctr"/>
+          <a:lstStyle/>
+          <a:p>
+            <a:pPr algn="ctr"/>
+            <a:endParaRPr lang="en-US"/>
+          </a:p>
+        </p:txBody>
+      </p:sp>
+      <p:sp>
+        <p:nvSpPr>
+          <p:cNvPr id="29" name="Oval 28">
+            <a:extLst>
+              <a:ext uri="{FF2B5EF4-FFF2-40B4-BE49-F238E27FC236}">
+                <a16:creationId xmlns:a16="http://schemas.microsoft.com/office/drawing/2014/main" id="{6761EBEB-635A-45F4-898A-0A6DD265D93E}"/>
+              </a:ext>
+            </a:extLst>
+          </p:cNvPr>
+          <p:cNvSpPr/>
+          <p:nvPr/>
+        </p:nvSpPr>
+        <p:spPr>
+          <a:xfrm>
+            <a:off x="3461714" y="6507927"/>
+            <a:ext cx="222421" cy="222422"/>
+          </a:xfrm>
+          <a:prstGeom prst="ellipse">
+            <a:avLst/>
+          </a:prstGeom>
+          <a:solidFill>
+            <a:srgbClr val="7030A0"/>
+          </a:solidFill>
+          <a:ln>
+            <a:solidFill>
+              <a:srgbClr val="7030A0"/>
+            </a:solidFill>
+          </a:ln>
+        </p:spPr>
+        <p:style>
+          <a:lnRef idx="2">
+            <a:schemeClr val="accent1">
+              <a:shade val="50000"/>
+            </a:schemeClr>
+          </a:lnRef>
+          <a:fillRef idx="1">
+            <a:schemeClr val="accent1"/>
+          </a:fillRef>
+          <a:effectRef idx="0">
+            <a:schemeClr val="accent1"/>
+          </a:effectRef>
+          <a:fontRef idx="minor">
+            <a:schemeClr val="lt1"/>
+          </a:fontRef>
+        </p:style>
+        <p:txBody>
+          <a:bodyPr rtlCol="0" anchor="ctr"/>
+          <a:lstStyle/>
+          <a:p>
+            <a:pPr algn="ctr"/>
+            <a:endParaRPr lang="en-US"/>
+          </a:p>
+        </p:txBody>
+      </p:sp>
+      <p:sp>
+        <p:nvSpPr>
+          <p:cNvPr id="30" name="Oval 29">
+            <a:extLst>
+              <a:ext uri="{FF2B5EF4-FFF2-40B4-BE49-F238E27FC236}">
+                <a16:creationId xmlns:a16="http://schemas.microsoft.com/office/drawing/2014/main" id="{44EB6B61-2CC5-4817-B54B-D84D2F20DB2E}"/>
+              </a:ext>
+            </a:extLst>
+          </p:cNvPr>
+          <p:cNvSpPr/>
+          <p:nvPr/>
+        </p:nvSpPr>
+        <p:spPr>
+          <a:xfrm>
+            <a:off x="4108385" y="6507927"/>
+            <a:ext cx="222421" cy="222422"/>
+          </a:xfrm>
+          <a:prstGeom prst="ellipse">
+            <a:avLst/>
+          </a:prstGeom>
+          <a:solidFill>
+            <a:srgbClr val="FF0000"/>
+          </a:solidFill>
+          <a:ln>
+            <a:solidFill>
+              <a:srgbClr val="FF0000"/>
+            </a:solidFill>
+          </a:ln>
+        </p:spPr>
+        <p:style>
+          <a:lnRef idx="2">
+            <a:schemeClr val="accent1">
+              <a:shade val="50000"/>
+            </a:schemeClr>
+          </a:lnRef>
+          <a:fillRef idx="1">
+            <a:schemeClr val="accent1"/>
+          </a:fillRef>
+          <a:effectRef idx="0">
+            <a:schemeClr val="accent1"/>
+          </a:effectRef>
+          <a:fontRef idx="minor">
+            <a:schemeClr val="lt1"/>
+          </a:fontRef>
+        </p:style>
+        <p:txBody>
+          <a:bodyPr rtlCol="0" anchor="ctr"/>
+          <a:lstStyle/>
+          <a:p>
+            <a:pPr algn="ctr"/>
+            <a:endParaRPr lang="en-US"/>
+          </a:p>
+        </p:txBody>
+      </p:sp>
+      <p:sp>
+        <p:nvSpPr>
+          <p:cNvPr id="55" name="Oval 54">
+            <a:extLst>
+              <a:ext uri="{FF2B5EF4-FFF2-40B4-BE49-F238E27FC236}">
+                <a16:creationId xmlns:a16="http://schemas.microsoft.com/office/drawing/2014/main" id="{02AA57D3-A26A-420D-A0D9-DE80F42F2E03}"/>
+              </a:ext>
+            </a:extLst>
+          </p:cNvPr>
+          <p:cNvSpPr/>
+          <p:nvPr/>
+        </p:nvSpPr>
+        <p:spPr>
+          <a:xfrm>
+            <a:off x="9216299" y="2332216"/>
+            <a:ext cx="222421" cy="222422"/>
+          </a:xfrm>
+          <a:prstGeom prst="ellipse">
+            <a:avLst/>
+          </a:prstGeom>
+          <a:ln>
+            <a:solidFill>
+              <a:schemeClr val="accent1"/>
+            </a:solidFill>
+          </a:ln>
+        </p:spPr>
+        <p:style>
+          <a:lnRef idx="2">
+            <a:schemeClr val="accent1">
+              <a:shade val="50000"/>
+            </a:schemeClr>
+          </a:lnRef>
+          <a:fillRef idx="1">
+            <a:schemeClr val="accent1"/>
+          </a:fillRef>
+          <a:effectRef idx="0">
+            <a:schemeClr val="accent1"/>
+          </a:effectRef>
+          <a:fontRef idx="minor">
+            <a:schemeClr val="lt1"/>
+          </a:fontRef>
+        </p:style>
+        <p:txBody>
+          <a:bodyPr rtlCol="0" anchor="ctr"/>
+          <a:lstStyle/>
+          <a:p>
+            <a:pPr algn="ctr"/>
+            <a:endParaRPr lang="en-US" dirty="0"/>
+          </a:p>
+        </p:txBody>
+      </p:sp>
+      <p:sp>
+        <p:nvSpPr>
+          <p:cNvPr id="61" name="Oval 60">
+            <a:extLst>
+              <a:ext uri="{FF2B5EF4-FFF2-40B4-BE49-F238E27FC236}">
+                <a16:creationId xmlns:a16="http://schemas.microsoft.com/office/drawing/2014/main" id="{D89AE305-3CA7-4BF3-8290-DF6A43A764EE}"/>
+              </a:ext>
+            </a:extLst>
+          </p:cNvPr>
+          <p:cNvSpPr/>
+          <p:nvPr/>
+        </p:nvSpPr>
+        <p:spPr>
+          <a:xfrm>
+            <a:off x="8569628" y="2886210"/>
+            <a:ext cx="222421" cy="222422"/>
+          </a:xfrm>
+          <a:prstGeom prst="ellipse">
+            <a:avLst/>
+          </a:prstGeom>
+          <a:ln>
+            <a:solidFill>
+              <a:schemeClr val="accent1"/>
+            </a:solidFill>
+          </a:ln>
+        </p:spPr>
+        <p:style>
+          <a:lnRef idx="2">
+            <a:schemeClr val="accent1">
+              <a:shade val="50000"/>
+            </a:schemeClr>
+          </a:lnRef>
+          <a:fillRef idx="1">
+            <a:schemeClr val="accent1"/>
+          </a:fillRef>
+          <a:effectRef idx="0">
+            <a:schemeClr val="accent1"/>
+          </a:effectRef>
+          <a:fontRef idx="minor">
+            <a:schemeClr val="lt1"/>
+          </a:fontRef>
+        </p:style>
+        <p:txBody>
+          <a:bodyPr rtlCol="0" anchor="ctr"/>
+          <a:lstStyle/>
+          <a:p>
+            <a:pPr algn="ctr"/>
+            <a:endParaRPr lang="en-US"/>
+          </a:p>
+        </p:txBody>
+      </p:sp>
+      <p:sp>
+        <p:nvSpPr>
+          <p:cNvPr id="62" name="Oval 61">
+            <a:extLst>
+              <a:ext uri="{FF2B5EF4-FFF2-40B4-BE49-F238E27FC236}">
+                <a16:creationId xmlns:a16="http://schemas.microsoft.com/office/drawing/2014/main" id="{2A1F312B-0D24-46EF-81C5-6959AED58A5C}"/>
+              </a:ext>
+            </a:extLst>
+          </p:cNvPr>
+          <p:cNvSpPr/>
+          <p:nvPr/>
+        </p:nvSpPr>
+        <p:spPr>
+          <a:xfrm>
+            <a:off x="9813511" y="2886210"/>
+            <a:ext cx="222421" cy="222422"/>
+          </a:xfrm>
+          <a:prstGeom prst="ellipse">
+            <a:avLst/>
+          </a:prstGeom>
+          <a:ln>
+            <a:solidFill>
+              <a:schemeClr val="accent1"/>
+            </a:solidFill>
+          </a:ln>
+        </p:spPr>
+        <p:style>
+          <a:lnRef idx="2">
+            <a:schemeClr val="accent1">
+              <a:shade val="50000"/>
+            </a:schemeClr>
+          </a:lnRef>
+          <a:fillRef idx="1">
+            <a:schemeClr val="accent1"/>
+          </a:fillRef>
+          <a:effectRef idx="0">
+            <a:schemeClr val="accent1"/>
+          </a:effectRef>
+          <a:fontRef idx="minor">
+            <a:schemeClr val="lt1"/>
+          </a:fontRef>
+        </p:style>
+        <p:txBody>
+          <a:bodyPr rtlCol="0" anchor="ctr"/>
+          <a:lstStyle/>
+          <a:p>
+            <a:pPr algn="ctr"/>
+            <a:endParaRPr lang="en-US"/>
+          </a:p>
+        </p:txBody>
+      </p:sp>
+      <p:sp>
+        <p:nvSpPr>
+          <p:cNvPr id="64" name="Oval 63">
+            <a:extLst>
+              <a:ext uri="{FF2B5EF4-FFF2-40B4-BE49-F238E27FC236}">
+                <a16:creationId xmlns:a16="http://schemas.microsoft.com/office/drawing/2014/main" id="{72146E82-1359-450C-8713-8F03D84719D3}"/>
+              </a:ext>
+            </a:extLst>
+          </p:cNvPr>
+          <p:cNvSpPr/>
+          <p:nvPr/>
+        </p:nvSpPr>
+        <p:spPr>
+          <a:xfrm>
+            <a:off x="8245222" y="3440204"/>
+            <a:ext cx="222421" cy="222422"/>
+          </a:xfrm>
+          <a:prstGeom prst="ellipse">
+            <a:avLst/>
+          </a:prstGeom>
+          <a:solidFill>
+            <a:srgbClr val="7030A0"/>
+          </a:solidFill>
+          <a:ln>
+            <a:solidFill>
+              <a:srgbClr val="7030A0"/>
+            </a:solidFill>
+          </a:ln>
+        </p:spPr>
+        <p:style>
+          <a:lnRef idx="2">
+            <a:schemeClr val="accent1">
+              <a:shade val="50000"/>
+            </a:schemeClr>
+          </a:lnRef>
+          <a:fillRef idx="1">
+            <a:schemeClr val="accent1"/>
+          </a:fillRef>
+          <a:effectRef idx="0">
+            <a:schemeClr val="accent1"/>
+          </a:effectRef>
+          <a:fontRef idx="minor">
+            <a:schemeClr val="lt1"/>
+          </a:fontRef>
+        </p:style>
+        <p:txBody>
+          <a:bodyPr rtlCol="0" anchor="ctr"/>
+          <a:lstStyle/>
+          <a:p>
+            <a:pPr algn="ctr"/>
+            <a:endParaRPr lang="en-US"/>
+          </a:p>
+        </p:txBody>
+      </p:sp>
+      <p:sp>
+        <p:nvSpPr>
+          <p:cNvPr id="65" name="Oval 64">
+            <a:extLst>
+              <a:ext uri="{FF2B5EF4-FFF2-40B4-BE49-F238E27FC236}">
+                <a16:creationId xmlns:a16="http://schemas.microsoft.com/office/drawing/2014/main" id="{B00D2C81-67EF-4A4A-A4B6-9976F5AB41DE}"/>
+              </a:ext>
+            </a:extLst>
+          </p:cNvPr>
+          <p:cNvSpPr/>
+          <p:nvPr/>
+        </p:nvSpPr>
+        <p:spPr>
+          <a:xfrm>
+            <a:off x="8891893" y="3440204"/>
+            <a:ext cx="222421" cy="222422"/>
+          </a:xfrm>
+          <a:prstGeom prst="ellipse">
+            <a:avLst/>
+          </a:prstGeom>
+          <a:solidFill>
+            <a:srgbClr val="FF0000"/>
+          </a:solidFill>
+          <a:ln>
+            <a:solidFill>
+              <a:srgbClr val="FF0000"/>
+            </a:solidFill>
+          </a:ln>
+        </p:spPr>
+        <p:style>
+          <a:lnRef idx="2">
+            <a:schemeClr val="accent1">
+              <a:shade val="50000"/>
+            </a:schemeClr>
+          </a:lnRef>
+          <a:fillRef idx="1">
+            <a:schemeClr val="accent1"/>
+          </a:fillRef>
+          <a:effectRef idx="0">
+            <a:schemeClr val="accent1"/>
+          </a:effectRef>
+          <a:fontRef idx="minor">
+            <a:schemeClr val="lt1"/>
+          </a:fontRef>
+        </p:style>
+        <p:txBody>
+          <a:bodyPr rtlCol="0" anchor="ctr"/>
+          <a:lstStyle/>
+          <a:p>
+            <a:pPr algn="ctr"/>
+            <a:endParaRPr lang="en-US"/>
+          </a:p>
+        </p:txBody>
+      </p:sp>
+      <p:sp>
+        <p:nvSpPr>
+          <p:cNvPr id="66" name="Oval 65">
+            <a:extLst>
+              <a:ext uri="{FF2B5EF4-FFF2-40B4-BE49-F238E27FC236}">
+                <a16:creationId xmlns:a16="http://schemas.microsoft.com/office/drawing/2014/main" id="{B6462B10-BDF7-4245-96D3-D22911CE7BCC}"/>
+              </a:ext>
+            </a:extLst>
+          </p:cNvPr>
+          <p:cNvSpPr/>
+          <p:nvPr/>
+        </p:nvSpPr>
+        <p:spPr>
+          <a:xfrm>
+            <a:off x="9499417" y="3440204"/>
+            <a:ext cx="222421" cy="222422"/>
+          </a:xfrm>
+          <a:prstGeom prst="ellipse">
+            <a:avLst/>
+          </a:prstGeom>
+          <a:solidFill>
+            <a:srgbClr val="7030A0"/>
+          </a:solidFill>
+          <a:ln>
+            <a:solidFill>
+              <a:srgbClr val="7030A0"/>
+            </a:solidFill>
+          </a:ln>
+        </p:spPr>
+        <p:style>
+          <a:lnRef idx="2">
+            <a:schemeClr val="accent1">
+              <a:shade val="50000"/>
+            </a:schemeClr>
+          </a:lnRef>
+          <a:fillRef idx="1">
+            <a:schemeClr val="accent1"/>
+          </a:fillRef>
+          <a:effectRef idx="0">
+            <a:schemeClr val="accent1"/>
+          </a:effectRef>
+          <a:fontRef idx="minor">
+            <a:schemeClr val="lt1"/>
+          </a:fontRef>
+        </p:style>
+        <p:txBody>
+          <a:bodyPr rtlCol="0" anchor="ctr"/>
+          <a:lstStyle/>
+          <a:p>
+            <a:pPr algn="ctr"/>
+            <a:endParaRPr lang="en-US"/>
+          </a:p>
+        </p:txBody>
+      </p:sp>
+      <p:sp>
+        <p:nvSpPr>
+          <p:cNvPr id="68" name="Oval 67">
+            <a:extLst>
+              <a:ext uri="{FF2B5EF4-FFF2-40B4-BE49-F238E27FC236}">
+                <a16:creationId xmlns:a16="http://schemas.microsoft.com/office/drawing/2014/main" id="{EE993BA7-D0FD-46AB-9BAF-9FBE00D40624}"/>
+              </a:ext>
+            </a:extLst>
+          </p:cNvPr>
+          <p:cNvSpPr/>
+          <p:nvPr/>
+        </p:nvSpPr>
+        <p:spPr>
+          <a:xfrm>
+            <a:off x="10146088" y="3440204"/>
+            <a:ext cx="222421" cy="222422"/>
+          </a:xfrm>
+          <a:prstGeom prst="ellipse">
+            <a:avLst/>
+          </a:prstGeom>
+          <a:solidFill>
+            <a:srgbClr val="FF0000"/>
+          </a:solidFill>
+          <a:ln>
+            <a:solidFill>
+              <a:srgbClr val="FF0000"/>
+            </a:solidFill>
+          </a:ln>
+        </p:spPr>
+        <p:style>
+          <a:lnRef idx="2">
+            <a:schemeClr val="accent1">
+              <a:shade val="50000"/>
+            </a:schemeClr>
+          </a:lnRef>
+          <a:fillRef idx="1">
+            <a:schemeClr val="accent1"/>
+          </a:fillRef>
+          <a:effectRef idx="0">
+            <a:schemeClr val="accent1"/>
+          </a:effectRef>
+          <a:fontRef idx="minor">
+            <a:schemeClr val="lt1"/>
+          </a:fontRef>
+        </p:style>
+        <p:txBody>
+          <a:bodyPr rtlCol="0" anchor="ctr"/>
+          <a:lstStyle/>
+          <a:p>
+            <a:pPr algn="ctr"/>
+            <a:endParaRPr lang="en-US"/>
+          </a:p>
+        </p:txBody>
+      </p:sp>
+      <p:sp>
+        <p:nvSpPr>
+          <p:cNvPr id="134" name="Oval 133">
+            <a:extLst>
+              <a:ext uri="{FF2B5EF4-FFF2-40B4-BE49-F238E27FC236}">
+                <a16:creationId xmlns:a16="http://schemas.microsoft.com/office/drawing/2014/main" id="{41C99EFE-8433-439F-8352-C2225C71F104}"/>
+              </a:ext>
+            </a:extLst>
+          </p:cNvPr>
+          <p:cNvSpPr/>
+          <p:nvPr/>
+        </p:nvSpPr>
+        <p:spPr>
+          <a:xfrm>
+            <a:off x="9138509" y="4835307"/>
+            <a:ext cx="222421" cy="222422"/>
+          </a:xfrm>
+          <a:prstGeom prst="ellipse">
+            <a:avLst/>
+          </a:prstGeom>
+          <a:ln>
+            <a:solidFill>
+              <a:schemeClr val="accent1"/>
+            </a:solidFill>
+          </a:ln>
+        </p:spPr>
+        <p:style>
+          <a:lnRef idx="2">
+            <a:schemeClr val="accent1">
+              <a:shade val="50000"/>
+            </a:schemeClr>
+          </a:lnRef>
+          <a:fillRef idx="1">
+            <a:schemeClr val="accent1"/>
+          </a:fillRef>
+          <a:effectRef idx="0">
+            <a:schemeClr val="accent1"/>
+          </a:effectRef>
+          <a:fontRef idx="minor">
+            <a:schemeClr val="lt1"/>
+          </a:fontRef>
+        </p:style>
+        <p:txBody>
+          <a:bodyPr rtlCol="0" anchor="ctr"/>
+          <a:lstStyle/>
+          <a:p>
+            <a:pPr algn="ctr"/>
+            <a:endParaRPr lang="en-US"/>
+          </a:p>
+        </p:txBody>
+      </p:sp>
+      <p:sp>
+        <p:nvSpPr>
+          <p:cNvPr id="135" name="Oval 134">
+            <a:extLst>
+              <a:ext uri="{FF2B5EF4-FFF2-40B4-BE49-F238E27FC236}">
+                <a16:creationId xmlns:a16="http://schemas.microsoft.com/office/drawing/2014/main" id="{C994938F-CD69-482A-A9CC-E14D75AC6420}"/>
+              </a:ext>
+            </a:extLst>
+          </p:cNvPr>
+          <p:cNvSpPr/>
+          <p:nvPr/>
+        </p:nvSpPr>
+        <p:spPr>
+          <a:xfrm>
+            <a:off x="8491838" y="5389301"/>
+            <a:ext cx="222421" cy="222422"/>
+          </a:xfrm>
+          <a:prstGeom prst="ellipse">
+            <a:avLst/>
+          </a:prstGeom>
+          <a:ln>
+            <a:solidFill>
+              <a:schemeClr val="accent1"/>
+            </a:solidFill>
+          </a:ln>
+        </p:spPr>
+        <p:style>
+          <a:lnRef idx="2">
+            <a:schemeClr val="accent1">
+              <a:shade val="50000"/>
+            </a:schemeClr>
+          </a:lnRef>
+          <a:fillRef idx="1">
+            <a:schemeClr val="accent1"/>
+          </a:fillRef>
+          <a:effectRef idx="0">
+            <a:schemeClr val="accent1"/>
+          </a:effectRef>
+          <a:fontRef idx="minor">
+            <a:schemeClr val="lt1"/>
+          </a:fontRef>
+        </p:style>
+        <p:txBody>
+          <a:bodyPr rtlCol="0" anchor="ctr"/>
+          <a:lstStyle/>
+          <a:p>
+            <a:pPr algn="ctr"/>
+            <a:endParaRPr lang="en-US"/>
+          </a:p>
+        </p:txBody>
+      </p:sp>
+      <p:sp>
+        <p:nvSpPr>
+          <p:cNvPr id="136" name="Oval 135">
+            <a:extLst>
+              <a:ext uri="{FF2B5EF4-FFF2-40B4-BE49-F238E27FC236}">
+                <a16:creationId xmlns:a16="http://schemas.microsoft.com/office/drawing/2014/main" id="{39EAD3CB-4A8E-4D8F-BB3C-17528DFBA8B2}"/>
+              </a:ext>
+            </a:extLst>
+          </p:cNvPr>
+          <p:cNvSpPr/>
+          <p:nvPr/>
+        </p:nvSpPr>
+        <p:spPr>
+          <a:xfrm>
+            <a:off x="9735721" y="5389301"/>
+            <a:ext cx="222421" cy="222422"/>
+          </a:xfrm>
+          <a:prstGeom prst="ellipse">
+            <a:avLst/>
+          </a:prstGeom>
+          <a:ln>
+            <a:solidFill>
+              <a:schemeClr val="accent1"/>
+            </a:solidFill>
+          </a:ln>
+        </p:spPr>
+        <p:style>
+          <a:lnRef idx="2">
+            <a:schemeClr val="accent1">
+              <a:shade val="50000"/>
+            </a:schemeClr>
+          </a:lnRef>
+          <a:fillRef idx="1">
+            <a:schemeClr val="accent1"/>
+          </a:fillRef>
+          <a:effectRef idx="0">
+            <a:schemeClr val="accent1"/>
+          </a:effectRef>
+          <a:fontRef idx="minor">
+            <a:schemeClr val="lt1"/>
+          </a:fontRef>
+        </p:style>
+        <p:txBody>
+          <a:bodyPr rtlCol="0" anchor="ctr"/>
+          <a:lstStyle/>
+          <a:p>
+            <a:pPr algn="ctr"/>
+            <a:endParaRPr lang="en-US"/>
+          </a:p>
+        </p:txBody>
+      </p:sp>
+      <p:sp>
+        <p:nvSpPr>
+          <p:cNvPr id="137" name="Oval 136">
+            <a:extLst>
+              <a:ext uri="{FF2B5EF4-FFF2-40B4-BE49-F238E27FC236}">
+                <a16:creationId xmlns:a16="http://schemas.microsoft.com/office/drawing/2014/main" id="{0A501DF6-40B3-4CCD-848C-EF0BEA78606F}"/>
+              </a:ext>
+            </a:extLst>
+          </p:cNvPr>
+          <p:cNvSpPr/>
+          <p:nvPr/>
+        </p:nvSpPr>
+        <p:spPr>
+          <a:xfrm>
+            <a:off x="8167432" y="5943295"/>
+            <a:ext cx="222421" cy="222422"/>
+          </a:xfrm>
+          <a:prstGeom prst="ellipse">
+            <a:avLst/>
+          </a:prstGeom>
+          <a:solidFill>
+            <a:srgbClr val="7030A0"/>
+          </a:solidFill>
+          <a:ln>
+            <a:solidFill>
+              <a:srgbClr val="7030A0"/>
+            </a:solidFill>
+          </a:ln>
+        </p:spPr>
+        <p:style>
+          <a:lnRef idx="2">
+            <a:schemeClr val="accent1">
+              <a:shade val="50000"/>
+            </a:schemeClr>
+          </a:lnRef>
+          <a:fillRef idx="1">
+            <a:schemeClr val="accent1"/>
+          </a:fillRef>
+          <a:effectRef idx="0">
+            <a:schemeClr val="accent1"/>
+          </a:effectRef>
+          <a:fontRef idx="minor">
+            <a:schemeClr val="lt1"/>
+          </a:fontRef>
+        </p:style>
+        <p:txBody>
+          <a:bodyPr rtlCol="0" anchor="ctr"/>
+          <a:lstStyle/>
+          <a:p>
+            <a:pPr algn="ctr"/>
+            <a:endParaRPr lang="en-US"/>
+          </a:p>
+        </p:txBody>
+      </p:sp>
+      <p:sp>
+        <p:nvSpPr>
+          <p:cNvPr id="138" name="Oval 137">
+            <a:extLst>
+              <a:ext uri="{FF2B5EF4-FFF2-40B4-BE49-F238E27FC236}">
+                <a16:creationId xmlns:a16="http://schemas.microsoft.com/office/drawing/2014/main" id="{CB10C243-EF59-4F77-8549-D66CA5463621}"/>
+              </a:ext>
+            </a:extLst>
+          </p:cNvPr>
+          <p:cNvSpPr/>
+          <p:nvPr/>
+        </p:nvSpPr>
+        <p:spPr>
+          <a:xfrm>
+            <a:off x="8814103" y="5943295"/>
+            <a:ext cx="222421" cy="222422"/>
+          </a:xfrm>
+          <a:prstGeom prst="ellipse">
+            <a:avLst/>
+          </a:prstGeom>
+          <a:ln>
+            <a:solidFill>
+              <a:schemeClr val="accent1"/>
+            </a:solidFill>
+          </a:ln>
+        </p:spPr>
+        <p:style>
+          <a:lnRef idx="2">
+            <a:schemeClr val="accent1">
+              <a:shade val="50000"/>
+            </a:schemeClr>
+          </a:lnRef>
+          <a:fillRef idx="1">
+            <a:schemeClr val="accent1"/>
+          </a:fillRef>
+          <a:effectRef idx="0">
+            <a:schemeClr val="accent1"/>
+          </a:effectRef>
+          <a:fontRef idx="minor">
+            <a:schemeClr val="lt1"/>
+          </a:fontRef>
+        </p:style>
+        <p:txBody>
+          <a:bodyPr rtlCol="0" anchor="ctr"/>
+          <a:lstStyle/>
+          <a:p>
+            <a:pPr algn="ctr"/>
+            <a:endParaRPr lang="en-US"/>
+          </a:p>
+        </p:txBody>
+      </p:sp>
+      <p:sp>
+        <p:nvSpPr>
+          <p:cNvPr id="139" name="Oval 138">
+            <a:extLst>
+              <a:ext uri="{FF2B5EF4-FFF2-40B4-BE49-F238E27FC236}">
+                <a16:creationId xmlns:a16="http://schemas.microsoft.com/office/drawing/2014/main" id="{846647DC-7BE6-4494-B488-9AC4675E8678}"/>
+              </a:ext>
+            </a:extLst>
+          </p:cNvPr>
+          <p:cNvSpPr/>
+          <p:nvPr/>
+        </p:nvSpPr>
+        <p:spPr>
+          <a:xfrm>
+            <a:off x="9421627" y="5943295"/>
+            <a:ext cx="222421" cy="222422"/>
+          </a:xfrm>
+          <a:prstGeom prst="ellipse">
+            <a:avLst/>
+          </a:prstGeom>
+          <a:solidFill>
+            <a:srgbClr val="7030A0"/>
+          </a:solidFill>
+          <a:ln>
+            <a:solidFill>
+              <a:srgbClr val="7030A0"/>
+            </a:solidFill>
+          </a:ln>
+        </p:spPr>
+        <p:style>
+          <a:lnRef idx="2">
+            <a:schemeClr val="accent1">
+              <a:shade val="50000"/>
+            </a:schemeClr>
+          </a:lnRef>
+          <a:fillRef idx="1">
+            <a:schemeClr val="accent1"/>
+          </a:fillRef>
+          <a:effectRef idx="0">
+            <a:schemeClr val="accent1"/>
+          </a:effectRef>
+          <a:fontRef idx="minor">
+            <a:schemeClr val="lt1"/>
+          </a:fontRef>
+        </p:style>
+        <p:txBody>
+          <a:bodyPr rtlCol="0" anchor="ctr"/>
+          <a:lstStyle/>
+          <a:p>
+            <a:pPr algn="ctr"/>
+            <a:endParaRPr lang="en-US"/>
+          </a:p>
+        </p:txBody>
+      </p:sp>
+      <p:sp>
+        <p:nvSpPr>
+          <p:cNvPr id="140" name="Oval 139">
+            <a:extLst>
+              <a:ext uri="{FF2B5EF4-FFF2-40B4-BE49-F238E27FC236}">
+                <a16:creationId xmlns:a16="http://schemas.microsoft.com/office/drawing/2014/main" id="{1700CB08-4745-482C-AAE5-872046011243}"/>
+              </a:ext>
+            </a:extLst>
+          </p:cNvPr>
+          <p:cNvSpPr/>
+          <p:nvPr/>
+        </p:nvSpPr>
+        <p:spPr>
+          <a:xfrm>
+            <a:off x="10068298" y="5943295"/>
+            <a:ext cx="222421" cy="222422"/>
+          </a:xfrm>
+          <a:prstGeom prst="ellipse">
+            <a:avLst/>
+          </a:prstGeom>
+          <a:ln>
+            <a:solidFill>
+              <a:schemeClr val="accent1"/>
+            </a:solidFill>
+          </a:ln>
+        </p:spPr>
+        <p:style>
+          <a:lnRef idx="2">
+            <a:schemeClr val="accent1">
+              <a:shade val="50000"/>
+            </a:schemeClr>
+          </a:lnRef>
+          <a:fillRef idx="1">
+            <a:schemeClr val="accent1"/>
+          </a:fillRef>
+          <a:effectRef idx="0">
+            <a:schemeClr val="accent1"/>
+          </a:effectRef>
+          <a:fontRef idx="minor">
+            <a:schemeClr val="lt1"/>
+          </a:fontRef>
+        </p:style>
+        <p:txBody>
+          <a:bodyPr rtlCol="0" anchor="ctr"/>
+          <a:lstStyle/>
+          <a:p>
+            <a:pPr algn="ctr"/>
+            <a:endParaRPr lang="en-US"/>
+          </a:p>
+        </p:txBody>
+      </p:sp>
+      <p:sp>
+        <p:nvSpPr>
+          <p:cNvPr id="141" name="Oval 140">
+            <a:extLst>
+              <a:ext uri="{FF2B5EF4-FFF2-40B4-BE49-F238E27FC236}">
+                <a16:creationId xmlns:a16="http://schemas.microsoft.com/office/drawing/2014/main" id="{4BC91EF7-C3E7-4D26-8753-D751EBB30262}"/>
+              </a:ext>
+            </a:extLst>
+          </p:cNvPr>
+          <p:cNvSpPr/>
+          <p:nvPr/>
+        </p:nvSpPr>
+        <p:spPr>
+          <a:xfrm>
+            <a:off x="9737947" y="6513765"/>
+            <a:ext cx="222421" cy="222422"/>
+          </a:xfrm>
+          <a:prstGeom prst="ellipse">
+            <a:avLst/>
+          </a:prstGeom>
+          <a:solidFill>
+            <a:srgbClr val="7030A0"/>
+          </a:solidFill>
+          <a:ln>
+            <a:solidFill>
+              <a:srgbClr val="7030A0"/>
+            </a:solidFill>
+          </a:ln>
+        </p:spPr>
+        <p:style>
+          <a:lnRef idx="2">
+            <a:schemeClr val="accent1">
+              <a:shade val="50000"/>
+            </a:schemeClr>
+          </a:lnRef>
+          <a:fillRef idx="1">
+            <a:schemeClr val="accent1"/>
+          </a:fillRef>
+          <a:effectRef idx="0">
+            <a:schemeClr val="accent1"/>
+          </a:effectRef>
+          <a:fontRef idx="minor">
+            <a:schemeClr val="lt1"/>
+          </a:fontRef>
+        </p:style>
+        <p:txBody>
+          <a:bodyPr rtlCol="0" anchor="ctr"/>
+          <a:lstStyle/>
+          <a:p>
+            <a:pPr algn="ctr"/>
+            <a:endParaRPr lang="en-US"/>
+          </a:p>
+        </p:txBody>
+      </p:sp>
+      <p:sp>
+        <p:nvSpPr>
+          <p:cNvPr id="142" name="Oval 141">
+            <a:extLst>
+              <a:ext uri="{FF2B5EF4-FFF2-40B4-BE49-F238E27FC236}">
+                <a16:creationId xmlns:a16="http://schemas.microsoft.com/office/drawing/2014/main" id="{05D3A5E1-48C9-4980-9F40-4C235F49482E}"/>
+              </a:ext>
+            </a:extLst>
+          </p:cNvPr>
+          <p:cNvSpPr/>
+          <p:nvPr/>
+        </p:nvSpPr>
+        <p:spPr>
+          <a:xfrm>
+            <a:off x="10384618" y="6513765"/>
+            <a:ext cx="222421" cy="222422"/>
+          </a:xfrm>
+          <a:prstGeom prst="ellipse">
+            <a:avLst/>
+          </a:prstGeom>
+          <a:solidFill>
+            <a:srgbClr val="FF0000"/>
+          </a:solidFill>
+          <a:ln>
+            <a:solidFill>
+              <a:srgbClr val="FF0000"/>
+            </a:solidFill>
+          </a:ln>
+        </p:spPr>
+        <p:style>
+          <a:lnRef idx="2">
+            <a:schemeClr val="accent1">
+              <a:shade val="50000"/>
+            </a:schemeClr>
+          </a:lnRef>
+          <a:fillRef idx="1">
+            <a:schemeClr val="accent1"/>
+          </a:fillRef>
+          <a:effectRef idx="0">
+            <a:schemeClr val="accent1"/>
+          </a:effectRef>
+          <a:fontRef idx="minor">
+            <a:schemeClr val="lt1"/>
+          </a:fontRef>
+        </p:style>
+        <p:txBody>
+          <a:bodyPr rtlCol="0" anchor="ctr"/>
+          <a:lstStyle/>
+          <a:p>
+            <a:pPr algn="ctr"/>
+            <a:endParaRPr lang="en-US"/>
+          </a:p>
+        </p:txBody>
+      </p:sp>
+      <p:sp>
+        <p:nvSpPr>
+          <p:cNvPr id="143" name="Oval 142">
+            <a:extLst>
+              <a:ext uri="{FF2B5EF4-FFF2-40B4-BE49-F238E27FC236}">
+                <a16:creationId xmlns:a16="http://schemas.microsoft.com/office/drawing/2014/main" id="{349F74E7-8A59-4774-835A-1251382EA162}"/>
+              </a:ext>
+            </a:extLst>
+          </p:cNvPr>
+          <p:cNvSpPr/>
+          <p:nvPr/>
+        </p:nvSpPr>
+        <p:spPr>
+          <a:xfrm>
+            <a:off x="8483752" y="6494954"/>
+            <a:ext cx="222421" cy="222422"/>
+          </a:xfrm>
+          <a:prstGeom prst="ellipse">
+            <a:avLst/>
+          </a:prstGeom>
+          <a:solidFill>
+            <a:srgbClr val="7030A0"/>
+          </a:solidFill>
+          <a:ln>
+            <a:solidFill>
+              <a:srgbClr val="7030A0"/>
+            </a:solidFill>
+          </a:ln>
+        </p:spPr>
+        <p:style>
+          <a:lnRef idx="2">
+            <a:schemeClr val="accent1">
+              <a:shade val="50000"/>
+            </a:schemeClr>
+          </a:lnRef>
+          <a:fillRef idx="1">
+            <a:schemeClr val="accent1"/>
+          </a:fillRef>
+          <a:effectRef idx="0">
+            <a:schemeClr val="accent1"/>
+          </a:effectRef>
+          <a:fontRef idx="minor">
+            <a:schemeClr val="lt1"/>
+          </a:fontRef>
+        </p:style>
+        <p:txBody>
+          <a:bodyPr rtlCol="0" anchor="ctr"/>
+          <a:lstStyle/>
+          <a:p>
+            <a:pPr algn="ctr"/>
+            <a:endParaRPr lang="en-US"/>
+          </a:p>
+        </p:txBody>
+      </p:sp>
+      <p:sp>
+        <p:nvSpPr>
+          <p:cNvPr id="144" name="Oval 143">
+            <a:extLst>
+              <a:ext uri="{FF2B5EF4-FFF2-40B4-BE49-F238E27FC236}">
+                <a16:creationId xmlns:a16="http://schemas.microsoft.com/office/drawing/2014/main" id="{5AD79881-38EF-48B8-A84A-193A99FCABF3}"/>
+              </a:ext>
+            </a:extLst>
+          </p:cNvPr>
+          <p:cNvSpPr/>
+          <p:nvPr/>
+        </p:nvSpPr>
+        <p:spPr>
+          <a:xfrm>
+            <a:off x="9130423" y="6494954"/>
+            <a:ext cx="222421" cy="222422"/>
+          </a:xfrm>
+          <a:prstGeom prst="ellipse">
+            <a:avLst/>
+          </a:prstGeom>
+          <a:solidFill>
+            <a:srgbClr val="FF0000"/>
+          </a:solidFill>
+          <a:ln>
+            <a:solidFill>
+              <a:srgbClr val="FF0000"/>
+            </a:solidFill>
+          </a:ln>
+        </p:spPr>
+        <p:style>
+          <a:lnRef idx="2">
+            <a:schemeClr val="accent1">
+              <a:shade val="50000"/>
+            </a:schemeClr>
+          </a:lnRef>
+          <a:fillRef idx="1">
+            <a:schemeClr val="accent1"/>
+          </a:fillRef>
+          <a:effectRef idx="0">
+            <a:schemeClr val="accent1"/>
+          </a:effectRef>
+          <a:fontRef idx="minor">
+            <a:schemeClr val="lt1"/>
+          </a:fontRef>
+        </p:style>
+        <p:txBody>
+          <a:bodyPr rtlCol="0" anchor="ctr"/>
+          <a:lstStyle/>
+          <a:p>
+            <a:pPr algn="ctr"/>
+            <a:endParaRPr lang="en-US"/>
+          </a:p>
+        </p:txBody>
+      </p:sp>
     </p:spTree>
     <p:extLst>
       <p:ext uri="{BB962C8B-B14F-4D97-AF65-F5344CB8AC3E}">
@@ -14415,37 +14490,8 @@
         </p:blipFill>
         <p:spPr>
           <a:xfrm>
-            <a:off x="1108287" y="2507507"/>
+            <a:off x="1100895" y="2469546"/>
             <a:ext cx="3049183" cy="686820"/>
-          </a:xfrm>
-          <a:prstGeom prst="rect">
-            <a:avLst/>
-          </a:prstGeom>
-        </p:spPr>
-      </p:pic>
-      <p:pic>
-        <p:nvPicPr>
-          <p:cNvPr id="10" name="Picture 9">
-            <a:extLst>
-              <a:ext uri="{FF2B5EF4-FFF2-40B4-BE49-F238E27FC236}">
-                <a16:creationId xmlns:a16="http://schemas.microsoft.com/office/drawing/2014/main" id="{E99874DB-7CB6-4065-8986-8C0791C663D3}"/>
-              </a:ext>
-            </a:extLst>
-          </p:cNvPr>
-          <p:cNvPicPr>
-            <a:picLocks noChangeAspect="1"/>
-          </p:cNvPicPr>
-          <p:nvPr/>
-        </p:nvPicPr>
-        <p:blipFill rotWithShape="1">
-          <a:blip r:embed="rId5"/>
-          <a:srcRect b="19402"/>
-          <a:stretch/>
-        </p:blipFill>
-        <p:spPr>
-          <a:xfrm>
-            <a:off x="764895" y="3462570"/>
-            <a:ext cx="3732655" cy="2319403"/>
           </a:xfrm>
           <a:prstGeom prst="rect">
             <a:avLst/>
@@ -14467,15 +14513,15 @@
           <p:nvPr/>
         </p:nvPicPr>
         <p:blipFill>
-          <a:blip r:embed="rId6"/>
+          <a:blip r:embed="rId5"/>
           <a:stretch>
             <a:fillRect/>
           </a:stretch>
         </p:blipFill>
         <p:spPr>
           <a:xfrm>
-            <a:off x="1289329" y="6198466"/>
-            <a:ext cx="2775963" cy="410611"/>
+            <a:off x="320862" y="6546712"/>
+            <a:ext cx="1757874" cy="260019"/>
           </a:xfrm>
           <a:prstGeom prst="rect">
             <a:avLst/>
@@ -14496,7 +14542,7 @@
         </p:nvSpPr>
         <p:spPr>
           <a:xfrm>
-            <a:off x="5019894" y="2957634"/>
+            <a:off x="5012502" y="2919673"/>
             <a:ext cx="1659202" cy="369332"/>
           </a:xfrm>
           <a:prstGeom prst="rect">
@@ -14536,7 +14582,7 @@
         </p:nvSpPr>
         <p:spPr>
           <a:xfrm>
-            <a:off x="5019894" y="2525033"/>
+            <a:off x="5012502" y="2487072"/>
             <a:ext cx="1738715" cy="369332"/>
           </a:xfrm>
           <a:prstGeom prst="rect">
@@ -14576,7 +14622,7 @@
         </p:nvSpPr>
         <p:spPr>
           <a:xfrm>
-            <a:off x="5019894" y="3875891"/>
+            <a:off x="5012502" y="3837930"/>
             <a:ext cx="2109776" cy="369332"/>
           </a:xfrm>
           <a:prstGeom prst="rect">
@@ -14618,7 +14664,7 @@
         </p:nvSpPr>
         <p:spPr>
           <a:xfrm>
-            <a:off x="5019894" y="4348970"/>
+            <a:off x="5012502" y="4311009"/>
             <a:ext cx="2242297" cy="369332"/>
           </a:xfrm>
           <a:prstGeom prst="rect">
@@ -14660,7 +14706,7 @@
         </p:nvSpPr>
         <p:spPr>
           <a:xfrm>
-            <a:off x="5019895" y="4814688"/>
+            <a:off x="5012503" y="4776727"/>
             <a:ext cx="2573602" cy="369332"/>
           </a:xfrm>
           <a:prstGeom prst="rect">
@@ -14700,7 +14746,7 @@
         </p:nvSpPr>
         <p:spPr>
           <a:xfrm>
-            <a:off x="5019894" y="5442339"/>
+            <a:off x="5012502" y="5404378"/>
             <a:ext cx="2679619" cy="369332"/>
           </a:xfrm>
           <a:prstGeom prst="rect">
@@ -14743,7 +14789,7 @@
         </p:nvCxnSpPr>
         <p:spPr>
           <a:xfrm flipH="1">
-            <a:off x="4034138" y="2709699"/>
+            <a:off x="4026746" y="2671738"/>
             <a:ext cx="985756" cy="0"/>
           </a:xfrm>
           <a:prstGeom prst="straightConnector1">
@@ -14788,7 +14834,7 @@
         </p:nvCxnSpPr>
         <p:spPr>
           <a:xfrm rot="10800000">
-            <a:off x="2545136" y="2957642"/>
+            <a:off x="2537744" y="2919681"/>
             <a:ext cx="2474759" cy="184659"/>
           </a:xfrm>
           <a:prstGeom prst="bentConnector3">
@@ -14818,6 +14864,36 @@
           </a:fontRef>
         </p:style>
       </p:cxnSp>
+      <p:pic>
+        <p:nvPicPr>
+          <p:cNvPr id="7199" name="Picture 7198">
+            <a:extLst>
+              <a:ext uri="{FF2B5EF4-FFF2-40B4-BE49-F238E27FC236}">
+                <a16:creationId xmlns:a16="http://schemas.microsoft.com/office/drawing/2014/main" id="{4378412B-48CE-4A84-B3A0-7C7C85A8BA56}"/>
+              </a:ext>
+            </a:extLst>
+          </p:cNvPr>
+          <p:cNvPicPr>
+            <a:picLocks noChangeAspect="1"/>
+          </p:cNvPicPr>
+          <p:nvPr/>
+        </p:nvPicPr>
+        <p:blipFill>
+          <a:blip r:embed="rId6"/>
+          <a:stretch>
+            <a:fillRect/>
+          </a:stretch>
+        </p:blipFill>
+        <p:spPr>
+          <a:xfrm>
+            <a:off x="831621" y="3507089"/>
+            <a:ext cx="3680460" cy="2773049"/>
+          </a:xfrm>
+          <a:prstGeom prst="rect">
+            <a:avLst/>
+          </a:prstGeom>
+        </p:spPr>
+      </p:pic>
       <p:cxnSp>
         <p:nvCxnSpPr>
           <p:cNvPr id="48" name="Connector: Elbow 47">
@@ -14835,7 +14911,7 @@
         </p:nvCxnSpPr>
         <p:spPr>
           <a:xfrm rot="10800000">
-            <a:off x="2244564" y="3875891"/>
+            <a:off x="2237172" y="3837930"/>
             <a:ext cx="2775331" cy="184666"/>
           </a:xfrm>
           <a:prstGeom prst="bentConnector3">
@@ -14885,7 +14961,7 @@
         </p:nvCxnSpPr>
         <p:spPr>
           <a:xfrm rot="10800000">
-            <a:off x="2213406" y="4419304"/>
+            <a:off x="2206014" y="4381343"/>
             <a:ext cx="2806488" cy="114332"/>
           </a:xfrm>
           <a:prstGeom prst="bentConnector3">
@@ -14935,7 +15011,7 @@
         </p:nvCxnSpPr>
         <p:spPr>
           <a:xfrm flipH="1">
-            <a:off x="2213407" y="4999354"/>
+            <a:off x="2206015" y="4961393"/>
             <a:ext cx="2806488" cy="0"/>
           </a:xfrm>
           <a:prstGeom prst="straightConnector1">
@@ -14980,8 +15056,8 @@
         </p:nvCxnSpPr>
         <p:spPr>
           <a:xfrm flipH="1">
-            <a:off x="2148828" y="5627005"/>
-            <a:ext cx="2871066" cy="9911"/>
+            <a:off x="2206013" y="5589044"/>
+            <a:ext cx="2806489" cy="15664"/>
           </a:xfrm>
           <a:prstGeom prst="straightConnector1">
             <a:avLst/>
@@ -15022,7 +15098,7 @@
         </p:nvSpPr>
         <p:spPr>
           <a:xfrm>
-            <a:off x="5019893" y="3402813"/>
+            <a:off x="5012501" y="3364852"/>
             <a:ext cx="1168871" cy="369332"/>
           </a:xfrm>
           <a:prstGeom prst="rect">
@@ -15068,7 +15144,7 @@
         </p:nvCxnSpPr>
         <p:spPr>
           <a:xfrm rot="10800000">
-            <a:off x="2899781" y="2939487"/>
+            <a:off x="2892389" y="2901526"/>
             <a:ext cx="2120112" cy="647993"/>
           </a:xfrm>
           <a:prstGeom prst="bentConnector3">
@@ -15101,6 +15177,66 @@
           </a:fontRef>
         </p:style>
       </p:cxnSp>
+      <p:pic>
+        <p:nvPicPr>
+          <p:cNvPr id="7202" name="Picture 7201">
+            <a:extLst>
+              <a:ext uri="{FF2B5EF4-FFF2-40B4-BE49-F238E27FC236}">
+                <a16:creationId xmlns:a16="http://schemas.microsoft.com/office/drawing/2014/main" id="{76F05A83-B47B-4A78-992F-3AEA94EC2CC1}"/>
+              </a:ext>
+            </a:extLst>
+          </p:cNvPr>
+          <p:cNvPicPr>
+            <a:picLocks noChangeAspect="1"/>
+          </p:cNvPicPr>
+          <p:nvPr/>
+        </p:nvPicPr>
+        <p:blipFill>
+          <a:blip r:embed="rId7"/>
+          <a:stretch>
+            <a:fillRect/>
+          </a:stretch>
+        </p:blipFill>
+        <p:spPr>
+          <a:xfrm>
+            <a:off x="1153944" y="6237105"/>
+            <a:ext cx="2104137" cy="331963"/>
+          </a:xfrm>
+          <a:prstGeom prst="rect">
+            <a:avLst/>
+          </a:prstGeom>
+        </p:spPr>
+      </p:pic>
+      <p:pic>
+        <p:nvPicPr>
+          <p:cNvPr id="7204" name="Picture 7203">
+            <a:extLst>
+              <a:ext uri="{FF2B5EF4-FFF2-40B4-BE49-F238E27FC236}">
+                <a16:creationId xmlns:a16="http://schemas.microsoft.com/office/drawing/2014/main" id="{78B279B5-3362-4DED-998C-51B1343692A1}"/>
+              </a:ext>
+            </a:extLst>
+          </p:cNvPr>
+          <p:cNvPicPr>
+            <a:picLocks noChangeAspect="1"/>
+          </p:cNvPicPr>
+          <p:nvPr/>
+        </p:nvPicPr>
+        <p:blipFill>
+          <a:blip r:embed="rId8"/>
+          <a:stretch>
+            <a:fillRect/>
+          </a:stretch>
+        </p:blipFill>
+        <p:spPr>
+          <a:xfrm>
+            <a:off x="2206013" y="6496975"/>
+            <a:ext cx="2112975" cy="309756"/>
+          </a:xfrm>
+          <a:prstGeom prst="rect">
+            <a:avLst/>
+          </a:prstGeom>
+        </p:spPr>
+      </p:pic>
     </p:spTree>
     <p:extLst>
       <p:ext uri="{BB962C8B-B14F-4D97-AF65-F5344CB8AC3E}">
@@ -18795,36 +18931,1095 @@
           <a:p>
             <a:r>
               <a:rPr lang="en-US" dirty="0"/>
-              <a:t>Cutting Planes Stuff</a:t>
+              <a:t>Numerical Feasibility</a:t>
             </a:r>
           </a:p>
         </p:txBody>
       </p:sp>
-      <p:sp>
-        <p:nvSpPr>
-          <p:cNvPr id="3" name="Content Placeholder 2">
-            <a:extLst>
-              <a:ext uri="{FF2B5EF4-FFF2-40B4-BE49-F238E27FC236}">
-                <a16:creationId xmlns:a16="http://schemas.microsoft.com/office/drawing/2014/main" id="{7151F270-45F6-4591-AD1C-6D99EE48D832}"/>
-              </a:ext>
-            </a:extLst>
-          </p:cNvPr>
-          <p:cNvSpPr>
-            <a:spLocks noGrp="1"/>
-          </p:cNvSpPr>
-          <p:nvPr>
-            <p:ph idx="1"/>
-          </p:nvPr>
-        </p:nvSpPr>
-        <p:spPr/>
-        <p:txBody>
-          <a:bodyPr/>
-          <a:lstStyle/>
-          <a:p>
-            <a:endParaRPr lang="en-US"/>
-          </a:p>
-        </p:txBody>
-      </p:sp>
+      <p:pic>
+        <p:nvPicPr>
+          <p:cNvPr id="4" name="Picture 3">
+            <a:extLst>
+              <a:ext uri="{FF2B5EF4-FFF2-40B4-BE49-F238E27FC236}">
+                <a16:creationId xmlns:a16="http://schemas.microsoft.com/office/drawing/2014/main" id="{A9A751F5-A1BC-4983-8AC4-5563F66EE95E}"/>
+              </a:ext>
+            </a:extLst>
+          </p:cNvPr>
+          <p:cNvPicPr>
+            <a:picLocks noChangeAspect="1"/>
+          </p:cNvPicPr>
+          <p:nvPr/>
+        </p:nvPicPr>
+        <p:blipFill>
+          <a:blip r:embed="rId2"/>
+          <a:stretch>
+            <a:fillRect/>
+          </a:stretch>
+        </p:blipFill>
+        <p:spPr>
+          <a:xfrm>
+            <a:off x="3320037" y="5668070"/>
+            <a:ext cx="2775963" cy="410611"/>
+          </a:xfrm>
+          <a:prstGeom prst="rect">
+            <a:avLst/>
+          </a:prstGeom>
+          <a:ln w="25400">
+            <a:solidFill>
+              <a:srgbClr val="FF00FF"/>
+            </a:solidFill>
+          </a:ln>
+        </p:spPr>
+      </p:pic>
+      <p:grpSp>
+        <p:nvGrpSpPr>
+          <p:cNvPr id="37" name="Group 36">
+            <a:extLst>
+              <a:ext uri="{FF2B5EF4-FFF2-40B4-BE49-F238E27FC236}">
+                <a16:creationId xmlns:a16="http://schemas.microsoft.com/office/drawing/2014/main" id="{6FF34009-DE3B-49CE-83F8-11FE7DDC07CD}"/>
+              </a:ext>
+            </a:extLst>
+          </p:cNvPr>
+          <p:cNvGrpSpPr/>
+          <p:nvPr/>
+        </p:nvGrpSpPr>
+        <p:grpSpPr>
+          <a:xfrm>
+            <a:off x="1637390" y="1617384"/>
+            <a:ext cx="6934618" cy="3828842"/>
+            <a:chOff x="764895" y="2507507"/>
+            <a:chExt cx="6934618" cy="3828842"/>
+          </a:xfrm>
+        </p:grpSpPr>
+        <p:pic>
+          <p:nvPicPr>
+            <p:cNvPr id="21" name="Picture 20">
+              <a:extLst>
+                <a:ext uri="{FF2B5EF4-FFF2-40B4-BE49-F238E27FC236}">
+                  <a16:creationId xmlns:a16="http://schemas.microsoft.com/office/drawing/2014/main" id="{39AE02F6-DDFA-4861-9B2B-8AF5BDF469B1}"/>
+                </a:ext>
+              </a:extLst>
+            </p:cNvPr>
+            <p:cNvPicPr>
+              <a:picLocks noChangeAspect="1"/>
+            </p:cNvPicPr>
+            <p:nvPr/>
+          </p:nvPicPr>
+          <p:blipFill>
+            <a:blip r:embed="rId3"/>
+            <a:stretch>
+              <a:fillRect/>
+            </a:stretch>
+          </p:blipFill>
+          <p:spPr>
+            <a:xfrm>
+              <a:off x="1108287" y="2507507"/>
+              <a:ext cx="3049183" cy="686820"/>
+            </a:xfrm>
+            <a:prstGeom prst="rect">
+              <a:avLst/>
+            </a:prstGeom>
+          </p:spPr>
+        </p:pic>
+        <p:pic>
+          <p:nvPicPr>
+            <p:cNvPr id="22" name="Picture 21">
+              <a:extLst>
+                <a:ext uri="{FF2B5EF4-FFF2-40B4-BE49-F238E27FC236}">
+                  <a16:creationId xmlns:a16="http://schemas.microsoft.com/office/drawing/2014/main" id="{E36D1A09-3173-43AC-BEC6-59A991A4A73A}"/>
+                </a:ext>
+              </a:extLst>
+            </p:cNvPr>
+            <p:cNvPicPr>
+              <a:picLocks noChangeAspect="1"/>
+            </p:cNvPicPr>
+            <p:nvPr/>
+          </p:nvPicPr>
+          <p:blipFill rotWithShape="1">
+            <a:blip r:embed="rId4"/>
+            <a:srcRect b="138"/>
+            <a:stretch/>
+          </p:blipFill>
+          <p:spPr>
+            <a:xfrm>
+              <a:off x="764895" y="3462570"/>
+              <a:ext cx="3732655" cy="2873779"/>
+            </a:xfrm>
+            <a:prstGeom prst="rect">
+              <a:avLst/>
+            </a:prstGeom>
+          </p:spPr>
+        </p:pic>
+        <p:sp>
+          <p:nvSpPr>
+            <p:cNvPr id="23" name="TextBox 22">
+              <a:extLst>
+                <a:ext uri="{FF2B5EF4-FFF2-40B4-BE49-F238E27FC236}">
+                  <a16:creationId xmlns:a16="http://schemas.microsoft.com/office/drawing/2014/main" id="{91C19290-0417-4D95-833B-6A695C658904}"/>
+                </a:ext>
+              </a:extLst>
+            </p:cNvPr>
+            <p:cNvSpPr txBox="1"/>
+            <p:nvPr/>
+          </p:nvSpPr>
+          <p:spPr>
+            <a:xfrm>
+              <a:off x="5019894" y="2957634"/>
+              <a:ext cx="1659202" cy="369332"/>
+            </a:xfrm>
+            <a:prstGeom prst="rect">
+              <a:avLst/>
+            </a:prstGeom>
+            <a:noFill/>
+            <a:ln w="31750">
+              <a:solidFill>
+                <a:srgbClr val="7030A0"/>
+              </a:solidFill>
+            </a:ln>
+          </p:spPr>
+          <p:txBody>
+            <a:bodyPr wrap="square" rtlCol="0">
+              <a:spAutoFit/>
+            </a:bodyPr>
+            <a:lstStyle/>
+            <a:p>
+              <a:r>
+                <a:rPr lang="en-US" dirty="0"/>
+                <a:t>“positive” cases</a:t>
+              </a:r>
+            </a:p>
+          </p:txBody>
+        </p:sp>
+        <p:sp>
+          <p:nvSpPr>
+            <p:cNvPr id="24" name="TextBox 23">
+              <a:extLst>
+                <a:ext uri="{FF2B5EF4-FFF2-40B4-BE49-F238E27FC236}">
+                  <a16:creationId xmlns:a16="http://schemas.microsoft.com/office/drawing/2014/main" id="{73226C25-6D7A-4ADB-A40B-3FF3A6AD4A6A}"/>
+                </a:ext>
+              </a:extLst>
+            </p:cNvPr>
+            <p:cNvSpPr txBox="1"/>
+            <p:nvPr/>
+          </p:nvSpPr>
+          <p:spPr>
+            <a:xfrm>
+              <a:off x="5019894" y="2525033"/>
+              <a:ext cx="1738715" cy="369332"/>
+            </a:xfrm>
+            <a:prstGeom prst="rect">
+              <a:avLst/>
+            </a:prstGeom>
+            <a:noFill/>
+            <a:ln w="31750">
+              <a:solidFill>
+                <a:srgbClr val="FF0000"/>
+              </a:solidFill>
+            </a:ln>
+          </p:spPr>
+          <p:txBody>
+            <a:bodyPr wrap="square" rtlCol="0">
+              <a:spAutoFit/>
+            </a:bodyPr>
+            <a:lstStyle/>
+            <a:p>
+              <a:r>
+                <a:rPr lang="en-US" dirty="0"/>
+                <a:t>“negative” cases</a:t>
+              </a:r>
+            </a:p>
+          </p:txBody>
+        </p:sp>
+        <p:sp>
+          <p:nvSpPr>
+            <p:cNvPr id="25" name="TextBox 24">
+              <a:extLst>
+                <a:ext uri="{FF2B5EF4-FFF2-40B4-BE49-F238E27FC236}">
+                  <a16:creationId xmlns:a16="http://schemas.microsoft.com/office/drawing/2014/main" id="{A955ECF3-5555-4DEE-B905-3392990C7183}"/>
+                </a:ext>
+              </a:extLst>
+            </p:cNvPr>
+            <p:cNvSpPr txBox="1"/>
+            <p:nvPr/>
+          </p:nvSpPr>
+          <p:spPr>
+            <a:xfrm>
+              <a:off x="5019894" y="3875891"/>
+              <a:ext cx="2109776" cy="369332"/>
+            </a:xfrm>
+            <a:prstGeom prst="rect">
+              <a:avLst/>
+            </a:prstGeom>
+            <a:noFill/>
+            <a:ln w="31750">
+              <a:solidFill>
+                <a:schemeClr val="accent6">
+                  <a:lumMod val="75000"/>
+                </a:schemeClr>
+              </a:solidFill>
+            </a:ln>
+          </p:spPr>
+          <p:txBody>
+            <a:bodyPr wrap="square" rtlCol="0">
+              <a:spAutoFit/>
+            </a:bodyPr>
+            <a:lstStyle/>
+            <a:p>
+              <a:r>
+                <a:rPr lang="en-US" dirty="0"/>
+                <a:t>group used indicator</a:t>
+              </a:r>
+            </a:p>
+          </p:txBody>
+        </p:sp>
+        <p:sp>
+          <p:nvSpPr>
+            <p:cNvPr id="26" name="TextBox 25">
+              <a:extLst>
+                <a:ext uri="{FF2B5EF4-FFF2-40B4-BE49-F238E27FC236}">
+                  <a16:creationId xmlns:a16="http://schemas.microsoft.com/office/drawing/2014/main" id="{CFA768EA-476B-4620-BE00-89636EECE350}"/>
+                </a:ext>
+              </a:extLst>
+            </p:cNvPr>
+            <p:cNvSpPr txBox="1"/>
+            <p:nvPr/>
+          </p:nvSpPr>
+          <p:spPr>
+            <a:xfrm>
+              <a:off x="5019894" y="4348970"/>
+              <a:ext cx="2242297" cy="369332"/>
+            </a:xfrm>
+            <a:prstGeom prst="rect">
+              <a:avLst/>
+            </a:prstGeom>
+            <a:noFill/>
+            <a:ln w="31750">
+              <a:solidFill>
+                <a:schemeClr val="accent2">
+                  <a:lumMod val="75000"/>
+                </a:schemeClr>
+              </a:solidFill>
+            </a:ln>
+          </p:spPr>
+          <p:txBody>
+            <a:bodyPr wrap="square" rtlCol="0">
+              <a:spAutoFit/>
+            </a:bodyPr>
+            <a:lstStyle/>
+            <a:p>
+              <a:r>
+                <a:rPr lang="en-US" dirty="0"/>
+                <a:t>feature used indicator</a:t>
+              </a:r>
+            </a:p>
+          </p:txBody>
+        </p:sp>
+        <p:sp>
+          <p:nvSpPr>
+            <p:cNvPr id="27" name="TextBox 26">
+              <a:extLst>
+                <a:ext uri="{FF2B5EF4-FFF2-40B4-BE49-F238E27FC236}">
+                  <a16:creationId xmlns:a16="http://schemas.microsoft.com/office/drawing/2014/main" id="{B232F206-42F3-46B9-B94C-16964830401C}"/>
+                </a:ext>
+              </a:extLst>
+            </p:cNvPr>
+            <p:cNvSpPr txBox="1"/>
+            <p:nvPr/>
+          </p:nvSpPr>
+          <p:spPr>
+            <a:xfrm>
+              <a:off x="5019895" y="4814688"/>
+              <a:ext cx="2573602" cy="369332"/>
+            </a:xfrm>
+            <a:prstGeom prst="rect">
+              <a:avLst/>
+            </a:prstGeom>
+            <a:noFill/>
+            <a:ln w="31750">
+              <a:solidFill>
+                <a:schemeClr val="accent1"/>
+              </a:solidFill>
+            </a:ln>
+          </p:spPr>
+          <p:txBody>
+            <a:bodyPr wrap="square" rtlCol="0">
+              <a:spAutoFit/>
+            </a:bodyPr>
+            <a:lstStyle/>
+            <a:p>
+              <a:r>
+                <a:rPr lang="en-US" dirty="0"/>
+                <a:t>nodes used to branch left</a:t>
+              </a:r>
+            </a:p>
+          </p:txBody>
+        </p:sp>
+        <p:sp>
+          <p:nvSpPr>
+            <p:cNvPr id="28" name="TextBox 27">
+              <a:extLst>
+                <a:ext uri="{FF2B5EF4-FFF2-40B4-BE49-F238E27FC236}">
+                  <a16:creationId xmlns:a16="http://schemas.microsoft.com/office/drawing/2014/main" id="{3F17BF8C-2358-4BBF-B73E-62A84D4D964A}"/>
+                </a:ext>
+              </a:extLst>
+            </p:cNvPr>
+            <p:cNvSpPr txBox="1"/>
+            <p:nvPr/>
+          </p:nvSpPr>
+          <p:spPr>
+            <a:xfrm>
+              <a:off x="5019894" y="5442339"/>
+              <a:ext cx="2679619" cy="369332"/>
+            </a:xfrm>
+            <a:prstGeom prst="rect">
+              <a:avLst/>
+            </a:prstGeom>
+            <a:noFill/>
+            <a:ln w="31750">
+              <a:solidFill>
+                <a:schemeClr val="accent1"/>
+              </a:solidFill>
+            </a:ln>
+          </p:spPr>
+          <p:txBody>
+            <a:bodyPr wrap="square" rtlCol="0">
+              <a:spAutoFit/>
+            </a:bodyPr>
+            <a:lstStyle/>
+            <a:p>
+              <a:r>
+                <a:rPr lang="en-US" dirty="0"/>
+                <a:t>nodes used to branch right</a:t>
+              </a:r>
+            </a:p>
+          </p:txBody>
+        </p:sp>
+        <p:cxnSp>
+          <p:nvCxnSpPr>
+            <p:cNvPr id="29" name="Straight Arrow Connector 28">
+              <a:extLst>
+                <a:ext uri="{FF2B5EF4-FFF2-40B4-BE49-F238E27FC236}">
+                  <a16:creationId xmlns:a16="http://schemas.microsoft.com/office/drawing/2014/main" id="{160169FF-392E-4EBA-9C97-A0AD279FBFA8}"/>
+                </a:ext>
+              </a:extLst>
+            </p:cNvPr>
+            <p:cNvCxnSpPr>
+              <a:cxnSpLocks/>
+              <a:stCxn id="24" idx="1"/>
+            </p:cNvCxnSpPr>
+            <p:nvPr/>
+          </p:nvCxnSpPr>
+          <p:spPr>
+            <a:xfrm flipH="1">
+              <a:off x="4034138" y="2709699"/>
+              <a:ext cx="985756" cy="0"/>
+            </a:xfrm>
+            <a:prstGeom prst="straightConnector1">
+              <a:avLst/>
+            </a:prstGeom>
+            <a:ln w="19050">
+              <a:solidFill>
+                <a:srgbClr val="FF0000"/>
+              </a:solidFill>
+              <a:tailEnd type="triangle"/>
+            </a:ln>
+          </p:spPr>
+          <p:style>
+            <a:lnRef idx="1">
+              <a:schemeClr val="accent1"/>
+            </a:lnRef>
+            <a:fillRef idx="0">
+              <a:schemeClr val="accent1"/>
+            </a:fillRef>
+            <a:effectRef idx="0">
+              <a:schemeClr val="accent1"/>
+            </a:effectRef>
+            <a:fontRef idx="minor">
+              <a:schemeClr val="tx1"/>
+            </a:fontRef>
+          </p:style>
+        </p:cxnSp>
+        <p:cxnSp>
+          <p:nvCxnSpPr>
+            <p:cNvPr id="30" name="Connector: Elbow 29">
+              <a:extLst>
+                <a:ext uri="{FF2B5EF4-FFF2-40B4-BE49-F238E27FC236}">
+                  <a16:creationId xmlns:a16="http://schemas.microsoft.com/office/drawing/2014/main" id="{8FD7E56F-2A57-4F01-A3CC-47EA3DB8938C}"/>
+                </a:ext>
+              </a:extLst>
+            </p:cNvPr>
+            <p:cNvCxnSpPr>
+              <a:cxnSpLocks/>
+              <a:stCxn id="23" idx="1"/>
+            </p:cNvCxnSpPr>
+            <p:nvPr/>
+          </p:nvCxnSpPr>
+          <p:spPr>
+            <a:xfrm rot="10800000">
+              <a:off x="2545136" y="2957642"/>
+              <a:ext cx="2474759" cy="184659"/>
+            </a:xfrm>
+            <a:prstGeom prst="bentConnector3">
+              <a:avLst>
+                <a:gd name="adj1" fmla="val 100069"/>
+              </a:avLst>
+            </a:prstGeom>
+            <a:ln w="19050">
+              <a:solidFill>
+                <a:srgbClr val="7030A0"/>
+              </a:solidFill>
+              <a:tailEnd type="triangle"/>
+            </a:ln>
+          </p:spPr>
+          <p:style>
+            <a:lnRef idx="1">
+              <a:schemeClr val="accent1"/>
+            </a:lnRef>
+            <a:fillRef idx="0">
+              <a:schemeClr val="accent1"/>
+            </a:fillRef>
+            <a:effectRef idx="0">
+              <a:schemeClr val="accent1"/>
+            </a:effectRef>
+            <a:fontRef idx="minor">
+              <a:schemeClr val="tx1"/>
+            </a:fontRef>
+          </p:style>
+        </p:cxnSp>
+        <p:cxnSp>
+          <p:nvCxnSpPr>
+            <p:cNvPr id="31" name="Connector: Elbow 30">
+              <a:extLst>
+                <a:ext uri="{FF2B5EF4-FFF2-40B4-BE49-F238E27FC236}">
+                  <a16:creationId xmlns:a16="http://schemas.microsoft.com/office/drawing/2014/main" id="{F3698A6D-63FE-4DB5-8F21-62E97ED11587}"/>
+                </a:ext>
+              </a:extLst>
+            </p:cNvPr>
+            <p:cNvCxnSpPr>
+              <a:cxnSpLocks/>
+              <a:stCxn id="25" idx="1"/>
+            </p:cNvCxnSpPr>
+            <p:nvPr/>
+          </p:nvCxnSpPr>
+          <p:spPr>
+            <a:xfrm rot="10800000">
+              <a:off x="2244564" y="3875891"/>
+              <a:ext cx="2775331" cy="184666"/>
+            </a:xfrm>
+            <a:prstGeom prst="bentConnector3">
+              <a:avLst>
+                <a:gd name="adj1" fmla="val 99899"/>
+              </a:avLst>
+            </a:prstGeom>
+            <a:ln w="19050">
+              <a:solidFill>
+                <a:schemeClr val="accent6">
+                  <a:lumMod val="75000"/>
+                </a:schemeClr>
+              </a:solidFill>
+              <a:bevel/>
+              <a:tailEnd type="triangle"/>
+            </a:ln>
+          </p:spPr>
+          <p:style>
+            <a:lnRef idx="1">
+              <a:schemeClr val="accent1"/>
+            </a:lnRef>
+            <a:fillRef idx="0">
+              <a:schemeClr val="accent1"/>
+            </a:fillRef>
+            <a:effectRef idx="0">
+              <a:schemeClr val="accent1"/>
+            </a:effectRef>
+            <a:fontRef idx="minor">
+              <a:schemeClr val="tx1"/>
+            </a:fontRef>
+          </p:style>
+        </p:cxnSp>
+        <p:cxnSp>
+          <p:nvCxnSpPr>
+            <p:cNvPr id="32" name="Connector: Elbow 31">
+              <a:extLst>
+                <a:ext uri="{FF2B5EF4-FFF2-40B4-BE49-F238E27FC236}">
+                  <a16:creationId xmlns:a16="http://schemas.microsoft.com/office/drawing/2014/main" id="{14488BC8-0DF2-4CFB-B0C8-6BA949C6BD71}"/>
+                </a:ext>
+              </a:extLst>
+            </p:cNvPr>
+            <p:cNvCxnSpPr>
+              <a:cxnSpLocks/>
+              <a:stCxn id="26" idx="1"/>
+            </p:cNvCxnSpPr>
+            <p:nvPr/>
+          </p:nvCxnSpPr>
+          <p:spPr>
+            <a:xfrm rot="10800000">
+              <a:off x="2213406" y="4419304"/>
+              <a:ext cx="2806488" cy="114332"/>
+            </a:xfrm>
+            <a:prstGeom prst="bentConnector3">
+              <a:avLst>
+                <a:gd name="adj1" fmla="val 100053"/>
+              </a:avLst>
+            </a:prstGeom>
+            <a:ln w="19050">
+              <a:solidFill>
+                <a:schemeClr val="accent2">
+                  <a:lumMod val="75000"/>
+                </a:schemeClr>
+              </a:solidFill>
+              <a:bevel/>
+              <a:tailEnd type="triangle"/>
+            </a:ln>
+          </p:spPr>
+          <p:style>
+            <a:lnRef idx="1">
+              <a:schemeClr val="accent1"/>
+            </a:lnRef>
+            <a:fillRef idx="0">
+              <a:schemeClr val="accent1"/>
+            </a:fillRef>
+            <a:effectRef idx="0">
+              <a:schemeClr val="accent1"/>
+            </a:effectRef>
+            <a:fontRef idx="minor">
+              <a:schemeClr val="tx1"/>
+            </a:fontRef>
+          </p:style>
+        </p:cxnSp>
+        <p:cxnSp>
+          <p:nvCxnSpPr>
+            <p:cNvPr id="33" name="Straight Arrow Connector 32">
+              <a:extLst>
+                <a:ext uri="{FF2B5EF4-FFF2-40B4-BE49-F238E27FC236}">
+                  <a16:creationId xmlns:a16="http://schemas.microsoft.com/office/drawing/2014/main" id="{7B6BD52B-A2B9-4853-AAA3-2A1C9D81EFD1}"/>
+                </a:ext>
+              </a:extLst>
+            </p:cNvPr>
+            <p:cNvCxnSpPr>
+              <a:cxnSpLocks/>
+              <a:stCxn id="27" idx="1"/>
+            </p:cNvCxnSpPr>
+            <p:nvPr/>
+          </p:nvCxnSpPr>
+          <p:spPr>
+            <a:xfrm flipH="1">
+              <a:off x="2213407" y="4999354"/>
+              <a:ext cx="2806488" cy="0"/>
+            </a:xfrm>
+            <a:prstGeom prst="straightConnector1">
+              <a:avLst/>
+            </a:prstGeom>
+            <a:ln w="19050">
+              <a:solidFill>
+                <a:schemeClr val="accent1"/>
+              </a:solidFill>
+              <a:tailEnd type="triangle"/>
+            </a:ln>
+          </p:spPr>
+          <p:style>
+            <a:lnRef idx="1">
+              <a:schemeClr val="accent1"/>
+            </a:lnRef>
+            <a:fillRef idx="0">
+              <a:schemeClr val="accent1"/>
+            </a:fillRef>
+            <a:effectRef idx="0">
+              <a:schemeClr val="accent1"/>
+            </a:effectRef>
+            <a:fontRef idx="minor">
+              <a:schemeClr val="tx1"/>
+            </a:fontRef>
+          </p:style>
+        </p:cxnSp>
+        <p:cxnSp>
+          <p:nvCxnSpPr>
+            <p:cNvPr id="34" name="Straight Arrow Connector 33">
+              <a:extLst>
+                <a:ext uri="{FF2B5EF4-FFF2-40B4-BE49-F238E27FC236}">
+                  <a16:creationId xmlns:a16="http://schemas.microsoft.com/office/drawing/2014/main" id="{447A4574-4A14-4AD3-8394-AFC1E8DED8DB}"/>
+                </a:ext>
+              </a:extLst>
+            </p:cNvPr>
+            <p:cNvCxnSpPr>
+              <a:cxnSpLocks/>
+              <a:stCxn id="28" idx="1"/>
+            </p:cNvCxnSpPr>
+            <p:nvPr/>
+          </p:nvCxnSpPr>
+          <p:spPr>
+            <a:xfrm flipH="1">
+              <a:off x="2148828" y="5627005"/>
+              <a:ext cx="2871066" cy="9911"/>
+            </a:xfrm>
+            <a:prstGeom prst="straightConnector1">
+              <a:avLst/>
+            </a:prstGeom>
+            <a:ln w="19050">
+              <a:solidFill>
+                <a:schemeClr val="accent1"/>
+              </a:solidFill>
+              <a:tailEnd type="triangle"/>
+            </a:ln>
+          </p:spPr>
+          <p:style>
+            <a:lnRef idx="1">
+              <a:schemeClr val="accent1"/>
+            </a:lnRef>
+            <a:fillRef idx="0">
+              <a:schemeClr val="accent1"/>
+            </a:fillRef>
+            <a:effectRef idx="0">
+              <a:schemeClr val="accent1"/>
+            </a:effectRef>
+            <a:fontRef idx="minor">
+              <a:schemeClr val="tx1"/>
+            </a:fontRef>
+          </p:style>
+        </p:cxnSp>
+        <p:sp>
+          <p:nvSpPr>
+            <p:cNvPr id="35" name="TextBox 34">
+              <a:extLst>
+                <a:ext uri="{FF2B5EF4-FFF2-40B4-BE49-F238E27FC236}">
+                  <a16:creationId xmlns:a16="http://schemas.microsoft.com/office/drawing/2014/main" id="{EB69C71A-9B68-4E4B-9C55-F0BAA3863442}"/>
+                </a:ext>
+              </a:extLst>
+            </p:cNvPr>
+            <p:cNvSpPr txBox="1"/>
+            <p:nvPr/>
+          </p:nvSpPr>
+          <p:spPr>
+            <a:xfrm>
+              <a:off x="5019893" y="3402813"/>
+              <a:ext cx="1168871" cy="369332"/>
+            </a:xfrm>
+            <a:prstGeom prst="rect">
+              <a:avLst/>
+            </a:prstGeom>
+            <a:noFill/>
+            <a:ln w="31750">
+              <a:solidFill>
+                <a:schemeClr val="accent4">
+                  <a:lumMod val="60000"/>
+                  <a:lumOff val="40000"/>
+                </a:schemeClr>
+              </a:solidFill>
+            </a:ln>
+          </p:spPr>
+          <p:txBody>
+            <a:bodyPr wrap="square" rtlCol="0">
+              <a:spAutoFit/>
+            </a:bodyPr>
+            <a:lstStyle/>
+            <a:p>
+              <a:r>
+                <a:rPr lang="en-US" dirty="0"/>
+                <a:t>cases ratio</a:t>
+              </a:r>
+            </a:p>
+          </p:txBody>
+        </p:sp>
+        <p:cxnSp>
+          <p:nvCxnSpPr>
+            <p:cNvPr id="36" name="Connector: Elbow 35">
+              <a:extLst>
+                <a:ext uri="{FF2B5EF4-FFF2-40B4-BE49-F238E27FC236}">
+                  <a16:creationId xmlns:a16="http://schemas.microsoft.com/office/drawing/2014/main" id="{5E0B6768-B178-493E-8F42-31E84C3CBEBD}"/>
+                </a:ext>
+              </a:extLst>
+            </p:cNvPr>
+            <p:cNvCxnSpPr>
+              <a:cxnSpLocks/>
+              <a:stCxn id="35" idx="1"/>
+            </p:cNvCxnSpPr>
+            <p:nvPr/>
+          </p:nvCxnSpPr>
+          <p:spPr>
+            <a:xfrm rot="10800000">
+              <a:off x="2899781" y="2939487"/>
+              <a:ext cx="2120112" cy="647993"/>
+            </a:xfrm>
+            <a:prstGeom prst="bentConnector3">
+              <a:avLst>
+                <a:gd name="adj1" fmla="val 100006"/>
+              </a:avLst>
+            </a:prstGeom>
+            <a:ln w="19050">
+              <a:solidFill>
+                <a:schemeClr val="accent4">
+                  <a:lumMod val="60000"/>
+                  <a:lumOff val="40000"/>
+                </a:schemeClr>
+              </a:solidFill>
+              <a:tailEnd type="triangle"/>
+            </a:ln>
+          </p:spPr>
+          <p:style>
+            <a:lnRef idx="1">
+              <a:schemeClr val="accent1"/>
+            </a:lnRef>
+            <a:fillRef idx="0">
+              <a:schemeClr val="accent1"/>
+            </a:fillRef>
+            <a:effectRef idx="0">
+              <a:schemeClr val="accent1"/>
+            </a:effectRef>
+            <a:fontRef idx="minor">
+              <a:schemeClr val="tx1"/>
+            </a:fontRef>
+          </p:style>
+        </p:cxnSp>
+      </p:grpSp>
+      <p:grpSp>
+        <p:nvGrpSpPr>
+          <p:cNvPr id="47" name="Group 46">
+            <a:extLst>
+              <a:ext uri="{FF2B5EF4-FFF2-40B4-BE49-F238E27FC236}">
+                <a16:creationId xmlns:a16="http://schemas.microsoft.com/office/drawing/2014/main" id="{7C18F143-2CCA-4355-81DA-E096E4FE54D8}"/>
+              </a:ext>
+            </a:extLst>
+          </p:cNvPr>
+          <p:cNvGrpSpPr/>
+          <p:nvPr/>
+        </p:nvGrpSpPr>
+        <p:grpSpPr>
+          <a:xfrm>
+            <a:off x="2555229" y="4863131"/>
+            <a:ext cx="2141538" cy="583095"/>
+            <a:chOff x="701053" y="5052773"/>
+            <a:chExt cx="2141538" cy="583095"/>
+          </a:xfrm>
+        </p:grpSpPr>
+        <p:sp>
+          <p:nvSpPr>
+            <p:cNvPr id="38" name="Rectangle 37">
+              <a:extLst>
+                <a:ext uri="{FF2B5EF4-FFF2-40B4-BE49-F238E27FC236}">
+                  <a16:creationId xmlns:a16="http://schemas.microsoft.com/office/drawing/2014/main" id="{46BB5D6E-6A77-4567-8561-CB9C94825321}"/>
+                </a:ext>
+              </a:extLst>
+            </p:cNvPr>
+            <p:cNvSpPr/>
+            <p:nvPr/>
+          </p:nvSpPr>
+          <p:spPr>
+            <a:xfrm>
+              <a:off x="702365" y="5052773"/>
+              <a:ext cx="2140226" cy="583095"/>
+            </a:xfrm>
+            <a:prstGeom prst="rect">
+              <a:avLst/>
+            </a:prstGeom>
+            <a:noFill/>
+            <a:ln w="25400">
+              <a:solidFill>
+                <a:srgbClr val="FF00FF"/>
+              </a:solidFill>
+            </a:ln>
+          </p:spPr>
+          <p:style>
+            <a:lnRef idx="2">
+              <a:schemeClr val="accent1">
+                <a:shade val="50000"/>
+              </a:schemeClr>
+            </a:lnRef>
+            <a:fillRef idx="1">
+              <a:schemeClr val="accent1"/>
+            </a:fillRef>
+            <a:effectRef idx="0">
+              <a:schemeClr val="accent1"/>
+            </a:effectRef>
+            <a:fontRef idx="minor">
+              <a:schemeClr val="lt1"/>
+            </a:fontRef>
+          </p:style>
+          <p:txBody>
+            <a:bodyPr rtlCol="0" anchor="ctr"/>
+            <a:lstStyle/>
+            <a:p>
+              <a:pPr algn="ctr"/>
+              <a:endParaRPr lang="en-US"/>
+            </a:p>
+          </p:txBody>
+        </p:sp>
+        <p:cxnSp>
+          <p:nvCxnSpPr>
+            <p:cNvPr id="40" name="Straight Connector 39">
+              <a:extLst>
+                <a:ext uri="{FF2B5EF4-FFF2-40B4-BE49-F238E27FC236}">
+                  <a16:creationId xmlns:a16="http://schemas.microsoft.com/office/drawing/2014/main" id="{CD0735BD-2084-4DEC-9E53-E8F970B51BC7}"/>
+                </a:ext>
+              </a:extLst>
+            </p:cNvPr>
+            <p:cNvCxnSpPr>
+              <a:cxnSpLocks/>
+            </p:cNvCxnSpPr>
+            <p:nvPr/>
+          </p:nvCxnSpPr>
+          <p:spPr>
+            <a:xfrm>
+              <a:off x="702365" y="5052773"/>
+              <a:ext cx="2138914" cy="583095"/>
+            </a:xfrm>
+            <a:prstGeom prst="line">
+              <a:avLst/>
+            </a:prstGeom>
+            <a:ln w="15875">
+              <a:solidFill>
+                <a:srgbClr val="FF00FF"/>
+              </a:solidFill>
+            </a:ln>
+          </p:spPr>
+          <p:style>
+            <a:lnRef idx="1">
+              <a:schemeClr val="accent1"/>
+            </a:lnRef>
+            <a:fillRef idx="0">
+              <a:schemeClr val="accent1"/>
+            </a:fillRef>
+            <a:effectRef idx="0">
+              <a:schemeClr val="accent1"/>
+            </a:effectRef>
+            <a:fontRef idx="minor">
+              <a:schemeClr val="tx1"/>
+            </a:fontRef>
+          </p:style>
+        </p:cxnSp>
+        <p:cxnSp>
+          <p:nvCxnSpPr>
+            <p:cNvPr id="44" name="Straight Connector 43">
+              <a:extLst>
+                <a:ext uri="{FF2B5EF4-FFF2-40B4-BE49-F238E27FC236}">
+                  <a16:creationId xmlns:a16="http://schemas.microsoft.com/office/drawing/2014/main" id="{08F24000-92BA-45C8-B4C6-DF4365E709FE}"/>
+                </a:ext>
+              </a:extLst>
+            </p:cNvPr>
+            <p:cNvCxnSpPr>
+              <a:cxnSpLocks/>
+            </p:cNvCxnSpPr>
+            <p:nvPr/>
+          </p:nvCxnSpPr>
+          <p:spPr>
+            <a:xfrm flipV="1">
+              <a:off x="701053" y="5052773"/>
+              <a:ext cx="2140226" cy="583095"/>
+            </a:xfrm>
+            <a:prstGeom prst="line">
+              <a:avLst/>
+            </a:prstGeom>
+            <a:ln w="15875">
+              <a:solidFill>
+                <a:srgbClr val="FF00FF"/>
+              </a:solidFill>
+            </a:ln>
+          </p:spPr>
+          <p:style>
+            <a:lnRef idx="1">
+              <a:schemeClr val="accent1"/>
+            </a:lnRef>
+            <a:fillRef idx="0">
+              <a:schemeClr val="accent1"/>
+            </a:fillRef>
+            <a:effectRef idx="0">
+              <a:schemeClr val="accent1"/>
+            </a:effectRef>
+            <a:fontRef idx="minor">
+              <a:schemeClr val="tx1"/>
+            </a:fontRef>
+          </p:style>
+        </p:cxnSp>
+      </p:grpSp>
+      <p:pic>
+        <p:nvPicPr>
+          <p:cNvPr id="48" name="Picture 47">
+            <a:extLst>
+              <a:ext uri="{FF2B5EF4-FFF2-40B4-BE49-F238E27FC236}">
+                <a16:creationId xmlns:a16="http://schemas.microsoft.com/office/drawing/2014/main" id="{32BAA975-EFBD-48EF-9679-D64A754E4EA8}"/>
+              </a:ext>
+            </a:extLst>
+          </p:cNvPr>
+          <p:cNvPicPr>
+            <a:picLocks noChangeAspect="1"/>
+          </p:cNvPicPr>
+          <p:nvPr/>
+        </p:nvPicPr>
+        <p:blipFill>
+          <a:blip r:embed="rId5">
+            <a:duotone>
+              <a:schemeClr val="accent3">
+                <a:shade val="45000"/>
+                <a:satMod val="135000"/>
+              </a:schemeClr>
+              <a:prstClr val="white"/>
+            </a:duotone>
+            <a:extLst>
+              <a:ext uri="{BEBA8EAE-BF5A-486C-A8C5-ECC9F3942E4B}">
+                <a14:imgProps xmlns:a14="http://schemas.microsoft.com/office/drawing/2010/main">
+                  <a14:imgLayer r:embed="rId6">
+                    <a14:imgEffect>
+                      <a14:backgroundRemoval t="10000" b="90000" l="10000" r="90000">
+                        <a14:foregroundMark x1="33413" y1="26923" x2="32212" y2="33173"/>
+                        <a14:foregroundMark x1="68269" y1="31971" x2="76442" y2="32452"/>
+                        <a14:foregroundMark x1="71154" y1="65144" x2="66106" y2="68990"/>
+                        <a14:foregroundMark x1="28125" y1="65144" x2="37500" y2="64904"/>
+                        <a14:foregroundMark x1="29327" y1="73317" x2="34856" y2="74279"/>
+                      </a14:backgroundRemoval>
+                    </a14:imgEffect>
+                  </a14:imgLayer>
+                </a14:imgProps>
+              </a:ext>
+            </a:extLst>
+          </a:blip>
+          <a:stretch>
+            <a:fillRect/>
+          </a:stretch>
+        </p:blipFill>
+        <p:spPr>
+          <a:xfrm>
+            <a:off x="5748984" y="644239"/>
+            <a:ext cx="694031" cy="694031"/>
+          </a:xfrm>
+          <a:prstGeom prst="rect">
+            <a:avLst/>
+          </a:prstGeom>
+        </p:spPr>
+      </p:pic>
+      <p:pic>
+        <p:nvPicPr>
+          <p:cNvPr id="2052" name="Picture 4" descr="Cutting Down A Tree Icons - Download Free Vector Icons | Noun Project">
+            <a:extLst>
+              <a:ext uri="{FF2B5EF4-FFF2-40B4-BE49-F238E27FC236}">
+                <a16:creationId xmlns:a16="http://schemas.microsoft.com/office/drawing/2014/main" id="{35B68DC7-C8A3-471B-A1FF-38CC20154975}"/>
+              </a:ext>
+            </a:extLst>
+          </p:cNvPr>
+          <p:cNvPicPr>
+            <a:picLocks noChangeAspect="1" noChangeArrowheads="1"/>
+          </p:cNvPicPr>
+          <p:nvPr/>
+        </p:nvPicPr>
+        <p:blipFill>
+          <a:blip r:embed="rId7">
+            <a:extLst>
+              <a:ext uri="{28A0092B-C50C-407E-A947-70E740481C1C}">
+                <a14:useLocalDpi xmlns:a14="http://schemas.microsoft.com/office/drawing/2010/main" val="0"/>
+              </a:ext>
+            </a:extLst>
+          </a:blip>
+          <a:srcRect/>
+          <a:stretch>
+            <a:fillRect/>
+          </a:stretch>
+        </p:blipFill>
+        <p:spPr bwMode="auto">
+          <a:xfrm>
+            <a:off x="8962932" y="2436843"/>
+            <a:ext cx="4646811" cy="4646811"/>
+          </a:xfrm>
+          <a:prstGeom prst="rect">
+            <a:avLst/>
+          </a:prstGeom>
+          <a:noFill/>
+          <a:extLst>
+            <a:ext uri="{909E8E84-426E-40DD-AFC4-6F175D3DCCD1}">
+              <a14:hiddenFill xmlns:a14="http://schemas.microsoft.com/office/drawing/2010/main">
+                <a:solidFill>
+                  <a:srgbClr val="FFFFFF"/>
+                </a:solidFill>
+              </a14:hiddenFill>
+            </a:ext>
+          </a:extLst>
+        </p:spPr>
+      </p:pic>
+      <p:pic>
+        <p:nvPicPr>
+          <p:cNvPr id="49" name="Picture 48">
+            <a:extLst>
+              <a:ext uri="{FF2B5EF4-FFF2-40B4-BE49-F238E27FC236}">
+                <a16:creationId xmlns:a16="http://schemas.microsoft.com/office/drawing/2014/main" id="{9351FF5A-C10C-4DDD-A289-B2EF1D1EA550}"/>
+              </a:ext>
+            </a:extLst>
+          </p:cNvPr>
+          <p:cNvPicPr>
+            <a:picLocks noChangeAspect="1"/>
+          </p:cNvPicPr>
+          <p:nvPr/>
+        </p:nvPicPr>
+        <p:blipFill rotWithShape="1">
+          <a:blip r:embed="rId8"/>
+          <a:srcRect l="38224" b="75742"/>
+          <a:stretch/>
+        </p:blipFill>
+        <p:spPr>
+          <a:xfrm>
+            <a:off x="10746588" y="1568107"/>
+            <a:ext cx="2873625" cy="1126922"/>
+          </a:xfrm>
+          <a:prstGeom prst="rect">
+            <a:avLst/>
+          </a:prstGeom>
+        </p:spPr>
+      </p:pic>
+      <p:pic>
+        <p:nvPicPr>
+          <p:cNvPr id="50" name="Picture 49">
+            <a:extLst>
+              <a:ext uri="{FF2B5EF4-FFF2-40B4-BE49-F238E27FC236}">
+                <a16:creationId xmlns:a16="http://schemas.microsoft.com/office/drawing/2014/main" id="{FB9396B5-9C5D-4302-A972-BBC7EB0B8BD4}"/>
+              </a:ext>
+            </a:extLst>
+          </p:cNvPr>
+          <p:cNvPicPr>
+            <a:picLocks noChangeAspect="1"/>
+          </p:cNvPicPr>
+          <p:nvPr/>
+        </p:nvPicPr>
+        <p:blipFill>
+          <a:blip r:embed="rId9"/>
+          <a:stretch>
+            <a:fillRect/>
+          </a:stretch>
+        </p:blipFill>
+        <p:spPr>
+          <a:xfrm>
+            <a:off x="10738278" y="-224228"/>
+            <a:ext cx="2871465" cy="1127858"/>
+          </a:xfrm>
+          <a:prstGeom prst="rect">
+            <a:avLst/>
+          </a:prstGeom>
+        </p:spPr>
+      </p:pic>
+      <p:pic>
+        <p:nvPicPr>
+          <p:cNvPr id="51" name="Picture 50">
+            <a:extLst>
+              <a:ext uri="{FF2B5EF4-FFF2-40B4-BE49-F238E27FC236}">
+                <a16:creationId xmlns:a16="http://schemas.microsoft.com/office/drawing/2014/main" id="{1EFEDFEB-C66C-4F95-BA95-F62CF06FC51F}"/>
+              </a:ext>
+            </a:extLst>
+          </p:cNvPr>
+          <p:cNvPicPr>
+            <a:picLocks noChangeAspect="1"/>
+          </p:cNvPicPr>
+          <p:nvPr/>
+        </p:nvPicPr>
+        <p:blipFill>
+          <a:blip r:embed="rId9"/>
+          <a:stretch>
+            <a:fillRect/>
+          </a:stretch>
+        </p:blipFill>
+        <p:spPr>
+          <a:xfrm rot="10800000">
+            <a:off x="10599858" y="903630"/>
+            <a:ext cx="2871465" cy="1127858"/>
+          </a:xfrm>
+          <a:prstGeom prst="rect">
+            <a:avLst/>
+          </a:prstGeom>
+        </p:spPr>
+      </p:pic>
     </p:spTree>
     <p:extLst>
       <p:ext uri="{BB962C8B-B14F-4D97-AF65-F5344CB8AC3E}">
@@ -19066,7 +20261,7 @@
           <p:nvPr>
             <p:extLst>
               <p:ext uri="{D42A27DB-BD31-4B8C-83A1-F6EECF244321}">
-                <p14:modId xmlns:p14="http://schemas.microsoft.com/office/powerpoint/2010/main" val="1716887536"/>
+                <p14:modId xmlns:p14="http://schemas.microsoft.com/office/powerpoint/2010/main" val="1775377420"/>
               </p:ext>
             </p:extLst>
           </p:nvPr>
@@ -19220,7 +20415,10 @@
                     <a:bodyPr/>
                     <a:lstStyle/>
                     <a:p>
-                      <a:endParaRPr lang="en-US" sz="1200" dirty="0"/>
+                      <a:r>
+                        <a:rPr lang="en-US" sz="1200" dirty="0"/>
+                        <a:t>39,101</a:t>
+                      </a:r>
                     </a:p>
                   </a:txBody>
                   <a:tcPr/>
@@ -19293,7 +20491,10 @@
                     <a:bodyPr/>
                     <a:lstStyle/>
                     <a:p>
-                      <a:endParaRPr lang="en-US" sz="1200" dirty="0"/>
+                      <a:r>
+                        <a:rPr lang="en-US" sz="1200" dirty="0"/>
+                        <a:t>9,356</a:t>
+                      </a:r>
                     </a:p>
                   </a:txBody>
                   <a:tcPr/>
@@ -19349,7 +20550,10 @@
                     <a:bodyPr/>
                     <a:lstStyle/>
                     <a:p>
-                      <a:endParaRPr lang="en-US" sz="1200" dirty="0"/>
+                      <a:r>
+                        <a:rPr lang="en-US" sz="1200" dirty="0"/>
+                        <a:t>1,681</a:t>
+                      </a:r>
                     </a:p>
                   </a:txBody>
                   <a:tcPr/>
@@ -19422,7 +20626,10 @@
                     <a:bodyPr/>
                     <a:lstStyle/>
                     <a:p>
-                      <a:endParaRPr lang="en-US" sz="1200" dirty="0"/>
+                      <a:r>
+                        <a:rPr lang="en-US" sz="1200" dirty="0"/>
+                        <a:t>166,909</a:t>
+                      </a:r>
                     </a:p>
                   </a:txBody>
                   <a:tcPr/>
@@ -19495,7 +20702,10 @@
                     <a:bodyPr/>
                     <a:lstStyle/>
                     <a:p>
-                      <a:endParaRPr lang="en-US" sz="1200" dirty="0"/>
+                      <a:r>
+                        <a:rPr lang="en-US" sz="1200" dirty="0"/>
+                        <a:t>15,403</a:t>
+                      </a:r>
                     </a:p>
                   </a:txBody>
                   <a:tcPr/>
@@ -19551,7 +20761,10 @@
                     <a:bodyPr/>
                     <a:lstStyle/>
                     <a:p>
-                      <a:endParaRPr lang="en-US" sz="1200" dirty="0"/>
+                      <a:r>
+                        <a:rPr lang="en-US" sz="1200" dirty="0"/>
+                        <a:t>845</a:t>
+                      </a:r>
                     </a:p>
                   </a:txBody>
                   <a:tcPr/>

--- a/Presentations/Trees Get Degrees_Full_Presentation.pptx
+++ b/Presentations/Trees Get Degrees_Full_Presentation.pptx
@@ -3460,8 +3460,8 @@
         </p:nvSpPr>
         <p:spPr>
           <a:xfrm>
-            <a:off x="1524000" y="1122363"/>
-            <a:ext cx="9144000" cy="3063240"/>
+            <a:off x="1524000" y="2489377"/>
+            <a:ext cx="9144000" cy="1696226"/>
           </a:xfrm>
         </p:spPr>
         <p:txBody>
@@ -3471,12 +3471,12 @@
           <a:lstStyle/>
           <a:p>
             <a:r>
-              <a:rPr lang="en-US" sz="5100" b="1">
+              <a:rPr lang="en-US" sz="5100" b="1" dirty="0">
                 <a:solidFill>
                   <a:srgbClr val="FFFFFF"/>
                 </a:solidFill>
               </a:rPr>
-              <a:t>Trees Get Degrees: Using Decision Trees to Determine Important Features for College Acceptance</a:t>
+              <a:t>Trees Get Degrees:  Decision Trees of Features for College Enrollment</a:t>
             </a:r>
           </a:p>
         </p:txBody>
@@ -20020,6 +20020,36 @@
           </a:prstGeom>
         </p:spPr>
       </p:pic>
+      <p:pic>
+        <p:nvPicPr>
+          <p:cNvPr id="54" name="Picture 53">
+            <a:extLst>
+              <a:ext uri="{FF2B5EF4-FFF2-40B4-BE49-F238E27FC236}">
+                <a16:creationId xmlns:a16="http://schemas.microsoft.com/office/drawing/2014/main" id="{85F66D98-555C-4764-8969-6E107A1B4BEF}"/>
+              </a:ext>
+            </a:extLst>
+          </p:cNvPr>
+          <p:cNvPicPr>
+            <a:picLocks noChangeAspect="1"/>
+          </p:cNvPicPr>
+          <p:nvPr/>
+        </p:nvPicPr>
+        <p:blipFill>
+          <a:blip r:embed="rId9"/>
+          <a:stretch>
+            <a:fillRect/>
+          </a:stretch>
+        </p:blipFill>
+        <p:spPr>
+          <a:xfrm>
+            <a:off x="10738277" y="-198804"/>
+            <a:ext cx="2871465" cy="1127858"/>
+          </a:xfrm>
+          <a:prstGeom prst="rect">
+            <a:avLst/>
+          </a:prstGeom>
+        </p:spPr>
+      </p:pic>
     </p:spTree>
     <p:extLst>
       <p:ext uri="{BB962C8B-B14F-4D97-AF65-F5344CB8AC3E}">

--- a/Presentations/Trees Get Degrees_Full_Presentation.pptx
+++ b/Presentations/Trees Get Degrees_Full_Presentation.pptx
@@ -14218,6 +14218,36 @@
           </a:p>
         </p:txBody>
       </p:sp>
+      <p:pic>
+        <p:nvPicPr>
+          <p:cNvPr id="7206" name="Picture 7205">
+            <a:extLst>
+              <a:ext uri="{FF2B5EF4-FFF2-40B4-BE49-F238E27FC236}">
+                <a16:creationId xmlns:a16="http://schemas.microsoft.com/office/drawing/2014/main" id="{4C4645DE-0467-4E42-846B-A325CFBDE535}"/>
+              </a:ext>
+            </a:extLst>
+          </p:cNvPr>
+          <p:cNvPicPr>
+            <a:picLocks noChangeAspect="1"/>
+          </p:cNvPicPr>
+          <p:nvPr/>
+        </p:nvPicPr>
+        <p:blipFill>
+          <a:blip r:embed="rId3"/>
+          <a:stretch>
+            <a:fillRect/>
+          </a:stretch>
+        </p:blipFill>
+        <p:spPr>
+          <a:xfrm>
+            <a:off x="304378" y="3410111"/>
+            <a:ext cx="4879986" cy="2233327"/>
+          </a:xfrm>
+          <a:prstGeom prst="rect">
+            <a:avLst/>
+          </a:prstGeom>
+        </p:spPr>
+      </p:pic>
       <p:sp>
         <p:nvSpPr>
           <p:cNvPr id="2" name="Title 1">
@@ -14429,7 +14459,7 @@
           <p:nvPr/>
         </p:nvPicPr>
         <p:blipFill>
-          <a:blip r:embed="rId3">
+          <a:blip r:embed="rId4">
             <a:duotone>
               <a:schemeClr val="accent3">
                 <a:shade val="45000"/>
@@ -14483,36 +14513,6 @@
           <p:nvPr/>
         </p:nvPicPr>
         <p:blipFill>
-          <a:blip r:embed="rId4"/>
-          <a:stretch>
-            <a:fillRect/>
-          </a:stretch>
-        </p:blipFill>
-        <p:spPr>
-          <a:xfrm>
-            <a:off x="1100895" y="2469546"/>
-            <a:ext cx="3049183" cy="686820"/>
-          </a:xfrm>
-          <a:prstGeom prst="rect">
-            <a:avLst/>
-          </a:prstGeom>
-        </p:spPr>
-      </p:pic>
-      <p:pic>
-        <p:nvPicPr>
-          <p:cNvPr id="14" name="Picture 13">
-            <a:extLst>
-              <a:ext uri="{FF2B5EF4-FFF2-40B4-BE49-F238E27FC236}">
-                <a16:creationId xmlns:a16="http://schemas.microsoft.com/office/drawing/2014/main" id="{1BAB73F5-43BF-4CD2-831A-3094D357EDB9}"/>
-              </a:ext>
-            </a:extLst>
-          </p:cNvPr>
-          <p:cNvPicPr>
-            <a:picLocks noChangeAspect="1"/>
-          </p:cNvPicPr>
-          <p:nvPr/>
-        </p:nvPicPr>
-        <p:blipFill>
           <a:blip r:embed="rId5"/>
           <a:stretch>
             <a:fillRect/>
@@ -14520,8 +14520,38 @@
         </p:blipFill>
         <p:spPr>
           <a:xfrm>
-            <a:off x="320862" y="6546712"/>
-            <a:ext cx="1757874" cy="260019"/>
+            <a:off x="1100895" y="2469546"/>
+            <a:ext cx="3049183" cy="686820"/>
+          </a:xfrm>
+          <a:prstGeom prst="rect">
+            <a:avLst/>
+          </a:prstGeom>
+        </p:spPr>
+      </p:pic>
+      <p:pic>
+        <p:nvPicPr>
+          <p:cNvPr id="14" name="Picture 13">
+            <a:extLst>
+              <a:ext uri="{FF2B5EF4-FFF2-40B4-BE49-F238E27FC236}">
+                <a16:creationId xmlns:a16="http://schemas.microsoft.com/office/drawing/2014/main" id="{1BAB73F5-43BF-4CD2-831A-3094D357EDB9}"/>
+              </a:ext>
+            </a:extLst>
+          </p:cNvPr>
+          <p:cNvPicPr>
+            <a:picLocks noChangeAspect="1"/>
+          </p:cNvPicPr>
+          <p:nvPr/>
+        </p:nvPicPr>
+        <p:blipFill>
+          <a:blip r:embed="rId6"/>
+          <a:stretch>
+            <a:fillRect/>
+          </a:stretch>
+        </p:blipFill>
+        <p:spPr>
+          <a:xfrm>
+            <a:off x="1202220" y="6019772"/>
+            <a:ext cx="2671048" cy="395093"/>
           </a:xfrm>
           <a:prstGeom prst="rect">
             <a:avLst/>
@@ -14622,7 +14652,7 @@
         </p:nvSpPr>
         <p:spPr>
           <a:xfrm>
-            <a:off x="5012502" y="3837930"/>
+            <a:off x="5005356" y="3797865"/>
             <a:ext cx="2109776" cy="369332"/>
           </a:xfrm>
           <a:prstGeom prst="rect">
@@ -14664,7 +14694,7 @@
         </p:nvSpPr>
         <p:spPr>
           <a:xfrm>
-            <a:off x="5012502" y="4311009"/>
+            <a:off x="5005356" y="4243194"/>
             <a:ext cx="2242297" cy="369332"/>
           </a:xfrm>
           <a:prstGeom prst="rect">
@@ -14706,7 +14736,7 @@
         </p:nvSpPr>
         <p:spPr>
           <a:xfrm>
-            <a:off x="5012503" y="4776727"/>
+            <a:off x="5384903" y="4701904"/>
             <a:ext cx="2573602" cy="369332"/>
           </a:xfrm>
           <a:prstGeom prst="rect">
@@ -14746,7 +14776,7 @@
         </p:nvSpPr>
         <p:spPr>
           <a:xfrm>
-            <a:off x="5012502" y="5404378"/>
+            <a:off x="5384903" y="5145449"/>
             <a:ext cx="2679619" cy="369332"/>
           </a:xfrm>
           <a:prstGeom prst="rect">
@@ -14864,36 +14894,6 @@
           </a:fontRef>
         </p:style>
       </p:cxnSp>
-      <p:pic>
-        <p:nvPicPr>
-          <p:cNvPr id="7199" name="Picture 7198">
-            <a:extLst>
-              <a:ext uri="{FF2B5EF4-FFF2-40B4-BE49-F238E27FC236}">
-                <a16:creationId xmlns:a16="http://schemas.microsoft.com/office/drawing/2014/main" id="{4378412B-48CE-4A84-B3A0-7C7C85A8BA56}"/>
-              </a:ext>
-            </a:extLst>
-          </p:cNvPr>
-          <p:cNvPicPr>
-            <a:picLocks noChangeAspect="1"/>
-          </p:cNvPicPr>
-          <p:nvPr/>
-        </p:nvPicPr>
-        <p:blipFill>
-          <a:blip r:embed="rId6"/>
-          <a:stretch>
-            <a:fillRect/>
-          </a:stretch>
-        </p:blipFill>
-        <p:spPr>
-          <a:xfrm>
-            <a:off x="831621" y="3507089"/>
-            <a:ext cx="3680460" cy="2773049"/>
-          </a:xfrm>
-          <a:prstGeom prst="rect">
-            <a:avLst/>
-          </a:prstGeom>
-        </p:spPr>
-      </p:pic>
       <p:cxnSp>
         <p:nvCxnSpPr>
           <p:cNvPr id="48" name="Connector: Elbow 47">
@@ -14911,12 +14911,12 @@
         </p:nvCxnSpPr>
         <p:spPr>
           <a:xfrm rot="10800000">
-            <a:off x="2237172" y="3837930"/>
-            <a:ext cx="2775331" cy="184666"/>
+            <a:off x="1728890" y="3820487"/>
+            <a:ext cx="3276467" cy="162045"/>
           </a:xfrm>
           <a:prstGeom prst="bentConnector3">
             <a:avLst>
-              <a:gd name="adj1" fmla="val 99899"/>
+              <a:gd name="adj1" fmla="val 99951"/>
             </a:avLst>
           </a:prstGeom>
           <a:ln w="19050">
@@ -14961,12 +14961,12 @@
         </p:nvCxnSpPr>
         <p:spPr>
           <a:xfrm rot="10800000">
-            <a:off x="2206014" y="4381343"/>
-            <a:ext cx="2806488" cy="114332"/>
+            <a:off x="1682506" y="4303848"/>
+            <a:ext cx="3322850" cy="124012"/>
           </a:xfrm>
           <a:prstGeom prst="bentConnector3">
             <a:avLst>
-              <a:gd name="adj1" fmla="val 100053"/>
+              <a:gd name="adj1" fmla="val 100051"/>
             </a:avLst>
           </a:prstGeom>
           <a:ln w="19050">
@@ -15010,9 +15010,9 @@
           <p:nvPr/>
         </p:nvCxnSpPr>
         <p:spPr>
-          <a:xfrm flipH="1">
-            <a:off x="2206015" y="4961393"/>
-            <a:ext cx="2806488" cy="0"/>
+          <a:xfrm flipH="1" flipV="1">
+            <a:off x="5005356" y="4708361"/>
+            <a:ext cx="379547" cy="178209"/>
           </a:xfrm>
           <a:prstGeom prst="straightConnector1">
             <a:avLst/>
@@ -15055,9 +15055,9 @@
           <p:nvPr/>
         </p:nvCxnSpPr>
         <p:spPr>
-          <a:xfrm flipH="1">
-            <a:off x="2206013" y="5589044"/>
-            <a:ext cx="2806489" cy="15664"/>
+          <a:xfrm flipH="1" flipV="1">
+            <a:off x="4812764" y="5077693"/>
+            <a:ext cx="572139" cy="252422"/>
           </a:xfrm>
           <a:prstGeom prst="straightConnector1">
             <a:avLst/>
@@ -15098,7 +15098,7 @@
         </p:nvSpPr>
         <p:spPr>
           <a:xfrm>
-            <a:off x="5012501" y="3364852"/>
+            <a:off x="5012501" y="3336754"/>
             <a:ext cx="1168871" cy="369332"/>
           </a:xfrm>
           <a:prstGeom prst="rect">
@@ -15144,7 +15144,7 @@
         </p:nvCxnSpPr>
         <p:spPr>
           <a:xfrm rot="10800000">
-            <a:off x="2892389" y="2901526"/>
+            <a:off x="2892389" y="2873428"/>
             <a:ext cx="2120112" cy="647993"/>
           </a:xfrm>
           <a:prstGeom prst="bentConnector3">
@@ -15199,8 +15199,8 @@
         </p:blipFill>
         <p:spPr>
           <a:xfrm>
-            <a:off x="1153944" y="6237105"/>
-            <a:ext cx="2104137" cy="331963"/>
+            <a:off x="1230734" y="5643438"/>
+            <a:ext cx="2671048" cy="421403"/>
           </a:xfrm>
           <a:prstGeom prst="rect">
             <a:avLst/>
@@ -15229,8 +15229,8 @@
         </p:blipFill>
         <p:spPr>
           <a:xfrm>
-            <a:off x="2206013" y="6496975"/>
-            <a:ext cx="2112975" cy="309756"/>
+            <a:off x="1253899" y="6352587"/>
+            <a:ext cx="2567690" cy="376416"/>
           </a:xfrm>
           <a:prstGeom prst="rect">
             <a:avLst/>

--- a/Presentations/Trees Get Degrees_Full_Presentation.pptx
+++ b/Presentations/Trees Get Degrees_Full_Presentation.pptx
@@ -14220,10 +14220,10 @@
       </p:sp>
       <p:pic>
         <p:nvPicPr>
-          <p:cNvPr id="7206" name="Picture 7205">
-            <a:extLst>
-              <a:ext uri="{FF2B5EF4-FFF2-40B4-BE49-F238E27FC236}">
-                <a16:creationId xmlns:a16="http://schemas.microsoft.com/office/drawing/2014/main" id="{4C4645DE-0467-4E42-846B-A325CFBDE535}"/>
+          <p:cNvPr id="7218" name="Picture 7217">
+            <a:extLst>
+              <a:ext uri="{FF2B5EF4-FFF2-40B4-BE49-F238E27FC236}">
+                <a16:creationId xmlns:a16="http://schemas.microsoft.com/office/drawing/2014/main" id="{06578522-2DF1-409F-A3DE-01C94CA48277}"/>
               </a:ext>
             </a:extLst>
           </p:cNvPr>
@@ -14240,8 +14240,8 @@
         </p:blipFill>
         <p:spPr>
           <a:xfrm>
-            <a:off x="304378" y="3410111"/>
-            <a:ext cx="4879986" cy="2233327"/>
+            <a:off x="253245" y="3393144"/>
+            <a:ext cx="4980374" cy="2272598"/>
           </a:xfrm>
           <a:prstGeom prst="rect">
             <a:avLst/>
@@ -14694,7 +14694,7 @@
         </p:nvSpPr>
         <p:spPr>
           <a:xfrm>
-            <a:off x="5005356" y="4243194"/>
+            <a:off x="5384903" y="4217730"/>
             <a:ext cx="2242297" cy="369332"/>
           </a:xfrm>
           <a:prstGeom prst="rect">
@@ -14736,7 +14736,7 @@
         </p:nvSpPr>
         <p:spPr>
           <a:xfrm>
-            <a:off x="5384903" y="4701904"/>
+            <a:off x="5550556" y="4664737"/>
             <a:ext cx="2573602" cy="369332"/>
           </a:xfrm>
           <a:prstGeom prst="rect">
@@ -14776,7 +14776,7 @@
         </p:nvSpPr>
         <p:spPr>
           <a:xfrm>
-            <a:off x="5384903" y="5145449"/>
+            <a:off x="5550556" y="5149107"/>
             <a:ext cx="2679619" cy="369332"/>
           </a:xfrm>
           <a:prstGeom prst="rect">
@@ -14961,12 +14961,12 @@
         </p:nvCxnSpPr>
         <p:spPr>
           <a:xfrm rot="10800000">
-            <a:off x="1682506" y="4303848"/>
-            <a:ext cx="3322850" cy="124012"/>
+            <a:off x="1623391" y="4309262"/>
+            <a:ext cx="3761512" cy="93134"/>
           </a:xfrm>
           <a:prstGeom prst="bentConnector3">
             <a:avLst>
-              <a:gd name="adj1" fmla="val 100051"/>
+              <a:gd name="adj1" fmla="val 100028"/>
             </a:avLst>
           </a:prstGeom>
           <a:ln w="19050">
@@ -15011,7 +15011,7 @@
         </p:nvCxnSpPr>
         <p:spPr>
           <a:xfrm flipH="1" flipV="1">
-            <a:off x="5005356" y="4708361"/>
+            <a:off x="5171009" y="4671194"/>
             <a:ext cx="379547" cy="178209"/>
           </a:xfrm>
           <a:prstGeom prst="straightConnector1">
@@ -15056,7 +15056,7 @@
         </p:nvCxnSpPr>
         <p:spPr>
           <a:xfrm flipH="1" flipV="1">
-            <a:off x="4812764" y="5077693"/>
+            <a:off x="4978417" y="5081351"/>
             <a:ext cx="572139" cy="252422"/>
           </a:xfrm>
           <a:prstGeom prst="straightConnector1">

--- a/Presentations/Trees Get Degrees_Full_Presentation.pptx
+++ b/Presentations/Trees Get Degrees_Full_Presentation.pptx
@@ -11693,7 +11693,7 @@
         </p:nvSpPr>
         <p:spPr>
           <a:xfrm>
-            <a:off x="8994712" y="2167968"/>
+            <a:off x="9384163" y="2167968"/>
             <a:ext cx="933061" cy="948457"/>
           </a:xfrm>
           <a:prstGeom prst="ellipse">
@@ -11742,7 +11742,7 @@
         </p:nvSpPr>
         <p:spPr>
           <a:xfrm>
-            <a:off x="7504923" y="4289127"/>
+            <a:off x="7894374" y="4289127"/>
             <a:ext cx="933061" cy="948457"/>
           </a:xfrm>
           <a:prstGeom prst="ellipse">
@@ -11791,7 +11791,7 @@
         </p:nvSpPr>
         <p:spPr>
           <a:xfrm>
-            <a:off x="10484498" y="4289127"/>
+            <a:off x="10873949" y="4289127"/>
             <a:ext cx="933061" cy="948457"/>
           </a:xfrm>
           <a:prstGeom prst="ellipse">
@@ -11844,7 +11844,7 @@
         </p:nvCxnSpPr>
         <p:spPr>
           <a:xfrm flipH="1">
-            <a:off x="7641567" y="2306866"/>
+            <a:off x="8031018" y="2306866"/>
             <a:ext cx="2149562" cy="2791820"/>
           </a:xfrm>
           <a:prstGeom prst="line">
@@ -11885,7 +11885,7 @@
         </p:nvCxnSpPr>
         <p:spPr>
           <a:xfrm>
-            <a:off x="9131356" y="2306866"/>
+            <a:off x="9520807" y="2306866"/>
             <a:ext cx="2149559" cy="2791820"/>
           </a:xfrm>
           <a:prstGeom prst="line">
@@ -11922,7 +11922,7 @@
         </p:nvSpPr>
         <p:spPr>
           <a:xfrm>
-            <a:off x="8719457" y="1798636"/>
+            <a:off x="9108908" y="1798636"/>
             <a:ext cx="1486678" cy="369332"/>
           </a:xfrm>
           <a:prstGeom prst="rect">
@@ -11961,7 +11961,7 @@
         </p:nvSpPr>
         <p:spPr>
           <a:xfrm>
-            <a:off x="7551576" y="5237584"/>
+            <a:off x="7941027" y="5237584"/>
             <a:ext cx="933061" cy="369332"/>
           </a:xfrm>
           <a:prstGeom prst="rect">
@@ -12000,7 +12000,7 @@
         </p:nvSpPr>
         <p:spPr>
           <a:xfrm>
-            <a:off x="10099506" y="5231364"/>
+            <a:off x="10488957" y="5231364"/>
             <a:ext cx="1703043" cy="369332"/>
           </a:xfrm>
           <a:prstGeom prst="rect">
@@ -12100,10 +12100,10 @@
       </p:pic>
       <p:sp>
         <p:nvSpPr>
-          <p:cNvPr id="3" name="TextBox 2">
-            <a:extLst>
-              <a:ext uri="{FF2B5EF4-FFF2-40B4-BE49-F238E27FC236}">
-                <a16:creationId xmlns:a16="http://schemas.microsoft.com/office/drawing/2014/main" id="{539A23A3-BD5E-418C-AE4B-DA6F0F4013DB}"/>
+          <p:cNvPr id="16" name="TextBox 15">
+            <a:extLst>
+              <a:ext uri="{FF2B5EF4-FFF2-40B4-BE49-F238E27FC236}">
+                <a16:creationId xmlns:a16="http://schemas.microsoft.com/office/drawing/2014/main" id="{45195331-6AA0-461C-AED9-09819CCB3E2C}"/>
               </a:ext>
             </a:extLst>
           </p:cNvPr>
@@ -12112,8 +12112,62 @@
         </p:nvSpPr>
         <p:spPr>
           <a:xfrm>
-            <a:off x="1252331" y="1342085"/>
-            <a:ext cx="1179443" cy="369332"/>
+            <a:off x="3114667" y="1342085"/>
+            <a:ext cx="3253409" cy="369332"/>
+          </a:xfrm>
+          <a:prstGeom prst="rect">
+            <a:avLst/>
+          </a:prstGeom>
+          <a:ln>
+            <a:noFill/>
+          </a:ln>
+        </p:spPr>
+        <p:style>
+          <a:lnRef idx="2">
+            <a:schemeClr val="accent2">
+              <a:shade val="50000"/>
+            </a:schemeClr>
+          </a:lnRef>
+          <a:fillRef idx="1">
+            <a:schemeClr val="accent2"/>
+          </a:fillRef>
+          <a:effectRef idx="0">
+            <a:schemeClr val="accent2"/>
+          </a:effectRef>
+          <a:fontRef idx="minor">
+            <a:schemeClr val="lt1"/>
+          </a:fontRef>
+        </p:style>
+        <p:txBody>
+          <a:bodyPr wrap="square" rtlCol="0">
+            <a:spAutoFit/>
+          </a:bodyPr>
+          <a:lstStyle/>
+          <a:p>
+            <a:pPr algn="ctr"/>
+            <a:r>
+              <a:rPr lang="en-US" dirty="0"/>
+              <a:t>Group 2</a:t>
+            </a:r>
+          </a:p>
+        </p:txBody>
+      </p:sp>
+      <p:sp>
+        <p:nvSpPr>
+          <p:cNvPr id="17" name="TextBox 16">
+            <a:extLst>
+              <a:ext uri="{FF2B5EF4-FFF2-40B4-BE49-F238E27FC236}">
+                <a16:creationId xmlns:a16="http://schemas.microsoft.com/office/drawing/2014/main" id="{FB5E1DC2-8076-4ED2-A41F-368A9B734120}"/>
+              </a:ext>
+            </a:extLst>
+          </p:cNvPr>
+          <p:cNvSpPr txBox="1"/>
+          <p:nvPr/>
+        </p:nvSpPr>
+        <p:spPr>
+          <a:xfrm>
+            <a:off x="955510" y="1342085"/>
+            <a:ext cx="2159157" cy="369332"/>
           </a:xfrm>
           <a:prstGeom prst="rect">
             <a:avLst/>
@@ -12152,114 +12206,6 @@
           </a:p>
         </p:txBody>
       </p:sp>
-      <p:sp>
-        <p:nvSpPr>
-          <p:cNvPr id="16" name="TextBox 15">
-            <a:extLst>
-              <a:ext uri="{FF2B5EF4-FFF2-40B4-BE49-F238E27FC236}">
-                <a16:creationId xmlns:a16="http://schemas.microsoft.com/office/drawing/2014/main" id="{45195331-6AA0-461C-AED9-09819CCB3E2C}"/>
-              </a:ext>
-            </a:extLst>
-          </p:cNvPr>
-          <p:cNvSpPr txBox="1"/>
-          <p:nvPr/>
-        </p:nvSpPr>
-        <p:spPr>
-          <a:xfrm>
-            <a:off x="2431774" y="1346739"/>
-            <a:ext cx="3054626" cy="369332"/>
-          </a:xfrm>
-          <a:prstGeom prst="rect">
-            <a:avLst/>
-          </a:prstGeom>
-          <a:ln>
-            <a:noFill/>
-          </a:ln>
-        </p:spPr>
-        <p:style>
-          <a:lnRef idx="2">
-            <a:schemeClr val="accent2">
-              <a:shade val="50000"/>
-            </a:schemeClr>
-          </a:lnRef>
-          <a:fillRef idx="1">
-            <a:schemeClr val="accent2"/>
-          </a:fillRef>
-          <a:effectRef idx="0">
-            <a:schemeClr val="accent2"/>
-          </a:effectRef>
-          <a:fontRef idx="minor">
-            <a:schemeClr val="lt1"/>
-          </a:fontRef>
-        </p:style>
-        <p:txBody>
-          <a:bodyPr wrap="square" rtlCol="0">
-            <a:spAutoFit/>
-          </a:bodyPr>
-          <a:lstStyle/>
-          <a:p>
-            <a:pPr algn="ctr"/>
-            <a:r>
-              <a:rPr lang="en-US" dirty="0"/>
-              <a:t>Group 2</a:t>
-            </a:r>
-          </a:p>
-        </p:txBody>
-      </p:sp>
-      <p:sp>
-        <p:nvSpPr>
-          <p:cNvPr id="17" name="TextBox 16">
-            <a:extLst>
-              <a:ext uri="{FF2B5EF4-FFF2-40B4-BE49-F238E27FC236}">
-                <a16:creationId xmlns:a16="http://schemas.microsoft.com/office/drawing/2014/main" id="{FB5E1DC2-8076-4ED2-A41F-368A9B734120}"/>
-              </a:ext>
-            </a:extLst>
-          </p:cNvPr>
-          <p:cNvSpPr txBox="1"/>
-          <p:nvPr/>
-        </p:nvSpPr>
-        <p:spPr>
-          <a:xfrm>
-            <a:off x="1211343" y="1342085"/>
-            <a:ext cx="1179443" cy="369332"/>
-          </a:xfrm>
-          <a:prstGeom prst="rect">
-            <a:avLst/>
-          </a:prstGeom>
-          <a:ln>
-            <a:noFill/>
-          </a:ln>
-        </p:spPr>
-        <p:style>
-          <a:lnRef idx="2">
-            <a:schemeClr val="accent6">
-              <a:shade val="50000"/>
-            </a:schemeClr>
-          </a:lnRef>
-          <a:fillRef idx="1">
-            <a:schemeClr val="accent6"/>
-          </a:fillRef>
-          <a:effectRef idx="0">
-            <a:schemeClr val="accent6"/>
-          </a:effectRef>
-          <a:fontRef idx="minor">
-            <a:schemeClr val="lt1"/>
-          </a:fontRef>
-        </p:style>
-        <p:txBody>
-          <a:bodyPr wrap="square" rtlCol="0">
-            <a:spAutoFit/>
-          </a:bodyPr>
-          <a:lstStyle/>
-          <a:p>
-            <a:pPr algn="ctr"/>
-            <a:r>
-              <a:rPr lang="en-US" dirty="0"/>
-              <a:t>Group 1</a:t>
-            </a:r>
-          </a:p>
-        </p:txBody>
-      </p:sp>
       <p:graphicFrame>
         <p:nvGraphicFramePr>
           <p:cNvPr id="4" name="Table 4">
@@ -12276,14 +12222,14 @@
             <p:ph idx="1"/>
             <p:extLst>
               <p:ext uri="{D42A27DB-BD31-4B8C-83A1-F6EECF244321}">
-                <p14:modId xmlns:p14="http://schemas.microsoft.com/office/powerpoint/2010/main" val="1760530152"/>
+                <p14:modId xmlns:p14="http://schemas.microsoft.com/office/powerpoint/2010/main" val="1560986446"/>
               </p:ext>
             </p:extLst>
           </p:nvPr>
         </p:nvGraphicFramePr>
         <p:xfrm>
           <a:off x="172278" y="1711417"/>
-          <a:ext cx="7031595" cy="3977640"/>
+          <a:ext cx="7580378" cy="3977640"/>
         </p:xfrm>
         <a:graphic>
           <a:graphicData uri="http://schemas.openxmlformats.org/drawingml/2006/table">
@@ -12292,42 +12238,56 @@
                 <a:tableStyleId>{5C22544A-7EE6-4342-B048-85BDC9FD1C3A}</a:tableStyleId>
               </a:tblPr>
               <a:tblGrid>
-                <a:gridCol w="1046922">
+                <a:gridCol w="782373">
                   <a:extLst>
                     <a:ext uri="{9D8B030D-6E8A-4147-A177-3AD203B41FA5}">
                       <a16:colId xmlns:a16="http://schemas.microsoft.com/office/drawing/2014/main" val="3389157987"/>
                     </a:ext>
                   </a:extLst>
                 </a:gridCol>
-                <a:gridCol w="636104">
+                <a:gridCol w="719263">
                   <a:extLst>
                     <a:ext uri="{9D8B030D-6E8A-4147-A177-3AD203B41FA5}">
                       <a16:colId xmlns:a16="http://schemas.microsoft.com/office/drawing/2014/main" val="3628165192"/>
                     </a:ext>
                   </a:extLst>
                 </a:gridCol>
-                <a:gridCol w="574605">
+                <a:gridCol w="708772">
                   <a:extLst>
                     <a:ext uri="{9D8B030D-6E8A-4147-A177-3AD203B41FA5}">
                       <a16:colId xmlns:a16="http://schemas.microsoft.com/office/drawing/2014/main" val="2751542041"/>
                     </a:ext>
                   </a:extLst>
                 </a:gridCol>
-                <a:gridCol w="1525142">
+                <a:gridCol w="708772">
+                  <a:extLst>
+                    <a:ext uri="{9D8B030D-6E8A-4147-A177-3AD203B41FA5}">
+                      <a16:colId xmlns:a16="http://schemas.microsoft.com/office/drawing/2014/main" val="3986522919"/>
+                    </a:ext>
+                  </a:extLst>
+                </a:gridCol>
+                <a:gridCol w="1029968">
                   <a:extLst>
                     <a:ext uri="{9D8B030D-6E8A-4147-A177-3AD203B41FA5}">
                       <a16:colId xmlns:a16="http://schemas.microsoft.com/office/drawing/2014/main" val="2016038053"/>
                     </a:ext>
                   </a:extLst>
                 </a:gridCol>
-                <a:gridCol w="1525142">
+                <a:gridCol w="974035">
                   <a:extLst>
                     <a:ext uri="{9D8B030D-6E8A-4147-A177-3AD203B41FA5}">
                       <a16:colId xmlns:a16="http://schemas.microsoft.com/office/drawing/2014/main" val="1112698418"/>
                     </a:ext>
                   </a:extLst>
                 </a:gridCol>
-                <a:gridCol w="1723680">
+                <a:gridCol w="1269563">
+                  <a:extLst>
+                    <a:ext uri="{9D8B030D-6E8A-4147-A177-3AD203B41FA5}">
+                      <a16:colId xmlns:a16="http://schemas.microsoft.com/office/drawing/2014/main" val="2723416343"/>
+                    </a:ext>
+                  </a:extLst>
+                </a:gridCol>
+                <a:gridCol w="1387632">
                   <a:extLst>
                     <a:ext uri="{9D8B030D-6E8A-4147-A177-3AD203B41FA5}">
                       <a16:colId xmlns:a16="http://schemas.microsoft.com/office/drawing/2014/main" val="966051585"/>
@@ -12343,7 +12303,7 @@
                     <a:p>
                       <a:pPr algn="ctr"/>
                       <a:r>
-                        <a:rPr lang="en-US" dirty="0"/>
+                        <a:rPr lang="en-US" sz="1200" dirty="0"/>
                         <a:t>Name</a:t>
                       </a:r>
                     </a:p>
@@ -12357,8 +12317,8 @@
                     <a:p>
                       <a:pPr algn="ctr"/>
                       <a:r>
-                        <a:rPr lang="en-US" dirty="0"/>
-                        <a:t>Cool</a:t>
+                        <a:rPr lang="en-US" sz="1200" dirty="0"/>
+                        <a:t>Short</a:t>
                       </a:r>
                     </a:p>
                   </a:txBody>
@@ -12377,7 +12337,27 @@
                     <a:p>
                       <a:pPr algn="ctr"/>
                       <a:r>
-                        <a:rPr lang="en-US" dirty="0"/>
+                        <a:rPr lang="en-US" sz="1200" dirty="0"/>
+                        <a:t>Average</a:t>
+                      </a:r>
+                    </a:p>
+                  </a:txBody>
+                  <a:tcPr>
+                    <a:solidFill>
+                      <a:schemeClr val="accent6">
+                        <a:lumMod val="75000"/>
+                      </a:schemeClr>
+                    </a:solidFill>
+                  </a:tcPr>
+                </a:tc>
+                <a:tc>
+                  <a:txBody>
+                    <a:bodyPr/>
+                    <a:lstStyle/>
+                    <a:p>
+                      <a:pPr algn="ctr"/>
+                      <a:r>
+                        <a:rPr lang="en-US" sz="1200" dirty="0"/>
                         <a:t>Tall</a:t>
                       </a:r>
                     </a:p>
@@ -12397,17 +12377,14 @@
                     <a:p>
                       <a:pPr algn="ctr"/>
                       <a:r>
-                        <a:rPr lang="en-US" dirty="0"/>
-                        <a:t>Strong </a:t>
+                        <a:rPr lang="en-US" sz="1200" dirty="0"/>
+                        <a:t>Never Used a Steffen </a:t>
                       </a:r>
                       <a:r>
-                        <a:rPr lang="en-US" dirty="0" err="1"/>
+                        <a:rPr lang="en-US" sz="1200" dirty="0" err="1"/>
                         <a:t>Bitmoji</a:t>
                       </a:r>
-                      <a:r>
-                        <a:rPr lang="en-US" dirty="0"/>
-                        <a:t> Game</a:t>
-                      </a:r>
+                      <a:endParaRPr lang="en-US" sz="1200" dirty="0"/>
                     </a:p>
                   </a:txBody>
                   <a:tcPr>
@@ -12425,9 +12402,14 @@
                     <a:p>
                       <a:pPr algn="ctr"/>
                       <a:r>
-                        <a:rPr lang="en-US" dirty="0"/>
-                        <a:t>Participates Often in Class</a:t>
+                        <a:rPr lang="en-US" sz="1200" dirty="0"/>
+                        <a:t>Used 1 Steffen </a:t>
                       </a:r>
+                      <a:r>
+                        <a:rPr lang="en-US" sz="1200" dirty="0" err="1"/>
+                        <a:t>Bitmoji</a:t>
+                      </a:r>
+                      <a:endParaRPr lang="en-US" sz="1200" dirty="0"/>
                     </a:p>
                   </a:txBody>
                   <a:tcPr>
@@ -12445,7 +12427,32 @@
                     <a:p>
                       <a:pPr algn="ctr"/>
                       <a:r>
-                        <a:rPr lang="en-US" dirty="0"/>
+                        <a:rPr lang="en-US" sz="1200" dirty="0"/>
+                        <a:t>Used More Than 1 Steffen </a:t>
+                      </a:r>
+                      <a:r>
+                        <a:rPr lang="en-US" sz="1200" dirty="0" err="1"/>
+                        <a:t>Bitmoji</a:t>
+                      </a:r>
+                      <a:endParaRPr lang="en-US" sz="1200" dirty="0"/>
+                    </a:p>
+                  </a:txBody>
+                  <a:tcPr>
+                    <a:solidFill>
+                      <a:schemeClr val="accent2">
+                        <a:lumMod val="75000"/>
+                      </a:schemeClr>
+                    </a:solidFill>
+                  </a:tcPr>
+                </a:tc>
+                <a:tc>
+                  <a:txBody>
+                    <a:bodyPr/>
+                    <a:lstStyle/>
+                    <a:p>
+                      <a:pPr algn="ctr"/>
+                      <a:r>
+                        <a:rPr lang="en-US" sz="1200" dirty="0"/>
                         <a:t>Eats Pizza With Pineapple</a:t>
                       </a:r>
                     </a:p>
@@ -12465,7 +12472,7 @@
                     <a:lstStyle/>
                     <a:p>
                       <a:r>
-                        <a:rPr lang="en-US" dirty="0"/>
+                        <a:rPr lang="en-US" sz="1200" dirty="0"/>
                         <a:t>Alyssa</a:t>
                       </a:r>
                     </a:p>
@@ -12479,7 +12486,7 @@
                     <a:p>
                       <a:pPr algn="ctr"/>
                       <a:r>
-                        <a:rPr lang="en-US" dirty="0"/>
+                        <a:rPr lang="en-US" sz="1200" dirty="0"/>
                         <a:t>1</a:t>
                       </a:r>
                     </a:p>
@@ -12500,7 +12507,7 @@
                     <a:p>
                       <a:pPr algn="ctr"/>
                       <a:r>
-                        <a:rPr lang="en-US" dirty="0"/>
+                        <a:rPr lang="en-US" sz="1200" dirty="0"/>
                         <a:t>0</a:t>
                       </a:r>
                     </a:p>
@@ -12521,7 +12528,70 @@
                     <a:p>
                       <a:pPr algn="ctr"/>
                       <a:r>
-                        <a:rPr lang="en-US" dirty="0"/>
+                        <a:rPr lang="en-US" sz="1200" dirty="0"/>
+                        <a:t>0</a:t>
+                      </a:r>
+                    </a:p>
+                  </a:txBody>
+                  <a:tcPr>
+                    <a:solidFill>
+                      <a:schemeClr val="accent6">
+                        <a:lumMod val="60000"/>
+                        <a:lumOff val="40000"/>
+                      </a:schemeClr>
+                    </a:solidFill>
+                  </a:tcPr>
+                </a:tc>
+                <a:tc>
+                  <a:txBody>
+                    <a:bodyPr/>
+                    <a:lstStyle/>
+                    <a:p>
+                      <a:pPr algn="ctr"/>
+                      <a:r>
+                        <a:rPr lang="en-US" sz="1200" dirty="0"/>
+                        <a:t>0</a:t>
+                      </a:r>
+                    </a:p>
+                  </a:txBody>
+                  <a:tcPr>
+                    <a:solidFill>
+                      <a:schemeClr val="accent2">
+                        <a:lumMod val="60000"/>
+                        <a:lumOff val="40000"/>
+                      </a:schemeClr>
+                    </a:solidFill>
+                  </a:tcPr>
+                </a:tc>
+                <a:tc>
+                  <a:txBody>
+                    <a:bodyPr/>
+                    <a:lstStyle/>
+                    <a:p>
+                      <a:pPr algn="ctr"/>
+                      <a:r>
+                        <a:rPr lang="en-US" sz="1200" dirty="0"/>
+                        <a:t>0</a:t>
+                      </a:r>
+                    </a:p>
+                  </a:txBody>
+                  <a:tcPr>
+                    <a:solidFill>
+                      <a:schemeClr val="accent2">
+                        <a:lumMod val="60000"/>
+                        <a:lumOff val="40000"/>
+                      </a:schemeClr>
+                    </a:solidFill>
+                  </a:tcPr>
+                </a:tc>
+                <a:tc>
+                  <a:txBody>
+                    <a:bodyPr/>
+                    <a:lstStyle/>
+                    <a:p>
+                      <a:pPr algn="ctr"/>
+                      <a:r>
+                        <a:rPr lang="en-US" sz="1200" dirty="0"/>
                         <a:t>1</a:t>
                       </a:r>
                     </a:p>
@@ -12542,7 +12612,264 @@
                     <a:p>
                       <a:pPr algn="ctr"/>
                       <a:r>
-                        <a:rPr lang="en-US" dirty="0"/>
+                        <a:rPr lang="en-US" sz="1200" dirty="0"/>
+                        <a:t>1</a:t>
+                      </a:r>
+                    </a:p>
+                  </a:txBody>
+                  <a:tcPr/>
+                </a:tc>
+                <a:extLst>
+                  <a:ext uri="{0D108BD9-81ED-4DB2-BD59-A6C34878D82A}">
+                    <a16:rowId xmlns:a16="http://schemas.microsoft.com/office/drawing/2014/main" val="1277548415"/>
+                  </a:ext>
+                </a:extLst>
+              </a:tr>
+              <a:tr h="370840">
+                <a:tc>
+                  <a:txBody>
+                    <a:bodyPr/>
+                    <a:lstStyle/>
+                    <a:p>
+                      <a:r>
+                        <a:rPr lang="en-US" sz="1200" dirty="0"/>
+                        <a:t>Angela</a:t>
+                      </a:r>
+                    </a:p>
+                  </a:txBody>
+                  <a:tcPr/>
+                </a:tc>
+                <a:tc>
+                  <a:txBody>
+                    <a:bodyPr/>
+                    <a:lstStyle/>
+                    <a:p>
+                      <a:pPr algn="ctr"/>
+                      <a:r>
+                        <a:rPr lang="en-US" sz="1200" dirty="0"/>
+                        <a:t>0</a:t>
+                      </a:r>
+                    </a:p>
+                  </a:txBody>
+                  <a:tcPr>
+                    <a:solidFill>
+                      <a:schemeClr val="accent6">
+                        <a:lumMod val="20000"/>
+                        <a:lumOff val="80000"/>
+                      </a:schemeClr>
+                    </a:solidFill>
+                  </a:tcPr>
+                </a:tc>
+                <a:tc>
+                  <a:txBody>
+                    <a:bodyPr/>
+                    <a:lstStyle/>
+                    <a:p>
+                      <a:pPr algn="ctr"/>
+                      <a:r>
+                        <a:rPr lang="en-US" sz="1200" dirty="0"/>
+                        <a:t>1</a:t>
+                      </a:r>
+                    </a:p>
+                  </a:txBody>
+                  <a:tcPr>
+                    <a:solidFill>
+                      <a:schemeClr val="accent6">
+                        <a:lumMod val="20000"/>
+                        <a:lumOff val="80000"/>
+                      </a:schemeClr>
+                    </a:solidFill>
+                  </a:tcPr>
+                </a:tc>
+                <a:tc>
+                  <a:txBody>
+                    <a:bodyPr/>
+                    <a:lstStyle/>
+                    <a:p>
+                      <a:pPr algn="ctr"/>
+                      <a:r>
+                        <a:rPr lang="en-US" sz="1200" dirty="0"/>
+                        <a:t>0</a:t>
+                      </a:r>
+                    </a:p>
+                  </a:txBody>
+                  <a:tcPr>
+                    <a:solidFill>
+                      <a:schemeClr val="accent6">
+                        <a:lumMod val="20000"/>
+                        <a:lumOff val="80000"/>
+                      </a:schemeClr>
+                    </a:solidFill>
+                  </a:tcPr>
+                </a:tc>
+                <a:tc>
+                  <a:txBody>
+                    <a:bodyPr/>
+                    <a:lstStyle/>
+                    <a:p>
+                      <a:pPr algn="ctr"/>
+                      <a:r>
+                        <a:rPr lang="en-US" sz="1200" dirty="0"/>
+                        <a:t>0</a:t>
+                      </a:r>
+                    </a:p>
+                  </a:txBody>
+                  <a:tcPr>
+                    <a:solidFill>
+                      <a:schemeClr val="accent2">
+                        <a:lumMod val="20000"/>
+                        <a:lumOff val="80000"/>
+                      </a:schemeClr>
+                    </a:solidFill>
+                  </a:tcPr>
+                </a:tc>
+                <a:tc>
+                  <a:txBody>
+                    <a:bodyPr/>
+                    <a:lstStyle/>
+                    <a:p>
+                      <a:pPr algn="ctr"/>
+                      <a:r>
+                        <a:rPr lang="en-US" sz="1200" dirty="0"/>
+                        <a:t>0</a:t>
+                      </a:r>
+                    </a:p>
+                  </a:txBody>
+                  <a:tcPr>
+                    <a:solidFill>
+                      <a:schemeClr val="accent2">
+                        <a:lumMod val="20000"/>
+                        <a:lumOff val="80000"/>
+                      </a:schemeClr>
+                    </a:solidFill>
+                  </a:tcPr>
+                </a:tc>
+                <a:tc>
+                  <a:txBody>
+                    <a:bodyPr/>
+                    <a:lstStyle/>
+                    <a:p>
+                      <a:pPr algn="ctr"/>
+                      <a:r>
+                        <a:rPr lang="en-US" sz="1200" dirty="0"/>
+                        <a:t>1</a:t>
+                      </a:r>
+                    </a:p>
+                  </a:txBody>
+                  <a:tcPr>
+                    <a:solidFill>
+                      <a:schemeClr val="accent2">
+                        <a:lumMod val="20000"/>
+                        <a:lumOff val="80000"/>
+                      </a:schemeClr>
+                    </a:solidFill>
+                  </a:tcPr>
+                </a:tc>
+                <a:tc>
+                  <a:txBody>
+                    <a:bodyPr/>
+                    <a:lstStyle/>
+                    <a:p>
+                      <a:pPr algn="ctr"/>
+                      <a:r>
+                        <a:rPr lang="en-US" sz="1200" dirty="0"/>
+                        <a:t>-1</a:t>
+                      </a:r>
+                    </a:p>
+                  </a:txBody>
+                  <a:tcPr/>
+                </a:tc>
+                <a:extLst>
+                  <a:ext uri="{0D108BD9-81ED-4DB2-BD59-A6C34878D82A}">
+                    <a16:rowId xmlns:a16="http://schemas.microsoft.com/office/drawing/2014/main" val="4255381867"/>
+                  </a:ext>
+                </a:extLst>
+              </a:tr>
+              <a:tr h="370840">
+                <a:tc>
+                  <a:txBody>
+                    <a:bodyPr/>
+                    <a:lstStyle/>
+                    <a:p>
+                      <a:r>
+                        <a:rPr lang="en-US" sz="1200" dirty="0"/>
+                        <a:t>Collin</a:t>
+                      </a:r>
+                    </a:p>
+                  </a:txBody>
+                  <a:tcPr/>
+                </a:tc>
+                <a:tc>
+                  <a:txBody>
+                    <a:bodyPr/>
+                    <a:lstStyle/>
+                    <a:p>
+                      <a:pPr algn="ctr"/>
+                      <a:r>
+                        <a:rPr lang="en-US" sz="1200" dirty="0"/>
+                        <a:t>0</a:t>
+                      </a:r>
+                    </a:p>
+                  </a:txBody>
+                  <a:tcPr>
+                    <a:solidFill>
+                      <a:schemeClr val="accent6">
+                        <a:lumMod val="60000"/>
+                        <a:lumOff val="40000"/>
+                      </a:schemeClr>
+                    </a:solidFill>
+                  </a:tcPr>
+                </a:tc>
+                <a:tc>
+                  <a:txBody>
+                    <a:bodyPr/>
+                    <a:lstStyle/>
+                    <a:p>
+                      <a:pPr algn="ctr"/>
+                      <a:r>
+                        <a:rPr lang="en-US" sz="1200" dirty="0"/>
+                        <a:t>0</a:t>
+                      </a:r>
+                    </a:p>
+                  </a:txBody>
+                  <a:tcPr>
+                    <a:solidFill>
+                      <a:schemeClr val="accent6">
+                        <a:lumMod val="60000"/>
+                        <a:lumOff val="40000"/>
+                      </a:schemeClr>
+                    </a:solidFill>
+                  </a:tcPr>
+                </a:tc>
+                <a:tc>
+                  <a:txBody>
+                    <a:bodyPr/>
+                    <a:lstStyle/>
+                    <a:p>
+                      <a:pPr algn="ctr"/>
+                      <a:r>
+                        <a:rPr lang="en-US" sz="1200" dirty="0"/>
+                        <a:t>1</a:t>
+                      </a:r>
+                    </a:p>
+                  </a:txBody>
+                  <a:tcPr>
+                    <a:solidFill>
+                      <a:schemeClr val="accent6">
+                        <a:lumMod val="60000"/>
+                        <a:lumOff val="40000"/>
+                      </a:schemeClr>
+                    </a:solidFill>
+                  </a:tcPr>
+                </a:tc>
+                <a:tc>
+                  <a:txBody>
+                    <a:bodyPr/>
+                    <a:lstStyle/>
+                    <a:p>
+                      <a:pPr algn="ctr"/>
+                      <a:r>
+                        <a:rPr lang="en-US" sz="1200" dirty="0"/>
                         <a:t>0</a:t>
                       </a:r>
                     </a:p>
@@ -12563,7 +12890,49 @@
                     <a:p>
                       <a:pPr algn="ctr"/>
                       <a:r>
-                        <a:rPr lang="en-US" dirty="0"/>
+                        <a:rPr lang="en-US" sz="1200" dirty="0"/>
+                        <a:t>1</a:t>
+                      </a:r>
+                    </a:p>
+                  </a:txBody>
+                  <a:tcPr>
+                    <a:solidFill>
+                      <a:schemeClr val="accent2">
+                        <a:lumMod val="60000"/>
+                        <a:lumOff val="40000"/>
+                      </a:schemeClr>
+                    </a:solidFill>
+                  </a:tcPr>
+                </a:tc>
+                <a:tc>
+                  <a:txBody>
+                    <a:bodyPr/>
+                    <a:lstStyle/>
+                    <a:p>
+                      <a:pPr algn="ctr"/>
+                      <a:r>
+                        <a:rPr lang="en-US" sz="1200" dirty="0"/>
+                        <a:t>0</a:t>
+                      </a:r>
+                    </a:p>
+                  </a:txBody>
+                  <a:tcPr>
+                    <a:solidFill>
+                      <a:schemeClr val="accent2">
+                        <a:lumMod val="60000"/>
+                        <a:lumOff val="40000"/>
+                      </a:schemeClr>
+                    </a:solidFill>
+                  </a:tcPr>
+                </a:tc>
+                <a:tc>
+                  <a:txBody>
+                    <a:bodyPr/>
+                    <a:lstStyle/>
+                    <a:p>
+                      <a:pPr algn="ctr"/>
+                      <a:r>
+                        <a:rPr lang="en-US" sz="1200" dirty="0"/>
                         <a:t>1</a:t>
                       </a:r>
                     </a:p>
@@ -12572,7 +12941,7 @@
                 </a:tc>
                 <a:extLst>
                   <a:ext uri="{0D108BD9-81ED-4DB2-BD59-A6C34878D82A}">
-                    <a16:rowId xmlns:a16="http://schemas.microsoft.com/office/drawing/2014/main" val="1277548415"/>
+                    <a16:rowId xmlns:a16="http://schemas.microsoft.com/office/drawing/2014/main" val="1255490623"/>
                   </a:ext>
                 </a:extLst>
               </a:tr>
@@ -12583,8 +12952,8 @@
                     <a:lstStyle/>
                     <a:p>
                       <a:r>
-                        <a:rPr lang="en-US" dirty="0"/>
-                        <a:t>Angela</a:t>
+                        <a:rPr lang="en-US" sz="1200" dirty="0"/>
+                        <a:t>Drew</a:t>
                       </a:r>
                     </a:p>
                   </a:txBody>
@@ -12597,7 +12966,7 @@
                     <a:p>
                       <a:pPr algn="ctr"/>
                       <a:r>
-                        <a:rPr lang="en-US" dirty="0"/>
+                        <a:rPr lang="en-US" sz="1200" dirty="0"/>
                         <a:t>0</a:t>
                       </a:r>
                     </a:p>
@@ -12618,7 +12987,7 @@
                     <a:p>
                       <a:pPr algn="ctr"/>
                       <a:r>
-                        <a:rPr lang="en-US" dirty="0"/>
+                        <a:rPr lang="en-US" sz="1200" dirty="0"/>
                         <a:t>0</a:t>
                       </a:r>
                     </a:p>
@@ -12639,7 +13008,70 @@
                     <a:p>
                       <a:pPr algn="ctr"/>
                       <a:r>
-                        <a:rPr lang="en-US" dirty="0"/>
+                        <a:rPr lang="en-US" sz="1200" dirty="0"/>
+                        <a:t>1</a:t>
+                      </a:r>
+                    </a:p>
+                  </a:txBody>
+                  <a:tcPr>
+                    <a:solidFill>
+                      <a:schemeClr val="accent6">
+                        <a:lumMod val="20000"/>
+                        <a:lumOff val="80000"/>
+                      </a:schemeClr>
+                    </a:solidFill>
+                  </a:tcPr>
+                </a:tc>
+                <a:tc>
+                  <a:txBody>
+                    <a:bodyPr/>
+                    <a:lstStyle/>
+                    <a:p>
+                      <a:pPr algn="ctr"/>
+                      <a:r>
+                        <a:rPr lang="en-US" sz="1200" dirty="0"/>
+                        <a:t>0</a:t>
+                      </a:r>
+                    </a:p>
+                  </a:txBody>
+                  <a:tcPr>
+                    <a:solidFill>
+                      <a:schemeClr val="accent2">
+                        <a:lumMod val="20000"/>
+                        <a:lumOff val="80000"/>
+                      </a:schemeClr>
+                    </a:solidFill>
+                  </a:tcPr>
+                </a:tc>
+                <a:tc>
+                  <a:txBody>
+                    <a:bodyPr/>
+                    <a:lstStyle/>
+                    <a:p>
+                      <a:pPr algn="ctr"/>
+                      <a:r>
+                        <a:rPr lang="en-US" sz="1200" dirty="0"/>
+                        <a:t>0</a:t>
+                      </a:r>
+                    </a:p>
+                  </a:txBody>
+                  <a:tcPr>
+                    <a:solidFill>
+                      <a:schemeClr val="accent2">
+                        <a:lumMod val="20000"/>
+                        <a:lumOff val="80000"/>
+                      </a:schemeClr>
+                    </a:solidFill>
+                  </a:tcPr>
+                </a:tc>
+                <a:tc>
+                  <a:txBody>
+                    <a:bodyPr/>
+                    <a:lstStyle/>
+                    <a:p>
+                      <a:pPr algn="ctr"/>
+                      <a:r>
+                        <a:rPr lang="en-US" sz="1200" dirty="0"/>
                         <a:t>1</a:t>
                       </a:r>
                     </a:p>
@@ -12660,7 +13092,264 @@
                     <a:p>
                       <a:pPr algn="ctr"/>
                       <a:r>
-                        <a:rPr lang="en-US" dirty="0"/>
+                        <a:rPr lang="en-US" sz="1200" dirty="0"/>
+                        <a:t>1</a:t>
+                      </a:r>
+                    </a:p>
+                  </a:txBody>
+                  <a:tcPr/>
+                </a:tc>
+                <a:extLst>
+                  <a:ext uri="{0D108BD9-81ED-4DB2-BD59-A6C34878D82A}">
+                    <a16:rowId xmlns:a16="http://schemas.microsoft.com/office/drawing/2014/main" val="195518424"/>
+                  </a:ext>
+                </a:extLst>
+              </a:tr>
+              <a:tr h="370840">
+                <a:tc>
+                  <a:txBody>
+                    <a:bodyPr/>
+                    <a:lstStyle/>
+                    <a:p>
+                      <a:r>
+                        <a:rPr lang="en-US" sz="1200" dirty="0"/>
+                        <a:t>Michael</a:t>
+                      </a:r>
+                    </a:p>
+                  </a:txBody>
+                  <a:tcPr/>
+                </a:tc>
+                <a:tc>
+                  <a:txBody>
+                    <a:bodyPr/>
+                    <a:lstStyle/>
+                    <a:p>
+                      <a:pPr algn="ctr"/>
+                      <a:r>
+                        <a:rPr lang="en-US" sz="1200" dirty="0"/>
+                        <a:t>0</a:t>
+                      </a:r>
+                    </a:p>
+                  </a:txBody>
+                  <a:tcPr>
+                    <a:solidFill>
+                      <a:schemeClr val="accent6">
+                        <a:lumMod val="60000"/>
+                        <a:lumOff val="40000"/>
+                      </a:schemeClr>
+                    </a:solidFill>
+                  </a:tcPr>
+                </a:tc>
+                <a:tc>
+                  <a:txBody>
+                    <a:bodyPr/>
+                    <a:lstStyle/>
+                    <a:p>
+                      <a:pPr algn="ctr"/>
+                      <a:r>
+                        <a:rPr lang="en-US" sz="1200" dirty="0"/>
+                        <a:t>0</a:t>
+                      </a:r>
+                    </a:p>
+                  </a:txBody>
+                  <a:tcPr>
+                    <a:solidFill>
+                      <a:schemeClr val="accent6">
+                        <a:lumMod val="60000"/>
+                        <a:lumOff val="40000"/>
+                      </a:schemeClr>
+                    </a:solidFill>
+                  </a:tcPr>
+                </a:tc>
+                <a:tc>
+                  <a:txBody>
+                    <a:bodyPr/>
+                    <a:lstStyle/>
+                    <a:p>
+                      <a:pPr algn="ctr"/>
+                      <a:r>
+                        <a:rPr lang="en-US" sz="1200" dirty="0"/>
+                        <a:t>1</a:t>
+                      </a:r>
+                    </a:p>
+                  </a:txBody>
+                  <a:tcPr>
+                    <a:solidFill>
+                      <a:schemeClr val="accent6">
+                        <a:lumMod val="60000"/>
+                        <a:lumOff val="40000"/>
+                      </a:schemeClr>
+                    </a:solidFill>
+                  </a:tcPr>
+                </a:tc>
+                <a:tc>
+                  <a:txBody>
+                    <a:bodyPr/>
+                    <a:lstStyle/>
+                    <a:p>
+                      <a:pPr algn="ctr"/>
+                      <a:r>
+                        <a:rPr lang="en-US" sz="1200" dirty="0"/>
+                        <a:t>0</a:t>
+                      </a:r>
+                    </a:p>
+                  </a:txBody>
+                  <a:tcPr>
+                    <a:solidFill>
+                      <a:schemeClr val="accent2">
+                        <a:lumMod val="60000"/>
+                        <a:lumOff val="40000"/>
+                      </a:schemeClr>
+                    </a:solidFill>
+                  </a:tcPr>
+                </a:tc>
+                <a:tc>
+                  <a:txBody>
+                    <a:bodyPr/>
+                    <a:lstStyle/>
+                    <a:p>
+                      <a:pPr algn="ctr"/>
+                      <a:r>
+                        <a:rPr lang="en-US" sz="1200" dirty="0"/>
+                        <a:t>1</a:t>
+                      </a:r>
+                    </a:p>
+                  </a:txBody>
+                  <a:tcPr>
+                    <a:solidFill>
+                      <a:schemeClr val="accent2">
+                        <a:lumMod val="60000"/>
+                        <a:lumOff val="40000"/>
+                      </a:schemeClr>
+                    </a:solidFill>
+                  </a:tcPr>
+                </a:tc>
+                <a:tc>
+                  <a:txBody>
+                    <a:bodyPr/>
+                    <a:lstStyle/>
+                    <a:p>
+                      <a:pPr algn="ctr"/>
+                      <a:r>
+                        <a:rPr lang="en-US" sz="1200" dirty="0"/>
+                        <a:t>0</a:t>
+                      </a:r>
+                    </a:p>
+                  </a:txBody>
+                  <a:tcPr>
+                    <a:solidFill>
+                      <a:schemeClr val="accent2">
+                        <a:lumMod val="60000"/>
+                        <a:lumOff val="40000"/>
+                      </a:schemeClr>
+                    </a:solidFill>
+                  </a:tcPr>
+                </a:tc>
+                <a:tc>
+                  <a:txBody>
+                    <a:bodyPr/>
+                    <a:lstStyle/>
+                    <a:p>
+                      <a:pPr algn="ctr"/>
+                      <a:r>
+                        <a:rPr lang="en-US" sz="1200" dirty="0"/>
+                        <a:t>1</a:t>
+                      </a:r>
+                    </a:p>
+                  </a:txBody>
+                  <a:tcPr/>
+                </a:tc>
+                <a:extLst>
+                  <a:ext uri="{0D108BD9-81ED-4DB2-BD59-A6C34878D82A}">
+                    <a16:rowId xmlns:a16="http://schemas.microsoft.com/office/drawing/2014/main" val="742597157"/>
+                  </a:ext>
+                </a:extLst>
+              </a:tr>
+              <a:tr h="370840">
+                <a:tc>
+                  <a:txBody>
+                    <a:bodyPr/>
+                    <a:lstStyle/>
+                    <a:p>
+                      <a:r>
+                        <a:rPr lang="en-US" sz="1200" dirty="0"/>
+                        <a:t>Sandy</a:t>
+                      </a:r>
+                    </a:p>
+                  </a:txBody>
+                  <a:tcPr/>
+                </a:tc>
+                <a:tc>
+                  <a:txBody>
+                    <a:bodyPr/>
+                    <a:lstStyle/>
+                    <a:p>
+                      <a:pPr algn="ctr"/>
+                      <a:r>
+                        <a:rPr lang="en-US" sz="1200" dirty="0"/>
+                        <a:t>0</a:t>
+                      </a:r>
+                    </a:p>
+                  </a:txBody>
+                  <a:tcPr>
+                    <a:solidFill>
+                      <a:schemeClr val="accent6">
+                        <a:lumMod val="20000"/>
+                        <a:lumOff val="80000"/>
+                      </a:schemeClr>
+                    </a:solidFill>
+                  </a:tcPr>
+                </a:tc>
+                <a:tc>
+                  <a:txBody>
+                    <a:bodyPr/>
+                    <a:lstStyle/>
+                    <a:p>
+                      <a:pPr algn="ctr"/>
+                      <a:r>
+                        <a:rPr lang="en-US" sz="1200" dirty="0"/>
+                        <a:t>0</a:t>
+                      </a:r>
+                    </a:p>
+                  </a:txBody>
+                  <a:tcPr>
+                    <a:solidFill>
+                      <a:schemeClr val="accent6">
+                        <a:lumMod val="20000"/>
+                        <a:lumOff val="80000"/>
+                      </a:schemeClr>
+                    </a:solidFill>
+                  </a:tcPr>
+                </a:tc>
+                <a:tc>
+                  <a:txBody>
+                    <a:bodyPr/>
+                    <a:lstStyle/>
+                    <a:p>
+                      <a:pPr algn="ctr"/>
+                      <a:r>
+                        <a:rPr lang="en-US" sz="1200" dirty="0"/>
+                        <a:t>1</a:t>
+                      </a:r>
+                    </a:p>
+                  </a:txBody>
+                  <a:tcPr>
+                    <a:solidFill>
+                      <a:schemeClr val="accent6">
+                        <a:lumMod val="20000"/>
+                        <a:lumOff val="80000"/>
+                      </a:schemeClr>
+                    </a:solidFill>
+                  </a:tcPr>
+                </a:tc>
+                <a:tc>
+                  <a:txBody>
+                    <a:bodyPr/>
+                    <a:lstStyle/>
+                    <a:p>
+                      <a:pPr algn="ctr"/>
+                      <a:r>
+                        <a:rPr lang="en-US" sz="1200" dirty="0"/>
                         <a:t>1</a:t>
                       </a:r>
                     </a:p>
@@ -12681,8 +13370,47 @@
                     <a:p>
                       <a:pPr algn="ctr"/>
                       <a:r>
-                        <a:rPr lang="en-US" dirty="0"/>
-                        <a:t>-1</a:t>
+                        <a:rPr lang="en-US" sz="1200" dirty="0"/>
+                        <a:t>0</a:t>
+                      </a:r>
+                    </a:p>
+                  </a:txBody>
+                  <a:tcPr>
+                    <a:solidFill>
+                      <a:schemeClr val="accent2">
+                        <a:lumMod val="20000"/>
+                        <a:lumOff val="80000"/>
+                      </a:schemeClr>
+                    </a:solidFill>
+                  </a:tcPr>
+                </a:tc>
+                <a:tc>
+                  <a:txBody>
+                    <a:bodyPr/>
+                    <a:lstStyle/>
+                    <a:p>
+                      <a:pPr algn="ctr"/>
+                      <a:endParaRPr lang="en-US" sz="1200" dirty="0"/>
+                    </a:p>
+                  </a:txBody>
+                  <a:tcPr>
+                    <a:solidFill>
+                      <a:schemeClr val="accent2">
+                        <a:lumMod val="20000"/>
+                        <a:lumOff val="80000"/>
+                      </a:schemeClr>
+                    </a:solidFill>
+                  </a:tcPr>
+                </a:tc>
+                <a:tc>
+                  <a:txBody>
+                    <a:bodyPr/>
+                    <a:lstStyle/>
+                    <a:p>
+                      <a:pPr algn="ctr"/>
+                      <a:r>
+                        <a:rPr lang="en-US" sz="1200" dirty="0"/>
+                        <a:t>1</a:t>
                       </a:r>
                     </a:p>
                   </a:txBody>
@@ -12690,7 +13418,7 @@
                 </a:tc>
                 <a:extLst>
                   <a:ext uri="{0D108BD9-81ED-4DB2-BD59-A6C34878D82A}">
-                    <a16:rowId xmlns:a16="http://schemas.microsoft.com/office/drawing/2014/main" val="4255381867"/>
+                    <a16:rowId xmlns:a16="http://schemas.microsoft.com/office/drawing/2014/main" val="1423780547"/>
                   </a:ext>
                 </a:extLst>
               </a:tr>
@@ -12701,8 +13429,8 @@
                     <a:lstStyle/>
                     <a:p>
                       <a:r>
-                        <a:rPr lang="en-US" dirty="0"/>
-                        <a:t>Collin</a:t>
+                        <a:rPr lang="en-US" sz="1200" dirty="0"/>
+                        <a:t>Rebecca</a:t>
                       </a:r>
                     </a:p>
                   </a:txBody>
@@ -12715,7 +13443,49 @@
                     <a:p>
                       <a:pPr algn="ctr"/>
                       <a:r>
-                        <a:rPr lang="en-US" dirty="0"/>
+                        <a:rPr lang="en-US" sz="1200" dirty="0"/>
+                        <a:t>0</a:t>
+                      </a:r>
+                    </a:p>
+                  </a:txBody>
+                  <a:tcPr>
+                    <a:solidFill>
+                      <a:schemeClr val="accent6">
+                        <a:lumMod val="60000"/>
+                        <a:lumOff val="40000"/>
+                      </a:schemeClr>
+                    </a:solidFill>
+                  </a:tcPr>
+                </a:tc>
+                <a:tc>
+                  <a:txBody>
+                    <a:bodyPr/>
+                    <a:lstStyle/>
+                    <a:p>
+                      <a:pPr algn="ctr"/>
+                      <a:r>
+                        <a:rPr lang="en-US" sz="1200" dirty="0"/>
+                        <a:t>0</a:t>
+                      </a:r>
+                    </a:p>
+                  </a:txBody>
+                  <a:tcPr>
+                    <a:solidFill>
+                      <a:schemeClr val="accent6">
+                        <a:lumMod val="60000"/>
+                        <a:lumOff val="40000"/>
+                      </a:schemeClr>
+                    </a:solidFill>
+                  </a:tcPr>
+                </a:tc>
+                <a:tc>
+                  <a:txBody>
+                    <a:bodyPr/>
+                    <a:lstStyle/>
+                    <a:p>
+                      <a:pPr algn="ctr"/>
+                      <a:r>
+                        <a:rPr lang="en-US" sz="1200" dirty="0"/>
                         <a:t>1</a:t>
                       </a:r>
                     </a:p>
@@ -12736,7 +13506,306 @@
                     <a:p>
                       <a:pPr algn="ctr"/>
                       <a:r>
-                        <a:rPr lang="en-US" dirty="0"/>
+                        <a:rPr lang="en-US" sz="1200" dirty="0"/>
+                        <a:t>0</a:t>
+                      </a:r>
+                    </a:p>
+                  </a:txBody>
+                  <a:tcPr>
+                    <a:solidFill>
+                      <a:schemeClr val="accent2">
+                        <a:lumMod val="60000"/>
+                        <a:lumOff val="40000"/>
+                      </a:schemeClr>
+                    </a:solidFill>
+                  </a:tcPr>
+                </a:tc>
+                <a:tc>
+                  <a:txBody>
+                    <a:bodyPr/>
+                    <a:lstStyle/>
+                    <a:p>
+                      <a:pPr algn="ctr"/>
+                      <a:r>
+                        <a:rPr lang="en-US" sz="1200" dirty="0"/>
+                        <a:t>0</a:t>
+                      </a:r>
+                    </a:p>
+                  </a:txBody>
+                  <a:tcPr>
+                    <a:solidFill>
+                      <a:schemeClr val="accent2">
+                        <a:lumMod val="60000"/>
+                        <a:lumOff val="40000"/>
+                      </a:schemeClr>
+                    </a:solidFill>
+                  </a:tcPr>
+                </a:tc>
+                <a:tc>
+                  <a:txBody>
+                    <a:bodyPr/>
+                    <a:lstStyle/>
+                    <a:p>
+                      <a:pPr algn="ctr"/>
+                      <a:r>
+                        <a:rPr lang="en-US" sz="1200" dirty="0"/>
+                        <a:t>1</a:t>
+                      </a:r>
+                    </a:p>
+                  </a:txBody>
+                  <a:tcPr>
+                    <a:solidFill>
+                      <a:schemeClr val="accent2">
+                        <a:lumMod val="60000"/>
+                        <a:lumOff val="40000"/>
+                      </a:schemeClr>
+                    </a:solidFill>
+                  </a:tcPr>
+                </a:tc>
+                <a:tc>
+                  <a:txBody>
+                    <a:bodyPr/>
+                    <a:lstStyle/>
+                    <a:p>
+                      <a:pPr algn="ctr"/>
+                      <a:r>
+                        <a:rPr lang="en-US" sz="1200" dirty="0"/>
+                        <a:t>1</a:t>
+                      </a:r>
+                    </a:p>
+                  </a:txBody>
+                  <a:tcPr/>
+                </a:tc>
+                <a:extLst>
+                  <a:ext uri="{0D108BD9-81ED-4DB2-BD59-A6C34878D82A}">
+                    <a16:rowId xmlns:a16="http://schemas.microsoft.com/office/drawing/2014/main" val="1588022925"/>
+                  </a:ext>
+                </a:extLst>
+              </a:tr>
+              <a:tr h="370840">
+                <a:tc>
+                  <a:txBody>
+                    <a:bodyPr/>
+                    <a:lstStyle/>
+                    <a:p>
+                      <a:r>
+                        <a:rPr lang="en-US" sz="1200" dirty="0"/>
+                        <a:t>Weston</a:t>
+                      </a:r>
+                    </a:p>
+                  </a:txBody>
+                  <a:tcPr/>
+                </a:tc>
+                <a:tc>
+                  <a:txBody>
+                    <a:bodyPr/>
+                    <a:lstStyle/>
+                    <a:p>
+                      <a:pPr algn="ctr"/>
+                      <a:r>
+                        <a:rPr lang="en-US" sz="1200" dirty="0"/>
+                        <a:t>1</a:t>
+                      </a:r>
+                    </a:p>
+                  </a:txBody>
+                  <a:tcPr>
+                    <a:solidFill>
+                      <a:schemeClr val="accent6">
+                        <a:lumMod val="20000"/>
+                        <a:lumOff val="80000"/>
+                      </a:schemeClr>
+                    </a:solidFill>
+                  </a:tcPr>
+                </a:tc>
+                <a:tc>
+                  <a:txBody>
+                    <a:bodyPr/>
+                    <a:lstStyle/>
+                    <a:p>
+                      <a:pPr algn="ctr"/>
+                      <a:r>
+                        <a:rPr lang="en-US" sz="1200" dirty="0"/>
+                        <a:t>0</a:t>
+                      </a:r>
+                    </a:p>
+                  </a:txBody>
+                  <a:tcPr>
+                    <a:solidFill>
+                      <a:schemeClr val="accent6">
+                        <a:lumMod val="20000"/>
+                        <a:lumOff val="80000"/>
+                      </a:schemeClr>
+                    </a:solidFill>
+                  </a:tcPr>
+                </a:tc>
+                <a:tc>
+                  <a:txBody>
+                    <a:bodyPr/>
+                    <a:lstStyle/>
+                    <a:p>
+                      <a:pPr algn="ctr"/>
+                      <a:r>
+                        <a:rPr lang="en-US" sz="1200" dirty="0"/>
+                        <a:t>1</a:t>
+                      </a:r>
+                    </a:p>
+                  </a:txBody>
+                  <a:tcPr>
+                    <a:solidFill>
+                      <a:schemeClr val="accent6">
+                        <a:lumMod val="20000"/>
+                        <a:lumOff val="80000"/>
+                      </a:schemeClr>
+                    </a:solidFill>
+                  </a:tcPr>
+                </a:tc>
+                <a:tc>
+                  <a:txBody>
+                    <a:bodyPr/>
+                    <a:lstStyle/>
+                    <a:p>
+                      <a:pPr algn="ctr"/>
+                      <a:r>
+                        <a:rPr lang="en-US" sz="1200" dirty="0"/>
+                        <a:t>0</a:t>
+                      </a:r>
+                    </a:p>
+                  </a:txBody>
+                  <a:tcPr>
+                    <a:solidFill>
+                      <a:schemeClr val="accent2">
+                        <a:lumMod val="20000"/>
+                        <a:lumOff val="80000"/>
+                      </a:schemeClr>
+                    </a:solidFill>
+                  </a:tcPr>
+                </a:tc>
+                <a:tc>
+                  <a:txBody>
+                    <a:bodyPr/>
+                    <a:lstStyle/>
+                    <a:p>
+                      <a:pPr algn="ctr"/>
+                      <a:r>
+                        <a:rPr lang="en-US" sz="1200" dirty="0"/>
+                        <a:t>1</a:t>
+                      </a:r>
+                    </a:p>
+                  </a:txBody>
+                  <a:tcPr>
+                    <a:solidFill>
+                      <a:schemeClr val="accent2">
+                        <a:lumMod val="20000"/>
+                        <a:lumOff val="80000"/>
+                      </a:schemeClr>
+                    </a:solidFill>
+                  </a:tcPr>
+                </a:tc>
+                <a:tc>
+                  <a:txBody>
+                    <a:bodyPr/>
+                    <a:lstStyle/>
+                    <a:p>
+                      <a:pPr algn="ctr"/>
+                      <a:r>
+                        <a:rPr lang="en-US" sz="1200" dirty="0"/>
+                        <a:t>0</a:t>
+                      </a:r>
+                    </a:p>
+                  </a:txBody>
+                  <a:tcPr>
+                    <a:solidFill>
+                      <a:schemeClr val="accent2">
+                        <a:lumMod val="20000"/>
+                        <a:lumOff val="80000"/>
+                      </a:schemeClr>
+                    </a:solidFill>
+                  </a:tcPr>
+                </a:tc>
+                <a:tc>
+                  <a:txBody>
+                    <a:bodyPr/>
+                    <a:lstStyle/>
+                    <a:p>
+                      <a:pPr algn="ctr"/>
+                      <a:r>
+                        <a:rPr lang="en-US" sz="1200" dirty="0"/>
+                        <a:t>1</a:t>
+                      </a:r>
+                    </a:p>
+                  </a:txBody>
+                  <a:tcPr/>
+                </a:tc>
+                <a:extLst>
+                  <a:ext uri="{0D108BD9-81ED-4DB2-BD59-A6C34878D82A}">
+                    <a16:rowId xmlns:a16="http://schemas.microsoft.com/office/drawing/2014/main" val="1863778286"/>
+                  </a:ext>
+                </a:extLst>
+              </a:tr>
+              <a:tr h="370840">
+                <a:tc>
+                  <a:txBody>
+                    <a:bodyPr/>
+                    <a:lstStyle/>
+                    <a:p>
+                      <a:r>
+                        <a:rPr lang="en-US" sz="1200" dirty="0"/>
+                        <a:t>Steffen</a:t>
+                      </a:r>
+                    </a:p>
+                  </a:txBody>
+                  <a:tcPr/>
+                </a:tc>
+                <a:tc>
+                  <a:txBody>
+                    <a:bodyPr/>
+                    <a:lstStyle/>
+                    <a:p>
+                      <a:pPr algn="ctr"/>
+                      <a:r>
+                        <a:rPr lang="en-US" sz="1200" dirty="0"/>
+                        <a:t>0</a:t>
+                      </a:r>
+                    </a:p>
+                  </a:txBody>
+                  <a:tcPr>
+                    <a:solidFill>
+                      <a:schemeClr val="accent6">
+                        <a:lumMod val="60000"/>
+                        <a:lumOff val="40000"/>
+                      </a:schemeClr>
+                    </a:solidFill>
+                  </a:tcPr>
+                </a:tc>
+                <a:tc>
+                  <a:txBody>
+                    <a:bodyPr/>
+                    <a:lstStyle/>
+                    <a:p>
+                      <a:pPr algn="ctr"/>
+                      <a:r>
+                        <a:rPr lang="en-US" sz="1200" dirty="0"/>
+                        <a:t>0</a:t>
+                      </a:r>
+                    </a:p>
+                  </a:txBody>
+                  <a:tcPr>
+                    <a:solidFill>
+                      <a:schemeClr val="accent6">
+                        <a:lumMod val="60000"/>
+                        <a:lumOff val="40000"/>
+                      </a:schemeClr>
+                    </a:solidFill>
+                  </a:tcPr>
+                </a:tc>
+                <a:tc>
+                  <a:txBody>
+                    <a:bodyPr/>
+                    <a:lstStyle/>
+                    <a:p>
+                      <a:pPr algn="ctr"/>
+                      <a:r>
+                        <a:rPr lang="en-US" sz="1200" dirty="0"/>
                         <a:t>1</a:t>
                       </a:r>
                     </a:p>
@@ -12757,7 +13826,28 @@
                     <a:p>
                       <a:pPr algn="ctr"/>
                       <a:r>
-                        <a:rPr lang="en-US" dirty="0"/>
+                        <a:rPr lang="en-US" sz="1200" dirty="0"/>
+                        <a:t>1</a:t>
+                      </a:r>
+                    </a:p>
+                  </a:txBody>
+                  <a:tcPr>
+                    <a:solidFill>
+                      <a:schemeClr val="accent2">
+                        <a:lumMod val="60000"/>
+                        <a:lumOff val="40000"/>
+                      </a:schemeClr>
+                    </a:solidFill>
+                  </a:tcPr>
+                </a:tc>
+                <a:tc>
+                  <a:txBody>
+                    <a:bodyPr/>
+                    <a:lstStyle/>
+                    <a:p>
+                      <a:pPr algn="ctr"/>
+                      <a:r>
+                        <a:rPr lang="en-US" sz="1200" dirty="0"/>
                         <a:t>0</a:t>
                       </a:r>
                     </a:p>
@@ -12778,222 +13868,7 @@
                     <a:p>
                       <a:pPr algn="ctr"/>
                       <a:r>
-                        <a:rPr lang="en-US" dirty="0"/>
-                        <a:t>1</a:t>
-                      </a:r>
-                    </a:p>
-                  </a:txBody>
-                  <a:tcPr>
-                    <a:solidFill>
-                      <a:schemeClr val="accent2">
-                        <a:lumMod val="60000"/>
-                        <a:lumOff val="40000"/>
-                      </a:schemeClr>
-                    </a:solidFill>
-                  </a:tcPr>
-                </a:tc>
-                <a:tc>
-                  <a:txBody>
-                    <a:bodyPr/>
-                    <a:lstStyle/>
-                    <a:p>
-                      <a:pPr algn="ctr"/>
-                      <a:r>
-                        <a:rPr lang="en-US" dirty="0"/>
-                        <a:t>1</a:t>
-                      </a:r>
-                    </a:p>
-                  </a:txBody>
-                  <a:tcPr/>
-                </a:tc>
-                <a:extLst>
-                  <a:ext uri="{0D108BD9-81ED-4DB2-BD59-A6C34878D82A}">
-                    <a16:rowId xmlns:a16="http://schemas.microsoft.com/office/drawing/2014/main" val="1255490623"/>
-                  </a:ext>
-                </a:extLst>
-              </a:tr>
-              <a:tr h="370840">
-                <a:tc>
-                  <a:txBody>
-                    <a:bodyPr/>
-                    <a:lstStyle/>
-                    <a:p>
-                      <a:r>
-                        <a:rPr lang="en-US" dirty="0"/>
-                        <a:t>Drew</a:t>
-                      </a:r>
-                    </a:p>
-                  </a:txBody>
-                  <a:tcPr/>
-                </a:tc>
-                <a:tc>
-                  <a:txBody>
-                    <a:bodyPr/>
-                    <a:lstStyle/>
-                    <a:p>
-                      <a:pPr algn="ctr"/>
-                      <a:r>
-                        <a:rPr lang="en-US" dirty="0"/>
-                        <a:t>1</a:t>
-                      </a:r>
-                    </a:p>
-                  </a:txBody>
-                  <a:tcPr>
-                    <a:solidFill>
-                      <a:schemeClr val="accent6">
-                        <a:lumMod val="20000"/>
-                        <a:lumOff val="80000"/>
-                      </a:schemeClr>
-                    </a:solidFill>
-                  </a:tcPr>
-                </a:tc>
-                <a:tc>
-                  <a:txBody>
-                    <a:bodyPr/>
-                    <a:lstStyle/>
-                    <a:p>
-                      <a:pPr algn="ctr"/>
-                      <a:r>
-                        <a:rPr lang="en-US" dirty="0"/>
-                        <a:t>1</a:t>
-                      </a:r>
-                    </a:p>
-                  </a:txBody>
-                  <a:tcPr>
-                    <a:solidFill>
-                      <a:schemeClr val="accent6">
-                        <a:lumMod val="20000"/>
-                        <a:lumOff val="80000"/>
-                      </a:schemeClr>
-                    </a:solidFill>
-                  </a:tcPr>
-                </a:tc>
-                <a:tc>
-                  <a:txBody>
-                    <a:bodyPr/>
-                    <a:lstStyle/>
-                    <a:p>
-                      <a:pPr algn="ctr"/>
-                      <a:r>
-                        <a:rPr lang="en-US" dirty="0"/>
-                        <a:t>1</a:t>
-                      </a:r>
-                    </a:p>
-                  </a:txBody>
-                  <a:tcPr>
-                    <a:solidFill>
-                      <a:schemeClr val="accent2">
-                        <a:lumMod val="20000"/>
-                        <a:lumOff val="80000"/>
-                      </a:schemeClr>
-                    </a:solidFill>
-                  </a:tcPr>
-                </a:tc>
-                <a:tc>
-                  <a:txBody>
-                    <a:bodyPr/>
-                    <a:lstStyle/>
-                    <a:p>
-                      <a:pPr algn="ctr"/>
-                      <a:r>
-                        <a:rPr lang="en-US" dirty="0"/>
-                        <a:t>1</a:t>
-                      </a:r>
-                    </a:p>
-                  </a:txBody>
-                  <a:tcPr>
-                    <a:solidFill>
-                      <a:schemeClr val="accent2">
-                        <a:lumMod val="20000"/>
-                        <a:lumOff val="80000"/>
-                      </a:schemeClr>
-                    </a:solidFill>
-                  </a:tcPr>
-                </a:tc>
-                <a:tc>
-                  <a:txBody>
-                    <a:bodyPr/>
-                    <a:lstStyle/>
-                    <a:p>
-                      <a:pPr algn="ctr"/>
-                      <a:r>
-                        <a:rPr lang="en-US" dirty="0"/>
-                        <a:t>1</a:t>
-                      </a:r>
-                    </a:p>
-                  </a:txBody>
-                  <a:tcPr/>
-                </a:tc>
-                <a:extLst>
-                  <a:ext uri="{0D108BD9-81ED-4DB2-BD59-A6C34878D82A}">
-                    <a16:rowId xmlns:a16="http://schemas.microsoft.com/office/drawing/2014/main" val="195518424"/>
-                  </a:ext>
-                </a:extLst>
-              </a:tr>
-              <a:tr h="370840">
-                <a:tc>
-                  <a:txBody>
-                    <a:bodyPr/>
-                    <a:lstStyle/>
-                    <a:p>
-                      <a:r>
-                        <a:rPr lang="en-US" dirty="0"/>
-                        <a:t>Michael</a:t>
-                      </a:r>
-                    </a:p>
-                  </a:txBody>
-                  <a:tcPr/>
-                </a:tc>
-                <a:tc>
-                  <a:txBody>
-                    <a:bodyPr/>
-                    <a:lstStyle/>
-                    <a:p>
-                      <a:pPr algn="ctr"/>
-                      <a:r>
-                        <a:rPr lang="en-US" dirty="0"/>
-                        <a:t>1</a:t>
-                      </a:r>
-                    </a:p>
-                  </a:txBody>
-                  <a:tcPr>
-                    <a:solidFill>
-                      <a:schemeClr val="accent6">
-                        <a:lumMod val="60000"/>
-                        <a:lumOff val="40000"/>
-                      </a:schemeClr>
-                    </a:solidFill>
-                  </a:tcPr>
-                </a:tc>
-                <a:tc>
-                  <a:txBody>
-                    <a:bodyPr/>
-                    <a:lstStyle/>
-                    <a:p>
-                      <a:pPr algn="ctr"/>
-                      <a:r>
-                        <a:rPr lang="en-US" dirty="0"/>
-                        <a:t>1</a:t>
-                      </a:r>
-                    </a:p>
-                  </a:txBody>
-                  <a:tcPr>
-                    <a:solidFill>
-                      <a:schemeClr val="accent6">
-                        <a:lumMod val="60000"/>
-                        <a:lumOff val="40000"/>
-                      </a:schemeClr>
-                    </a:solidFill>
-                  </a:tcPr>
-                </a:tc>
-                <a:tc>
-                  <a:txBody>
-                    <a:bodyPr/>
-                    <a:lstStyle/>
-                    <a:p>
-                      <a:pPr algn="ctr"/>
-                      <a:r>
-                        <a:rPr lang="en-US" dirty="0"/>
+                        <a:rPr lang="en-US" sz="1200" dirty="0"/>
                         <a:t>0</a:t>
                       </a:r>
                     </a:p>
@@ -13014,500 +13889,7 @@
                     <a:p>
                       <a:pPr algn="ctr"/>
                       <a:r>
-                        <a:rPr lang="en-US" dirty="0"/>
-                        <a:t>1</a:t>
-                      </a:r>
-                    </a:p>
-                  </a:txBody>
-                  <a:tcPr>
-                    <a:solidFill>
-                      <a:schemeClr val="accent2">
-                        <a:lumMod val="60000"/>
-                        <a:lumOff val="40000"/>
-                      </a:schemeClr>
-                    </a:solidFill>
-                  </a:tcPr>
-                </a:tc>
-                <a:tc>
-                  <a:txBody>
-                    <a:bodyPr/>
-                    <a:lstStyle/>
-                    <a:p>
-                      <a:pPr algn="ctr"/>
-                      <a:r>
-                        <a:rPr lang="en-US" dirty="0"/>
-                        <a:t>1</a:t>
-                      </a:r>
-                    </a:p>
-                  </a:txBody>
-                  <a:tcPr/>
-                </a:tc>
-                <a:extLst>
-                  <a:ext uri="{0D108BD9-81ED-4DB2-BD59-A6C34878D82A}">
-                    <a16:rowId xmlns:a16="http://schemas.microsoft.com/office/drawing/2014/main" val="742597157"/>
-                  </a:ext>
-                </a:extLst>
-              </a:tr>
-              <a:tr h="370840">
-                <a:tc>
-                  <a:txBody>
-                    <a:bodyPr/>
-                    <a:lstStyle/>
-                    <a:p>
-                      <a:r>
-                        <a:rPr lang="en-US" dirty="0"/>
-                        <a:t>Sandy</a:t>
-                      </a:r>
-                    </a:p>
-                  </a:txBody>
-                  <a:tcPr/>
-                </a:tc>
-                <a:tc>
-                  <a:txBody>
-                    <a:bodyPr/>
-                    <a:lstStyle/>
-                    <a:p>
-                      <a:pPr algn="ctr"/>
-                      <a:r>
-                        <a:rPr lang="en-US" dirty="0"/>
-                        <a:t>1</a:t>
-                      </a:r>
-                    </a:p>
-                  </a:txBody>
-                  <a:tcPr>
-                    <a:solidFill>
-                      <a:schemeClr val="accent6">
-                        <a:lumMod val="20000"/>
-                        <a:lumOff val="80000"/>
-                      </a:schemeClr>
-                    </a:solidFill>
-                  </a:tcPr>
-                </a:tc>
-                <a:tc>
-                  <a:txBody>
-                    <a:bodyPr/>
-                    <a:lstStyle/>
-                    <a:p>
-                      <a:pPr algn="ctr"/>
-                      <a:r>
-                        <a:rPr lang="en-US" dirty="0"/>
-                        <a:t>1</a:t>
-                      </a:r>
-                    </a:p>
-                  </a:txBody>
-                  <a:tcPr>
-                    <a:solidFill>
-                      <a:schemeClr val="accent6">
-                        <a:lumMod val="20000"/>
-                        <a:lumOff val="80000"/>
-                      </a:schemeClr>
-                    </a:solidFill>
-                  </a:tcPr>
-                </a:tc>
-                <a:tc>
-                  <a:txBody>
-                    <a:bodyPr/>
-                    <a:lstStyle/>
-                    <a:p>
-                      <a:pPr algn="ctr"/>
-                      <a:r>
-                        <a:rPr lang="en-US" dirty="0"/>
-                        <a:t>0</a:t>
-                      </a:r>
-                    </a:p>
-                  </a:txBody>
-                  <a:tcPr>
-                    <a:solidFill>
-                      <a:schemeClr val="accent2">
-                        <a:lumMod val="20000"/>
-                        <a:lumOff val="80000"/>
-                      </a:schemeClr>
-                    </a:solidFill>
-                  </a:tcPr>
-                </a:tc>
-                <a:tc>
-                  <a:txBody>
-                    <a:bodyPr/>
-                    <a:lstStyle/>
-                    <a:p>
-                      <a:pPr algn="ctr"/>
-                      <a:r>
-                        <a:rPr lang="en-US" dirty="0"/>
-                        <a:t>0</a:t>
-                      </a:r>
-                    </a:p>
-                  </a:txBody>
-                  <a:tcPr>
-                    <a:solidFill>
-                      <a:schemeClr val="accent2">
-                        <a:lumMod val="20000"/>
-                        <a:lumOff val="80000"/>
-                      </a:schemeClr>
-                    </a:solidFill>
-                  </a:tcPr>
-                </a:tc>
-                <a:tc>
-                  <a:txBody>
-                    <a:bodyPr/>
-                    <a:lstStyle/>
-                    <a:p>
-                      <a:pPr algn="ctr"/>
-                      <a:r>
-                        <a:rPr lang="en-US" dirty="0"/>
-                        <a:t>1</a:t>
-                      </a:r>
-                    </a:p>
-                  </a:txBody>
-                  <a:tcPr/>
-                </a:tc>
-                <a:extLst>
-                  <a:ext uri="{0D108BD9-81ED-4DB2-BD59-A6C34878D82A}">
-                    <a16:rowId xmlns:a16="http://schemas.microsoft.com/office/drawing/2014/main" val="1423780547"/>
-                  </a:ext>
-                </a:extLst>
-              </a:tr>
-              <a:tr h="370840">
-                <a:tc>
-                  <a:txBody>
-                    <a:bodyPr/>
-                    <a:lstStyle/>
-                    <a:p>
-                      <a:r>
-                        <a:rPr lang="en-US" dirty="0"/>
-                        <a:t>Rebecca</a:t>
-                      </a:r>
-                    </a:p>
-                  </a:txBody>
-                  <a:tcPr/>
-                </a:tc>
-                <a:tc>
-                  <a:txBody>
-                    <a:bodyPr/>
-                    <a:lstStyle/>
-                    <a:p>
-                      <a:pPr algn="ctr"/>
-                      <a:r>
-                        <a:rPr lang="en-US" dirty="0"/>
-                        <a:t>1</a:t>
-                      </a:r>
-                    </a:p>
-                  </a:txBody>
-                  <a:tcPr>
-                    <a:solidFill>
-                      <a:schemeClr val="accent6">
-                        <a:lumMod val="60000"/>
-                        <a:lumOff val="40000"/>
-                      </a:schemeClr>
-                    </a:solidFill>
-                  </a:tcPr>
-                </a:tc>
-                <a:tc>
-                  <a:txBody>
-                    <a:bodyPr/>
-                    <a:lstStyle/>
-                    <a:p>
-                      <a:pPr algn="ctr"/>
-                      <a:r>
-                        <a:rPr lang="en-US" dirty="0"/>
-                        <a:t>1</a:t>
-                      </a:r>
-                    </a:p>
-                  </a:txBody>
-                  <a:tcPr>
-                    <a:solidFill>
-                      <a:schemeClr val="accent6">
-                        <a:lumMod val="60000"/>
-                        <a:lumOff val="40000"/>
-                      </a:schemeClr>
-                    </a:solidFill>
-                  </a:tcPr>
-                </a:tc>
-                <a:tc>
-                  <a:txBody>
-                    <a:bodyPr/>
-                    <a:lstStyle/>
-                    <a:p>
-                      <a:pPr algn="ctr"/>
-                      <a:r>
-                        <a:rPr lang="en-US" dirty="0"/>
-                        <a:t>1</a:t>
-                      </a:r>
-                    </a:p>
-                  </a:txBody>
-                  <a:tcPr>
-                    <a:solidFill>
-                      <a:schemeClr val="accent2">
-                        <a:lumMod val="60000"/>
-                        <a:lumOff val="40000"/>
-                      </a:schemeClr>
-                    </a:solidFill>
-                  </a:tcPr>
-                </a:tc>
-                <a:tc>
-                  <a:txBody>
-                    <a:bodyPr/>
-                    <a:lstStyle/>
-                    <a:p>
-                      <a:pPr algn="ctr"/>
-                      <a:r>
-                        <a:rPr lang="en-US" dirty="0"/>
-                        <a:t>0</a:t>
-                      </a:r>
-                    </a:p>
-                  </a:txBody>
-                  <a:tcPr>
-                    <a:solidFill>
-                      <a:schemeClr val="accent2">
-                        <a:lumMod val="60000"/>
-                        <a:lumOff val="40000"/>
-                      </a:schemeClr>
-                    </a:solidFill>
-                  </a:tcPr>
-                </a:tc>
-                <a:tc>
-                  <a:txBody>
-                    <a:bodyPr/>
-                    <a:lstStyle/>
-                    <a:p>
-                      <a:pPr algn="ctr"/>
-                      <a:r>
-                        <a:rPr lang="en-US" dirty="0"/>
-                        <a:t>1</a:t>
-                      </a:r>
-                    </a:p>
-                  </a:txBody>
-                  <a:tcPr/>
-                </a:tc>
-                <a:extLst>
-                  <a:ext uri="{0D108BD9-81ED-4DB2-BD59-A6C34878D82A}">
-                    <a16:rowId xmlns:a16="http://schemas.microsoft.com/office/drawing/2014/main" val="1588022925"/>
-                  </a:ext>
-                </a:extLst>
-              </a:tr>
-              <a:tr h="370840">
-                <a:tc>
-                  <a:txBody>
-                    <a:bodyPr/>
-                    <a:lstStyle/>
-                    <a:p>
-                      <a:r>
-                        <a:rPr lang="en-US" dirty="0"/>
-                        <a:t>Weston</a:t>
-                      </a:r>
-                    </a:p>
-                  </a:txBody>
-                  <a:tcPr/>
-                </a:tc>
-                <a:tc>
-                  <a:txBody>
-                    <a:bodyPr/>
-                    <a:lstStyle/>
-                    <a:p>
-                      <a:pPr algn="ctr"/>
-                      <a:r>
-                        <a:rPr lang="en-US" dirty="0"/>
-                        <a:t>1</a:t>
-                      </a:r>
-                    </a:p>
-                  </a:txBody>
-                  <a:tcPr>
-                    <a:solidFill>
-                      <a:schemeClr val="accent6">
-                        <a:lumMod val="20000"/>
-                        <a:lumOff val="80000"/>
-                      </a:schemeClr>
-                    </a:solidFill>
-                  </a:tcPr>
-                </a:tc>
-                <a:tc>
-                  <a:txBody>
-                    <a:bodyPr/>
-                    <a:lstStyle/>
-                    <a:p>
-                      <a:pPr algn="ctr"/>
-                      <a:r>
-                        <a:rPr lang="en-US" dirty="0"/>
-                        <a:t>0</a:t>
-                      </a:r>
-                    </a:p>
-                  </a:txBody>
-                  <a:tcPr>
-                    <a:solidFill>
-                      <a:schemeClr val="accent6">
-                        <a:lumMod val="20000"/>
-                        <a:lumOff val="80000"/>
-                      </a:schemeClr>
-                    </a:solidFill>
-                  </a:tcPr>
-                </a:tc>
-                <a:tc>
-                  <a:txBody>
-                    <a:bodyPr/>
-                    <a:lstStyle/>
-                    <a:p>
-                      <a:pPr algn="ctr"/>
-                      <a:r>
-                        <a:rPr lang="en-US" dirty="0"/>
-                        <a:t>1</a:t>
-                      </a:r>
-                    </a:p>
-                  </a:txBody>
-                  <a:tcPr>
-                    <a:solidFill>
-                      <a:schemeClr val="accent2">
-                        <a:lumMod val="20000"/>
-                        <a:lumOff val="80000"/>
-                      </a:schemeClr>
-                    </a:solidFill>
-                  </a:tcPr>
-                </a:tc>
-                <a:tc>
-                  <a:txBody>
-                    <a:bodyPr/>
-                    <a:lstStyle/>
-                    <a:p>
-                      <a:pPr algn="ctr"/>
-                      <a:r>
-                        <a:rPr lang="en-US" dirty="0"/>
-                        <a:t>1</a:t>
-                      </a:r>
-                    </a:p>
-                  </a:txBody>
-                  <a:tcPr>
-                    <a:solidFill>
-                      <a:schemeClr val="accent2">
-                        <a:lumMod val="20000"/>
-                        <a:lumOff val="80000"/>
-                      </a:schemeClr>
-                    </a:solidFill>
-                  </a:tcPr>
-                </a:tc>
-                <a:tc>
-                  <a:txBody>
-                    <a:bodyPr/>
-                    <a:lstStyle/>
-                    <a:p>
-                      <a:pPr algn="ctr"/>
-                      <a:r>
-                        <a:rPr lang="en-US" dirty="0"/>
-                        <a:t>1</a:t>
-                      </a:r>
-                    </a:p>
-                  </a:txBody>
-                  <a:tcPr/>
-                </a:tc>
-                <a:extLst>
-                  <a:ext uri="{0D108BD9-81ED-4DB2-BD59-A6C34878D82A}">
-                    <a16:rowId xmlns:a16="http://schemas.microsoft.com/office/drawing/2014/main" val="1863778286"/>
-                  </a:ext>
-                </a:extLst>
-              </a:tr>
-              <a:tr h="370840">
-                <a:tc>
-                  <a:txBody>
-                    <a:bodyPr/>
-                    <a:lstStyle/>
-                    <a:p>
-                      <a:r>
-                        <a:rPr lang="en-US" dirty="0"/>
-                        <a:t>Steffen</a:t>
-                      </a:r>
-                    </a:p>
-                  </a:txBody>
-                  <a:tcPr/>
-                </a:tc>
-                <a:tc>
-                  <a:txBody>
-                    <a:bodyPr/>
-                    <a:lstStyle/>
-                    <a:p>
-                      <a:pPr algn="ctr"/>
-                      <a:r>
-                        <a:rPr lang="en-US" dirty="0"/>
-                        <a:t>1</a:t>
-                      </a:r>
-                    </a:p>
-                  </a:txBody>
-                  <a:tcPr>
-                    <a:solidFill>
-                      <a:schemeClr val="accent6">
-                        <a:lumMod val="60000"/>
-                        <a:lumOff val="40000"/>
-                      </a:schemeClr>
-                    </a:solidFill>
-                  </a:tcPr>
-                </a:tc>
-                <a:tc>
-                  <a:txBody>
-                    <a:bodyPr/>
-                    <a:lstStyle/>
-                    <a:p>
-                      <a:pPr algn="ctr"/>
-                      <a:r>
-                        <a:rPr lang="en-US" dirty="0"/>
-                        <a:t>1</a:t>
-                      </a:r>
-                    </a:p>
-                  </a:txBody>
-                  <a:tcPr>
-                    <a:solidFill>
-                      <a:schemeClr val="accent6">
-                        <a:lumMod val="60000"/>
-                        <a:lumOff val="40000"/>
-                      </a:schemeClr>
-                    </a:solidFill>
-                  </a:tcPr>
-                </a:tc>
-                <a:tc>
-                  <a:txBody>
-                    <a:bodyPr/>
-                    <a:lstStyle/>
-                    <a:p>
-                      <a:pPr algn="ctr"/>
-                      <a:r>
-                        <a:rPr lang="en-US" dirty="0"/>
-                        <a:t>0</a:t>
-                      </a:r>
-                    </a:p>
-                  </a:txBody>
-                  <a:tcPr>
-                    <a:solidFill>
-                      <a:schemeClr val="accent2">
-                        <a:lumMod val="60000"/>
-                        <a:lumOff val="40000"/>
-                      </a:schemeClr>
-                    </a:solidFill>
-                  </a:tcPr>
-                </a:tc>
-                <a:tc>
-                  <a:txBody>
-                    <a:bodyPr/>
-                    <a:lstStyle/>
-                    <a:p>
-                      <a:pPr algn="ctr"/>
-                      <a:r>
-                        <a:rPr lang="en-US" dirty="0"/>
-                        <a:t>1</a:t>
-                      </a:r>
-                    </a:p>
-                  </a:txBody>
-                  <a:tcPr>
-                    <a:solidFill>
-                      <a:schemeClr val="accent2">
-                        <a:lumMod val="60000"/>
-                        <a:lumOff val="40000"/>
-                      </a:schemeClr>
-                    </a:solidFill>
-                  </a:tcPr>
-                </a:tc>
-                <a:tc>
-                  <a:txBody>
-                    <a:bodyPr/>
-                    <a:lstStyle/>
-                    <a:p>
-                      <a:pPr algn="ctr"/>
-                      <a:r>
-                        <a:rPr lang="en-US" dirty="0"/>
+                        <a:rPr lang="en-US" sz="1200" dirty="0"/>
                         <a:t>1</a:t>
                       </a:r>
                     </a:p>
@@ -14220,10 +14602,10 @@
       </p:sp>
       <p:pic>
         <p:nvPicPr>
-          <p:cNvPr id="7218" name="Picture 7217">
-            <a:extLst>
-              <a:ext uri="{FF2B5EF4-FFF2-40B4-BE49-F238E27FC236}">
-                <a16:creationId xmlns:a16="http://schemas.microsoft.com/office/drawing/2014/main" id="{06578522-2DF1-409F-A3DE-01C94CA48277}"/>
+          <p:cNvPr id="7225" name="Picture 7224">
+            <a:extLst>
+              <a:ext uri="{FF2B5EF4-FFF2-40B4-BE49-F238E27FC236}">
+                <a16:creationId xmlns:a16="http://schemas.microsoft.com/office/drawing/2014/main" id="{7C9ABB02-A585-40A1-A74B-D3B9CAAFCC80}"/>
               </a:ext>
             </a:extLst>
           </p:cNvPr>
@@ -14240,8 +14622,8 @@
         </p:blipFill>
         <p:spPr>
           <a:xfrm>
-            <a:off x="253245" y="3393144"/>
-            <a:ext cx="4980374" cy="2272598"/>
+            <a:off x="250995" y="3455141"/>
+            <a:ext cx="4737643" cy="2119301"/>
           </a:xfrm>
           <a:prstGeom prst="rect">
             <a:avLst/>

--- a/Presentations/Trees Get Degrees_Full_Presentation.pptx
+++ b/Presentations/Trees Get Degrees_Full_Presentation.pptx
@@ -11922,8 +11922,8 @@
         </p:nvSpPr>
         <p:spPr>
           <a:xfrm>
-            <a:off x="9108908" y="1798636"/>
-            <a:ext cx="1486678" cy="369332"/>
+            <a:off x="9108907" y="1798636"/>
+            <a:ext cx="1765041" cy="369332"/>
           </a:xfrm>
           <a:prstGeom prst="rect">
             <a:avLst/>
@@ -11942,7 +11942,7 @@
                   <a:schemeClr val="bg1"/>
                 </a:solidFill>
               </a:rPr>
-              <a:t>Split on Cool</a:t>
+              <a:t>Split on Average</a:t>
             </a:r>
           </a:p>
         </p:txBody>
@@ -12222,7 +12222,7 @@
             <p:ph idx="1"/>
             <p:extLst>
               <p:ext uri="{D42A27DB-BD31-4B8C-83A1-F6EECF244321}">
-                <p14:modId xmlns:p14="http://schemas.microsoft.com/office/powerpoint/2010/main" val="1560986446"/>
+                <p14:modId xmlns:p14="http://schemas.microsoft.com/office/powerpoint/2010/main" val="253687380"/>
               </p:ext>
             </p:extLst>
           </p:nvPr>
@@ -13390,7 +13390,10 @@
                     <a:lstStyle/>
                     <a:p>
                       <a:pPr algn="ctr"/>
-                      <a:endParaRPr lang="en-US" sz="1200" dirty="0"/>
+                      <a:r>
+                        <a:rPr lang="en-US" sz="1200" dirty="0"/>
+                        <a:t>0</a:t>
+                      </a:r>
                     </a:p>
                   </a:txBody>
                   <a:tcPr>
@@ -13646,7 +13649,7 @@
                       <a:pPr algn="ctr"/>
                       <a:r>
                         <a:rPr lang="en-US" sz="1200" dirty="0"/>
-                        <a:t>1</a:t>
+                        <a:t>0</a:t>
                       </a:r>
                     </a:p>
                   </a:txBody>
@@ -20517,7 +20520,7 @@
           <a:p>
             <a:r>
               <a:rPr lang="en-US" dirty="0"/>
-              <a:t>Branch and Cut Method</a:t>
+              <a:t>Branch and Bound Method</a:t>
             </a:r>
           </a:p>
         </p:txBody>
@@ -20587,7 +20590,7 @@
         </p:blipFill>
         <p:spPr bwMode="auto">
           <a:xfrm rot="1707716">
-            <a:off x="6543637" y="587420"/>
+            <a:off x="7236349" y="640715"/>
             <a:ext cx="622158" cy="723673"/>
           </a:xfrm>
           <a:prstGeom prst="rect">

--- a/Presentations/Trees Get Degrees_Full_Presentation.pptx
+++ b/Presentations/Trees Get Degrees_Full_Presentation.pptx
@@ -10730,8 +10730,8 @@
         </p:blipFill>
         <p:spPr>
           <a:xfrm>
-            <a:off x="1479756" y="2332243"/>
-            <a:ext cx="4398635" cy="4398635"/>
+            <a:off x="227427" y="2444888"/>
+            <a:ext cx="3681966" cy="3681966"/>
           </a:xfrm>
         </p:spPr>
       </p:pic>
@@ -10763,8 +10763,44 @@
         </p:blipFill>
         <p:spPr>
           <a:xfrm>
-            <a:off x="6313610" y="1690688"/>
-            <a:ext cx="5040190" cy="5040190"/>
+            <a:off x="8282609" y="1975610"/>
+            <a:ext cx="4246286" cy="4246286"/>
+          </a:xfrm>
+          <a:prstGeom prst="rect">
+            <a:avLst/>
+          </a:prstGeom>
+        </p:spPr>
+      </p:pic>
+      <p:pic>
+        <p:nvPicPr>
+          <p:cNvPr id="6" name="Picture 5" descr="Logo&#10;&#10;Description automatically generated">
+            <a:extLst>
+              <a:ext uri="{FF2B5EF4-FFF2-40B4-BE49-F238E27FC236}">
+                <a16:creationId xmlns:a16="http://schemas.microsoft.com/office/drawing/2014/main" id="{092B7290-54AD-44B4-BA8E-7B772595250D}"/>
+              </a:ext>
+            </a:extLst>
+          </p:cNvPr>
+          <p:cNvPicPr>
+            <a:picLocks noChangeAspect="1"/>
+          </p:cNvPicPr>
+          <p:nvPr/>
+        </p:nvPicPr>
+        <p:blipFill>
+          <a:blip r:embed="rId4">
+            <a:extLst>
+              <a:ext uri="{28A0092B-C50C-407E-A947-70E740481C1C}">
+                <a14:useLocalDpi xmlns:a14="http://schemas.microsoft.com/office/drawing/2010/main" val="0"/>
+              </a:ext>
+            </a:extLst>
+          </a:blip>
+          <a:stretch>
+            <a:fillRect/>
+          </a:stretch>
+        </p:blipFill>
+        <p:spPr>
+          <a:xfrm>
+            <a:off x="4749137" y="2482264"/>
+            <a:ext cx="3232978" cy="3232978"/>
           </a:xfrm>
           <a:prstGeom prst="rect">
             <a:avLst/>
